--- a/pres-source/05-hadoop.pptx
+++ b/pres-source/05-hadoop.pptx
@@ -5,12 +5,38 @@
     <p:sldMasterId id="2147483648" r:id="rId1"/>
   </p:sldMasterIdLst>
   <p:notesMasterIdLst>
-    <p:notesMasterId r:id="rId5"/>
+    <p:notesMasterId r:id="rId31"/>
   </p:notesMasterIdLst>
   <p:sldIdLst>
     <p:sldId id="256" r:id="rId2"/>
     <p:sldId id="257" r:id="rId3"/>
     <p:sldId id="258" r:id="rId4"/>
+    <p:sldId id="261" r:id="rId5"/>
+    <p:sldId id="262" r:id="rId6"/>
+    <p:sldId id="259" r:id="rId7"/>
+    <p:sldId id="282" r:id="rId8"/>
+    <p:sldId id="283" r:id="rId9"/>
+    <p:sldId id="260" r:id="rId10"/>
+    <p:sldId id="263" r:id="rId11"/>
+    <p:sldId id="264" r:id="rId12"/>
+    <p:sldId id="265" r:id="rId13"/>
+    <p:sldId id="266" r:id="rId14"/>
+    <p:sldId id="280" r:id="rId15"/>
+    <p:sldId id="267" r:id="rId16"/>
+    <p:sldId id="268" r:id="rId17"/>
+    <p:sldId id="269" r:id="rId18"/>
+    <p:sldId id="270" r:id="rId19"/>
+    <p:sldId id="281" r:id="rId20"/>
+    <p:sldId id="271" r:id="rId21"/>
+    <p:sldId id="273" r:id="rId22"/>
+    <p:sldId id="272" r:id="rId23"/>
+    <p:sldId id="274" r:id="rId24"/>
+    <p:sldId id="275" r:id="rId25"/>
+    <p:sldId id="284" r:id="rId26"/>
+    <p:sldId id="279" r:id="rId27"/>
+    <p:sldId id="276" r:id="rId28"/>
+    <p:sldId id="277" r:id="rId29"/>
+    <p:sldId id="278" r:id="rId30"/>
   </p:sldIdLst>
   <p:sldSz cx="9144000" cy="6858000" type="screen4x3"/>
   <p:notesSz cx="6858000" cy="9144000"/>
@@ -199,7 +225,7 @@
             <a:fld id="{7307762F-A706-E543-A832-3C298AA3103F}" type="datetimeFigureOut">
               <a:rPr lang="en-US" smtClean="0"/>
               <a:pPr/>
-              <a:t>03/09/15</a:t>
+              <a:t>15/10/15</a:t>
             </a:fld>
             <a:endParaRPr lang="en-US" dirty="0"/>
           </a:p>
@@ -472,6 +498,91 @@
 </p:notesMaster>
 </file>
 
+<file path=ppt/notesSlides/notesSlide1.xml><?xml version="1.0" encoding="utf-8"?>
+<p:notes xmlns:a="http://schemas.openxmlformats.org/drawingml/2006/main" xmlns:r="http://schemas.openxmlformats.org/officeDocument/2006/relationships" xmlns:p="http://schemas.openxmlformats.org/presentationml/2006/main">
+  <p:cSld>
+    <p:spTree>
+      <p:nvGrpSpPr>
+        <p:cNvPr id="1" name=""/>
+        <p:cNvGrpSpPr/>
+        <p:nvPr/>
+      </p:nvGrpSpPr>
+      <p:grpSpPr>
+        <a:xfrm>
+          <a:off x="0" y="0"/>
+          <a:ext cx="0" cy="0"/>
+          <a:chOff x="0" y="0"/>
+          <a:chExt cx="0" cy="0"/>
+        </a:xfrm>
+      </p:grpSpPr>
+      <p:sp>
+        <p:nvSpPr>
+          <p:cNvPr id="2" name="Slide Image Placeholder 1"/>
+          <p:cNvSpPr>
+            <a:spLocks noGrp="1" noRot="1" noChangeAspect="1"/>
+          </p:cNvSpPr>
+          <p:nvPr>
+            <p:ph type="sldImg"/>
+          </p:nvPr>
+        </p:nvSpPr>
+        <p:spPr/>
+      </p:sp>
+      <p:sp>
+        <p:nvSpPr>
+          <p:cNvPr id="3" name="Notes Placeholder 2"/>
+          <p:cNvSpPr>
+            <a:spLocks noGrp="1"/>
+          </p:cNvSpPr>
+          <p:nvPr>
+            <p:ph type="body" idx="1"/>
+          </p:nvPr>
+        </p:nvSpPr>
+        <p:spPr/>
+        <p:txBody>
+          <a:bodyPr/>
+          <a:lstStyle/>
+          <a:p>
+            <a:endParaRPr lang="en-US"/>
+          </a:p>
+        </p:txBody>
+      </p:sp>
+      <p:sp>
+        <p:nvSpPr>
+          <p:cNvPr id="4" name="Slide Number Placeholder 3"/>
+          <p:cNvSpPr>
+            <a:spLocks noGrp="1"/>
+          </p:cNvSpPr>
+          <p:nvPr>
+            <p:ph type="sldNum" sz="quarter" idx="10"/>
+          </p:nvPr>
+        </p:nvSpPr>
+        <p:spPr/>
+        <p:txBody>
+          <a:bodyPr/>
+          <a:lstStyle/>
+          <a:p>
+            <a:fld id="{BC39F3E1-B436-EB4D-8332-DAA0486A7B2B}" type="slidenum">
+              <a:rPr lang="en-US" smtClean="0"/>
+              <a:pPr/>
+              <a:t>4</a:t>
+            </a:fld>
+            <a:endParaRPr lang="en-US" dirty="0"/>
+          </a:p>
+        </p:txBody>
+      </p:sp>
+    </p:spTree>
+    <p:extLst>
+      <p:ext uri="{BB962C8B-B14F-4D97-AF65-F5344CB8AC3E}">
+        <p14:creationId xmlns:p14="http://schemas.microsoft.com/office/powerpoint/2010/main" val="3589494892"/>
+      </p:ext>
+    </p:extLst>
+  </p:cSld>
+  <p:clrMapOvr>
+    <a:masterClrMapping/>
+  </p:clrMapOvr>
+</p:notes>
+</file>
+
 <file path=ppt/slideLayouts/slideLayout1.xml><?xml version="1.0" encoding="utf-8"?>
 <p:sldLayout xmlns:a="http://schemas.openxmlformats.org/drawingml/2006/main" xmlns:r="http://schemas.openxmlformats.org/officeDocument/2006/relationships" xmlns:p="http://schemas.openxmlformats.org/presentationml/2006/main" type="title" preserve="1">
   <p:cSld name="Title Slide">
@@ -766,7 +877,7 @@
           <a:p>
             <a:fld id="{875CF0EB-321F-0749-B37A-89BBA859503C}" type="datetimeFigureOut">
               <a:rPr lang="en-US" smtClean="0"/>
-              <a:t>03/09/15</a:t>
+              <a:t>15/10/15</a:t>
             </a:fld>
             <a:endParaRPr lang="en-US"/>
           </a:p>
@@ -970,7 +1081,7 @@
           <a:p>
             <a:fld id="{875CF0EB-321F-0749-B37A-89BBA859503C}" type="datetimeFigureOut">
               <a:rPr lang="en-US" smtClean="0"/>
-              <a:t>03/09/15</a:t>
+              <a:t>15/10/15</a:t>
             </a:fld>
             <a:endParaRPr lang="en-US"/>
           </a:p>
@@ -1164,7 +1275,7 @@
           <a:p>
             <a:fld id="{875CF0EB-321F-0749-B37A-89BBA859503C}" type="datetimeFigureOut">
               <a:rPr lang="en-US" smtClean="0"/>
-              <a:t>03/09/15</a:t>
+              <a:t>15/10/15</a:t>
             </a:fld>
             <a:endParaRPr lang="en-US"/>
           </a:p>
@@ -1434,7 +1545,7 @@
           <a:p>
             <a:fld id="{875CF0EB-321F-0749-B37A-89BBA859503C}" type="datetimeFigureOut">
               <a:rPr lang="en-US" smtClean="0"/>
-              <a:t>03/09/15</a:t>
+              <a:t>15/10/15</a:t>
             </a:fld>
             <a:endParaRPr lang="en-US"/>
           </a:p>
@@ -1746,7 +1857,7 @@
           <a:p>
             <a:fld id="{875CF0EB-321F-0749-B37A-89BBA859503C}" type="datetimeFigureOut">
               <a:rPr lang="en-US" smtClean="0"/>
-              <a:t>03/09/15</a:t>
+              <a:t>15/10/15</a:t>
             </a:fld>
             <a:endParaRPr lang="en-US"/>
           </a:p>
@@ -2192,7 +2303,7 @@
           <a:p>
             <a:fld id="{875CF0EB-321F-0749-B37A-89BBA859503C}" type="datetimeFigureOut">
               <a:rPr lang="en-US" smtClean="0"/>
-              <a:t>03/09/15</a:t>
+              <a:t>15/10/15</a:t>
             </a:fld>
             <a:endParaRPr lang="en-US"/>
           </a:p>
@@ -2334,7 +2445,7 @@
           <a:p>
             <a:fld id="{875CF0EB-321F-0749-B37A-89BBA859503C}" type="datetimeFigureOut">
               <a:rPr lang="en-US" smtClean="0"/>
-              <a:t>03/09/15</a:t>
+              <a:t>15/10/15</a:t>
             </a:fld>
             <a:endParaRPr lang="en-US"/>
           </a:p>
@@ -2453,7 +2564,7 @@
           <a:p>
             <a:fld id="{875CF0EB-321F-0749-B37A-89BBA859503C}" type="datetimeFigureOut">
               <a:rPr lang="en-US" smtClean="0"/>
-              <a:t>03/09/15</a:t>
+              <a:t>15/10/15</a:t>
             </a:fld>
             <a:endParaRPr lang="en-US"/>
           </a:p>
@@ -2754,7 +2865,7 @@
           <a:p>
             <a:fld id="{875CF0EB-321F-0749-B37A-89BBA859503C}" type="datetimeFigureOut">
               <a:rPr lang="en-US" smtClean="0"/>
-              <a:t>03/09/15</a:t>
+              <a:t>15/10/15</a:t>
             </a:fld>
             <a:endParaRPr lang="en-US"/>
           </a:p>
@@ -3031,7 +3142,7 @@
           <a:p>
             <a:fld id="{875CF0EB-321F-0749-B37A-89BBA859503C}" type="datetimeFigureOut">
               <a:rPr lang="en-US" smtClean="0"/>
-              <a:t>03/09/15</a:t>
+              <a:t>15/10/15</a:t>
             </a:fld>
             <a:endParaRPr lang="en-US"/>
           </a:p>
@@ -3884,6 +3995,13 @@
               </a:rPr>
               <a:t>Hadoop</a:t>
             </a:r>
+            <a:r>
+              <a:rPr lang="en-US" dirty="0" smtClean="0">
+                <a:ea typeface="ヒラギノ角ゴ ProN W3" charset="0"/>
+                <a:cs typeface="ヒラギノ角ゴ ProN W3" charset="0"/>
+              </a:rPr>
+              <a:t> and Map-Reduce</a:t>
+            </a:r>
             <a:endParaRPr lang="en-US" dirty="0">
               <a:ea typeface="ヒラギノ角ゴ ProN W3" charset="0"/>
               <a:cs typeface="ヒラギノ角ゴ ProN W3" charset="0"/>
@@ -4003,6 +4121,1954 @@
 </p:sld>
 </file>
 
+<file path=ppt/slides/slide10.xml><?xml version="1.0" encoding="utf-8"?>
+<p:sld xmlns:a="http://schemas.openxmlformats.org/drawingml/2006/main" xmlns:r="http://schemas.openxmlformats.org/officeDocument/2006/relationships" xmlns:p="http://schemas.openxmlformats.org/presentationml/2006/main">
+  <p:cSld>
+    <p:spTree>
+      <p:nvGrpSpPr>
+        <p:cNvPr id="1" name=""/>
+        <p:cNvGrpSpPr/>
+        <p:nvPr/>
+      </p:nvGrpSpPr>
+      <p:grpSpPr>
+        <a:xfrm>
+          <a:off x="0" y="0"/>
+          <a:ext cx="0" cy="0"/>
+          <a:chOff x="0" y="0"/>
+          <a:chExt cx="0" cy="0"/>
+        </a:xfrm>
+      </p:grpSpPr>
+      <p:sp>
+        <p:nvSpPr>
+          <p:cNvPr id="2" name="Title 1"/>
+          <p:cNvSpPr>
+            <a:spLocks noGrp="1"/>
+          </p:cNvSpPr>
+          <p:nvPr>
+            <p:ph type="title"/>
+          </p:nvPr>
+        </p:nvSpPr>
+        <p:spPr/>
+        <p:txBody>
+          <a:bodyPr/>
+          <a:lstStyle/>
+          <a:p>
+            <a:r>
+              <a:rPr lang="en-US" dirty="0" smtClean="0"/>
+              <a:t>Apache </a:t>
+            </a:r>
+            <a:r>
+              <a:rPr lang="en-US" dirty="0" err="1" smtClean="0"/>
+              <a:t>Hadoop</a:t>
+            </a:r>
+            <a:endParaRPr lang="en-US" dirty="0"/>
+          </a:p>
+        </p:txBody>
+      </p:sp>
+      <p:sp>
+        <p:nvSpPr>
+          <p:cNvPr id="3" name="Content Placeholder 2"/>
+          <p:cNvSpPr>
+            <a:spLocks noGrp="1"/>
+          </p:cNvSpPr>
+          <p:nvPr>
+            <p:ph idx="1"/>
+          </p:nvPr>
+        </p:nvSpPr>
+        <p:spPr/>
+        <p:txBody>
+          <a:bodyPr>
+            <a:normAutofit lnSpcReduction="10000"/>
+          </a:bodyPr>
+          <a:lstStyle/>
+          <a:p>
+            <a:r>
+              <a:rPr lang="en-US" dirty="0" smtClean="0"/>
+              <a:t>The most famous and popular </a:t>
+            </a:r>
+            <a:br>
+              <a:rPr lang="en-US" dirty="0" smtClean="0"/>
+            </a:br>
+            <a:r>
+              <a:rPr lang="en-US" dirty="0" smtClean="0"/>
+              <a:t>Map Reduce framework</a:t>
+            </a:r>
+          </a:p>
+          <a:p>
+            <a:pPr lvl="1"/>
+            <a:r>
+              <a:rPr lang="en-US" dirty="0" smtClean="0"/>
+              <a:t>Open Source</a:t>
+            </a:r>
+          </a:p>
+          <a:p>
+            <a:pPr lvl="2"/>
+            <a:r>
+              <a:rPr lang="en-US" dirty="0" smtClean="0"/>
+              <a:t>Written in Java, but supports other languages</a:t>
+            </a:r>
+          </a:p>
+          <a:p>
+            <a:pPr lvl="1"/>
+            <a:r>
+              <a:rPr lang="en-US" dirty="0" smtClean="0"/>
+              <a:t>Runs Map Reduce workloads across a cloud or cluster of machines</a:t>
+            </a:r>
+          </a:p>
+          <a:p>
+            <a:pPr lvl="1"/>
+            <a:r>
+              <a:rPr lang="en-US" dirty="0" smtClean="0"/>
+              <a:t>Supports a distributed </a:t>
+            </a:r>
+            <a:r>
+              <a:rPr lang="en-US" dirty="0" err="1" smtClean="0"/>
+              <a:t>filesystem</a:t>
+            </a:r>
+            <a:r>
+              <a:rPr lang="en-US" dirty="0" smtClean="0"/>
+              <a:t> to store data for these jobs</a:t>
+            </a:r>
+          </a:p>
+          <a:p>
+            <a:pPr lvl="1"/>
+            <a:r>
+              <a:rPr lang="en-US" dirty="0" smtClean="0"/>
+              <a:t>Provides reliability when servers in the cluster fail</a:t>
+            </a:r>
+            <a:endParaRPr lang="en-US" dirty="0"/>
+          </a:p>
+        </p:txBody>
+      </p:sp>
+    </p:spTree>
+    <p:extLst>
+      <p:ext uri="{BB962C8B-B14F-4D97-AF65-F5344CB8AC3E}">
+        <p14:creationId xmlns:p14="http://schemas.microsoft.com/office/powerpoint/2010/main" val="889996596"/>
+      </p:ext>
+    </p:extLst>
+  </p:cSld>
+  <p:clrMapOvr>
+    <a:masterClrMapping/>
+  </p:clrMapOvr>
+</p:sld>
+</file>
+
+<file path=ppt/slides/slide11.xml><?xml version="1.0" encoding="utf-8"?>
+<p:sld xmlns:a="http://schemas.openxmlformats.org/drawingml/2006/main" xmlns:r="http://schemas.openxmlformats.org/officeDocument/2006/relationships" xmlns:p="http://schemas.openxmlformats.org/presentationml/2006/main">
+  <p:cSld>
+    <p:spTree>
+      <p:nvGrpSpPr>
+        <p:cNvPr id="1" name=""/>
+        <p:cNvGrpSpPr/>
+        <p:nvPr/>
+      </p:nvGrpSpPr>
+      <p:grpSpPr>
+        <a:xfrm>
+          <a:off x="0" y="0"/>
+          <a:ext cx="0" cy="0"/>
+          <a:chOff x="0" y="0"/>
+          <a:chExt cx="0" cy="0"/>
+        </a:xfrm>
+      </p:grpSpPr>
+      <p:sp>
+        <p:nvSpPr>
+          <p:cNvPr id="2" name="Title 1"/>
+          <p:cNvSpPr>
+            <a:spLocks noGrp="1"/>
+          </p:cNvSpPr>
+          <p:nvPr>
+            <p:ph type="title"/>
+          </p:nvPr>
+        </p:nvSpPr>
+        <p:spPr/>
+        <p:txBody>
+          <a:bodyPr/>
+          <a:lstStyle/>
+          <a:p>
+            <a:r>
+              <a:rPr lang="en-US" dirty="0" smtClean="0"/>
+              <a:t>Components of </a:t>
+            </a:r>
+            <a:r>
+              <a:rPr lang="en-US" dirty="0" err="1" smtClean="0"/>
+              <a:t>Hadoop</a:t>
+            </a:r>
+            <a:endParaRPr lang="en-US" dirty="0"/>
+          </a:p>
+        </p:txBody>
+      </p:sp>
+      <p:sp>
+        <p:nvSpPr>
+          <p:cNvPr id="4" name="Rounded Rectangle 3"/>
+          <p:cNvSpPr/>
+          <p:nvPr/>
+        </p:nvSpPr>
+        <p:spPr>
+          <a:xfrm>
+            <a:off x="814487" y="4445451"/>
+            <a:ext cx="7399410" cy="1421991"/>
+          </a:xfrm>
+          <a:prstGeom prst="roundRect">
+            <a:avLst/>
+          </a:prstGeom>
+        </p:spPr>
+        <p:style>
+          <a:lnRef idx="1">
+            <a:schemeClr val="accent1"/>
+          </a:lnRef>
+          <a:fillRef idx="3">
+            <a:schemeClr val="accent1"/>
+          </a:fillRef>
+          <a:effectRef idx="2">
+            <a:schemeClr val="accent1"/>
+          </a:effectRef>
+          <a:fontRef idx="minor">
+            <a:schemeClr val="lt1"/>
+          </a:fontRef>
+        </p:style>
+        <p:txBody>
+          <a:bodyPr rtlCol="0" anchor="ctr"/>
+          <a:lstStyle/>
+          <a:p>
+            <a:pPr algn="ctr"/>
+            <a:r>
+              <a:rPr lang="en-US" dirty="0" err="1" smtClean="0"/>
+              <a:t>Hadoop</a:t>
+            </a:r>
+            <a:r>
+              <a:rPr lang="en-US" dirty="0" smtClean="0"/>
+              <a:t> Distributed File System (HDFS)</a:t>
+            </a:r>
+          </a:p>
+          <a:p>
+            <a:pPr algn="ctr"/>
+            <a:endParaRPr lang="en-US" dirty="0"/>
+          </a:p>
+          <a:p>
+            <a:pPr algn="ctr"/>
+            <a:r>
+              <a:rPr lang="en-US" dirty="0" smtClean="0"/>
+              <a:t>Redundant Reliable Distributed File System</a:t>
+            </a:r>
+          </a:p>
+        </p:txBody>
+      </p:sp>
+      <p:sp>
+        <p:nvSpPr>
+          <p:cNvPr id="5" name="Rounded Rectangle 4"/>
+          <p:cNvSpPr/>
+          <p:nvPr/>
+        </p:nvSpPr>
+        <p:spPr>
+          <a:xfrm>
+            <a:off x="814487" y="2872134"/>
+            <a:ext cx="7399410" cy="1421991"/>
+          </a:xfrm>
+          <a:prstGeom prst="roundRect">
+            <a:avLst/>
+          </a:prstGeom>
+        </p:spPr>
+        <p:style>
+          <a:lnRef idx="1">
+            <a:schemeClr val="accent1"/>
+          </a:lnRef>
+          <a:fillRef idx="3">
+            <a:schemeClr val="accent1"/>
+          </a:fillRef>
+          <a:effectRef idx="2">
+            <a:schemeClr val="accent1"/>
+          </a:effectRef>
+          <a:fontRef idx="minor">
+            <a:schemeClr val="lt1"/>
+          </a:fontRef>
+        </p:style>
+        <p:txBody>
+          <a:bodyPr rtlCol="0" anchor="ctr"/>
+          <a:lstStyle/>
+          <a:p>
+            <a:pPr algn="ctr"/>
+            <a:r>
+              <a:rPr lang="en-US" dirty="0" smtClean="0"/>
+              <a:t>YARN (Yet Another Resource Negotiator)</a:t>
+            </a:r>
+          </a:p>
+          <a:p>
+            <a:pPr algn="ctr"/>
+            <a:r>
+              <a:rPr lang="en-US" dirty="0" smtClean="0"/>
+              <a:t>Cluster Resource Management</a:t>
+            </a:r>
+          </a:p>
+        </p:txBody>
+      </p:sp>
+      <p:sp>
+        <p:nvSpPr>
+          <p:cNvPr id="6" name="Rounded Rectangle 5"/>
+          <p:cNvSpPr/>
+          <p:nvPr/>
+        </p:nvSpPr>
+        <p:spPr>
+          <a:xfrm>
+            <a:off x="814487" y="1340235"/>
+            <a:ext cx="7399410" cy="1421991"/>
+          </a:xfrm>
+          <a:prstGeom prst="roundRect">
+            <a:avLst/>
+          </a:prstGeom>
+        </p:spPr>
+        <p:style>
+          <a:lnRef idx="1">
+            <a:schemeClr val="accent1"/>
+          </a:lnRef>
+          <a:fillRef idx="3">
+            <a:schemeClr val="accent1"/>
+          </a:fillRef>
+          <a:effectRef idx="2">
+            <a:schemeClr val="accent1"/>
+          </a:effectRef>
+          <a:fontRef idx="minor">
+            <a:schemeClr val="lt1"/>
+          </a:fontRef>
+        </p:style>
+        <p:txBody>
+          <a:bodyPr rtlCol="0" anchor="ctr"/>
+          <a:lstStyle/>
+          <a:p>
+            <a:pPr algn="ctr"/>
+            <a:r>
+              <a:rPr lang="en-US" dirty="0" smtClean="0"/>
+              <a:t>Map Reduce or Other Workloads</a:t>
+            </a:r>
+          </a:p>
+          <a:p>
+            <a:pPr algn="ctr"/>
+            <a:endParaRPr lang="en-US" dirty="0"/>
+          </a:p>
+          <a:p>
+            <a:pPr algn="ctr"/>
+            <a:r>
+              <a:rPr lang="en-US" dirty="0" smtClean="0"/>
+              <a:t>Java, </a:t>
+            </a:r>
+            <a:r>
+              <a:rPr lang="en-US" dirty="0" err="1" smtClean="0"/>
+              <a:t>Scala</a:t>
+            </a:r>
+            <a:r>
+              <a:rPr lang="en-US" dirty="0" smtClean="0"/>
+              <a:t>, Python, Apache Pig, Apache Hive, </a:t>
+            </a:r>
+            <a:r>
+              <a:rPr lang="en-US" dirty="0" err="1" smtClean="0"/>
+              <a:t>etc</a:t>
+            </a:r>
+            <a:endParaRPr lang="en-US" dirty="0" smtClean="0"/>
+          </a:p>
+        </p:txBody>
+      </p:sp>
+    </p:spTree>
+    <p:extLst>
+      <p:ext uri="{BB962C8B-B14F-4D97-AF65-F5344CB8AC3E}">
+        <p14:creationId xmlns:p14="http://schemas.microsoft.com/office/powerpoint/2010/main" val="3186538270"/>
+      </p:ext>
+    </p:extLst>
+  </p:cSld>
+  <p:clrMapOvr>
+    <a:masterClrMapping/>
+  </p:clrMapOvr>
+</p:sld>
+</file>
+
+<file path=ppt/slides/slide12.xml><?xml version="1.0" encoding="utf-8"?>
+<p:sld xmlns:a="http://schemas.openxmlformats.org/drawingml/2006/main" xmlns:r="http://schemas.openxmlformats.org/officeDocument/2006/relationships" xmlns:p="http://schemas.openxmlformats.org/presentationml/2006/main">
+  <p:cSld>
+    <p:spTree>
+      <p:nvGrpSpPr>
+        <p:cNvPr id="1" name=""/>
+        <p:cNvGrpSpPr/>
+        <p:nvPr/>
+      </p:nvGrpSpPr>
+      <p:grpSpPr>
+        <a:xfrm>
+          <a:off x="0" y="0"/>
+          <a:ext cx="0" cy="0"/>
+          <a:chOff x="0" y="0"/>
+          <a:chExt cx="0" cy="0"/>
+        </a:xfrm>
+      </p:grpSpPr>
+      <p:sp>
+        <p:nvSpPr>
+          <p:cNvPr id="2" name="Title 1"/>
+          <p:cNvSpPr>
+            <a:spLocks noGrp="1"/>
+          </p:cNvSpPr>
+          <p:nvPr>
+            <p:ph type="title"/>
+          </p:nvPr>
+        </p:nvSpPr>
+        <p:spPr/>
+        <p:txBody>
+          <a:bodyPr>
+            <a:normAutofit/>
+          </a:bodyPr>
+          <a:lstStyle/>
+          <a:p>
+            <a:r>
+              <a:rPr lang="en-US" dirty="0" smtClean="0"/>
+              <a:t>HDFS in a nutshell</a:t>
+            </a:r>
+            <a:endParaRPr lang="en-US" dirty="0"/>
+          </a:p>
+        </p:txBody>
+      </p:sp>
+      <p:sp>
+        <p:nvSpPr>
+          <p:cNvPr id="5" name="Rounded Rectangle 4"/>
+          <p:cNvSpPr/>
+          <p:nvPr/>
+        </p:nvSpPr>
+        <p:spPr>
+          <a:xfrm>
+            <a:off x="966341" y="1918997"/>
+            <a:ext cx="1421901" cy="1283934"/>
+          </a:xfrm>
+          <a:prstGeom prst="roundRect">
+            <a:avLst/>
+          </a:prstGeom>
+        </p:spPr>
+        <p:style>
+          <a:lnRef idx="1">
+            <a:schemeClr val="accent1"/>
+          </a:lnRef>
+          <a:fillRef idx="3">
+            <a:schemeClr val="accent1"/>
+          </a:fillRef>
+          <a:effectRef idx="2">
+            <a:schemeClr val="accent1"/>
+          </a:effectRef>
+          <a:fontRef idx="minor">
+            <a:schemeClr val="lt1"/>
+          </a:fontRef>
+        </p:style>
+        <p:txBody>
+          <a:bodyPr rtlCol="0" anchor="ctr"/>
+          <a:lstStyle/>
+          <a:p>
+            <a:pPr algn="ctr"/>
+            <a:r>
+              <a:rPr lang="en-US" dirty="0" smtClean="0"/>
+              <a:t>Client</a:t>
+            </a:r>
+            <a:endParaRPr lang="en-US" dirty="0"/>
+          </a:p>
+        </p:txBody>
+      </p:sp>
+      <p:sp>
+        <p:nvSpPr>
+          <p:cNvPr id="6" name="Rounded Rectangle 5"/>
+          <p:cNvSpPr/>
+          <p:nvPr/>
+        </p:nvSpPr>
+        <p:spPr>
+          <a:xfrm>
+            <a:off x="4349080" y="1918997"/>
+            <a:ext cx="1421901" cy="1283934"/>
+          </a:xfrm>
+          <a:prstGeom prst="roundRect">
+            <a:avLst/>
+          </a:prstGeom>
+        </p:spPr>
+        <p:style>
+          <a:lnRef idx="1">
+            <a:schemeClr val="accent1"/>
+          </a:lnRef>
+          <a:fillRef idx="3">
+            <a:schemeClr val="accent1"/>
+          </a:fillRef>
+          <a:effectRef idx="2">
+            <a:schemeClr val="accent1"/>
+          </a:effectRef>
+          <a:fontRef idx="minor">
+            <a:schemeClr val="lt1"/>
+          </a:fontRef>
+        </p:style>
+        <p:txBody>
+          <a:bodyPr rtlCol="0" anchor="ctr"/>
+          <a:lstStyle/>
+          <a:p>
+            <a:pPr algn="ctr"/>
+            <a:r>
+              <a:rPr lang="en-US" dirty="0" err="1" smtClean="0"/>
+              <a:t>NameNode</a:t>
+            </a:r>
+            <a:endParaRPr lang="en-US" dirty="0"/>
+          </a:p>
+        </p:txBody>
+      </p:sp>
+      <p:sp>
+        <p:nvSpPr>
+          <p:cNvPr id="7" name="Rounded Rectangle 6"/>
+          <p:cNvSpPr/>
+          <p:nvPr/>
+        </p:nvSpPr>
+        <p:spPr>
+          <a:xfrm>
+            <a:off x="1677291" y="4156064"/>
+            <a:ext cx="1421901" cy="1283934"/>
+          </a:xfrm>
+          <a:prstGeom prst="roundRect">
+            <a:avLst/>
+          </a:prstGeom>
+        </p:spPr>
+        <p:style>
+          <a:lnRef idx="1">
+            <a:schemeClr val="accent1"/>
+          </a:lnRef>
+          <a:fillRef idx="3">
+            <a:schemeClr val="accent1"/>
+          </a:fillRef>
+          <a:effectRef idx="2">
+            <a:schemeClr val="accent1"/>
+          </a:effectRef>
+          <a:fontRef idx="minor">
+            <a:schemeClr val="lt1"/>
+          </a:fontRef>
+        </p:style>
+        <p:txBody>
+          <a:bodyPr rtlCol="0" anchor="ctr"/>
+          <a:lstStyle/>
+          <a:p>
+            <a:pPr algn="ctr"/>
+            <a:r>
+              <a:rPr lang="en-US" dirty="0" err="1" smtClean="0"/>
+              <a:t>DataNode</a:t>
+            </a:r>
+            <a:endParaRPr lang="en-US" dirty="0"/>
+          </a:p>
+        </p:txBody>
+      </p:sp>
+      <p:sp>
+        <p:nvSpPr>
+          <p:cNvPr id="8" name="Rounded Rectangle 7"/>
+          <p:cNvSpPr/>
+          <p:nvPr/>
+        </p:nvSpPr>
+        <p:spPr>
+          <a:xfrm>
+            <a:off x="3505889" y="4156064"/>
+            <a:ext cx="1421901" cy="1283934"/>
+          </a:xfrm>
+          <a:prstGeom prst="roundRect">
+            <a:avLst/>
+          </a:prstGeom>
+        </p:spPr>
+        <p:style>
+          <a:lnRef idx="1">
+            <a:schemeClr val="accent1"/>
+          </a:lnRef>
+          <a:fillRef idx="3">
+            <a:schemeClr val="accent1"/>
+          </a:fillRef>
+          <a:effectRef idx="2">
+            <a:schemeClr val="accent1"/>
+          </a:effectRef>
+          <a:fontRef idx="minor">
+            <a:schemeClr val="lt1"/>
+          </a:fontRef>
+        </p:style>
+        <p:txBody>
+          <a:bodyPr rtlCol="0" anchor="ctr"/>
+          <a:lstStyle/>
+          <a:p>
+            <a:pPr algn="ctr"/>
+            <a:r>
+              <a:rPr lang="en-US" dirty="0" err="1" smtClean="0"/>
+              <a:t>DataNode</a:t>
+            </a:r>
+            <a:endParaRPr lang="en-US" dirty="0"/>
+          </a:p>
+        </p:txBody>
+      </p:sp>
+      <p:sp>
+        <p:nvSpPr>
+          <p:cNvPr id="9" name="Rounded Rectangle 8"/>
+          <p:cNvSpPr/>
+          <p:nvPr/>
+        </p:nvSpPr>
+        <p:spPr>
+          <a:xfrm>
+            <a:off x="5334487" y="4156064"/>
+            <a:ext cx="1421901" cy="1283934"/>
+          </a:xfrm>
+          <a:prstGeom prst="roundRect">
+            <a:avLst/>
+          </a:prstGeom>
+        </p:spPr>
+        <p:style>
+          <a:lnRef idx="1">
+            <a:schemeClr val="accent1"/>
+          </a:lnRef>
+          <a:fillRef idx="3">
+            <a:schemeClr val="accent1"/>
+          </a:fillRef>
+          <a:effectRef idx="2">
+            <a:schemeClr val="accent1"/>
+          </a:effectRef>
+          <a:fontRef idx="minor">
+            <a:schemeClr val="lt1"/>
+          </a:fontRef>
+        </p:style>
+        <p:txBody>
+          <a:bodyPr rtlCol="0" anchor="ctr"/>
+          <a:lstStyle/>
+          <a:p>
+            <a:pPr algn="ctr"/>
+            <a:r>
+              <a:rPr lang="en-US" dirty="0" err="1" smtClean="0"/>
+              <a:t>DataNode</a:t>
+            </a:r>
+            <a:endParaRPr lang="en-US" dirty="0"/>
+          </a:p>
+        </p:txBody>
+      </p:sp>
+      <p:sp>
+        <p:nvSpPr>
+          <p:cNvPr id="10" name="Rounded Rectangle 9"/>
+          <p:cNvSpPr/>
+          <p:nvPr/>
+        </p:nvSpPr>
+        <p:spPr>
+          <a:xfrm>
+            <a:off x="7163085" y="4156064"/>
+            <a:ext cx="1421901" cy="1283934"/>
+          </a:xfrm>
+          <a:prstGeom prst="roundRect">
+            <a:avLst/>
+          </a:prstGeom>
+        </p:spPr>
+        <p:style>
+          <a:lnRef idx="1">
+            <a:schemeClr val="accent1"/>
+          </a:lnRef>
+          <a:fillRef idx="3">
+            <a:schemeClr val="accent1"/>
+          </a:fillRef>
+          <a:effectRef idx="2">
+            <a:schemeClr val="accent1"/>
+          </a:effectRef>
+          <a:fontRef idx="minor">
+            <a:schemeClr val="lt1"/>
+          </a:fontRef>
+        </p:style>
+        <p:txBody>
+          <a:bodyPr rtlCol="0" anchor="ctr"/>
+          <a:lstStyle/>
+          <a:p>
+            <a:pPr algn="ctr"/>
+            <a:r>
+              <a:rPr lang="en-US" dirty="0" err="1" smtClean="0"/>
+              <a:t>DataNode</a:t>
+            </a:r>
+            <a:endParaRPr lang="en-US" dirty="0"/>
+          </a:p>
+        </p:txBody>
+      </p:sp>
+      <p:sp>
+        <p:nvSpPr>
+          <p:cNvPr id="11" name="Rounded Rectangle 10"/>
+          <p:cNvSpPr/>
+          <p:nvPr/>
+        </p:nvSpPr>
+        <p:spPr>
+          <a:xfrm>
+            <a:off x="7163084" y="1918997"/>
+            <a:ext cx="1421901" cy="1283934"/>
+          </a:xfrm>
+          <a:prstGeom prst="roundRect">
+            <a:avLst/>
+          </a:prstGeom>
+        </p:spPr>
+        <p:style>
+          <a:lnRef idx="1">
+            <a:schemeClr val="accent1"/>
+          </a:lnRef>
+          <a:fillRef idx="3">
+            <a:schemeClr val="accent1"/>
+          </a:fillRef>
+          <a:effectRef idx="2">
+            <a:schemeClr val="accent1"/>
+          </a:effectRef>
+          <a:fontRef idx="minor">
+            <a:schemeClr val="lt1"/>
+          </a:fontRef>
+        </p:style>
+        <p:txBody>
+          <a:bodyPr rtlCol="0" anchor="ctr"/>
+          <a:lstStyle/>
+          <a:p>
+            <a:pPr algn="ctr"/>
+            <a:r>
+              <a:rPr lang="en-US" dirty="0" smtClean="0"/>
+              <a:t>Secondary</a:t>
+            </a:r>
+          </a:p>
+          <a:p>
+            <a:pPr algn="ctr"/>
+            <a:r>
+              <a:rPr lang="en-US" dirty="0" err="1" smtClean="0"/>
+              <a:t>NameNode</a:t>
+            </a:r>
+            <a:endParaRPr lang="en-US" dirty="0"/>
+          </a:p>
+        </p:txBody>
+      </p:sp>
+      <p:cxnSp>
+        <p:nvCxnSpPr>
+          <p:cNvPr id="13" name="Straight Arrow Connector 12"/>
+          <p:cNvCxnSpPr>
+            <a:stCxn id="6" idx="3"/>
+            <a:endCxn id="11" idx="1"/>
+          </p:cNvCxnSpPr>
+          <p:nvPr/>
+        </p:nvCxnSpPr>
+        <p:spPr>
+          <a:xfrm>
+            <a:off x="5770981" y="2560964"/>
+            <a:ext cx="1392103" cy="0"/>
+          </a:xfrm>
+          <a:prstGeom prst="straightConnector1">
+            <a:avLst/>
+          </a:prstGeom>
+          <a:ln>
+            <a:headEnd type="arrow"/>
+            <a:tailEnd type="arrow"/>
+          </a:ln>
+        </p:spPr>
+        <p:style>
+          <a:lnRef idx="2">
+            <a:schemeClr val="accent1"/>
+          </a:lnRef>
+          <a:fillRef idx="0">
+            <a:schemeClr val="accent1"/>
+          </a:fillRef>
+          <a:effectRef idx="1">
+            <a:schemeClr val="accent1"/>
+          </a:effectRef>
+          <a:fontRef idx="minor">
+            <a:schemeClr val="tx1"/>
+          </a:fontRef>
+        </p:style>
+      </p:cxnSp>
+      <p:cxnSp>
+        <p:nvCxnSpPr>
+          <p:cNvPr id="14" name="Straight Arrow Connector 13"/>
+          <p:cNvCxnSpPr>
+            <a:stCxn id="6" idx="2"/>
+            <a:endCxn id="7" idx="0"/>
+          </p:cNvCxnSpPr>
+          <p:nvPr/>
+        </p:nvCxnSpPr>
+        <p:spPr>
+          <a:xfrm flipH="1">
+            <a:off x="2388242" y="3202931"/>
+            <a:ext cx="2671789" cy="953133"/>
+          </a:xfrm>
+          <a:prstGeom prst="straightConnector1">
+            <a:avLst/>
+          </a:prstGeom>
+          <a:ln>
+            <a:headEnd type="arrow"/>
+            <a:tailEnd type="arrow"/>
+          </a:ln>
+        </p:spPr>
+        <p:style>
+          <a:lnRef idx="2">
+            <a:schemeClr val="accent1"/>
+          </a:lnRef>
+          <a:fillRef idx="0">
+            <a:schemeClr val="accent1"/>
+          </a:fillRef>
+          <a:effectRef idx="1">
+            <a:schemeClr val="accent1"/>
+          </a:effectRef>
+          <a:fontRef idx="minor">
+            <a:schemeClr val="tx1"/>
+          </a:fontRef>
+        </p:style>
+      </p:cxnSp>
+      <p:cxnSp>
+        <p:nvCxnSpPr>
+          <p:cNvPr id="17" name="Straight Arrow Connector 16"/>
+          <p:cNvCxnSpPr>
+            <a:stCxn id="6" idx="2"/>
+            <a:endCxn id="8" idx="0"/>
+          </p:cNvCxnSpPr>
+          <p:nvPr/>
+        </p:nvCxnSpPr>
+        <p:spPr>
+          <a:xfrm flipH="1">
+            <a:off x="4216840" y="3202931"/>
+            <a:ext cx="843191" cy="953133"/>
+          </a:xfrm>
+          <a:prstGeom prst="straightConnector1">
+            <a:avLst/>
+          </a:prstGeom>
+          <a:ln>
+            <a:headEnd type="arrow"/>
+            <a:tailEnd type="arrow"/>
+          </a:ln>
+        </p:spPr>
+        <p:style>
+          <a:lnRef idx="2">
+            <a:schemeClr val="accent1"/>
+          </a:lnRef>
+          <a:fillRef idx="0">
+            <a:schemeClr val="accent1"/>
+          </a:fillRef>
+          <a:effectRef idx="1">
+            <a:schemeClr val="accent1"/>
+          </a:effectRef>
+          <a:fontRef idx="minor">
+            <a:schemeClr val="tx1"/>
+          </a:fontRef>
+        </p:style>
+      </p:cxnSp>
+      <p:cxnSp>
+        <p:nvCxnSpPr>
+          <p:cNvPr id="20" name="Straight Arrow Connector 19"/>
+          <p:cNvCxnSpPr>
+            <a:stCxn id="6" idx="2"/>
+            <a:endCxn id="9" idx="0"/>
+          </p:cNvCxnSpPr>
+          <p:nvPr/>
+        </p:nvCxnSpPr>
+        <p:spPr>
+          <a:xfrm>
+            <a:off x="5060031" y="3202931"/>
+            <a:ext cx="985407" cy="953133"/>
+          </a:xfrm>
+          <a:prstGeom prst="straightConnector1">
+            <a:avLst/>
+          </a:prstGeom>
+          <a:ln>
+            <a:headEnd type="arrow"/>
+            <a:tailEnd type="arrow"/>
+          </a:ln>
+        </p:spPr>
+        <p:style>
+          <a:lnRef idx="2">
+            <a:schemeClr val="accent1"/>
+          </a:lnRef>
+          <a:fillRef idx="0">
+            <a:schemeClr val="accent1"/>
+          </a:fillRef>
+          <a:effectRef idx="1">
+            <a:schemeClr val="accent1"/>
+          </a:effectRef>
+          <a:fontRef idx="minor">
+            <a:schemeClr val="tx1"/>
+          </a:fontRef>
+        </p:style>
+      </p:cxnSp>
+      <p:cxnSp>
+        <p:nvCxnSpPr>
+          <p:cNvPr id="24" name="Straight Arrow Connector 23"/>
+          <p:cNvCxnSpPr>
+            <a:stCxn id="6" idx="2"/>
+            <a:endCxn id="10" idx="0"/>
+          </p:cNvCxnSpPr>
+          <p:nvPr/>
+        </p:nvCxnSpPr>
+        <p:spPr>
+          <a:xfrm>
+            <a:off x="5060031" y="3202931"/>
+            <a:ext cx="2814005" cy="953133"/>
+          </a:xfrm>
+          <a:prstGeom prst="straightConnector1">
+            <a:avLst/>
+          </a:prstGeom>
+          <a:ln>
+            <a:headEnd type="arrow"/>
+            <a:tailEnd type="arrow"/>
+          </a:ln>
+        </p:spPr>
+        <p:style>
+          <a:lnRef idx="2">
+            <a:schemeClr val="accent1"/>
+          </a:lnRef>
+          <a:fillRef idx="0">
+            <a:schemeClr val="accent1"/>
+          </a:fillRef>
+          <a:effectRef idx="1">
+            <a:schemeClr val="accent1"/>
+          </a:effectRef>
+          <a:fontRef idx="minor">
+            <a:schemeClr val="tx1"/>
+          </a:fontRef>
+        </p:style>
+      </p:cxnSp>
+      <p:cxnSp>
+        <p:nvCxnSpPr>
+          <p:cNvPr id="27" name="Straight Arrow Connector 26"/>
+          <p:cNvCxnSpPr>
+            <a:stCxn id="5" idx="3"/>
+            <a:endCxn id="6" idx="1"/>
+          </p:cNvCxnSpPr>
+          <p:nvPr/>
+        </p:nvCxnSpPr>
+        <p:spPr>
+          <a:xfrm>
+            <a:off x="2388242" y="2560964"/>
+            <a:ext cx="1960838" cy="0"/>
+          </a:xfrm>
+          <a:prstGeom prst="straightConnector1">
+            <a:avLst/>
+          </a:prstGeom>
+          <a:ln>
+            <a:headEnd type="arrow"/>
+            <a:tailEnd type="arrow"/>
+          </a:ln>
+        </p:spPr>
+        <p:style>
+          <a:lnRef idx="2">
+            <a:schemeClr val="accent1"/>
+          </a:lnRef>
+          <a:fillRef idx="0">
+            <a:schemeClr val="accent1"/>
+          </a:fillRef>
+          <a:effectRef idx="1">
+            <a:schemeClr val="accent1"/>
+          </a:effectRef>
+          <a:fontRef idx="minor">
+            <a:schemeClr val="tx1"/>
+          </a:fontRef>
+        </p:style>
+      </p:cxnSp>
+      <p:cxnSp>
+        <p:nvCxnSpPr>
+          <p:cNvPr id="30" name="Straight Arrow Connector 29"/>
+          <p:cNvCxnSpPr>
+            <a:endCxn id="7" idx="0"/>
+          </p:cNvCxnSpPr>
+          <p:nvPr/>
+        </p:nvCxnSpPr>
+        <p:spPr>
+          <a:xfrm>
+            <a:off x="1808438" y="3202932"/>
+            <a:ext cx="579804" cy="953132"/>
+          </a:xfrm>
+          <a:prstGeom prst="straightConnector1">
+            <a:avLst/>
+          </a:prstGeom>
+          <a:ln>
+            <a:headEnd type="arrow"/>
+            <a:tailEnd type="arrow"/>
+          </a:ln>
+        </p:spPr>
+        <p:style>
+          <a:lnRef idx="2">
+            <a:schemeClr val="accent1"/>
+          </a:lnRef>
+          <a:fillRef idx="0">
+            <a:schemeClr val="accent1"/>
+          </a:fillRef>
+          <a:effectRef idx="1">
+            <a:schemeClr val="accent1"/>
+          </a:effectRef>
+          <a:fontRef idx="minor">
+            <a:schemeClr val="tx1"/>
+          </a:fontRef>
+        </p:style>
+      </p:cxnSp>
+      <p:cxnSp>
+        <p:nvCxnSpPr>
+          <p:cNvPr id="33" name="Straight Arrow Connector 32"/>
+          <p:cNvCxnSpPr>
+            <a:stCxn id="5" idx="2"/>
+            <a:endCxn id="9" idx="0"/>
+          </p:cNvCxnSpPr>
+          <p:nvPr/>
+        </p:nvCxnSpPr>
+        <p:spPr>
+          <a:xfrm>
+            <a:off x="1677292" y="3202931"/>
+            <a:ext cx="4368146" cy="953133"/>
+          </a:xfrm>
+          <a:prstGeom prst="straightConnector1">
+            <a:avLst/>
+          </a:prstGeom>
+          <a:ln>
+            <a:headEnd type="arrow"/>
+            <a:tailEnd type="arrow"/>
+          </a:ln>
+        </p:spPr>
+        <p:style>
+          <a:lnRef idx="2">
+            <a:schemeClr val="accent1"/>
+          </a:lnRef>
+          <a:fillRef idx="0">
+            <a:schemeClr val="accent1"/>
+          </a:fillRef>
+          <a:effectRef idx="1">
+            <a:schemeClr val="accent1"/>
+          </a:effectRef>
+          <a:fontRef idx="minor">
+            <a:schemeClr val="tx1"/>
+          </a:fontRef>
+        </p:style>
+      </p:cxnSp>
+      <p:sp>
+        <p:nvSpPr>
+          <p:cNvPr id="37" name="TextBox 36"/>
+          <p:cNvSpPr txBox="1"/>
+          <p:nvPr/>
+        </p:nvSpPr>
+        <p:spPr>
+          <a:xfrm>
+            <a:off x="2843803" y="2277944"/>
+            <a:ext cx="890012" cy="307777"/>
+          </a:xfrm>
+          <a:prstGeom prst="rect">
+            <a:avLst/>
+          </a:prstGeom>
+          <a:noFill/>
+        </p:spPr>
+        <p:txBody>
+          <a:bodyPr wrap="none" rtlCol="0">
+            <a:spAutoFit/>
+          </a:bodyPr>
+          <a:lstStyle/>
+          <a:p>
+            <a:r>
+              <a:rPr lang="en-US" sz="1400" dirty="0" smtClean="0"/>
+              <a:t>metadata</a:t>
+            </a:r>
+            <a:endParaRPr lang="en-US" sz="1400" dirty="0"/>
+          </a:p>
+        </p:txBody>
+      </p:sp>
+      <p:sp>
+        <p:nvSpPr>
+          <p:cNvPr id="38" name="TextBox 37"/>
+          <p:cNvSpPr txBox="1"/>
+          <p:nvPr/>
+        </p:nvSpPr>
+        <p:spPr>
+          <a:xfrm>
+            <a:off x="5937596" y="2277944"/>
+            <a:ext cx="986443" cy="307777"/>
+          </a:xfrm>
+          <a:prstGeom prst="rect">
+            <a:avLst/>
+          </a:prstGeom>
+          <a:noFill/>
+        </p:spPr>
+        <p:txBody>
+          <a:bodyPr wrap="none" rtlCol="0">
+            <a:spAutoFit/>
+          </a:bodyPr>
+          <a:lstStyle/>
+          <a:p>
+            <a:r>
+              <a:rPr lang="en-US" sz="1400" dirty="0" smtClean="0"/>
+              <a:t>checkpoint</a:t>
+            </a:r>
+            <a:endParaRPr lang="en-US" sz="1400" dirty="0"/>
+          </a:p>
+        </p:txBody>
+      </p:sp>
+      <p:sp>
+        <p:nvSpPr>
+          <p:cNvPr id="39" name="TextBox 38"/>
+          <p:cNvSpPr txBox="1"/>
+          <p:nvPr/>
+        </p:nvSpPr>
+        <p:spPr>
+          <a:xfrm>
+            <a:off x="1677291" y="3389016"/>
+            <a:ext cx="1035447" cy="307777"/>
+          </a:xfrm>
+          <a:prstGeom prst="rect">
+            <a:avLst/>
+          </a:prstGeom>
+          <a:noFill/>
+        </p:spPr>
+        <p:txBody>
+          <a:bodyPr wrap="none" rtlCol="0">
+            <a:spAutoFit/>
+          </a:bodyPr>
+          <a:lstStyle/>
+          <a:p>
+            <a:r>
+              <a:rPr lang="en-US" sz="1400" dirty="0" smtClean="0"/>
+              <a:t>Data access</a:t>
+            </a:r>
+            <a:endParaRPr lang="en-US" sz="1400" dirty="0"/>
+          </a:p>
+        </p:txBody>
+      </p:sp>
+    </p:spTree>
+    <p:extLst>
+      <p:ext uri="{BB962C8B-B14F-4D97-AF65-F5344CB8AC3E}">
+        <p14:creationId xmlns:p14="http://schemas.microsoft.com/office/powerpoint/2010/main" val="165395602"/>
+      </p:ext>
+    </p:extLst>
+  </p:cSld>
+  <p:clrMapOvr>
+    <a:masterClrMapping/>
+  </p:clrMapOvr>
+</p:sld>
+</file>
+
+<file path=ppt/slides/slide13.xml><?xml version="1.0" encoding="utf-8"?>
+<p:sld xmlns:a="http://schemas.openxmlformats.org/drawingml/2006/main" xmlns:r="http://schemas.openxmlformats.org/officeDocument/2006/relationships" xmlns:p="http://schemas.openxmlformats.org/presentationml/2006/main">
+  <p:cSld>
+    <p:spTree>
+      <p:nvGrpSpPr>
+        <p:cNvPr id="1" name=""/>
+        <p:cNvGrpSpPr/>
+        <p:nvPr/>
+      </p:nvGrpSpPr>
+      <p:grpSpPr>
+        <a:xfrm>
+          <a:off x="0" y="0"/>
+          <a:ext cx="0" cy="0"/>
+          <a:chOff x="0" y="0"/>
+          <a:chExt cx="0" cy="0"/>
+        </a:xfrm>
+      </p:grpSpPr>
+      <p:sp>
+        <p:nvSpPr>
+          <p:cNvPr id="2" name="Title 1"/>
+          <p:cNvSpPr>
+            <a:spLocks noGrp="1"/>
+          </p:cNvSpPr>
+          <p:nvPr>
+            <p:ph type="title"/>
+          </p:nvPr>
+        </p:nvSpPr>
+        <p:spPr/>
+        <p:txBody>
+          <a:bodyPr/>
+          <a:lstStyle/>
+          <a:p>
+            <a:r>
+              <a:rPr lang="en-US" dirty="0" smtClean="0"/>
+              <a:t>HDFS details</a:t>
+            </a:r>
+            <a:endParaRPr lang="en-US" dirty="0"/>
+          </a:p>
+        </p:txBody>
+      </p:sp>
+      <p:sp>
+        <p:nvSpPr>
+          <p:cNvPr id="3" name="Content Placeholder 2"/>
+          <p:cNvSpPr>
+            <a:spLocks noGrp="1"/>
+          </p:cNvSpPr>
+          <p:nvPr>
+            <p:ph idx="1"/>
+          </p:nvPr>
+        </p:nvSpPr>
+        <p:spPr/>
+        <p:txBody>
+          <a:bodyPr>
+            <a:normAutofit lnSpcReduction="10000"/>
+          </a:bodyPr>
+          <a:lstStyle/>
+          <a:p>
+            <a:r>
+              <a:rPr lang="en-US" dirty="0" smtClean="0"/>
+              <a:t>Good for streaming access to large files, reliability, scale</a:t>
+            </a:r>
+          </a:p>
+          <a:p>
+            <a:r>
+              <a:rPr lang="en-US" dirty="0" smtClean="0"/>
+              <a:t>Not good for random access, small files</a:t>
+            </a:r>
+          </a:p>
+          <a:p>
+            <a:r>
+              <a:rPr lang="en-US" dirty="0" smtClean="0"/>
+              <a:t>Blocks of data 64Mb in size (configurable)</a:t>
+            </a:r>
+          </a:p>
+          <a:p>
+            <a:r>
+              <a:rPr lang="en-US" dirty="0" smtClean="0"/>
+              <a:t>Each block can be replicated across multiple data nodes for High Availability (HA)</a:t>
+            </a:r>
+            <a:endParaRPr lang="en-US" dirty="0"/>
+          </a:p>
+        </p:txBody>
+      </p:sp>
+    </p:spTree>
+    <p:extLst>
+      <p:ext uri="{BB962C8B-B14F-4D97-AF65-F5344CB8AC3E}">
+        <p14:creationId xmlns:p14="http://schemas.microsoft.com/office/powerpoint/2010/main" val="2815944417"/>
+      </p:ext>
+    </p:extLst>
+  </p:cSld>
+  <p:clrMapOvr>
+    <a:masterClrMapping/>
+  </p:clrMapOvr>
+</p:sld>
+</file>
+
+<file path=ppt/slides/slide14.xml><?xml version="1.0" encoding="utf-8"?>
+<p:sld xmlns:a="http://schemas.openxmlformats.org/drawingml/2006/main" xmlns:r="http://schemas.openxmlformats.org/officeDocument/2006/relationships" xmlns:p="http://schemas.openxmlformats.org/presentationml/2006/main">
+  <p:cSld>
+    <p:spTree>
+      <p:nvGrpSpPr>
+        <p:cNvPr id="1" name=""/>
+        <p:cNvGrpSpPr/>
+        <p:nvPr/>
+      </p:nvGrpSpPr>
+      <p:grpSpPr>
+        <a:xfrm>
+          <a:off x="0" y="0"/>
+          <a:ext cx="0" cy="0"/>
+          <a:chOff x="0" y="0"/>
+          <a:chExt cx="0" cy="0"/>
+        </a:xfrm>
+      </p:grpSpPr>
+      <p:sp>
+        <p:nvSpPr>
+          <p:cNvPr id="2" name="Title 1"/>
+          <p:cNvSpPr>
+            <a:spLocks noGrp="1"/>
+          </p:cNvSpPr>
+          <p:nvPr>
+            <p:ph type="title"/>
+          </p:nvPr>
+        </p:nvSpPr>
+        <p:spPr/>
+        <p:txBody>
+          <a:bodyPr/>
+          <a:lstStyle/>
+          <a:p>
+            <a:r>
+              <a:rPr lang="en-US" dirty="0" smtClean="0"/>
+              <a:t>HDFS commands</a:t>
+            </a:r>
+            <a:endParaRPr lang="en-US" dirty="0"/>
+          </a:p>
+        </p:txBody>
+      </p:sp>
+      <p:sp>
+        <p:nvSpPr>
+          <p:cNvPr id="3" name="Content Placeholder 2"/>
+          <p:cNvSpPr>
+            <a:spLocks noGrp="1"/>
+          </p:cNvSpPr>
+          <p:nvPr>
+            <p:ph idx="1"/>
+          </p:nvPr>
+        </p:nvSpPr>
+        <p:spPr/>
+        <p:txBody>
+          <a:bodyPr>
+            <a:normAutofit/>
+          </a:bodyPr>
+          <a:lstStyle/>
+          <a:p>
+            <a:r>
+              <a:rPr lang="en-US" sz="2800" dirty="0" smtClean="0"/>
+              <a:t>start-</a:t>
+            </a:r>
+            <a:r>
+              <a:rPr lang="en-US" sz="2800" dirty="0" err="1" smtClean="0"/>
+              <a:t>dfs.sh</a:t>
+            </a:r>
+            <a:endParaRPr lang="en-US" sz="2800" dirty="0" smtClean="0"/>
+          </a:p>
+          <a:p>
+            <a:r>
+              <a:rPr lang="en-US" sz="2800" dirty="0" smtClean="0"/>
+              <a:t>stop-</a:t>
+            </a:r>
+            <a:r>
+              <a:rPr lang="en-US" sz="2800" dirty="0" err="1" smtClean="0"/>
+              <a:t>dfs.sh</a:t>
+            </a:r>
+            <a:endParaRPr lang="en-US" sz="2800" dirty="0" smtClean="0"/>
+          </a:p>
+          <a:p>
+            <a:r>
+              <a:rPr lang="en-US" sz="2800" dirty="0" err="1" smtClean="0"/>
+              <a:t>hadoop</a:t>
+            </a:r>
+            <a:r>
+              <a:rPr lang="en-US" sz="2800" dirty="0" smtClean="0"/>
+              <a:t> </a:t>
+            </a:r>
+            <a:r>
+              <a:rPr lang="en-US" sz="2800" dirty="0" err="1" smtClean="0"/>
+              <a:t>fs</a:t>
+            </a:r>
+            <a:r>
+              <a:rPr lang="en-US" sz="2800" dirty="0" smtClean="0"/>
+              <a:t> &lt;command&gt;</a:t>
+            </a:r>
+          </a:p>
+          <a:p>
+            <a:pPr lvl="1"/>
+            <a:r>
+              <a:rPr lang="en-US" sz="2400" dirty="0" smtClean="0"/>
+              <a:t>e.g. </a:t>
+            </a:r>
+            <a:r>
+              <a:rPr lang="en-US" sz="2400" dirty="0" err="1" smtClean="0"/>
+              <a:t>hadoop</a:t>
+            </a:r>
+            <a:r>
+              <a:rPr lang="en-US" sz="2400" dirty="0" smtClean="0"/>
+              <a:t> </a:t>
+            </a:r>
+            <a:r>
+              <a:rPr lang="en-US" sz="2400" dirty="0" err="1" smtClean="0"/>
+              <a:t>fs</a:t>
+            </a:r>
+            <a:r>
+              <a:rPr lang="en-US" sz="2400" dirty="0" smtClean="0"/>
+              <a:t> cat /user/</a:t>
+            </a:r>
+            <a:r>
+              <a:rPr lang="en-US" sz="2400" dirty="0" err="1" smtClean="0"/>
+              <a:t>hduser</a:t>
+            </a:r>
+            <a:r>
+              <a:rPr lang="en-US" sz="2400" dirty="0" smtClean="0"/>
+              <a:t>/file</a:t>
+            </a:r>
+          </a:p>
+          <a:p>
+            <a:pPr lvl="1"/>
+            <a:r>
+              <a:rPr lang="en-US" sz="2400" dirty="0" err="1" smtClean="0"/>
+              <a:t>hadoop</a:t>
+            </a:r>
+            <a:r>
+              <a:rPr lang="en-US" sz="2400" dirty="0" smtClean="0"/>
+              <a:t> </a:t>
+            </a:r>
+            <a:r>
+              <a:rPr lang="en-US" sz="2400" dirty="0" err="1" smtClean="0"/>
+              <a:t>fs</a:t>
+            </a:r>
+            <a:r>
+              <a:rPr lang="en-US" sz="2400" dirty="0" smtClean="0"/>
+              <a:t> </a:t>
+            </a:r>
+            <a:r>
+              <a:rPr lang="en-US" sz="2400" dirty="0" err="1" smtClean="0"/>
+              <a:t>mkdir</a:t>
+            </a:r>
+            <a:r>
+              <a:rPr lang="en-US" sz="2400" dirty="0" smtClean="0"/>
+              <a:t> –p /user/</a:t>
+            </a:r>
+            <a:r>
+              <a:rPr lang="en-US" sz="2400" dirty="0" err="1" smtClean="0"/>
+              <a:t>hduser</a:t>
+            </a:r>
+            <a:r>
+              <a:rPr lang="en-US" sz="2400" dirty="0" smtClean="0"/>
+              <a:t>/</a:t>
+            </a:r>
+          </a:p>
+          <a:p>
+            <a:pPr lvl="1"/>
+            <a:r>
+              <a:rPr lang="en-US" sz="2400" dirty="0" err="1" smtClean="0"/>
+              <a:t>hadoop</a:t>
+            </a:r>
+            <a:r>
+              <a:rPr lang="en-US" sz="2400" dirty="0" smtClean="0"/>
+              <a:t> </a:t>
+            </a:r>
+            <a:r>
+              <a:rPr lang="en-US" sz="2400" dirty="0" err="1" smtClean="0"/>
+              <a:t>fs</a:t>
+            </a:r>
+            <a:r>
+              <a:rPr lang="en-US" sz="2400" dirty="0" smtClean="0"/>
+              <a:t> put </a:t>
+            </a:r>
+            <a:r>
+              <a:rPr lang="en-US" sz="2400" dirty="0" err="1" smtClean="0"/>
+              <a:t>localfile</a:t>
+            </a:r>
+            <a:r>
+              <a:rPr lang="en-US" sz="2400" dirty="0" smtClean="0"/>
+              <a:t> /user/</a:t>
+            </a:r>
+            <a:r>
+              <a:rPr lang="en-US" sz="2400" dirty="0" err="1" smtClean="0"/>
+              <a:t>hduser</a:t>
+            </a:r>
+            <a:r>
+              <a:rPr lang="en-US" sz="2400" dirty="0" smtClean="0"/>
+              <a:t>/</a:t>
+            </a:r>
+            <a:r>
+              <a:rPr lang="en-US" sz="2400" dirty="0" err="1" smtClean="0"/>
+              <a:t>remotefile</a:t>
+            </a:r>
+            <a:endParaRPr lang="en-US" sz="2400" dirty="0" smtClean="0"/>
+          </a:p>
+          <a:p>
+            <a:pPr lvl="1"/>
+            <a:r>
+              <a:rPr lang="en-US" sz="2400" dirty="0" err="1"/>
+              <a:t>h</a:t>
+            </a:r>
+            <a:r>
+              <a:rPr lang="en-US" sz="2400" dirty="0" err="1" smtClean="0"/>
+              <a:t>adoop</a:t>
+            </a:r>
+            <a:r>
+              <a:rPr lang="en-US" sz="2400" dirty="0" smtClean="0"/>
+              <a:t> </a:t>
+            </a:r>
+            <a:r>
+              <a:rPr lang="en-US" sz="2400" dirty="0" err="1" smtClean="0"/>
+              <a:t>fs</a:t>
+            </a:r>
+            <a:r>
+              <a:rPr lang="en-US" sz="2400" dirty="0" smtClean="0"/>
+              <a:t> get /user/</a:t>
+            </a:r>
+            <a:r>
+              <a:rPr lang="en-US" sz="2400" dirty="0" err="1" smtClean="0"/>
+              <a:t>hduser</a:t>
+            </a:r>
+            <a:r>
+              <a:rPr lang="en-US" sz="2400" dirty="0" smtClean="0"/>
+              <a:t>/</a:t>
+            </a:r>
+            <a:r>
+              <a:rPr lang="en-US" sz="2400" dirty="0" err="1" smtClean="0"/>
+              <a:t>remotefile</a:t>
+            </a:r>
+            <a:r>
+              <a:rPr lang="en-US" sz="2400" dirty="0" smtClean="0"/>
+              <a:t> </a:t>
+            </a:r>
+            <a:r>
+              <a:rPr lang="en-US" sz="2400" dirty="0" err="1" smtClean="0"/>
+              <a:t>localfile</a:t>
+            </a:r>
+            <a:endParaRPr lang="en-US" sz="2400" dirty="0"/>
+          </a:p>
+        </p:txBody>
+      </p:sp>
+    </p:spTree>
+    <p:extLst>
+      <p:ext uri="{BB962C8B-B14F-4D97-AF65-F5344CB8AC3E}">
+        <p14:creationId xmlns:p14="http://schemas.microsoft.com/office/powerpoint/2010/main" val="2975913495"/>
+      </p:ext>
+    </p:extLst>
+  </p:cSld>
+  <p:clrMapOvr>
+    <a:masterClrMapping/>
+  </p:clrMapOvr>
+</p:sld>
+</file>
+
+<file path=ppt/slides/slide15.xml><?xml version="1.0" encoding="utf-8"?>
+<p:sld xmlns:a="http://schemas.openxmlformats.org/drawingml/2006/main" xmlns:r="http://schemas.openxmlformats.org/officeDocument/2006/relationships" xmlns:p="http://schemas.openxmlformats.org/presentationml/2006/main">
+  <p:cSld>
+    <p:spTree>
+      <p:nvGrpSpPr>
+        <p:cNvPr id="1" name=""/>
+        <p:cNvGrpSpPr/>
+        <p:nvPr/>
+      </p:nvGrpSpPr>
+      <p:grpSpPr>
+        <a:xfrm>
+          <a:off x="0" y="0"/>
+          <a:ext cx="0" cy="0"/>
+          <a:chOff x="0" y="0"/>
+          <a:chExt cx="0" cy="0"/>
+        </a:xfrm>
+      </p:grpSpPr>
+      <p:sp>
+        <p:nvSpPr>
+          <p:cNvPr id="2" name="Title 1"/>
+          <p:cNvSpPr>
+            <a:spLocks noGrp="1"/>
+          </p:cNvSpPr>
+          <p:nvPr>
+            <p:ph type="title"/>
+          </p:nvPr>
+        </p:nvSpPr>
+        <p:spPr/>
+        <p:txBody>
+          <a:bodyPr/>
+          <a:lstStyle/>
+          <a:p>
+            <a:r>
+              <a:rPr lang="en-US" dirty="0" smtClean="0"/>
+              <a:t>What is YARN?</a:t>
+            </a:r>
+            <a:endParaRPr lang="en-US" dirty="0"/>
+          </a:p>
+        </p:txBody>
+      </p:sp>
+      <p:sp>
+        <p:nvSpPr>
+          <p:cNvPr id="3" name="Content Placeholder 2"/>
+          <p:cNvSpPr>
+            <a:spLocks noGrp="1"/>
+          </p:cNvSpPr>
+          <p:nvPr>
+            <p:ph idx="1"/>
+          </p:nvPr>
+        </p:nvSpPr>
+        <p:spPr/>
+        <p:txBody>
+          <a:bodyPr/>
+          <a:lstStyle/>
+          <a:p>
+            <a:r>
+              <a:rPr lang="en-US" b="1" dirty="0" smtClean="0"/>
+              <a:t>YARN is the system that runs your code on multiple nodes</a:t>
+            </a:r>
+          </a:p>
+          <a:p>
+            <a:r>
+              <a:rPr lang="en-US" dirty="0" err="1" smtClean="0"/>
+              <a:t>Hadoop</a:t>
+            </a:r>
+            <a:r>
+              <a:rPr lang="en-US" dirty="0" smtClean="0"/>
+              <a:t> 2.0 replacement for the cluster manager</a:t>
+            </a:r>
+          </a:p>
+          <a:p>
+            <a:pPr lvl="1"/>
+            <a:r>
+              <a:rPr lang="en-US" dirty="0" smtClean="0"/>
+              <a:t>Basically a model to distribute and manage workloads</a:t>
+            </a:r>
+          </a:p>
+          <a:p>
+            <a:pPr lvl="1"/>
+            <a:r>
+              <a:rPr lang="en-US" dirty="0" smtClean="0"/>
+              <a:t>Not just </a:t>
+            </a:r>
+            <a:r>
+              <a:rPr lang="en-US" dirty="0" err="1" smtClean="0"/>
+              <a:t>MapReduce</a:t>
+            </a:r>
+            <a:r>
+              <a:rPr lang="en-US" dirty="0" smtClean="0"/>
+              <a:t> but supports other workloads</a:t>
+            </a:r>
+          </a:p>
+          <a:p>
+            <a:pPr marL="457200" lvl="1" indent="0">
+              <a:buNone/>
+            </a:pPr>
+            <a:endParaRPr lang="en-US" dirty="0"/>
+          </a:p>
+        </p:txBody>
+      </p:sp>
+    </p:spTree>
+    <p:extLst>
+      <p:ext uri="{BB962C8B-B14F-4D97-AF65-F5344CB8AC3E}">
+        <p14:creationId xmlns:p14="http://schemas.microsoft.com/office/powerpoint/2010/main" val="1893785865"/>
+      </p:ext>
+    </p:extLst>
+  </p:cSld>
+  <p:clrMapOvr>
+    <a:masterClrMapping/>
+  </p:clrMapOvr>
+</p:sld>
+</file>
+
+<file path=ppt/slides/slide16.xml><?xml version="1.0" encoding="utf-8"?>
+<p:sld xmlns:a="http://schemas.openxmlformats.org/drawingml/2006/main" xmlns:r="http://schemas.openxmlformats.org/officeDocument/2006/relationships" xmlns:p="http://schemas.openxmlformats.org/presentationml/2006/main">
+  <p:cSld>
+    <p:spTree>
+      <p:nvGrpSpPr>
+        <p:cNvPr id="1" name=""/>
+        <p:cNvGrpSpPr/>
+        <p:nvPr/>
+      </p:nvGrpSpPr>
+      <p:grpSpPr>
+        <a:xfrm>
+          <a:off x="0" y="0"/>
+          <a:ext cx="0" cy="0"/>
+          <a:chOff x="0" y="0"/>
+          <a:chExt cx="0" cy="0"/>
+        </a:xfrm>
+      </p:grpSpPr>
+      <p:sp>
+        <p:nvSpPr>
+          <p:cNvPr id="2" name="Title 1"/>
+          <p:cNvSpPr>
+            <a:spLocks noGrp="1"/>
+          </p:cNvSpPr>
+          <p:nvPr>
+            <p:ph type="title"/>
+          </p:nvPr>
+        </p:nvSpPr>
+        <p:spPr/>
+        <p:txBody>
+          <a:bodyPr/>
+          <a:lstStyle/>
+          <a:p>
+            <a:r>
+              <a:rPr lang="en-US" dirty="0" smtClean="0"/>
+              <a:t>YARN details</a:t>
+            </a:r>
+            <a:endParaRPr lang="en-US" dirty="0"/>
+          </a:p>
+        </p:txBody>
+      </p:sp>
+      <p:pic>
+        <p:nvPicPr>
+          <p:cNvPr id="4" name="Picture 3"/>
+          <p:cNvPicPr>
+            <a:picLocks noChangeAspect="1"/>
+          </p:cNvPicPr>
+          <p:nvPr/>
+        </p:nvPicPr>
+        <p:blipFill>
+          <a:blip r:embed="rId2"/>
+          <a:stretch>
+            <a:fillRect/>
+          </a:stretch>
+        </p:blipFill>
+        <p:spPr>
+          <a:xfrm>
+            <a:off x="855902" y="1122492"/>
+            <a:ext cx="7665798" cy="4744907"/>
+          </a:xfrm>
+          <a:prstGeom prst="rect">
+            <a:avLst/>
+          </a:prstGeom>
+        </p:spPr>
+      </p:pic>
+    </p:spTree>
+    <p:extLst>
+      <p:ext uri="{BB962C8B-B14F-4D97-AF65-F5344CB8AC3E}">
+        <p14:creationId xmlns:p14="http://schemas.microsoft.com/office/powerpoint/2010/main" val="3609517117"/>
+      </p:ext>
+    </p:extLst>
+  </p:cSld>
+  <p:clrMapOvr>
+    <a:masterClrMapping/>
+  </p:clrMapOvr>
+</p:sld>
+</file>
+
+<file path=ppt/slides/slide17.xml><?xml version="1.0" encoding="utf-8"?>
+<p:sld xmlns:a="http://schemas.openxmlformats.org/drawingml/2006/main" xmlns:r="http://schemas.openxmlformats.org/officeDocument/2006/relationships" xmlns:p="http://schemas.openxmlformats.org/presentationml/2006/main">
+  <p:cSld>
+    <p:spTree>
+      <p:nvGrpSpPr>
+        <p:cNvPr id="1" name=""/>
+        <p:cNvGrpSpPr/>
+        <p:nvPr/>
+      </p:nvGrpSpPr>
+      <p:grpSpPr>
+        <a:xfrm>
+          <a:off x="0" y="0"/>
+          <a:ext cx="0" cy="0"/>
+          <a:chOff x="0" y="0"/>
+          <a:chExt cx="0" cy="0"/>
+        </a:xfrm>
+      </p:grpSpPr>
+      <p:sp>
+        <p:nvSpPr>
+          <p:cNvPr id="2" name="Title 1"/>
+          <p:cNvSpPr>
+            <a:spLocks noGrp="1"/>
+          </p:cNvSpPr>
+          <p:nvPr>
+            <p:ph type="title"/>
+          </p:nvPr>
+        </p:nvSpPr>
+        <p:spPr/>
+        <p:txBody>
+          <a:bodyPr/>
+          <a:lstStyle/>
+          <a:p>
+            <a:r>
+              <a:rPr lang="en-US" dirty="0" smtClean="0"/>
+              <a:t>Map Reduce in </a:t>
+            </a:r>
+            <a:r>
+              <a:rPr lang="en-US" dirty="0" err="1" smtClean="0"/>
+              <a:t>Hadoop</a:t>
+            </a:r>
+            <a:endParaRPr lang="en-US" dirty="0"/>
+          </a:p>
+        </p:txBody>
+      </p:sp>
+      <p:sp>
+        <p:nvSpPr>
+          <p:cNvPr id="3" name="Content Placeholder 2"/>
+          <p:cNvSpPr>
+            <a:spLocks noGrp="1"/>
+          </p:cNvSpPr>
+          <p:nvPr>
+            <p:ph idx="1"/>
+          </p:nvPr>
+        </p:nvSpPr>
+        <p:spPr/>
+        <p:txBody>
+          <a:bodyPr>
+            <a:normAutofit lnSpcReduction="10000"/>
+          </a:bodyPr>
+          <a:lstStyle/>
+          <a:p>
+            <a:r>
+              <a:rPr lang="en-US" dirty="0" smtClean="0"/>
+              <a:t>Map reduce in </a:t>
+            </a:r>
+            <a:r>
+              <a:rPr lang="en-US" dirty="0" err="1" smtClean="0"/>
+              <a:t>Hadoop</a:t>
+            </a:r>
+            <a:r>
+              <a:rPr lang="en-US" dirty="0" smtClean="0"/>
+              <a:t> actually consists of </a:t>
+            </a:r>
+            <a:r>
+              <a:rPr lang="en-US" i="1" dirty="0" smtClean="0"/>
+              <a:t>three</a:t>
+            </a:r>
+            <a:r>
+              <a:rPr lang="en-US" dirty="0" smtClean="0"/>
+              <a:t> steps!</a:t>
+            </a:r>
+          </a:p>
+          <a:p>
+            <a:pPr lvl="1"/>
+            <a:r>
+              <a:rPr lang="en-US" dirty="0" smtClean="0"/>
+              <a:t>Mapper</a:t>
+            </a:r>
+          </a:p>
+          <a:p>
+            <a:pPr lvl="2"/>
+            <a:r>
+              <a:rPr lang="en-US" dirty="0" smtClean="0"/>
+              <a:t>Works on a single file, line by line</a:t>
+            </a:r>
+          </a:p>
+          <a:p>
+            <a:pPr lvl="1"/>
+            <a:r>
+              <a:rPr lang="en-US" dirty="0" smtClean="0"/>
+              <a:t>Combiner</a:t>
+            </a:r>
+          </a:p>
+          <a:p>
+            <a:pPr lvl="2"/>
+            <a:r>
+              <a:rPr lang="en-US" dirty="0" smtClean="0"/>
+              <a:t>Like a reducer, but still on a single system taking the output of the mapper</a:t>
+            </a:r>
+          </a:p>
+          <a:p>
+            <a:pPr lvl="1"/>
+            <a:r>
+              <a:rPr lang="en-US" dirty="0" smtClean="0"/>
+              <a:t>Reducer</a:t>
+            </a:r>
+          </a:p>
+          <a:p>
+            <a:pPr lvl="2"/>
+            <a:r>
+              <a:rPr lang="en-US" dirty="0" smtClean="0"/>
+              <a:t>Takes the outputs of multiple mapper/combiners</a:t>
+            </a:r>
+            <a:endParaRPr lang="en-US" dirty="0"/>
+          </a:p>
+        </p:txBody>
+      </p:sp>
+    </p:spTree>
+    <p:extLst>
+      <p:ext uri="{BB962C8B-B14F-4D97-AF65-F5344CB8AC3E}">
+        <p14:creationId xmlns:p14="http://schemas.microsoft.com/office/powerpoint/2010/main" val="3837245040"/>
+      </p:ext>
+    </p:extLst>
+  </p:cSld>
+  <p:clrMapOvr>
+    <a:masterClrMapping/>
+  </p:clrMapOvr>
+</p:sld>
+</file>
+
+<file path=ppt/slides/slide18.xml><?xml version="1.0" encoding="utf-8"?>
+<p:sld xmlns:a="http://schemas.openxmlformats.org/drawingml/2006/main" xmlns:r="http://schemas.openxmlformats.org/officeDocument/2006/relationships" xmlns:p="http://schemas.openxmlformats.org/presentationml/2006/main">
+  <p:cSld>
+    <p:spTree>
+      <p:nvGrpSpPr>
+        <p:cNvPr id="1" name=""/>
+        <p:cNvGrpSpPr/>
+        <p:nvPr/>
+      </p:nvGrpSpPr>
+      <p:grpSpPr>
+        <a:xfrm>
+          <a:off x="0" y="0"/>
+          <a:ext cx="0" cy="0"/>
+          <a:chOff x="0" y="0"/>
+          <a:chExt cx="0" cy="0"/>
+        </a:xfrm>
+      </p:grpSpPr>
+      <p:sp>
+        <p:nvSpPr>
+          <p:cNvPr id="2" name="Title 1"/>
+          <p:cNvSpPr>
+            <a:spLocks noGrp="1"/>
+          </p:cNvSpPr>
+          <p:nvPr>
+            <p:ph type="title"/>
+          </p:nvPr>
+        </p:nvSpPr>
+        <p:spPr/>
+        <p:txBody>
+          <a:bodyPr/>
+          <a:lstStyle/>
+          <a:p>
+            <a:r>
+              <a:rPr lang="en-US" dirty="0" smtClean="0"/>
+              <a:t>The general flow	</a:t>
+            </a:r>
+            <a:endParaRPr lang="en-US" dirty="0"/>
+          </a:p>
+        </p:txBody>
+      </p:sp>
+      <p:sp>
+        <p:nvSpPr>
+          <p:cNvPr id="3" name="Content Placeholder 2"/>
+          <p:cNvSpPr>
+            <a:spLocks noGrp="1"/>
+          </p:cNvSpPr>
+          <p:nvPr>
+            <p:ph idx="1"/>
+          </p:nvPr>
+        </p:nvSpPr>
+        <p:spPr/>
+        <p:txBody>
+          <a:bodyPr/>
+          <a:lstStyle/>
+          <a:p>
+            <a:r>
+              <a:rPr lang="en-US" dirty="0" smtClean="0"/>
+              <a:t>On the whole, we expect to produce key-value &lt;K,V&gt; pairs from any mapper or reducer</a:t>
+            </a:r>
+          </a:p>
+          <a:p>
+            <a:pPr lvl="1"/>
+            <a:r>
+              <a:rPr lang="en-US" dirty="0" smtClean="0"/>
+              <a:t>In some cases we may produce &lt;K,V1,V2,..&gt; </a:t>
+            </a:r>
+          </a:p>
+          <a:p>
+            <a:r>
+              <a:rPr lang="en-US" dirty="0" smtClean="0"/>
+              <a:t>The results are stored to file and then read from file</a:t>
+            </a:r>
+          </a:p>
+          <a:p>
+            <a:pPr marL="0" indent="0">
+              <a:buNone/>
+            </a:pPr>
+            <a:endParaRPr lang="en-US" dirty="0" smtClean="0"/>
+          </a:p>
+        </p:txBody>
+      </p:sp>
+    </p:spTree>
+    <p:extLst>
+      <p:ext uri="{BB962C8B-B14F-4D97-AF65-F5344CB8AC3E}">
+        <p14:creationId xmlns:p14="http://schemas.microsoft.com/office/powerpoint/2010/main" val="3663277687"/>
+      </p:ext>
+    </p:extLst>
+  </p:cSld>
+  <p:clrMapOvr>
+    <a:masterClrMapping/>
+  </p:clrMapOvr>
+</p:sld>
+</file>
+
+<file path=ppt/slides/slide19.xml><?xml version="1.0" encoding="utf-8"?>
+<p:sld xmlns:a="http://schemas.openxmlformats.org/drawingml/2006/main" xmlns:r="http://schemas.openxmlformats.org/officeDocument/2006/relationships" xmlns:p="http://schemas.openxmlformats.org/presentationml/2006/main">
+  <p:cSld>
+    <p:spTree>
+      <p:nvGrpSpPr>
+        <p:cNvPr id="1" name=""/>
+        <p:cNvGrpSpPr/>
+        <p:nvPr/>
+      </p:nvGrpSpPr>
+      <p:grpSpPr>
+        <a:xfrm>
+          <a:off x="0" y="0"/>
+          <a:ext cx="0" cy="0"/>
+          <a:chOff x="0" y="0"/>
+          <a:chExt cx="0" cy="0"/>
+        </a:xfrm>
+      </p:grpSpPr>
+      <p:sp>
+        <p:nvSpPr>
+          <p:cNvPr id="2" name="Title 1"/>
+          <p:cNvSpPr>
+            <a:spLocks noGrp="1"/>
+          </p:cNvSpPr>
+          <p:nvPr>
+            <p:ph type="title"/>
+          </p:nvPr>
+        </p:nvSpPr>
+        <p:spPr/>
+        <p:txBody>
+          <a:bodyPr/>
+          <a:lstStyle/>
+          <a:p>
+            <a:endParaRPr lang="en-US"/>
+          </a:p>
+        </p:txBody>
+      </p:sp>
+      <p:sp>
+        <p:nvSpPr>
+          <p:cNvPr id="3" name="Content Placeholder 2"/>
+          <p:cNvSpPr>
+            <a:spLocks noGrp="1"/>
+          </p:cNvSpPr>
+          <p:nvPr>
+            <p:ph idx="1"/>
+          </p:nvPr>
+        </p:nvSpPr>
+        <p:spPr/>
+        <p:txBody>
+          <a:bodyPr/>
+          <a:lstStyle/>
+          <a:p>
+            <a:endParaRPr lang="en-US"/>
+          </a:p>
+        </p:txBody>
+      </p:sp>
+    </p:spTree>
+    <p:extLst>
+      <p:ext uri="{BB962C8B-B14F-4D97-AF65-F5344CB8AC3E}">
+        <p14:creationId xmlns:p14="http://schemas.microsoft.com/office/powerpoint/2010/main" val="2558676139"/>
+      </p:ext>
+    </p:extLst>
+  </p:cSld>
+  <p:clrMapOvr>
+    <a:masterClrMapping/>
+  </p:clrMapOvr>
+</p:sld>
+</file>
+
 <file path=ppt/slides/slide2.xml><?xml version="1.0" encoding="utf-8"?>
 <p:sld xmlns:a="http://schemas.openxmlformats.org/drawingml/2006/main" xmlns:r="http://schemas.openxmlformats.org/officeDocument/2006/relationships" xmlns:p="http://schemas.openxmlformats.org/presentationml/2006/main">
   <p:cSld>
@@ -4112,11 +6178,140 @@
             <a:prstTxWarp prst="textNoShape">
               <a:avLst/>
             </a:prstTxWarp>
-            <a:normAutofit/>
+            <a:normAutofit fontScale="92500" lnSpcReduction="10000"/>
           </a:bodyPr>
           <a:lstStyle/>
           <a:p>
             <a:pPr eaLnBrk="1" hangingPunct="1"/>
+            <a:r>
+              <a:rPr lang="en-US" dirty="0" smtClean="0">
+                <a:ea typeface="ヒラギノ角ゴ ProN W3" charset="0"/>
+                <a:cs typeface="ヒラギノ角ゴ ProN W3" charset="0"/>
+              </a:rPr>
+              <a:t>Understanding Map Reduce</a:t>
+            </a:r>
+          </a:p>
+          <a:p>
+            <a:pPr lvl="1"/>
+            <a:r>
+              <a:rPr lang="en-US" dirty="0" smtClean="0">
+                <a:ea typeface="ヒラギノ角ゴ ProN W3" charset="0"/>
+                <a:cs typeface="ヒラギノ角ゴ ProN W3" charset="0"/>
+              </a:rPr>
+              <a:t>Functional programming for scale</a:t>
+            </a:r>
+            <a:endParaRPr lang="en-US" dirty="0">
+              <a:ea typeface="ヒラギノ角ゴ ProN W3" charset="0"/>
+              <a:cs typeface="ヒラギノ角ゴ ProN W3" charset="0"/>
+            </a:endParaRPr>
+          </a:p>
+          <a:p>
+            <a:r>
+              <a:rPr lang="en-US" dirty="0" err="1" smtClean="0">
+                <a:ea typeface="ヒラギノ角ゴ ProN W3" charset="0"/>
+                <a:cs typeface="ヒラギノ角ゴ ProN W3" charset="0"/>
+              </a:rPr>
+              <a:t>Hadoop</a:t>
+            </a:r>
+            <a:endParaRPr lang="en-US" dirty="0" smtClean="0">
+              <a:ea typeface="ヒラギノ角ゴ ProN W3" charset="0"/>
+              <a:cs typeface="ヒラギノ角ゴ ProN W3" charset="0"/>
+            </a:endParaRPr>
+          </a:p>
+          <a:p>
+            <a:pPr lvl="1"/>
+            <a:r>
+              <a:rPr lang="en-US" dirty="0">
+                <a:ea typeface="ヒラギノ角ゴ ProN W3" charset="0"/>
+                <a:cs typeface="ヒラギノ角ゴ ProN W3" charset="0"/>
+              </a:rPr>
+              <a:t>Map-</a:t>
+            </a:r>
+            <a:r>
+              <a:rPr lang="en-US" dirty="0" smtClean="0">
+                <a:ea typeface="ヒラギノ角ゴ ProN W3" charset="0"/>
+                <a:cs typeface="ヒラギノ角ゴ ProN W3" charset="0"/>
+              </a:rPr>
+              <a:t>reduce in </a:t>
+            </a:r>
+            <a:r>
+              <a:rPr lang="en-US" dirty="0" err="1" smtClean="0">
+                <a:ea typeface="ヒラギノ角ゴ ProN W3" charset="0"/>
+                <a:cs typeface="ヒラギノ角ゴ ProN W3" charset="0"/>
+              </a:rPr>
+              <a:t>Hadoop</a:t>
+            </a:r>
+            <a:endParaRPr lang="en-US" dirty="0" smtClean="0">
+              <a:ea typeface="ヒラギノ角ゴ ProN W3" charset="0"/>
+              <a:cs typeface="ヒラギノ角ゴ ProN W3" charset="0"/>
+            </a:endParaRPr>
+          </a:p>
+          <a:p>
+            <a:pPr lvl="2"/>
+            <a:r>
+              <a:rPr lang="en-US" dirty="0" smtClean="0">
+                <a:ea typeface="ヒラギノ角ゴ ProN W3" charset="0"/>
+                <a:cs typeface="ヒラギノ角ゴ ProN W3" charset="0"/>
+              </a:rPr>
+              <a:t>Python</a:t>
+            </a:r>
+          </a:p>
+          <a:p>
+            <a:pPr lvl="2"/>
+            <a:r>
+              <a:rPr lang="en-US" dirty="0" smtClean="0">
+                <a:ea typeface="ヒラギノ角ゴ ProN W3" charset="0"/>
+                <a:cs typeface="ヒラギノ角ゴ ProN W3" charset="0"/>
+              </a:rPr>
+              <a:t>Java</a:t>
+            </a:r>
+            <a:endParaRPr lang="en-US" dirty="0" smtClean="0">
+              <a:ea typeface="ヒラギノ角ゴ ProN W3" charset="0"/>
+              <a:cs typeface="ヒラギノ角ゴ ProN W3" charset="0"/>
+            </a:endParaRPr>
+          </a:p>
+          <a:p>
+            <a:pPr lvl="1"/>
+            <a:r>
+              <a:rPr lang="en-US" dirty="0" smtClean="0">
+                <a:ea typeface="ヒラギノ角ゴ ProN W3" charset="0"/>
+                <a:cs typeface="ヒラギノ角ゴ ProN W3" charset="0"/>
+              </a:rPr>
+              <a:t>HDFS</a:t>
+            </a:r>
+          </a:p>
+          <a:p>
+            <a:pPr lvl="1"/>
+            <a:r>
+              <a:rPr lang="en-US" dirty="0" smtClean="0">
+                <a:ea typeface="ヒラギノ角ゴ ProN W3" charset="0"/>
+                <a:cs typeface="ヒラギノ角ゴ ProN W3" charset="0"/>
+              </a:rPr>
+              <a:t>Yarn</a:t>
+            </a:r>
+          </a:p>
+          <a:p>
+            <a:pPr lvl="1"/>
+            <a:r>
+              <a:rPr lang="en-US" dirty="0" smtClean="0">
+                <a:ea typeface="ヒラギノ角ゴ ProN W3" charset="0"/>
+                <a:cs typeface="ヒラギノ角ゴ ProN W3" charset="0"/>
+              </a:rPr>
+              <a:t>Pig and Hive</a:t>
+            </a:r>
+            <a:endParaRPr lang="en-US" dirty="0" smtClean="0">
+              <a:ea typeface="ヒラギノ角ゴ ProN W3" charset="0"/>
+              <a:cs typeface="ヒラギノ角ゴ ProN W3" charset="0"/>
+            </a:endParaRPr>
+          </a:p>
+          <a:p>
+            <a:r>
+              <a:rPr lang="en-US" dirty="0" smtClean="0">
+                <a:ea typeface="ヒラギノ角ゴ ProN W3" charset="0"/>
+                <a:cs typeface="ヒラギノ角ゴ ProN W3" charset="0"/>
+              </a:rPr>
+              <a:t>Further reading</a:t>
+            </a:r>
             <a:endParaRPr lang="en-US" dirty="0" smtClean="0">
               <a:ea typeface="ヒラギノ角ゴ ProN W3" charset="0"/>
               <a:cs typeface="ヒラギノ角ゴ ProN W3" charset="0"/>
@@ -4152,6 +6347,734 @@
 </p:sld>
 </file>
 
+<file path=ppt/slides/slide20.xml><?xml version="1.0" encoding="utf-8"?>
+<p:sld xmlns:a="http://schemas.openxmlformats.org/drawingml/2006/main" xmlns:r="http://schemas.openxmlformats.org/officeDocument/2006/relationships" xmlns:p="http://schemas.openxmlformats.org/presentationml/2006/main">
+  <p:cSld>
+    <p:spTree>
+      <p:nvGrpSpPr>
+        <p:cNvPr id="1" name=""/>
+        <p:cNvGrpSpPr/>
+        <p:nvPr/>
+      </p:nvGrpSpPr>
+      <p:grpSpPr>
+        <a:xfrm>
+          <a:off x="0" y="0"/>
+          <a:ext cx="0" cy="0"/>
+          <a:chOff x="0" y="0"/>
+          <a:chExt cx="0" cy="0"/>
+        </a:xfrm>
+      </p:grpSpPr>
+      <p:sp>
+        <p:nvSpPr>
+          <p:cNvPr id="2" name="Title 1"/>
+          <p:cNvSpPr>
+            <a:spLocks noGrp="1"/>
+          </p:cNvSpPr>
+          <p:nvPr>
+            <p:ph type="title"/>
+          </p:nvPr>
+        </p:nvSpPr>
+        <p:spPr/>
+        <p:txBody>
+          <a:bodyPr/>
+          <a:lstStyle/>
+          <a:p>
+            <a:r>
+              <a:rPr lang="en-US" dirty="0" smtClean="0"/>
+              <a:t>Map Reduce in Java</a:t>
+            </a:r>
+            <a:endParaRPr lang="en-US" dirty="0"/>
+          </a:p>
+        </p:txBody>
+      </p:sp>
+      <p:sp>
+        <p:nvSpPr>
+          <p:cNvPr id="3" name="Content Placeholder 2"/>
+          <p:cNvSpPr>
+            <a:spLocks noGrp="1"/>
+          </p:cNvSpPr>
+          <p:nvPr>
+            <p:ph idx="1"/>
+          </p:nvPr>
+        </p:nvSpPr>
+        <p:spPr/>
+        <p:txBody>
+          <a:bodyPr/>
+          <a:lstStyle/>
+          <a:p>
+            <a:endParaRPr lang="en-US"/>
+          </a:p>
+        </p:txBody>
+      </p:sp>
+    </p:spTree>
+    <p:extLst>
+      <p:ext uri="{BB962C8B-B14F-4D97-AF65-F5344CB8AC3E}">
+        <p14:creationId xmlns:p14="http://schemas.microsoft.com/office/powerpoint/2010/main" val="3524617766"/>
+      </p:ext>
+    </p:extLst>
+  </p:cSld>
+  <p:clrMapOvr>
+    <a:masterClrMapping/>
+  </p:clrMapOvr>
+</p:sld>
+</file>
+
+<file path=ppt/slides/slide21.xml><?xml version="1.0" encoding="utf-8"?>
+<p:sld xmlns:a="http://schemas.openxmlformats.org/drawingml/2006/main" xmlns:r="http://schemas.openxmlformats.org/officeDocument/2006/relationships" xmlns:p="http://schemas.openxmlformats.org/presentationml/2006/main">
+  <p:cSld>
+    <p:spTree>
+      <p:nvGrpSpPr>
+        <p:cNvPr id="1" name=""/>
+        <p:cNvGrpSpPr/>
+        <p:nvPr/>
+      </p:nvGrpSpPr>
+      <p:grpSpPr>
+        <a:xfrm>
+          <a:off x="0" y="0"/>
+          <a:ext cx="0" cy="0"/>
+          <a:chOff x="0" y="0"/>
+          <a:chExt cx="0" cy="0"/>
+        </a:xfrm>
+      </p:grpSpPr>
+      <p:sp>
+        <p:nvSpPr>
+          <p:cNvPr id="2" name="Title 1"/>
+          <p:cNvSpPr>
+            <a:spLocks noGrp="1"/>
+          </p:cNvSpPr>
+          <p:nvPr>
+            <p:ph type="title"/>
+          </p:nvPr>
+        </p:nvSpPr>
+        <p:spPr/>
+        <p:txBody>
+          <a:bodyPr/>
+          <a:lstStyle/>
+          <a:p>
+            <a:r>
+              <a:rPr lang="en-US" dirty="0" smtClean="0"/>
+              <a:t>Map Reduce in </a:t>
+            </a:r>
+            <a:r>
+              <a:rPr lang="en-US" dirty="0" err="1" smtClean="0"/>
+              <a:t>Scala</a:t>
+            </a:r>
+            <a:endParaRPr lang="en-US" dirty="0"/>
+          </a:p>
+        </p:txBody>
+      </p:sp>
+      <p:sp>
+        <p:nvSpPr>
+          <p:cNvPr id="3" name="Content Placeholder 2"/>
+          <p:cNvSpPr>
+            <a:spLocks noGrp="1"/>
+          </p:cNvSpPr>
+          <p:nvPr>
+            <p:ph idx="1"/>
+          </p:nvPr>
+        </p:nvSpPr>
+        <p:spPr/>
+        <p:txBody>
+          <a:bodyPr/>
+          <a:lstStyle/>
+          <a:p>
+            <a:endParaRPr lang="en-US"/>
+          </a:p>
+        </p:txBody>
+      </p:sp>
+    </p:spTree>
+    <p:extLst>
+      <p:ext uri="{BB962C8B-B14F-4D97-AF65-F5344CB8AC3E}">
+        <p14:creationId xmlns:p14="http://schemas.microsoft.com/office/powerpoint/2010/main" val="1909949261"/>
+      </p:ext>
+    </p:extLst>
+  </p:cSld>
+  <p:clrMapOvr>
+    <a:masterClrMapping/>
+  </p:clrMapOvr>
+</p:sld>
+</file>
+
+<file path=ppt/slides/slide22.xml><?xml version="1.0" encoding="utf-8"?>
+<p:sld xmlns:a="http://schemas.openxmlformats.org/drawingml/2006/main" xmlns:r="http://schemas.openxmlformats.org/officeDocument/2006/relationships" xmlns:p="http://schemas.openxmlformats.org/presentationml/2006/main">
+  <p:cSld>
+    <p:spTree>
+      <p:nvGrpSpPr>
+        <p:cNvPr id="1" name=""/>
+        <p:cNvGrpSpPr/>
+        <p:nvPr/>
+      </p:nvGrpSpPr>
+      <p:grpSpPr>
+        <a:xfrm>
+          <a:off x="0" y="0"/>
+          <a:ext cx="0" cy="0"/>
+          <a:chOff x="0" y="0"/>
+          <a:chExt cx="0" cy="0"/>
+        </a:xfrm>
+      </p:grpSpPr>
+      <p:sp>
+        <p:nvSpPr>
+          <p:cNvPr id="2" name="Title 1"/>
+          <p:cNvSpPr>
+            <a:spLocks noGrp="1"/>
+          </p:cNvSpPr>
+          <p:nvPr>
+            <p:ph type="title"/>
+          </p:nvPr>
+        </p:nvSpPr>
+        <p:spPr/>
+        <p:txBody>
+          <a:bodyPr/>
+          <a:lstStyle/>
+          <a:p>
+            <a:r>
+              <a:rPr lang="en-US" dirty="0" smtClean="0"/>
+              <a:t>Map Reduce in Python</a:t>
+            </a:r>
+            <a:endParaRPr lang="en-US" dirty="0"/>
+          </a:p>
+        </p:txBody>
+      </p:sp>
+      <p:sp>
+        <p:nvSpPr>
+          <p:cNvPr id="3" name="Content Placeholder 2"/>
+          <p:cNvSpPr>
+            <a:spLocks noGrp="1"/>
+          </p:cNvSpPr>
+          <p:nvPr>
+            <p:ph idx="1"/>
+          </p:nvPr>
+        </p:nvSpPr>
+        <p:spPr/>
+        <p:txBody>
+          <a:bodyPr/>
+          <a:lstStyle/>
+          <a:p>
+            <a:endParaRPr lang="en-US"/>
+          </a:p>
+        </p:txBody>
+      </p:sp>
+    </p:spTree>
+    <p:extLst>
+      <p:ext uri="{BB962C8B-B14F-4D97-AF65-F5344CB8AC3E}">
+        <p14:creationId xmlns:p14="http://schemas.microsoft.com/office/powerpoint/2010/main" val="172982769"/>
+      </p:ext>
+    </p:extLst>
+  </p:cSld>
+  <p:clrMapOvr>
+    <a:masterClrMapping/>
+  </p:clrMapOvr>
+</p:sld>
+</file>
+
+<file path=ppt/slides/slide23.xml><?xml version="1.0" encoding="utf-8"?>
+<p:sld xmlns:a="http://schemas.openxmlformats.org/drawingml/2006/main" xmlns:r="http://schemas.openxmlformats.org/officeDocument/2006/relationships" xmlns:p="http://schemas.openxmlformats.org/presentationml/2006/main">
+  <p:cSld>
+    <p:spTree>
+      <p:nvGrpSpPr>
+        <p:cNvPr id="1" name=""/>
+        <p:cNvGrpSpPr/>
+        <p:nvPr/>
+      </p:nvGrpSpPr>
+      <p:grpSpPr>
+        <a:xfrm>
+          <a:off x="0" y="0"/>
+          <a:ext cx="0" cy="0"/>
+          <a:chOff x="0" y="0"/>
+          <a:chExt cx="0" cy="0"/>
+        </a:xfrm>
+      </p:grpSpPr>
+      <p:sp>
+        <p:nvSpPr>
+          <p:cNvPr id="2" name="Title 1"/>
+          <p:cNvSpPr>
+            <a:spLocks noGrp="1"/>
+          </p:cNvSpPr>
+          <p:nvPr>
+            <p:ph type="title"/>
+          </p:nvPr>
+        </p:nvSpPr>
+        <p:spPr/>
+        <p:txBody>
+          <a:bodyPr/>
+          <a:lstStyle/>
+          <a:p>
+            <a:r>
+              <a:rPr lang="en-US" dirty="0" smtClean="0"/>
+              <a:t>Apache Pig</a:t>
+            </a:r>
+            <a:endParaRPr lang="en-US" dirty="0"/>
+          </a:p>
+        </p:txBody>
+      </p:sp>
+      <p:sp>
+        <p:nvSpPr>
+          <p:cNvPr id="3" name="Content Placeholder 2"/>
+          <p:cNvSpPr>
+            <a:spLocks noGrp="1"/>
+          </p:cNvSpPr>
+          <p:nvPr>
+            <p:ph idx="1"/>
+          </p:nvPr>
+        </p:nvSpPr>
+        <p:spPr/>
+        <p:txBody>
+          <a:bodyPr/>
+          <a:lstStyle/>
+          <a:p>
+            <a:endParaRPr lang="en-US"/>
+          </a:p>
+        </p:txBody>
+      </p:sp>
+    </p:spTree>
+    <p:extLst>
+      <p:ext uri="{BB962C8B-B14F-4D97-AF65-F5344CB8AC3E}">
+        <p14:creationId xmlns:p14="http://schemas.microsoft.com/office/powerpoint/2010/main" val="3178541057"/>
+      </p:ext>
+    </p:extLst>
+  </p:cSld>
+  <p:clrMapOvr>
+    <a:masterClrMapping/>
+  </p:clrMapOvr>
+</p:sld>
+</file>
+
+<file path=ppt/slides/slide24.xml><?xml version="1.0" encoding="utf-8"?>
+<p:sld xmlns:a="http://schemas.openxmlformats.org/drawingml/2006/main" xmlns:r="http://schemas.openxmlformats.org/officeDocument/2006/relationships" xmlns:p="http://schemas.openxmlformats.org/presentationml/2006/main">
+  <p:cSld>
+    <p:spTree>
+      <p:nvGrpSpPr>
+        <p:cNvPr id="1" name=""/>
+        <p:cNvGrpSpPr/>
+        <p:nvPr/>
+      </p:nvGrpSpPr>
+      <p:grpSpPr>
+        <a:xfrm>
+          <a:off x="0" y="0"/>
+          <a:ext cx="0" cy="0"/>
+          <a:chOff x="0" y="0"/>
+          <a:chExt cx="0" cy="0"/>
+        </a:xfrm>
+      </p:grpSpPr>
+      <p:sp>
+        <p:nvSpPr>
+          <p:cNvPr id="2" name="Title 1"/>
+          <p:cNvSpPr>
+            <a:spLocks noGrp="1"/>
+          </p:cNvSpPr>
+          <p:nvPr>
+            <p:ph type="title"/>
+          </p:nvPr>
+        </p:nvSpPr>
+        <p:spPr/>
+        <p:txBody>
+          <a:bodyPr/>
+          <a:lstStyle/>
+          <a:p>
+            <a:r>
+              <a:rPr lang="en-US" dirty="0" smtClean="0"/>
+              <a:t>Apache Hive</a:t>
+            </a:r>
+            <a:endParaRPr lang="en-US" dirty="0"/>
+          </a:p>
+        </p:txBody>
+      </p:sp>
+      <p:sp>
+        <p:nvSpPr>
+          <p:cNvPr id="3" name="Content Placeholder 2"/>
+          <p:cNvSpPr>
+            <a:spLocks noGrp="1"/>
+          </p:cNvSpPr>
+          <p:nvPr>
+            <p:ph idx="1"/>
+          </p:nvPr>
+        </p:nvSpPr>
+        <p:spPr/>
+        <p:txBody>
+          <a:bodyPr/>
+          <a:lstStyle/>
+          <a:p>
+            <a:endParaRPr lang="en-US"/>
+          </a:p>
+        </p:txBody>
+      </p:sp>
+    </p:spTree>
+    <p:extLst>
+      <p:ext uri="{BB962C8B-B14F-4D97-AF65-F5344CB8AC3E}">
+        <p14:creationId xmlns:p14="http://schemas.microsoft.com/office/powerpoint/2010/main" val="1704453511"/>
+      </p:ext>
+    </p:extLst>
+  </p:cSld>
+  <p:clrMapOvr>
+    <a:masterClrMapping/>
+  </p:clrMapOvr>
+</p:sld>
+</file>
+
+<file path=ppt/slides/slide25.xml><?xml version="1.0" encoding="utf-8"?>
+<p:sld xmlns:a="http://schemas.openxmlformats.org/drawingml/2006/main" xmlns:r="http://schemas.openxmlformats.org/officeDocument/2006/relationships" xmlns:p="http://schemas.openxmlformats.org/presentationml/2006/main">
+  <p:cSld>
+    <p:spTree>
+      <p:nvGrpSpPr>
+        <p:cNvPr id="1" name=""/>
+        <p:cNvGrpSpPr/>
+        <p:nvPr/>
+      </p:nvGrpSpPr>
+      <p:grpSpPr>
+        <a:xfrm>
+          <a:off x="0" y="0"/>
+          <a:ext cx="0" cy="0"/>
+          <a:chOff x="0" y="0"/>
+          <a:chExt cx="0" cy="0"/>
+        </a:xfrm>
+      </p:grpSpPr>
+      <p:sp>
+        <p:nvSpPr>
+          <p:cNvPr id="2" name="Title 1"/>
+          <p:cNvSpPr>
+            <a:spLocks noGrp="1"/>
+          </p:cNvSpPr>
+          <p:nvPr>
+            <p:ph type="title"/>
+          </p:nvPr>
+        </p:nvSpPr>
+        <p:spPr/>
+        <p:txBody>
+          <a:bodyPr/>
+          <a:lstStyle/>
+          <a:p>
+            <a:r>
+              <a:rPr lang="en-US" dirty="0" smtClean="0"/>
+              <a:t>Apache </a:t>
+            </a:r>
+            <a:r>
+              <a:rPr lang="en-US" dirty="0" err="1" smtClean="0"/>
+              <a:t>HBase</a:t>
+            </a:r>
+            <a:endParaRPr lang="en-US" dirty="0"/>
+          </a:p>
+        </p:txBody>
+      </p:sp>
+      <p:sp>
+        <p:nvSpPr>
+          <p:cNvPr id="3" name="Content Placeholder 2"/>
+          <p:cNvSpPr>
+            <a:spLocks noGrp="1"/>
+          </p:cNvSpPr>
+          <p:nvPr>
+            <p:ph idx="1"/>
+          </p:nvPr>
+        </p:nvSpPr>
+        <p:spPr/>
+        <p:txBody>
+          <a:bodyPr/>
+          <a:lstStyle/>
+          <a:p>
+            <a:endParaRPr lang="en-US"/>
+          </a:p>
+        </p:txBody>
+      </p:sp>
+    </p:spTree>
+    <p:extLst>
+      <p:ext uri="{BB962C8B-B14F-4D97-AF65-F5344CB8AC3E}">
+        <p14:creationId xmlns:p14="http://schemas.microsoft.com/office/powerpoint/2010/main" val="3315073146"/>
+      </p:ext>
+    </p:extLst>
+  </p:cSld>
+  <p:clrMapOvr>
+    <a:masterClrMapping/>
+  </p:clrMapOvr>
+</p:sld>
+</file>
+
+<file path=ppt/slides/slide26.xml><?xml version="1.0" encoding="utf-8"?>
+<p:sld xmlns:a="http://schemas.openxmlformats.org/drawingml/2006/main" xmlns:r="http://schemas.openxmlformats.org/officeDocument/2006/relationships" xmlns:p="http://schemas.openxmlformats.org/presentationml/2006/main">
+  <p:cSld>
+    <p:spTree>
+      <p:nvGrpSpPr>
+        <p:cNvPr id="1" name=""/>
+        <p:cNvGrpSpPr/>
+        <p:nvPr/>
+      </p:nvGrpSpPr>
+      <p:grpSpPr>
+        <a:xfrm>
+          <a:off x="0" y="0"/>
+          <a:ext cx="0" cy="0"/>
+          <a:chOff x="0" y="0"/>
+          <a:chExt cx="0" cy="0"/>
+        </a:xfrm>
+      </p:grpSpPr>
+      <p:sp>
+        <p:nvSpPr>
+          <p:cNvPr id="2" name="Title 1"/>
+          <p:cNvSpPr>
+            <a:spLocks noGrp="1"/>
+          </p:cNvSpPr>
+          <p:nvPr>
+            <p:ph type="title"/>
+          </p:nvPr>
+        </p:nvSpPr>
+        <p:spPr/>
+        <p:txBody>
+          <a:bodyPr/>
+          <a:lstStyle/>
+          <a:p>
+            <a:r>
+              <a:rPr lang="en-US" dirty="0" smtClean="0"/>
+              <a:t>Other related projects</a:t>
+            </a:r>
+            <a:endParaRPr lang="en-US" dirty="0"/>
+          </a:p>
+        </p:txBody>
+      </p:sp>
+      <p:sp>
+        <p:nvSpPr>
+          <p:cNvPr id="3" name="Content Placeholder 2"/>
+          <p:cNvSpPr>
+            <a:spLocks noGrp="1"/>
+          </p:cNvSpPr>
+          <p:nvPr>
+            <p:ph idx="1"/>
+          </p:nvPr>
+        </p:nvSpPr>
+        <p:spPr/>
+        <p:txBody>
+          <a:bodyPr/>
+          <a:lstStyle/>
+          <a:p>
+            <a:endParaRPr lang="en-US"/>
+          </a:p>
+        </p:txBody>
+      </p:sp>
+    </p:spTree>
+    <p:extLst>
+      <p:ext uri="{BB962C8B-B14F-4D97-AF65-F5344CB8AC3E}">
+        <p14:creationId xmlns:p14="http://schemas.microsoft.com/office/powerpoint/2010/main" val="3727096603"/>
+      </p:ext>
+    </p:extLst>
+  </p:cSld>
+  <p:clrMapOvr>
+    <a:masterClrMapping/>
+  </p:clrMapOvr>
+</p:sld>
+</file>
+
+<file path=ppt/slides/slide27.xml><?xml version="1.0" encoding="utf-8"?>
+<p:sld xmlns:a="http://schemas.openxmlformats.org/drawingml/2006/main" xmlns:r="http://schemas.openxmlformats.org/officeDocument/2006/relationships" xmlns:p="http://schemas.openxmlformats.org/presentationml/2006/main">
+  <p:cSld>
+    <p:spTree>
+      <p:nvGrpSpPr>
+        <p:cNvPr id="1" name=""/>
+        <p:cNvGrpSpPr/>
+        <p:nvPr/>
+      </p:nvGrpSpPr>
+      <p:grpSpPr>
+        <a:xfrm>
+          <a:off x="0" y="0"/>
+          <a:ext cx="0" cy="0"/>
+          <a:chOff x="0" y="0"/>
+          <a:chExt cx="0" cy="0"/>
+        </a:xfrm>
+      </p:grpSpPr>
+      <p:sp>
+        <p:nvSpPr>
+          <p:cNvPr id="2" name="Title 1"/>
+          <p:cNvSpPr>
+            <a:spLocks noGrp="1"/>
+          </p:cNvSpPr>
+          <p:nvPr>
+            <p:ph type="title"/>
+          </p:nvPr>
+        </p:nvSpPr>
+        <p:spPr/>
+        <p:txBody>
+          <a:bodyPr/>
+          <a:lstStyle/>
+          <a:p>
+            <a:r>
+              <a:rPr lang="en-US" dirty="0" smtClean="0"/>
+              <a:t>Summary</a:t>
+            </a:r>
+            <a:endParaRPr lang="en-US" dirty="0"/>
+          </a:p>
+        </p:txBody>
+      </p:sp>
+      <p:sp>
+        <p:nvSpPr>
+          <p:cNvPr id="3" name="Content Placeholder 2"/>
+          <p:cNvSpPr>
+            <a:spLocks noGrp="1"/>
+          </p:cNvSpPr>
+          <p:nvPr>
+            <p:ph idx="1"/>
+          </p:nvPr>
+        </p:nvSpPr>
+        <p:spPr/>
+        <p:txBody>
+          <a:bodyPr/>
+          <a:lstStyle/>
+          <a:p>
+            <a:endParaRPr lang="en-US"/>
+          </a:p>
+        </p:txBody>
+      </p:sp>
+    </p:spTree>
+    <p:extLst>
+      <p:ext uri="{BB962C8B-B14F-4D97-AF65-F5344CB8AC3E}">
+        <p14:creationId xmlns:p14="http://schemas.microsoft.com/office/powerpoint/2010/main" val="805359489"/>
+      </p:ext>
+    </p:extLst>
+  </p:cSld>
+  <p:clrMapOvr>
+    <a:masterClrMapping/>
+  </p:clrMapOvr>
+</p:sld>
+</file>
+
+<file path=ppt/slides/slide28.xml><?xml version="1.0" encoding="utf-8"?>
+<p:sld xmlns:a="http://schemas.openxmlformats.org/drawingml/2006/main" xmlns:r="http://schemas.openxmlformats.org/officeDocument/2006/relationships" xmlns:p="http://schemas.openxmlformats.org/presentationml/2006/main">
+  <p:cSld>
+    <p:spTree>
+      <p:nvGrpSpPr>
+        <p:cNvPr id="1" name=""/>
+        <p:cNvGrpSpPr/>
+        <p:nvPr/>
+      </p:nvGrpSpPr>
+      <p:grpSpPr>
+        <a:xfrm>
+          <a:off x="0" y="0"/>
+          <a:ext cx="0" cy="0"/>
+          <a:chOff x="0" y="0"/>
+          <a:chExt cx="0" cy="0"/>
+        </a:xfrm>
+      </p:grpSpPr>
+      <p:sp>
+        <p:nvSpPr>
+          <p:cNvPr id="2" name="Title 1"/>
+          <p:cNvSpPr>
+            <a:spLocks noGrp="1"/>
+          </p:cNvSpPr>
+          <p:nvPr>
+            <p:ph type="title"/>
+          </p:nvPr>
+        </p:nvSpPr>
+        <p:spPr/>
+        <p:txBody>
+          <a:bodyPr/>
+          <a:lstStyle/>
+          <a:p>
+            <a:r>
+              <a:rPr lang="en-US" dirty="0" smtClean="0"/>
+              <a:t>Resources</a:t>
+            </a:r>
+            <a:endParaRPr lang="en-US" dirty="0"/>
+          </a:p>
+        </p:txBody>
+      </p:sp>
+      <p:sp>
+        <p:nvSpPr>
+          <p:cNvPr id="3" name="Content Placeholder 2"/>
+          <p:cNvSpPr>
+            <a:spLocks noGrp="1"/>
+          </p:cNvSpPr>
+          <p:nvPr>
+            <p:ph idx="1"/>
+          </p:nvPr>
+        </p:nvSpPr>
+        <p:spPr/>
+        <p:txBody>
+          <a:bodyPr/>
+          <a:lstStyle/>
+          <a:p>
+            <a:endParaRPr lang="en-US"/>
+          </a:p>
+        </p:txBody>
+      </p:sp>
+    </p:spTree>
+    <p:extLst>
+      <p:ext uri="{BB962C8B-B14F-4D97-AF65-F5344CB8AC3E}">
+        <p14:creationId xmlns:p14="http://schemas.microsoft.com/office/powerpoint/2010/main" val="4183310055"/>
+      </p:ext>
+    </p:extLst>
+  </p:cSld>
+  <p:clrMapOvr>
+    <a:masterClrMapping/>
+  </p:clrMapOvr>
+</p:sld>
+</file>
+
+<file path=ppt/slides/slide29.xml><?xml version="1.0" encoding="utf-8"?>
+<p:sld xmlns:a="http://schemas.openxmlformats.org/drawingml/2006/main" xmlns:r="http://schemas.openxmlformats.org/officeDocument/2006/relationships" xmlns:p="http://schemas.openxmlformats.org/presentationml/2006/main">
+  <p:cSld>
+    <p:spTree>
+      <p:nvGrpSpPr>
+        <p:cNvPr id="1" name=""/>
+        <p:cNvGrpSpPr/>
+        <p:nvPr/>
+      </p:nvGrpSpPr>
+      <p:grpSpPr>
+        <a:xfrm>
+          <a:off x="0" y="0"/>
+          <a:ext cx="0" cy="0"/>
+          <a:chOff x="0" y="0"/>
+          <a:chExt cx="0" cy="0"/>
+        </a:xfrm>
+      </p:grpSpPr>
+      <p:sp>
+        <p:nvSpPr>
+          <p:cNvPr id="2" name="Title 1"/>
+          <p:cNvSpPr>
+            <a:spLocks noGrp="1"/>
+          </p:cNvSpPr>
+          <p:nvPr>
+            <p:ph type="title"/>
+          </p:nvPr>
+        </p:nvSpPr>
+        <p:spPr/>
+        <p:txBody>
+          <a:bodyPr/>
+          <a:lstStyle/>
+          <a:p>
+            <a:r>
+              <a:rPr lang="en-US" dirty="0" smtClean="0"/>
+              <a:t>Questions?</a:t>
+            </a:r>
+            <a:endParaRPr lang="en-US" dirty="0"/>
+          </a:p>
+        </p:txBody>
+      </p:sp>
+      <p:sp>
+        <p:nvSpPr>
+          <p:cNvPr id="3" name="Content Placeholder 2"/>
+          <p:cNvSpPr>
+            <a:spLocks noGrp="1"/>
+          </p:cNvSpPr>
+          <p:nvPr>
+            <p:ph idx="1"/>
+          </p:nvPr>
+        </p:nvSpPr>
+        <p:spPr/>
+        <p:txBody>
+          <a:bodyPr/>
+          <a:lstStyle/>
+          <a:p>
+            <a:endParaRPr lang="en-US"/>
+          </a:p>
+        </p:txBody>
+      </p:sp>
+    </p:spTree>
+    <p:extLst>
+      <p:ext uri="{BB962C8B-B14F-4D97-AF65-F5344CB8AC3E}">
+        <p14:creationId xmlns:p14="http://schemas.microsoft.com/office/powerpoint/2010/main" val="973082986"/>
+      </p:ext>
+    </p:extLst>
+  </p:cSld>
+  <p:clrMapOvr>
+    <a:masterClrMapping/>
+  </p:clrMapOvr>
+</p:sld>
+</file>
+
 <file path=ppt/slides/slide3.xml><?xml version="1.0" encoding="utf-8"?>
 <p:sld xmlns:a="http://schemas.openxmlformats.org/drawingml/2006/main" xmlns:r="http://schemas.openxmlformats.org/officeDocument/2006/relationships" xmlns:p="http://schemas.openxmlformats.org/presentationml/2006/main">
   <p:cSld>
@@ -4184,7 +7107,11 @@
           <a:bodyPr/>
           <a:lstStyle/>
           <a:p>
-            <a:endParaRPr lang="en-US"/>
+            <a:r>
+              <a:rPr lang="en-US" dirty="0" smtClean="0"/>
+              <a:t>Map Reduce</a:t>
+            </a:r>
+            <a:endParaRPr lang="en-US" dirty="0"/>
           </a:p>
         </p:txBody>
       </p:sp>
@@ -4203,7 +7130,52 @@
           <a:bodyPr/>
           <a:lstStyle/>
           <a:p>
-            <a:endParaRPr lang="en-US"/>
+            <a:r>
+              <a:rPr lang="en-US" dirty="0" smtClean="0"/>
+              <a:t>A functional programming pattern:</a:t>
+            </a:r>
+          </a:p>
+          <a:p>
+            <a:pPr lvl="1"/>
+            <a:r>
+              <a:rPr lang="en-US" dirty="0" smtClean="0"/>
+              <a:t>First apply a function to all data</a:t>
+            </a:r>
+          </a:p>
+          <a:p>
+            <a:pPr lvl="2"/>
+            <a:r>
+              <a:rPr lang="en-US" dirty="0" smtClean="0"/>
+              <a:t>Map step</a:t>
+            </a:r>
+          </a:p>
+          <a:p>
+            <a:pPr lvl="2"/>
+            <a:r>
+              <a:rPr lang="en-US" dirty="0" smtClean="0"/>
+              <a:t>This is done in parallel</a:t>
+            </a:r>
+          </a:p>
+          <a:p>
+            <a:pPr lvl="1"/>
+            <a:r>
+              <a:rPr lang="en-US" dirty="0" smtClean="0"/>
+              <a:t>Then apply a reducer to all outputs of the first step</a:t>
+            </a:r>
+          </a:p>
+          <a:p>
+            <a:pPr lvl="2"/>
+            <a:r>
+              <a:rPr lang="en-US" dirty="0" smtClean="0"/>
+              <a:t>This is generically non-parallelizable</a:t>
+            </a:r>
+          </a:p>
+          <a:p>
+            <a:pPr lvl="2"/>
+            <a:r>
+              <a:rPr lang="en-US" dirty="0" smtClean="0"/>
+              <a:t>However, it is possible to make it parallelizable if we first sort the outputs of the first step</a:t>
+            </a:r>
           </a:p>
         </p:txBody>
       </p:sp>
@@ -4211,6 +7183,1251 @@
     <p:extLst>
       <p:ext uri="{BB962C8B-B14F-4D97-AF65-F5344CB8AC3E}">
         <p14:creationId xmlns:p14="http://schemas.microsoft.com/office/powerpoint/2010/main" val="1801667116"/>
+      </p:ext>
+    </p:extLst>
+  </p:cSld>
+  <p:clrMapOvr>
+    <a:masterClrMapping/>
+  </p:clrMapOvr>
+</p:sld>
+</file>
+
+<file path=ppt/slides/slide4.xml><?xml version="1.0" encoding="utf-8"?>
+<p:sld xmlns:a="http://schemas.openxmlformats.org/drawingml/2006/main" xmlns:r="http://schemas.openxmlformats.org/officeDocument/2006/relationships" xmlns:p="http://schemas.openxmlformats.org/presentationml/2006/main">
+  <p:cSld>
+    <p:spTree>
+      <p:nvGrpSpPr>
+        <p:cNvPr id="1" name=""/>
+        <p:cNvGrpSpPr/>
+        <p:nvPr/>
+      </p:nvGrpSpPr>
+      <p:grpSpPr>
+        <a:xfrm>
+          <a:off x="0" y="0"/>
+          <a:ext cx="0" cy="0"/>
+          <a:chOff x="0" y="0"/>
+          <a:chExt cx="0" cy="0"/>
+        </a:xfrm>
+      </p:grpSpPr>
+      <p:sp>
+        <p:nvSpPr>
+          <p:cNvPr id="2" name="Title 1"/>
+          <p:cNvSpPr>
+            <a:spLocks noGrp="1"/>
+          </p:cNvSpPr>
+          <p:nvPr>
+            <p:ph type="title"/>
+          </p:nvPr>
+        </p:nvSpPr>
+        <p:spPr/>
+        <p:txBody>
+          <a:bodyPr>
+            <a:normAutofit fontScale="90000"/>
+          </a:bodyPr>
+          <a:lstStyle/>
+          <a:p>
+            <a:r>
+              <a:rPr lang="en-US" dirty="0" smtClean="0"/>
+              <a:t>Map Reduce example #1</a:t>
+            </a:r>
+            <a:br>
+              <a:rPr lang="en-US" dirty="0" smtClean="0"/>
+            </a:br>
+            <a:r>
+              <a:rPr lang="en-US" dirty="0" smtClean="0"/>
+              <a:t>Java</a:t>
+            </a:r>
+            <a:endParaRPr lang="en-US" dirty="0"/>
+          </a:p>
+        </p:txBody>
+      </p:sp>
+      <p:sp>
+        <p:nvSpPr>
+          <p:cNvPr id="3" name="Content Placeholder 2"/>
+          <p:cNvSpPr>
+            <a:spLocks noGrp="1"/>
+          </p:cNvSpPr>
+          <p:nvPr>
+            <p:ph idx="1"/>
+          </p:nvPr>
+        </p:nvSpPr>
+        <p:spPr/>
+        <p:txBody>
+          <a:bodyPr>
+            <a:normAutofit fontScale="92500" lnSpcReduction="10000"/>
+          </a:bodyPr>
+          <a:lstStyle/>
+          <a:p>
+            <a:pPr marL="0" indent="0">
+              <a:buNone/>
+            </a:pPr>
+            <a:r>
+              <a:rPr lang="pt-BR" sz="2400" dirty="0">
+                <a:latin typeface="Lucida Console"/>
+                <a:cs typeface="Lucida Console"/>
+              </a:rPr>
+              <a:t>// some </a:t>
+            </a:r>
+            <a:r>
+              <a:rPr lang="pt-BR" sz="2400" dirty="0" smtClean="0">
+                <a:latin typeface="Lucida Console"/>
+                <a:cs typeface="Lucida Console"/>
+              </a:rPr>
+              <a:t>input</a:t>
+            </a:r>
+          </a:p>
+          <a:p>
+            <a:pPr marL="0" indent="0">
+              <a:buNone/>
+            </a:pPr>
+            <a:r>
+              <a:rPr lang="pt-BR" sz="2400" dirty="0" err="1" smtClean="0">
+                <a:latin typeface="Lucida Console"/>
+                <a:cs typeface="Lucida Console"/>
+              </a:rPr>
+              <a:t>Integer</a:t>
+            </a:r>
+            <a:r>
+              <a:rPr lang="pt-BR" sz="2400" dirty="0" smtClean="0">
+                <a:latin typeface="Lucida Console"/>
+                <a:cs typeface="Lucida Console"/>
+              </a:rPr>
+              <a:t> </a:t>
+            </a:r>
+            <a:r>
+              <a:rPr lang="pt-BR" sz="2400" dirty="0" err="1">
+                <a:latin typeface="Lucida Console"/>
+                <a:cs typeface="Lucida Console"/>
+              </a:rPr>
+              <a:t>array</a:t>
+            </a:r>
+            <a:r>
+              <a:rPr lang="pt-BR" sz="2400" dirty="0">
+                <a:latin typeface="Lucida Console"/>
+                <a:cs typeface="Lucida Console"/>
+              </a:rPr>
+              <a:t>[] = {1,2,3,4,5}</a:t>
+            </a:r>
+            <a:r>
+              <a:rPr lang="pt-BR" sz="2400" dirty="0" smtClean="0">
+                <a:latin typeface="Lucida Console"/>
+                <a:cs typeface="Lucida Console"/>
+              </a:rPr>
+              <a:t>;</a:t>
+            </a:r>
+          </a:p>
+          <a:p>
+            <a:pPr marL="0" indent="0">
+              <a:buNone/>
+            </a:pPr>
+            <a:r>
+              <a:rPr lang="pt-BR" sz="2400" dirty="0" smtClean="0">
+                <a:latin typeface="Lucida Console"/>
+                <a:cs typeface="Lucida Console"/>
+              </a:rPr>
+              <a:t>// </a:t>
+            </a:r>
+            <a:r>
+              <a:rPr lang="pt-BR" sz="2400" dirty="0" err="1" smtClean="0">
+                <a:latin typeface="Lucida Console"/>
+                <a:cs typeface="Lucida Console"/>
+              </a:rPr>
+              <a:t>make</a:t>
+            </a:r>
+            <a:r>
+              <a:rPr lang="pt-BR" sz="2400" dirty="0" smtClean="0">
+                <a:latin typeface="Lucida Console"/>
+                <a:cs typeface="Lucida Console"/>
+              </a:rPr>
+              <a:t> a </a:t>
+            </a:r>
+            <a:r>
+              <a:rPr lang="pt-BR" sz="2400" dirty="0" err="1" smtClean="0">
+                <a:latin typeface="Lucida Console"/>
+                <a:cs typeface="Lucida Console"/>
+              </a:rPr>
+              <a:t>Stream</a:t>
+            </a:r>
+            <a:r>
+              <a:rPr lang="pt-BR" sz="2400" dirty="0" smtClean="0">
+                <a:latin typeface="Lucida Console"/>
+                <a:cs typeface="Lucida Console"/>
+              </a:rPr>
+              <a:t> </a:t>
+            </a:r>
+            <a:r>
+              <a:rPr lang="pt-BR" sz="2400" dirty="0" err="1" smtClean="0">
+                <a:latin typeface="Lucida Console"/>
+                <a:cs typeface="Lucida Console"/>
+              </a:rPr>
+              <a:t>of</a:t>
+            </a:r>
+            <a:r>
+              <a:rPr lang="pt-BR" sz="2400" dirty="0" smtClean="0">
+                <a:latin typeface="Lucida Console"/>
+                <a:cs typeface="Lucida Console"/>
+              </a:rPr>
+              <a:t> it</a:t>
+            </a:r>
+            <a:endParaRPr lang="pt-BR" sz="2400" dirty="0">
+              <a:latin typeface="Lucida Console"/>
+              <a:cs typeface="Lucida Console"/>
+            </a:endParaRPr>
+          </a:p>
+          <a:p>
+            <a:pPr marL="0" indent="0">
+              <a:buNone/>
+            </a:pPr>
+            <a:r>
+              <a:rPr lang="pt-BR" sz="2400" dirty="0" err="1" smtClean="0">
+                <a:latin typeface="Lucida Console"/>
+                <a:cs typeface="Lucida Console"/>
+              </a:rPr>
+              <a:t>Stream</a:t>
+            </a:r>
+            <a:r>
+              <a:rPr lang="pt-BR" sz="2400" dirty="0">
+                <a:latin typeface="Lucida Console"/>
+                <a:cs typeface="Lucida Console"/>
+              </a:rPr>
+              <a:t>&lt;</a:t>
+            </a:r>
+            <a:r>
+              <a:rPr lang="pt-BR" sz="2400" dirty="0" err="1">
+                <a:latin typeface="Lucida Console"/>
+                <a:cs typeface="Lucida Console"/>
+              </a:rPr>
+              <a:t>Integer</a:t>
+            </a:r>
+            <a:r>
+              <a:rPr lang="pt-BR" sz="2400" dirty="0">
+                <a:latin typeface="Lucida Console"/>
+                <a:cs typeface="Lucida Console"/>
+              </a:rPr>
+              <a:t>&gt; </a:t>
+            </a:r>
+            <a:r>
+              <a:rPr lang="pt-BR" sz="2400" dirty="0" err="1">
+                <a:latin typeface="Lucida Console"/>
+                <a:cs typeface="Lucida Console"/>
+              </a:rPr>
+              <a:t>stream</a:t>
+            </a:r>
+            <a:r>
+              <a:rPr lang="pt-BR" sz="2400" dirty="0">
+                <a:latin typeface="Lucida Console"/>
+                <a:cs typeface="Lucida Console"/>
+              </a:rPr>
+              <a:t> = </a:t>
+            </a:r>
+            <a:r>
+              <a:rPr lang="pt-BR" sz="2400" dirty="0" smtClean="0">
+                <a:latin typeface="Lucida Console"/>
+                <a:cs typeface="Lucida Console"/>
+              </a:rPr>
+              <a:t>  </a:t>
+            </a:r>
+            <a:br>
+              <a:rPr lang="pt-BR" sz="2400" dirty="0" smtClean="0">
+                <a:latin typeface="Lucida Console"/>
+                <a:cs typeface="Lucida Console"/>
+              </a:rPr>
+            </a:br>
+            <a:r>
+              <a:rPr lang="pt-BR" sz="2400" dirty="0" smtClean="0">
+                <a:latin typeface="Lucida Console"/>
+                <a:cs typeface="Lucida Console"/>
+              </a:rPr>
+              <a:t>	</a:t>
+            </a:r>
+            <a:r>
+              <a:rPr lang="pt-BR" sz="2400" dirty="0" err="1" smtClean="0">
+                <a:latin typeface="Lucida Console"/>
+                <a:cs typeface="Lucida Console"/>
+              </a:rPr>
+              <a:t>Arrays.</a:t>
+            </a:r>
+            <a:r>
+              <a:rPr lang="pt-BR" sz="2400" i="1" dirty="0" err="1" smtClean="0">
+                <a:latin typeface="Lucida Console"/>
+                <a:cs typeface="Lucida Console"/>
+              </a:rPr>
+              <a:t>stream</a:t>
+            </a:r>
+            <a:r>
+              <a:rPr lang="pt-BR" sz="2400" i="1" dirty="0">
+                <a:latin typeface="Lucida Console"/>
+                <a:cs typeface="Lucida Console"/>
+              </a:rPr>
+              <a:t>(</a:t>
+            </a:r>
+            <a:r>
+              <a:rPr lang="pt-BR" sz="2400" i="1" dirty="0" err="1">
+                <a:latin typeface="Lucida Console"/>
+                <a:cs typeface="Lucida Console"/>
+              </a:rPr>
+              <a:t>array</a:t>
+            </a:r>
+            <a:r>
+              <a:rPr lang="pt-BR" sz="2400" i="1" dirty="0">
+                <a:latin typeface="Lucida Console"/>
+                <a:cs typeface="Lucida Console"/>
+              </a:rPr>
+              <a:t>); </a:t>
+            </a:r>
+            <a:endParaRPr lang="pt-BR" sz="2400" i="1" dirty="0" smtClean="0">
+              <a:latin typeface="Lucida Console"/>
+              <a:cs typeface="Lucida Console"/>
+            </a:endParaRPr>
+          </a:p>
+          <a:p>
+            <a:pPr marL="0" indent="0">
+              <a:buNone/>
+            </a:pPr>
+            <a:r>
+              <a:rPr lang="pt-BR" sz="2400" i="1" dirty="0" smtClean="0">
+                <a:latin typeface="Lucida Console"/>
+                <a:cs typeface="Lucida Console"/>
+              </a:rPr>
+              <a:t>// </a:t>
+            </a:r>
+            <a:r>
+              <a:rPr lang="pt-BR" sz="2400" i="1" dirty="0" err="1" smtClean="0">
+                <a:latin typeface="Lucida Console"/>
+                <a:cs typeface="Lucida Console"/>
+              </a:rPr>
+              <a:t>map</a:t>
+            </a:r>
+            <a:r>
+              <a:rPr lang="pt-BR" sz="2400" i="1" dirty="0" smtClean="0">
+                <a:latin typeface="Lucida Console"/>
+                <a:cs typeface="Lucida Console"/>
+              </a:rPr>
+              <a:t> </a:t>
+            </a:r>
+            <a:r>
+              <a:rPr lang="pt-BR" sz="2400" i="1" dirty="0" err="1" smtClean="0">
+                <a:latin typeface="Lucida Console"/>
+                <a:cs typeface="Lucida Console"/>
+              </a:rPr>
+              <a:t>then</a:t>
+            </a:r>
+            <a:r>
+              <a:rPr lang="pt-BR" sz="2400" i="1" dirty="0" smtClean="0">
+                <a:latin typeface="Lucida Console"/>
+                <a:cs typeface="Lucida Console"/>
+              </a:rPr>
+              <a:t> </a:t>
+            </a:r>
+            <a:r>
+              <a:rPr lang="pt-BR" sz="2400" i="1" dirty="0" err="1" smtClean="0">
+                <a:latin typeface="Lucida Console"/>
+                <a:cs typeface="Lucida Console"/>
+              </a:rPr>
+              <a:t>reduce</a:t>
+            </a:r>
+            <a:endParaRPr lang="pt-BR" sz="2400" i="1" dirty="0">
+              <a:latin typeface="Lucida Console"/>
+              <a:cs typeface="Lucida Console"/>
+            </a:endParaRPr>
+          </a:p>
+          <a:p>
+            <a:pPr marL="0" indent="0">
+              <a:buNone/>
+            </a:pPr>
+            <a:r>
+              <a:rPr lang="pt-BR" sz="2400" dirty="0" err="1" smtClean="0">
+                <a:latin typeface="Lucida Console"/>
+                <a:cs typeface="Lucida Console"/>
+              </a:rPr>
+              <a:t>Integer</a:t>
+            </a:r>
+            <a:r>
+              <a:rPr lang="pt-BR" sz="2400" dirty="0" smtClean="0">
+                <a:latin typeface="Lucida Console"/>
+                <a:cs typeface="Lucida Console"/>
+              </a:rPr>
+              <a:t> </a:t>
+            </a:r>
+            <a:r>
+              <a:rPr lang="pt-BR" sz="2400" dirty="0" err="1">
+                <a:latin typeface="Lucida Console"/>
+                <a:cs typeface="Lucida Console"/>
+              </a:rPr>
+              <a:t>map_reduced</a:t>
+            </a:r>
+            <a:r>
+              <a:rPr lang="pt-BR" sz="2400" dirty="0">
+                <a:latin typeface="Lucida Console"/>
+                <a:cs typeface="Lucida Console"/>
+              </a:rPr>
+              <a:t> = </a:t>
+            </a:r>
+            <a:r>
+              <a:rPr lang="pt-BR" sz="2400" dirty="0" smtClean="0">
+                <a:latin typeface="Lucida Console"/>
+                <a:cs typeface="Lucida Console"/>
+              </a:rPr>
+              <a:t/>
+            </a:r>
+            <a:br>
+              <a:rPr lang="pt-BR" sz="2400" dirty="0" smtClean="0">
+                <a:latin typeface="Lucida Console"/>
+                <a:cs typeface="Lucida Console"/>
+              </a:rPr>
+            </a:br>
+            <a:r>
+              <a:rPr lang="pt-BR" sz="2400" dirty="0" smtClean="0">
+                <a:latin typeface="Lucida Console"/>
+                <a:cs typeface="Lucida Console"/>
+              </a:rPr>
+              <a:t>	</a:t>
+            </a:r>
+            <a:r>
+              <a:rPr lang="pt-BR" sz="2400" dirty="0" err="1" smtClean="0">
+                <a:latin typeface="Lucida Console"/>
+                <a:cs typeface="Lucida Console"/>
+              </a:rPr>
+              <a:t>stream</a:t>
+            </a:r>
+            <a:r>
+              <a:rPr lang="pt-BR" sz="2400" dirty="0" smtClean="0">
+                <a:latin typeface="Lucida Console"/>
+                <a:cs typeface="Lucida Console"/>
+              </a:rPr>
+              <a:t/>
+            </a:r>
+            <a:br>
+              <a:rPr lang="pt-BR" sz="2400" dirty="0" smtClean="0">
+                <a:latin typeface="Lucida Console"/>
+                <a:cs typeface="Lucida Console"/>
+              </a:rPr>
+            </a:br>
+            <a:r>
+              <a:rPr lang="pt-BR" sz="2400" dirty="0" smtClean="0">
+                <a:solidFill>
+                  <a:srgbClr val="FF0000"/>
+                </a:solidFill>
+                <a:latin typeface="Lucida Console"/>
+                <a:cs typeface="Lucida Console"/>
+              </a:rPr>
+              <a:t>		.</a:t>
+            </a:r>
+            <a:r>
+              <a:rPr lang="pt-BR" sz="2400" dirty="0" err="1" smtClean="0">
+                <a:solidFill>
+                  <a:srgbClr val="FF0000"/>
+                </a:solidFill>
+                <a:latin typeface="Lucida Console"/>
+                <a:cs typeface="Lucida Console"/>
+              </a:rPr>
+              <a:t>map</a:t>
+            </a:r>
+            <a:r>
+              <a:rPr lang="pt-BR" sz="2400" dirty="0">
+                <a:solidFill>
+                  <a:srgbClr val="FF0000"/>
+                </a:solidFill>
+                <a:latin typeface="Lucida Console"/>
+                <a:cs typeface="Lucida Console"/>
+              </a:rPr>
+              <a:t>(</a:t>
+            </a:r>
+            <a:r>
+              <a:rPr lang="pt-BR" sz="2400" dirty="0" err="1">
+                <a:solidFill>
+                  <a:srgbClr val="FF0000"/>
+                </a:solidFill>
+                <a:latin typeface="Lucida Console"/>
+                <a:cs typeface="Lucida Console"/>
+              </a:rPr>
+              <a:t>x</a:t>
+            </a:r>
+            <a:r>
+              <a:rPr lang="pt-BR" sz="2400" dirty="0">
+                <a:solidFill>
+                  <a:srgbClr val="FF0000"/>
+                </a:solidFill>
+                <a:latin typeface="Lucida Console"/>
+                <a:cs typeface="Lucida Console"/>
+              </a:rPr>
+              <a:t> -&gt; </a:t>
+            </a:r>
+            <a:r>
+              <a:rPr lang="pt-BR" sz="2400" dirty="0" err="1">
+                <a:solidFill>
+                  <a:srgbClr val="FF0000"/>
+                </a:solidFill>
+                <a:latin typeface="Lucida Console"/>
+                <a:cs typeface="Lucida Console"/>
+              </a:rPr>
+              <a:t>x</a:t>
+            </a:r>
+            <a:r>
+              <a:rPr lang="pt-BR" sz="2400" dirty="0">
+                <a:solidFill>
+                  <a:srgbClr val="FF0000"/>
+                </a:solidFill>
+                <a:latin typeface="Lucida Console"/>
+                <a:cs typeface="Lucida Console"/>
+              </a:rPr>
+              <a:t>*</a:t>
+            </a:r>
+            <a:r>
+              <a:rPr lang="pt-BR" sz="2400" dirty="0" err="1">
+                <a:solidFill>
+                  <a:srgbClr val="FF0000"/>
+                </a:solidFill>
+                <a:latin typeface="Lucida Console"/>
+                <a:cs typeface="Lucida Console"/>
+              </a:rPr>
+              <a:t>x</a:t>
+            </a:r>
+            <a:r>
+              <a:rPr lang="pt-BR" sz="2400" dirty="0" smtClean="0">
+                <a:solidFill>
+                  <a:srgbClr val="FF0000"/>
+                </a:solidFill>
+                <a:latin typeface="Lucida Console"/>
+                <a:cs typeface="Lucida Console"/>
+              </a:rPr>
+              <a:t>)</a:t>
+            </a:r>
+            <a:br>
+              <a:rPr lang="pt-BR" sz="2400" dirty="0" smtClean="0">
+                <a:solidFill>
+                  <a:srgbClr val="FF0000"/>
+                </a:solidFill>
+                <a:latin typeface="Lucida Console"/>
+                <a:cs typeface="Lucida Console"/>
+              </a:rPr>
+            </a:br>
+            <a:r>
+              <a:rPr lang="pt-BR" sz="2400" b="1" dirty="0" smtClean="0">
+                <a:solidFill>
+                  <a:srgbClr val="FF0000"/>
+                </a:solidFill>
+                <a:latin typeface="Lucida Console"/>
+                <a:cs typeface="Lucida Console"/>
+              </a:rPr>
+              <a:t>		.</a:t>
+            </a:r>
+            <a:r>
+              <a:rPr lang="pt-BR" sz="2400" b="1" dirty="0" err="1">
+                <a:solidFill>
+                  <a:srgbClr val="FF0000"/>
+                </a:solidFill>
+                <a:latin typeface="Lucida Console"/>
+                <a:cs typeface="Lucida Console"/>
+              </a:rPr>
+              <a:t>reduce</a:t>
+            </a:r>
+            <a:r>
+              <a:rPr lang="pt-BR" sz="2400" b="1" dirty="0">
+                <a:solidFill>
+                  <a:srgbClr val="FF0000"/>
+                </a:solidFill>
+                <a:latin typeface="Lucida Console"/>
+                <a:cs typeface="Lucida Console"/>
+              </a:rPr>
+              <a:t>(0, (a, </a:t>
+            </a:r>
+            <a:r>
+              <a:rPr lang="pt-BR" sz="2400" b="1" dirty="0" err="1">
+                <a:solidFill>
+                  <a:srgbClr val="FF0000"/>
+                </a:solidFill>
+                <a:latin typeface="Lucida Console"/>
+                <a:cs typeface="Lucida Console"/>
+              </a:rPr>
+              <a:t>b</a:t>
+            </a:r>
+            <a:r>
+              <a:rPr lang="pt-BR" sz="2400" b="1" dirty="0">
+                <a:solidFill>
+                  <a:srgbClr val="FF0000"/>
+                </a:solidFill>
+                <a:latin typeface="Lucida Console"/>
+                <a:cs typeface="Lucida Console"/>
+              </a:rPr>
+              <a:t>)-&gt;</a:t>
+            </a:r>
+            <a:r>
+              <a:rPr lang="pt-BR" sz="2400" b="1" dirty="0" err="1">
+                <a:solidFill>
+                  <a:srgbClr val="FF0000"/>
+                </a:solidFill>
+                <a:latin typeface="Lucida Console"/>
+                <a:cs typeface="Lucida Console"/>
+              </a:rPr>
+              <a:t>a+b</a:t>
+            </a:r>
+            <a:r>
+              <a:rPr lang="pt-BR" sz="2400" b="1" dirty="0">
+                <a:solidFill>
+                  <a:srgbClr val="FF0000"/>
+                </a:solidFill>
+                <a:latin typeface="Lucida Console"/>
+                <a:cs typeface="Lucida Console"/>
+              </a:rPr>
+              <a:t>);</a:t>
+            </a:r>
+          </a:p>
+          <a:p>
+            <a:pPr marL="0" indent="0">
+              <a:buNone/>
+            </a:pPr>
+            <a:r>
+              <a:rPr lang="pt-BR" sz="2400" dirty="0" smtClean="0">
+                <a:latin typeface="Lucida Console"/>
+                <a:cs typeface="Lucida Console"/>
+              </a:rPr>
+              <a:t>// </a:t>
+            </a:r>
+            <a:r>
+              <a:rPr lang="pt-BR" sz="2400" dirty="0" err="1" smtClean="0">
+                <a:latin typeface="Lucida Console"/>
+                <a:cs typeface="Lucida Console"/>
+              </a:rPr>
+              <a:t>should</a:t>
+            </a:r>
+            <a:r>
+              <a:rPr lang="pt-BR" sz="2400" dirty="0" smtClean="0">
+                <a:latin typeface="Lucida Console"/>
+                <a:cs typeface="Lucida Console"/>
+              </a:rPr>
+              <a:t> </a:t>
+            </a:r>
+            <a:r>
+              <a:rPr lang="pt-BR" sz="2400" dirty="0" err="1" smtClean="0">
+                <a:latin typeface="Lucida Console"/>
+                <a:cs typeface="Lucida Console"/>
+              </a:rPr>
+              <a:t>print</a:t>
+            </a:r>
+            <a:r>
+              <a:rPr lang="pt-BR" sz="2400" dirty="0" smtClean="0">
+                <a:latin typeface="Lucida Console"/>
+                <a:cs typeface="Lucida Console"/>
+              </a:rPr>
+              <a:t> 55</a:t>
+            </a:r>
+            <a:endParaRPr lang="pt-BR" sz="2400" dirty="0">
+              <a:latin typeface="Lucida Console"/>
+              <a:cs typeface="Lucida Console"/>
+            </a:endParaRPr>
+          </a:p>
+          <a:p>
+            <a:pPr marL="0" indent="0">
+              <a:buNone/>
+            </a:pPr>
+            <a:r>
+              <a:rPr lang="pt-BR" sz="2400" dirty="0" err="1" smtClean="0">
+                <a:latin typeface="Lucida Console"/>
+                <a:cs typeface="Lucida Console"/>
+              </a:rPr>
+              <a:t>System.</a:t>
+            </a:r>
+            <a:r>
+              <a:rPr lang="pt-BR" sz="2400" b="1" i="1" dirty="0" err="1" smtClean="0">
+                <a:latin typeface="Lucida Console"/>
+                <a:cs typeface="Lucida Console"/>
+              </a:rPr>
+              <a:t>out.println</a:t>
+            </a:r>
+            <a:r>
+              <a:rPr lang="pt-BR" sz="2400" b="1" i="1" dirty="0">
+                <a:latin typeface="Lucida Console"/>
+                <a:cs typeface="Lucida Console"/>
+              </a:rPr>
+              <a:t>(</a:t>
+            </a:r>
+            <a:r>
+              <a:rPr lang="pt-BR" sz="2400" b="1" i="1" dirty="0" err="1">
+                <a:latin typeface="Lucida Console"/>
+                <a:cs typeface="Lucida Console"/>
+              </a:rPr>
+              <a:t>map_reduced</a:t>
+            </a:r>
+            <a:r>
+              <a:rPr lang="pt-BR" sz="2400" b="1" i="1" dirty="0">
+                <a:latin typeface="Lucida Console"/>
+                <a:cs typeface="Lucida Console"/>
+              </a:rPr>
+              <a:t>);</a:t>
+            </a:r>
+            <a:endParaRPr lang="en-US" sz="2400" dirty="0">
+              <a:latin typeface="Lucida Console"/>
+              <a:cs typeface="Lucida Console"/>
+            </a:endParaRPr>
+          </a:p>
+        </p:txBody>
+      </p:sp>
+    </p:spTree>
+    <p:extLst>
+      <p:ext uri="{BB962C8B-B14F-4D97-AF65-F5344CB8AC3E}">
+        <p14:creationId xmlns:p14="http://schemas.microsoft.com/office/powerpoint/2010/main" val="391730550"/>
+      </p:ext>
+    </p:extLst>
+  </p:cSld>
+  <p:clrMapOvr>
+    <a:masterClrMapping/>
+  </p:clrMapOvr>
+</p:sld>
+</file>
+
+<file path=ppt/slides/slide5.xml><?xml version="1.0" encoding="utf-8"?>
+<p:sld xmlns:a="http://schemas.openxmlformats.org/drawingml/2006/main" xmlns:r="http://schemas.openxmlformats.org/officeDocument/2006/relationships" xmlns:p="http://schemas.openxmlformats.org/presentationml/2006/main">
+  <p:cSld>
+    <p:spTree>
+      <p:nvGrpSpPr>
+        <p:cNvPr id="1" name=""/>
+        <p:cNvGrpSpPr/>
+        <p:nvPr/>
+      </p:nvGrpSpPr>
+      <p:grpSpPr>
+        <a:xfrm>
+          <a:off x="0" y="0"/>
+          <a:ext cx="0" cy="0"/>
+          <a:chOff x="0" y="0"/>
+          <a:chExt cx="0" cy="0"/>
+        </a:xfrm>
+      </p:grpSpPr>
+      <p:sp>
+        <p:nvSpPr>
+          <p:cNvPr id="2" name="Title 1"/>
+          <p:cNvSpPr>
+            <a:spLocks noGrp="1"/>
+          </p:cNvSpPr>
+          <p:nvPr>
+            <p:ph type="title"/>
+          </p:nvPr>
+        </p:nvSpPr>
+        <p:spPr/>
+        <p:txBody>
+          <a:bodyPr/>
+          <a:lstStyle/>
+          <a:p>
+            <a:r>
+              <a:rPr lang="en-US" dirty="0" smtClean="0"/>
+              <a:t>Notice how	</a:t>
+            </a:r>
+            <a:endParaRPr lang="en-US" dirty="0"/>
+          </a:p>
+        </p:txBody>
+      </p:sp>
+      <p:sp>
+        <p:nvSpPr>
+          <p:cNvPr id="3" name="Content Placeholder 2"/>
+          <p:cNvSpPr>
+            <a:spLocks noGrp="1"/>
+          </p:cNvSpPr>
+          <p:nvPr>
+            <p:ph idx="1"/>
+          </p:nvPr>
+        </p:nvSpPr>
+        <p:spPr/>
+        <p:txBody>
+          <a:bodyPr/>
+          <a:lstStyle/>
+          <a:p>
+            <a:r>
+              <a:rPr lang="en-US" dirty="0" smtClean="0"/>
+              <a:t>We could have squared each number in the stream </a:t>
+            </a:r>
+            <a:r>
+              <a:rPr lang="en-US" b="1" i="1" dirty="0" smtClean="0"/>
+              <a:t>at the same time</a:t>
+            </a:r>
+          </a:p>
+          <a:p>
+            <a:r>
+              <a:rPr lang="en-US" dirty="0" smtClean="0"/>
+              <a:t>Adding them up needed all the results available</a:t>
+            </a:r>
+            <a:endParaRPr lang="en-US" dirty="0"/>
+          </a:p>
+        </p:txBody>
+      </p:sp>
+    </p:spTree>
+    <p:extLst>
+      <p:ext uri="{BB962C8B-B14F-4D97-AF65-F5344CB8AC3E}">
+        <p14:creationId xmlns:p14="http://schemas.microsoft.com/office/powerpoint/2010/main" val="3942600109"/>
+      </p:ext>
+    </p:extLst>
+  </p:cSld>
+  <p:clrMapOvr>
+    <a:masterClrMapping/>
+  </p:clrMapOvr>
+</p:sld>
+</file>
+
+<file path=ppt/slides/slide6.xml><?xml version="1.0" encoding="utf-8"?>
+<p:sld xmlns:a="http://schemas.openxmlformats.org/drawingml/2006/main" xmlns:r="http://schemas.openxmlformats.org/officeDocument/2006/relationships" xmlns:p="http://schemas.openxmlformats.org/presentationml/2006/main">
+  <p:cSld>
+    <p:spTree>
+      <p:nvGrpSpPr>
+        <p:cNvPr id="1" name=""/>
+        <p:cNvGrpSpPr/>
+        <p:nvPr/>
+      </p:nvGrpSpPr>
+      <p:grpSpPr>
+        <a:xfrm>
+          <a:off x="0" y="0"/>
+          <a:ext cx="0" cy="0"/>
+          <a:chOff x="0" y="0"/>
+          <a:chExt cx="0" cy="0"/>
+        </a:xfrm>
+      </p:grpSpPr>
+      <p:sp>
+        <p:nvSpPr>
+          <p:cNvPr id="2" name="Title 1"/>
+          <p:cNvSpPr>
+            <a:spLocks noGrp="1"/>
+          </p:cNvSpPr>
+          <p:nvPr>
+            <p:ph type="title"/>
+          </p:nvPr>
+        </p:nvSpPr>
+        <p:spPr/>
+        <p:txBody>
+          <a:bodyPr>
+            <a:normAutofit fontScale="90000"/>
+          </a:bodyPr>
+          <a:lstStyle/>
+          <a:p>
+            <a:r>
+              <a:rPr lang="en-US" dirty="0" smtClean="0"/>
+              <a:t>Map Reduce example #2</a:t>
+            </a:r>
+            <a:br>
+              <a:rPr lang="en-US" dirty="0" smtClean="0"/>
+            </a:br>
+            <a:r>
+              <a:rPr lang="en-US" dirty="0" smtClean="0"/>
+              <a:t>in words</a:t>
+            </a:r>
+            <a:endParaRPr lang="en-US" dirty="0"/>
+          </a:p>
+        </p:txBody>
+      </p:sp>
+      <p:sp>
+        <p:nvSpPr>
+          <p:cNvPr id="3" name="Content Placeholder 2"/>
+          <p:cNvSpPr>
+            <a:spLocks noGrp="1"/>
+          </p:cNvSpPr>
+          <p:nvPr>
+            <p:ph idx="1"/>
+          </p:nvPr>
+        </p:nvSpPr>
+        <p:spPr/>
+        <p:txBody>
+          <a:bodyPr/>
+          <a:lstStyle/>
+          <a:p>
+            <a:r>
+              <a:rPr lang="en-US" dirty="0" smtClean="0"/>
+              <a:t>Do a word count on 1000 books:</a:t>
+            </a:r>
+          </a:p>
+          <a:p>
+            <a:endParaRPr lang="en-US" dirty="0"/>
+          </a:p>
+          <a:p>
+            <a:pPr lvl="1"/>
+            <a:r>
+              <a:rPr lang="en-US" dirty="0" smtClean="0"/>
+              <a:t>First count each book</a:t>
+            </a:r>
+            <a:r>
+              <a:rPr lang="en-US" dirty="0"/>
+              <a:t> </a:t>
+            </a:r>
+            <a:r>
+              <a:rPr lang="en-US" dirty="0" smtClean="0"/>
+              <a:t>(</a:t>
+            </a:r>
+            <a:r>
+              <a:rPr lang="en-US" b="1" dirty="0" smtClean="0"/>
+              <a:t>map</a:t>
+            </a:r>
+            <a:r>
+              <a:rPr lang="en-US" dirty="0" smtClean="0"/>
+              <a:t> </a:t>
+            </a:r>
+            <a:r>
+              <a:rPr lang="en-US" dirty="0" err="1" smtClean="0"/>
+              <a:t>wc</a:t>
+            </a:r>
+            <a:r>
+              <a:rPr lang="en-US" dirty="0" smtClean="0"/>
+              <a:t> onto book)</a:t>
+            </a:r>
+          </a:p>
+          <a:p>
+            <a:pPr lvl="1"/>
+            <a:endParaRPr lang="en-US" dirty="0"/>
+          </a:p>
+          <a:p>
+            <a:pPr lvl="1"/>
+            <a:r>
+              <a:rPr lang="en-US" dirty="0" smtClean="0"/>
+              <a:t>Then </a:t>
+            </a:r>
+            <a:r>
+              <a:rPr lang="en-US" b="1" dirty="0" smtClean="0"/>
+              <a:t>reduce</a:t>
+            </a:r>
+            <a:r>
+              <a:rPr lang="en-US" dirty="0" smtClean="0"/>
+              <a:t> the outputs to a global </a:t>
+            </a:r>
+            <a:r>
+              <a:rPr lang="en-US" dirty="0" err="1" smtClean="0"/>
+              <a:t>wordcount</a:t>
+            </a:r>
+            <a:r>
+              <a:rPr lang="en-US" dirty="0" smtClean="0"/>
+              <a:t> across all books</a:t>
+            </a:r>
+          </a:p>
+          <a:p>
+            <a:pPr lvl="2"/>
+            <a:endParaRPr lang="en-US" dirty="0" smtClean="0"/>
+          </a:p>
+        </p:txBody>
+      </p:sp>
+    </p:spTree>
+    <p:extLst>
+      <p:ext uri="{BB962C8B-B14F-4D97-AF65-F5344CB8AC3E}">
+        <p14:creationId xmlns:p14="http://schemas.microsoft.com/office/powerpoint/2010/main" val="3597497257"/>
+      </p:ext>
+    </p:extLst>
+  </p:cSld>
+  <p:clrMapOvr>
+    <a:masterClrMapping/>
+  </p:clrMapOvr>
+</p:sld>
+</file>
+
+<file path=ppt/slides/slide7.xml><?xml version="1.0" encoding="utf-8"?>
+<p:sld xmlns:a="http://schemas.openxmlformats.org/drawingml/2006/main" xmlns:r="http://schemas.openxmlformats.org/officeDocument/2006/relationships" xmlns:p="http://schemas.openxmlformats.org/presentationml/2006/main">
+  <p:cSld>
+    <p:spTree>
+      <p:nvGrpSpPr>
+        <p:cNvPr id="1" name=""/>
+        <p:cNvGrpSpPr/>
+        <p:nvPr/>
+      </p:nvGrpSpPr>
+      <p:grpSpPr>
+        <a:xfrm>
+          <a:off x="0" y="0"/>
+          <a:ext cx="0" cy="0"/>
+          <a:chOff x="0" y="0"/>
+          <a:chExt cx="0" cy="0"/>
+        </a:xfrm>
+      </p:grpSpPr>
+      <p:sp>
+        <p:nvSpPr>
+          <p:cNvPr id="2" name="Title 1"/>
+          <p:cNvSpPr>
+            <a:spLocks noGrp="1"/>
+          </p:cNvSpPr>
+          <p:nvPr>
+            <p:ph type="title"/>
+          </p:nvPr>
+        </p:nvSpPr>
+        <p:spPr/>
+        <p:txBody>
+          <a:bodyPr>
+            <a:normAutofit fontScale="90000"/>
+          </a:bodyPr>
+          <a:lstStyle/>
+          <a:p>
+            <a:r>
+              <a:rPr lang="en-US" dirty="0" smtClean="0"/>
+              <a:t>Making word count more efficient</a:t>
+            </a:r>
+            <a:endParaRPr lang="en-US" dirty="0"/>
+          </a:p>
+        </p:txBody>
+      </p:sp>
+      <p:sp>
+        <p:nvSpPr>
+          <p:cNvPr id="3" name="Content Placeholder 2"/>
+          <p:cNvSpPr>
+            <a:spLocks noGrp="1"/>
+          </p:cNvSpPr>
+          <p:nvPr>
+            <p:ph idx="1"/>
+          </p:nvPr>
+        </p:nvSpPr>
+        <p:spPr/>
+        <p:txBody>
+          <a:bodyPr/>
+          <a:lstStyle/>
+          <a:p>
+            <a:r>
+              <a:rPr lang="en-US" dirty="0" smtClean="0"/>
+              <a:t>If we sort the results of the map phase and “shuffle them”</a:t>
+            </a:r>
+          </a:p>
+          <a:p>
+            <a:r>
+              <a:rPr lang="en-US" dirty="0"/>
+              <a:t>W</a:t>
+            </a:r>
+            <a:r>
+              <a:rPr lang="en-US" dirty="0" smtClean="0"/>
+              <a:t>e can then partition the reducer phase</a:t>
+            </a:r>
+          </a:p>
+          <a:p>
+            <a:pPr marL="0" indent="0">
+              <a:buNone/>
+            </a:pPr>
+            <a:endParaRPr lang="en-US" dirty="0"/>
+          </a:p>
+        </p:txBody>
+      </p:sp>
+    </p:spTree>
+    <p:extLst>
+      <p:ext uri="{BB962C8B-B14F-4D97-AF65-F5344CB8AC3E}">
+        <p14:creationId xmlns:p14="http://schemas.microsoft.com/office/powerpoint/2010/main" val="1150627583"/>
+      </p:ext>
+    </p:extLst>
+  </p:cSld>
+  <p:clrMapOvr>
+    <a:masterClrMapping/>
+  </p:clrMapOvr>
+</p:sld>
+</file>
+
+<file path=ppt/slides/slide8.xml><?xml version="1.0" encoding="utf-8"?>
+<p:sld xmlns:a="http://schemas.openxmlformats.org/drawingml/2006/main" xmlns:r="http://schemas.openxmlformats.org/officeDocument/2006/relationships" xmlns:p="http://schemas.openxmlformats.org/presentationml/2006/main">
+  <p:cSld>
+    <p:spTree>
+      <p:nvGrpSpPr>
+        <p:cNvPr id="1" name=""/>
+        <p:cNvGrpSpPr/>
+        <p:nvPr/>
+      </p:nvGrpSpPr>
+      <p:grpSpPr>
+        <a:xfrm>
+          <a:off x="0" y="0"/>
+          <a:ext cx="0" cy="0"/>
+          <a:chOff x="0" y="0"/>
+          <a:chExt cx="0" cy="0"/>
+        </a:xfrm>
+      </p:grpSpPr>
+      <p:sp>
+        <p:nvSpPr>
+          <p:cNvPr id="2" name="Title 1"/>
+          <p:cNvSpPr>
+            <a:spLocks noGrp="1"/>
+          </p:cNvSpPr>
+          <p:nvPr>
+            <p:ph type="title"/>
+          </p:nvPr>
+        </p:nvSpPr>
+        <p:spPr/>
+        <p:txBody>
+          <a:bodyPr/>
+          <a:lstStyle/>
+          <a:p>
+            <a:r>
+              <a:rPr lang="en-US" dirty="0" smtClean="0"/>
+              <a:t>Map/Shuffle/Reduce</a:t>
+            </a:r>
+            <a:endParaRPr lang="en-US" dirty="0"/>
+          </a:p>
+        </p:txBody>
+      </p:sp>
+      <p:pic>
+        <p:nvPicPr>
+          <p:cNvPr id="4" name="Picture 3"/>
+          <p:cNvPicPr>
+            <a:picLocks noChangeAspect="1"/>
+          </p:cNvPicPr>
+          <p:nvPr/>
+        </p:nvPicPr>
+        <p:blipFill>
+          <a:blip r:embed="rId2"/>
+          <a:stretch>
+            <a:fillRect/>
+          </a:stretch>
+        </p:blipFill>
+        <p:spPr>
+          <a:xfrm>
+            <a:off x="273839" y="1633277"/>
+            <a:ext cx="8542621" cy="3267760"/>
+          </a:xfrm>
+          <a:prstGeom prst="rect">
+            <a:avLst/>
+          </a:prstGeom>
+        </p:spPr>
+      </p:pic>
+    </p:spTree>
+    <p:extLst>
+      <p:ext uri="{BB962C8B-B14F-4D97-AF65-F5344CB8AC3E}">
+        <p14:creationId xmlns:p14="http://schemas.microsoft.com/office/powerpoint/2010/main" val="636405798"/>
+      </p:ext>
+    </p:extLst>
+  </p:cSld>
+  <p:clrMapOvr>
+    <a:masterClrMapping/>
+  </p:clrMapOvr>
+</p:sld>
+</file>
+
+<file path=ppt/slides/slide9.xml><?xml version="1.0" encoding="utf-8"?>
+<p:sld xmlns:a="http://schemas.openxmlformats.org/drawingml/2006/main" xmlns:r="http://schemas.openxmlformats.org/officeDocument/2006/relationships" xmlns:p="http://schemas.openxmlformats.org/presentationml/2006/main">
+  <p:cSld>
+    <p:spTree>
+      <p:nvGrpSpPr>
+        <p:cNvPr id="1" name=""/>
+        <p:cNvGrpSpPr/>
+        <p:nvPr/>
+      </p:nvGrpSpPr>
+      <p:grpSpPr>
+        <a:xfrm>
+          <a:off x="0" y="0"/>
+          <a:ext cx="0" cy="0"/>
+          <a:chOff x="0" y="0"/>
+          <a:chExt cx="0" cy="0"/>
+        </a:xfrm>
+      </p:grpSpPr>
+      <p:sp>
+        <p:nvSpPr>
+          <p:cNvPr id="2" name="Title 1"/>
+          <p:cNvSpPr>
+            <a:spLocks noGrp="1"/>
+          </p:cNvSpPr>
+          <p:nvPr>
+            <p:ph type="title"/>
+          </p:nvPr>
+        </p:nvSpPr>
+        <p:spPr/>
+        <p:txBody>
+          <a:bodyPr/>
+          <a:lstStyle/>
+          <a:p>
+            <a:r>
+              <a:rPr lang="en-US" dirty="0" smtClean="0"/>
+              <a:t>Map Reduce in Real Life</a:t>
+            </a:r>
+            <a:endParaRPr lang="en-US" dirty="0"/>
+          </a:p>
+        </p:txBody>
+      </p:sp>
+      <p:sp>
+        <p:nvSpPr>
+          <p:cNvPr id="3" name="Content Placeholder 2"/>
+          <p:cNvSpPr>
+            <a:spLocks noGrp="1"/>
+          </p:cNvSpPr>
+          <p:nvPr>
+            <p:ph idx="1"/>
+          </p:nvPr>
+        </p:nvSpPr>
+        <p:spPr/>
+        <p:txBody>
+          <a:bodyPr>
+            <a:normAutofit lnSpcReduction="10000"/>
+          </a:bodyPr>
+          <a:lstStyle/>
+          <a:p>
+            <a:r>
+              <a:rPr lang="en-US" dirty="0" err="1" smtClean="0"/>
+              <a:t>Analysing</a:t>
+            </a:r>
+            <a:r>
+              <a:rPr lang="en-US" dirty="0" smtClean="0"/>
+              <a:t> web logs</a:t>
+            </a:r>
+          </a:p>
+          <a:p>
+            <a:pPr lvl="1"/>
+            <a:r>
+              <a:rPr lang="en-US" dirty="0" err="1" smtClean="0"/>
+              <a:t>Summarise</a:t>
+            </a:r>
+            <a:r>
+              <a:rPr lang="en-US" dirty="0" smtClean="0"/>
+              <a:t> by user / cookie</a:t>
+            </a:r>
+          </a:p>
+          <a:p>
+            <a:pPr lvl="1"/>
+            <a:r>
+              <a:rPr lang="en-US" dirty="0" smtClean="0"/>
+              <a:t>Then aggregate to identify who did what</a:t>
+            </a:r>
+          </a:p>
+          <a:p>
+            <a:r>
+              <a:rPr lang="en-US" dirty="0" err="1" smtClean="0"/>
+              <a:t>Analysing</a:t>
+            </a:r>
+            <a:r>
+              <a:rPr lang="en-US" dirty="0" smtClean="0"/>
+              <a:t> twitter data</a:t>
+            </a:r>
+          </a:p>
+          <a:p>
+            <a:pPr lvl="1"/>
+            <a:r>
+              <a:rPr lang="en-US" dirty="0" smtClean="0"/>
+              <a:t>Who </a:t>
+            </a:r>
+            <a:r>
+              <a:rPr lang="en-US" dirty="0" err="1" smtClean="0"/>
+              <a:t>retweeted</a:t>
+            </a:r>
+            <a:endParaRPr lang="en-US" dirty="0" smtClean="0"/>
+          </a:p>
+          <a:p>
+            <a:pPr lvl="1"/>
+            <a:r>
+              <a:rPr lang="en-US" dirty="0" smtClean="0"/>
+              <a:t>Who was </a:t>
+            </a:r>
+            <a:r>
+              <a:rPr lang="en-US" dirty="0" err="1" smtClean="0"/>
+              <a:t>retweeted</a:t>
+            </a:r>
+            <a:r>
+              <a:rPr lang="en-US" dirty="0" smtClean="0"/>
+              <a:t> the most</a:t>
+            </a:r>
+          </a:p>
+          <a:p>
+            <a:r>
+              <a:rPr lang="en-US" dirty="0" smtClean="0"/>
+              <a:t>Almost all big data problems can be re-factored into Map Reduce</a:t>
+            </a:r>
+          </a:p>
+          <a:p>
+            <a:pPr lvl="1"/>
+            <a:r>
+              <a:rPr lang="en-US" i="1" dirty="0" smtClean="0"/>
+              <a:t>Some more efficiently than others!</a:t>
+            </a:r>
+          </a:p>
+          <a:p>
+            <a:endParaRPr lang="en-US" dirty="0" smtClean="0"/>
+          </a:p>
+          <a:p>
+            <a:pPr lvl="1"/>
+            <a:endParaRPr lang="en-US" dirty="0"/>
+          </a:p>
+        </p:txBody>
+      </p:sp>
+    </p:spTree>
+    <p:extLst>
+      <p:ext uri="{BB962C8B-B14F-4D97-AF65-F5344CB8AC3E}">
+        <p14:creationId xmlns:p14="http://schemas.microsoft.com/office/powerpoint/2010/main" val="2467033703"/>
       </p:ext>
     </p:extLst>
   </p:cSld>

--- a/pres-source/05-hadoop.pptx
+++ b/pres-source/05-hadoop.pptx
@@ -5,38 +5,44 @@
     <p:sldMasterId id="2147483648" r:id="rId1"/>
   </p:sldMasterIdLst>
   <p:notesMasterIdLst>
-    <p:notesMasterId r:id="rId31"/>
+    <p:notesMasterId r:id="rId37"/>
   </p:notesMasterIdLst>
   <p:sldIdLst>
     <p:sldId id="256" r:id="rId2"/>
     <p:sldId id="257" r:id="rId3"/>
     <p:sldId id="258" r:id="rId4"/>
-    <p:sldId id="261" r:id="rId5"/>
-    <p:sldId id="262" r:id="rId6"/>
-    <p:sldId id="259" r:id="rId7"/>
-    <p:sldId id="282" r:id="rId8"/>
-    <p:sldId id="283" r:id="rId9"/>
-    <p:sldId id="260" r:id="rId10"/>
-    <p:sldId id="263" r:id="rId11"/>
-    <p:sldId id="264" r:id="rId12"/>
-    <p:sldId id="265" r:id="rId13"/>
-    <p:sldId id="266" r:id="rId14"/>
-    <p:sldId id="280" r:id="rId15"/>
-    <p:sldId id="267" r:id="rId16"/>
-    <p:sldId id="268" r:id="rId17"/>
-    <p:sldId id="269" r:id="rId18"/>
-    <p:sldId id="270" r:id="rId19"/>
-    <p:sldId id="281" r:id="rId20"/>
-    <p:sldId id="271" r:id="rId21"/>
-    <p:sldId id="273" r:id="rId22"/>
-    <p:sldId id="272" r:id="rId23"/>
-    <p:sldId id="274" r:id="rId24"/>
-    <p:sldId id="275" r:id="rId25"/>
-    <p:sldId id="284" r:id="rId26"/>
-    <p:sldId id="279" r:id="rId27"/>
-    <p:sldId id="276" r:id="rId28"/>
-    <p:sldId id="277" r:id="rId29"/>
-    <p:sldId id="278" r:id="rId30"/>
+    <p:sldId id="285" r:id="rId5"/>
+    <p:sldId id="261" r:id="rId6"/>
+    <p:sldId id="262" r:id="rId7"/>
+    <p:sldId id="259" r:id="rId8"/>
+    <p:sldId id="282" r:id="rId9"/>
+    <p:sldId id="283" r:id="rId10"/>
+    <p:sldId id="260" r:id="rId11"/>
+    <p:sldId id="263" r:id="rId12"/>
+    <p:sldId id="264" r:id="rId13"/>
+    <p:sldId id="265" r:id="rId14"/>
+    <p:sldId id="286" r:id="rId15"/>
+    <p:sldId id="266" r:id="rId16"/>
+    <p:sldId id="280" r:id="rId17"/>
+    <p:sldId id="267" r:id="rId18"/>
+    <p:sldId id="268" r:id="rId19"/>
+    <p:sldId id="269" r:id="rId20"/>
+    <p:sldId id="270" r:id="rId21"/>
+    <p:sldId id="281" r:id="rId22"/>
+    <p:sldId id="287" r:id="rId23"/>
+    <p:sldId id="288" r:id="rId24"/>
+    <p:sldId id="272" r:id="rId25"/>
+    <p:sldId id="289" r:id="rId26"/>
+    <p:sldId id="290" r:id="rId27"/>
+    <p:sldId id="271" r:id="rId28"/>
+    <p:sldId id="273" r:id="rId29"/>
+    <p:sldId id="274" r:id="rId30"/>
+    <p:sldId id="275" r:id="rId31"/>
+    <p:sldId id="284" r:id="rId32"/>
+    <p:sldId id="279" r:id="rId33"/>
+    <p:sldId id="276" r:id="rId34"/>
+    <p:sldId id="277" r:id="rId35"/>
+    <p:sldId id="278" r:id="rId36"/>
   </p:sldIdLst>
   <p:sldSz cx="9144000" cy="6858000" type="screen4x3"/>
   <p:notesSz cx="6858000" cy="9144000"/>
@@ -225,7 +231,7 @@
             <a:fld id="{7307762F-A706-E543-A832-3C298AA3103F}" type="datetimeFigureOut">
               <a:rPr lang="en-US" smtClean="0"/>
               <a:pPr/>
-              <a:t>15/10/15</a:t>
+              <a:t>16/10/15</a:t>
             </a:fld>
             <a:endParaRPr lang="en-US" dirty="0"/>
           </a:p>
@@ -564,7 +570,7 @@
             <a:fld id="{BC39F3E1-B436-EB4D-8332-DAA0486A7B2B}" type="slidenum">
               <a:rPr lang="en-US" smtClean="0"/>
               <a:pPr/>
-              <a:t>4</a:t>
+              <a:t>5</a:t>
             </a:fld>
             <a:endParaRPr lang="en-US" dirty="0"/>
           </a:p>
@@ -877,7 +883,7 @@
           <a:p>
             <a:fld id="{875CF0EB-321F-0749-B37A-89BBA859503C}" type="datetimeFigureOut">
               <a:rPr lang="en-US" smtClean="0"/>
-              <a:t>15/10/15</a:t>
+              <a:t>16/10/15</a:t>
             </a:fld>
             <a:endParaRPr lang="en-US"/>
           </a:p>
@@ -1081,7 +1087,7 @@
           <a:p>
             <a:fld id="{875CF0EB-321F-0749-B37A-89BBA859503C}" type="datetimeFigureOut">
               <a:rPr lang="en-US" smtClean="0"/>
-              <a:t>15/10/15</a:t>
+              <a:t>16/10/15</a:t>
             </a:fld>
             <a:endParaRPr lang="en-US"/>
           </a:p>
@@ -1275,7 +1281,7 @@
           <a:p>
             <a:fld id="{875CF0EB-321F-0749-B37A-89BBA859503C}" type="datetimeFigureOut">
               <a:rPr lang="en-US" smtClean="0"/>
-              <a:t>15/10/15</a:t>
+              <a:t>16/10/15</a:t>
             </a:fld>
             <a:endParaRPr lang="en-US"/>
           </a:p>
@@ -1545,7 +1551,7 @@
           <a:p>
             <a:fld id="{875CF0EB-321F-0749-B37A-89BBA859503C}" type="datetimeFigureOut">
               <a:rPr lang="en-US" smtClean="0"/>
-              <a:t>15/10/15</a:t>
+              <a:t>16/10/15</a:t>
             </a:fld>
             <a:endParaRPr lang="en-US"/>
           </a:p>
@@ -1857,7 +1863,7 @@
           <a:p>
             <a:fld id="{875CF0EB-321F-0749-B37A-89BBA859503C}" type="datetimeFigureOut">
               <a:rPr lang="en-US" smtClean="0"/>
-              <a:t>15/10/15</a:t>
+              <a:t>16/10/15</a:t>
             </a:fld>
             <a:endParaRPr lang="en-US"/>
           </a:p>
@@ -2303,7 +2309,7 @@
           <a:p>
             <a:fld id="{875CF0EB-321F-0749-B37A-89BBA859503C}" type="datetimeFigureOut">
               <a:rPr lang="en-US" smtClean="0"/>
-              <a:t>15/10/15</a:t>
+              <a:t>16/10/15</a:t>
             </a:fld>
             <a:endParaRPr lang="en-US"/>
           </a:p>
@@ -2445,7 +2451,7 @@
           <a:p>
             <a:fld id="{875CF0EB-321F-0749-B37A-89BBA859503C}" type="datetimeFigureOut">
               <a:rPr lang="en-US" smtClean="0"/>
-              <a:t>15/10/15</a:t>
+              <a:t>16/10/15</a:t>
             </a:fld>
             <a:endParaRPr lang="en-US"/>
           </a:p>
@@ -2564,7 +2570,7 @@
           <a:p>
             <a:fld id="{875CF0EB-321F-0749-B37A-89BBA859503C}" type="datetimeFigureOut">
               <a:rPr lang="en-US" smtClean="0"/>
-              <a:t>15/10/15</a:t>
+              <a:t>16/10/15</a:t>
             </a:fld>
             <a:endParaRPr lang="en-US"/>
           </a:p>
@@ -2865,7 +2871,7 @@
           <a:p>
             <a:fld id="{875CF0EB-321F-0749-B37A-89BBA859503C}" type="datetimeFigureOut">
               <a:rPr lang="en-US" smtClean="0"/>
-              <a:t>15/10/15</a:t>
+              <a:t>16/10/15</a:t>
             </a:fld>
             <a:endParaRPr lang="en-US"/>
           </a:p>
@@ -3142,7 +3148,7 @@
           <a:p>
             <a:fld id="{875CF0EB-321F-0749-B37A-89BBA859503C}" type="datetimeFigureOut">
               <a:rPr lang="en-US" smtClean="0"/>
-              <a:t>15/10/15</a:t>
+              <a:t>16/10/15</a:t>
             </a:fld>
             <a:endParaRPr lang="en-US"/>
           </a:p>
@@ -4155,11 +4161,7 @@
           <a:p>
             <a:r>
               <a:rPr lang="en-US" dirty="0" smtClean="0"/>
-              <a:t>Apache </a:t>
-            </a:r>
-            <a:r>
-              <a:rPr lang="en-US" dirty="0" err="1" smtClean="0"/>
-              <a:t>Hadoop</a:t>
+              <a:t>Map Reduce in Real Life</a:t>
             </a:r>
             <a:endParaRPr lang="en-US" dirty="0"/>
           </a:p>
@@ -4183,59 +4185,92 @@
           <a:lstStyle/>
           <a:p>
             <a:r>
-              <a:rPr lang="en-US" dirty="0" smtClean="0"/>
-              <a:t>The most famous and popular </a:t>
-            </a:r>
-            <a:br>
-              <a:rPr lang="en-US" dirty="0" smtClean="0"/>
-            </a:br>
-            <a:r>
-              <a:rPr lang="en-US" dirty="0" smtClean="0"/>
-              <a:t>Map Reduce framework</a:t>
+              <a:rPr lang="en-US" dirty="0" err="1" smtClean="0"/>
+              <a:t>Analysing</a:t>
+            </a:r>
+            <a:r>
+              <a:rPr lang="en-US" dirty="0" smtClean="0"/>
+              <a:t> web logs</a:t>
             </a:r>
           </a:p>
           <a:p>
             <a:pPr lvl="1"/>
             <a:r>
-              <a:rPr lang="en-US" dirty="0" smtClean="0"/>
-              <a:t>Open Source</a:t>
-            </a:r>
-          </a:p>
-          <a:p>
-            <a:pPr lvl="2"/>
-            <a:r>
-              <a:rPr lang="en-US" dirty="0" smtClean="0"/>
-              <a:t>Written in Java, but supports other languages</a:t>
+              <a:rPr lang="en-US" dirty="0" err="1" smtClean="0"/>
+              <a:t>Summarise</a:t>
+            </a:r>
+            <a:r>
+              <a:rPr lang="en-US" dirty="0" smtClean="0"/>
+              <a:t> by user / cookie</a:t>
             </a:r>
           </a:p>
           <a:p>
             <a:pPr lvl="1"/>
             <a:r>
               <a:rPr lang="en-US" dirty="0" smtClean="0"/>
-              <a:t>Runs Map Reduce workloads across a cloud or cluster of machines</a:t>
+              <a:t>Then aggregate to identify who did what</a:t>
+            </a:r>
+          </a:p>
+          <a:p>
+            <a:r>
+              <a:rPr lang="en-US" dirty="0" err="1" smtClean="0"/>
+              <a:t>Analysing</a:t>
+            </a:r>
+            <a:r>
+              <a:rPr lang="en-US" dirty="0" smtClean="0"/>
+              <a:t> twitter data</a:t>
             </a:r>
           </a:p>
           <a:p>
             <a:pPr lvl="1"/>
             <a:r>
               <a:rPr lang="en-US" dirty="0" smtClean="0"/>
-              <a:t>Supports a distributed </a:t>
+              <a:t>Who </a:t>
             </a:r>
             <a:r>
               <a:rPr lang="en-US" dirty="0" err="1" smtClean="0"/>
-              <a:t>filesystem</a:t>
-            </a:r>
-            <a:r>
-              <a:rPr lang="en-US" dirty="0" smtClean="0"/>
-              <a:t> to store data for these jobs</a:t>
-            </a:r>
+              <a:t>retweeted</a:t>
+            </a:r>
+            <a:endParaRPr lang="en-US" dirty="0" smtClean="0"/>
           </a:p>
           <a:p>
             <a:pPr lvl="1"/>
             <a:r>
               <a:rPr lang="en-US" dirty="0" smtClean="0"/>
-              <a:t>Provides reliability when servers in the cluster fail</a:t>
-            </a:r>
+              <a:t>Who was </a:t>
+            </a:r>
+            <a:r>
+              <a:rPr lang="en-US" dirty="0" err="1" smtClean="0"/>
+              <a:t>retweeted</a:t>
+            </a:r>
+            <a:r>
+              <a:rPr lang="en-US" dirty="0" smtClean="0"/>
+              <a:t> the most</a:t>
+            </a:r>
+          </a:p>
+          <a:p>
+            <a:r>
+              <a:rPr lang="en-US" dirty="0" smtClean="0"/>
+              <a:t>Almost all big data problems can be re-factored into Map Reduce</a:t>
+            </a:r>
+          </a:p>
+          <a:p>
+            <a:pPr lvl="1"/>
+            <a:r>
+              <a:rPr lang="en-US" dirty="0" smtClean="0"/>
+              <a:t>Some more efficiently than </a:t>
+            </a:r>
+            <a:r>
+              <a:rPr lang="en-US" dirty="0" smtClean="0"/>
+              <a:t>others</a:t>
+            </a:r>
+            <a:endParaRPr lang="en-US" dirty="0" smtClean="0"/>
+          </a:p>
+          <a:p>
+            <a:endParaRPr lang="en-US" dirty="0" smtClean="0"/>
+          </a:p>
+          <a:p>
+            <a:pPr lvl="1"/>
             <a:endParaRPr lang="en-US" dirty="0"/>
           </a:p>
         </p:txBody>
@@ -4243,7 +4278,7 @@
     </p:spTree>
     <p:extLst>
       <p:ext uri="{BB962C8B-B14F-4D97-AF65-F5344CB8AC3E}">
-        <p14:creationId xmlns:p14="http://schemas.microsoft.com/office/powerpoint/2010/main" val="889996596"/>
+        <p14:creationId xmlns:p14="http://schemas.microsoft.com/office/powerpoint/2010/main" val="2467033703"/>
       </p:ext>
     </p:extLst>
   </p:cSld>
@@ -4287,6 +4322,138 @@
           <a:p>
             <a:r>
               <a:rPr lang="en-US" dirty="0" smtClean="0"/>
+              <a:t>Apache </a:t>
+            </a:r>
+            <a:r>
+              <a:rPr lang="en-US" dirty="0" err="1" smtClean="0"/>
+              <a:t>Hadoop</a:t>
+            </a:r>
+            <a:endParaRPr lang="en-US" dirty="0"/>
+          </a:p>
+        </p:txBody>
+      </p:sp>
+      <p:sp>
+        <p:nvSpPr>
+          <p:cNvPr id="3" name="Content Placeholder 2"/>
+          <p:cNvSpPr>
+            <a:spLocks noGrp="1"/>
+          </p:cNvSpPr>
+          <p:nvPr>
+            <p:ph idx="1"/>
+          </p:nvPr>
+        </p:nvSpPr>
+        <p:spPr/>
+        <p:txBody>
+          <a:bodyPr>
+            <a:normAutofit lnSpcReduction="10000"/>
+          </a:bodyPr>
+          <a:lstStyle/>
+          <a:p>
+            <a:r>
+              <a:rPr lang="en-US" dirty="0" smtClean="0"/>
+              <a:t>The most famous and popular </a:t>
+            </a:r>
+            <a:br>
+              <a:rPr lang="en-US" dirty="0" smtClean="0"/>
+            </a:br>
+            <a:r>
+              <a:rPr lang="en-US" dirty="0" smtClean="0"/>
+              <a:t>Map Reduce framework</a:t>
+            </a:r>
+          </a:p>
+          <a:p>
+            <a:pPr lvl="1"/>
+            <a:r>
+              <a:rPr lang="en-US" dirty="0" smtClean="0"/>
+              <a:t>Open Source</a:t>
+            </a:r>
+          </a:p>
+          <a:p>
+            <a:pPr lvl="2"/>
+            <a:r>
+              <a:rPr lang="en-US" dirty="0" smtClean="0"/>
+              <a:t>Written in Java, but supports other languages</a:t>
+            </a:r>
+          </a:p>
+          <a:p>
+            <a:pPr lvl="1"/>
+            <a:r>
+              <a:rPr lang="en-US" dirty="0" smtClean="0"/>
+              <a:t>Runs Map Reduce workloads across a cloud or cluster of machines</a:t>
+            </a:r>
+          </a:p>
+          <a:p>
+            <a:pPr lvl="1"/>
+            <a:r>
+              <a:rPr lang="en-US" dirty="0" smtClean="0"/>
+              <a:t>Supports a distributed </a:t>
+            </a:r>
+            <a:r>
+              <a:rPr lang="en-US" dirty="0" err="1" smtClean="0"/>
+              <a:t>filesystem</a:t>
+            </a:r>
+            <a:r>
+              <a:rPr lang="en-US" dirty="0" smtClean="0"/>
+              <a:t> to store data for these jobs</a:t>
+            </a:r>
+          </a:p>
+          <a:p>
+            <a:pPr lvl="1"/>
+            <a:r>
+              <a:rPr lang="en-US" dirty="0" smtClean="0"/>
+              <a:t>Provides reliability when servers in the cluster fail</a:t>
+            </a:r>
+            <a:endParaRPr lang="en-US" dirty="0"/>
+          </a:p>
+        </p:txBody>
+      </p:sp>
+    </p:spTree>
+    <p:extLst>
+      <p:ext uri="{BB962C8B-B14F-4D97-AF65-F5344CB8AC3E}">
+        <p14:creationId xmlns:p14="http://schemas.microsoft.com/office/powerpoint/2010/main" val="889996596"/>
+      </p:ext>
+    </p:extLst>
+  </p:cSld>
+  <p:clrMapOvr>
+    <a:masterClrMapping/>
+  </p:clrMapOvr>
+</p:sld>
+</file>
+
+<file path=ppt/slides/slide12.xml><?xml version="1.0" encoding="utf-8"?>
+<p:sld xmlns:a="http://schemas.openxmlformats.org/drawingml/2006/main" xmlns:r="http://schemas.openxmlformats.org/officeDocument/2006/relationships" xmlns:p="http://schemas.openxmlformats.org/presentationml/2006/main">
+  <p:cSld>
+    <p:spTree>
+      <p:nvGrpSpPr>
+        <p:cNvPr id="1" name=""/>
+        <p:cNvGrpSpPr/>
+        <p:nvPr/>
+      </p:nvGrpSpPr>
+      <p:grpSpPr>
+        <a:xfrm>
+          <a:off x="0" y="0"/>
+          <a:ext cx="0" cy="0"/>
+          <a:chOff x="0" y="0"/>
+          <a:chExt cx="0" cy="0"/>
+        </a:xfrm>
+      </p:grpSpPr>
+      <p:sp>
+        <p:nvSpPr>
+          <p:cNvPr id="2" name="Title 1"/>
+          <p:cNvSpPr>
+            <a:spLocks noGrp="1"/>
+          </p:cNvSpPr>
+          <p:nvPr>
+            <p:ph type="title"/>
+          </p:nvPr>
+        </p:nvSpPr>
+        <p:spPr/>
+        <p:txBody>
+          <a:bodyPr/>
+          <a:lstStyle/>
+          <a:p>
+            <a:r>
+              <a:rPr lang="en-US" dirty="0" smtClean="0"/>
               <a:t>Components of </a:t>
             </a:r>
             <a:r>
@@ -4479,7 +4646,7 @@
 </p:sld>
 </file>
 
-<file path=ppt/slides/slide12.xml><?xml version="1.0" encoding="utf-8"?>
+<file path=ppt/slides/slide13.xml><?xml version="1.0" encoding="utf-8"?>
 <p:sld xmlns:a="http://schemas.openxmlformats.org/drawingml/2006/main" xmlns:r="http://schemas.openxmlformats.org/officeDocument/2006/relationships" xmlns:p="http://schemas.openxmlformats.org/presentationml/2006/main">
   <p:cSld>
     <p:spTree>
@@ -5220,102 +5387,6 @@
 </p:sld>
 </file>
 
-<file path=ppt/slides/slide13.xml><?xml version="1.0" encoding="utf-8"?>
-<p:sld xmlns:a="http://schemas.openxmlformats.org/drawingml/2006/main" xmlns:r="http://schemas.openxmlformats.org/officeDocument/2006/relationships" xmlns:p="http://schemas.openxmlformats.org/presentationml/2006/main">
-  <p:cSld>
-    <p:spTree>
-      <p:nvGrpSpPr>
-        <p:cNvPr id="1" name=""/>
-        <p:cNvGrpSpPr/>
-        <p:nvPr/>
-      </p:nvGrpSpPr>
-      <p:grpSpPr>
-        <a:xfrm>
-          <a:off x="0" y="0"/>
-          <a:ext cx="0" cy="0"/>
-          <a:chOff x="0" y="0"/>
-          <a:chExt cx="0" cy="0"/>
-        </a:xfrm>
-      </p:grpSpPr>
-      <p:sp>
-        <p:nvSpPr>
-          <p:cNvPr id="2" name="Title 1"/>
-          <p:cNvSpPr>
-            <a:spLocks noGrp="1"/>
-          </p:cNvSpPr>
-          <p:nvPr>
-            <p:ph type="title"/>
-          </p:nvPr>
-        </p:nvSpPr>
-        <p:spPr/>
-        <p:txBody>
-          <a:bodyPr/>
-          <a:lstStyle/>
-          <a:p>
-            <a:r>
-              <a:rPr lang="en-US" dirty="0" smtClean="0"/>
-              <a:t>HDFS details</a:t>
-            </a:r>
-            <a:endParaRPr lang="en-US" dirty="0"/>
-          </a:p>
-        </p:txBody>
-      </p:sp>
-      <p:sp>
-        <p:nvSpPr>
-          <p:cNvPr id="3" name="Content Placeholder 2"/>
-          <p:cNvSpPr>
-            <a:spLocks noGrp="1"/>
-          </p:cNvSpPr>
-          <p:nvPr>
-            <p:ph idx="1"/>
-          </p:nvPr>
-        </p:nvSpPr>
-        <p:spPr/>
-        <p:txBody>
-          <a:bodyPr>
-            <a:normAutofit lnSpcReduction="10000"/>
-          </a:bodyPr>
-          <a:lstStyle/>
-          <a:p>
-            <a:r>
-              <a:rPr lang="en-US" dirty="0" smtClean="0"/>
-              <a:t>Good for streaming access to large files, reliability, scale</a:t>
-            </a:r>
-          </a:p>
-          <a:p>
-            <a:r>
-              <a:rPr lang="en-US" dirty="0" smtClean="0"/>
-              <a:t>Not good for random access, small files</a:t>
-            </a:r>
-          </a:p>
-          <a:p>
-            <a:r>
-              <a:rPr lang="en-US" dirty="0" smtClean="0"/>
-              <a:t>Blocks of data 64Mb in size (configurable)</a:t>
-            </a:r>
-          </a:p>
-          <a:p>
-            <a:r>
-              <a:rPr lang="en-US" dirty="0" smtClean="0"/>
-              <a:t>Each block can be replicated across multiple data nodes for High Availability (HA)</a:t>
-            </a:r>
-            <a:endParaRPr lang="en-US" dirty="0"/>
-          </a:p>
-        </p:txBody>
-      </p:sp>
-    </p:spTree>
-    <p:extLst>
-      <p:ext uri="{BB962C8B-B14F-4D97-AF65-F5344CB8AC3E}">
-        <p14:creationId xmlns:p14="http://schemas.microsoft.com/office/powerpoint/2010/main" val="2815944417"/>
-      </p:ext>
-    </p:extLst>
-  </p:cSld>
-  <p:clrMapOvr>
-    <a:masterClrMapping/>
-  </p:clrMapOvr>
-</p:sld>
-</file>
-
 <file path=ppt/slides/slide14.xml><?xml version="1.0" encoding="utf-8"?>
 <p:sld xmlns:a="http://schemas.openxmlformats.org/drawingml/2006/main" xmlns:r="http://schemas.openxmlformats.org/officeDocument/2006/relationships" xmlns:p="http://schemas.openxmlformats.org/presentationml/2006/main">
   <p:cSld>
@@ -5350,7 +5421,7 @@
           <a:p>
             <a:r>
               <a:rPr lang="en-US" dirty="0" smtClean="0"/>
-              <a:t>HDFS commands</a:t>
+              <a:t>HDFS inspiration	</a:t>
             </a:r>
             <a:endParaRPr lang="en-US" dirty="0"/>
           </a:p>
@@ -5368,206 +5439,75 @@
         </p:nvSpPr>
         <p:spPr/>
         <p:txBody>
-          <a:bodyPr>
-            <a:normAutofit/>
-          </a:bodyPr>
-          <a:lstStyle/>
-          <a:p>
-            <a:r>
-              <a:rPr lang="en-US" sz="2800" dirty="0" smtClean="0"/>
-              <a:t>start-</a:t>
-            </a:r>
-            <a:r>
-              <a:rPr lang="en-US" sz="2800" dirty="0" err="1" smtClean="0"/>
-              <a:t>dfs.sh</a:t>
-            </a:r>
-            <a:endParaRPr lang="en-US" sz="2800" dirty="0" smtClean="0"/>
-          </a:p>
-          <a:p>
-            <a:r>
-              <a:rPr lang="en-US" sz="2800" dirty="0" smtClean="0"/>
-              <a:t>stop-</a:t>
-            </a:r>
-            <a:r>
-              <a:rPr lang="en-US" sz="2800" dirty="0" err="1" smtClean="0"/>
-              <a:t>dfs.sh</a:t>
-            </a:r>
-            <a:endParaRPr lang="en-US" sz="2800" dirty="0" smtClean="0"/>
-          </a:p>
-          <a:p>
-            <a:r>
-              <a:rPr lang="en-US" sz="2800" dirty="0" err="1" smtClean="0"/>
-              <a:t>hadoop</a:t>
-            </a:r>
-            <a:r>
-              <a:rPr lang="en-US" sz="2800" dirty="0" smtClean="0"/>
-              <a:t> </a:t>
-            </a:r>
-            <a:r>
-              <a:rPr lang="en-US" sz="2800" dirty="0" err="1" smtClean="0"/>
-              <a:t>fs</a:t>
-            </a:r>
-            <a:r>
-              <a:rPr lang="en-US" sz="2800" dirty="0" smtClean="0"/>
-              <a:t> &lt;command&gt;</a:t>
+          <a:bodyPr/>
+          <a:lstStyle/>
+          <a:p>
+            <a:r>
+              <a:rPr lang="en-US" dirty="0" smtClean="0"/>
+              <a:t>Google File System</a:t>
             </a:r>
           </a:p>
           <a:p>
             <a:pPr lvl="1"/>
             <a:r>
-              <a:rPr lang="en-US" sz="2400" dirty="0" smtClean="0"/>
-              <a:t>e.g. </a:t>
-            </a:r>
-            <a:r>
-              <a:rPr lang="en-US" sz="2400" dirty="0" err="1" smtClean="0"/>
-              <a:t>hadoop</a:t>
-            </a:r>
-            <a:r>
-              <a:rPr lang="en-US" sz="2400" dirty="0" smtClean="0"/>
-              <a:t> </a:t>
-            </a:r>
-            <a:r>
-              <a:rPr lang="en-US" sz="2400" dirty="0" err="1" smtClean="0"/>
-              <a:t>fs</a:t>
-            </a:r>
-            <a:r>
-              <a:rPr lang="en-US" sz="2400" dirty="0" smtClean="0"/>
-              <a:t> cat /user/</a:t>
-            </a:r>
-            <a:r>
-              <a:rPr lang="en-US" sz="2400" dirty="0" err="1" smtClean="0"/>
-              <a:t>hduser</a:t>
-            </a:r>
-            <a:r>
-              <a:rPr lang="en-US" sz="2400" dirty="0" smtClean="0"/>
-              <a:t>/file</a:t>
-            </a:r>
-          </a:p>
-          <a:p>
-            <a:pPr lvl="1"/>
-            <a:r>
-              <a:rPr lang="en-US" sz="2400" dirty="0" err="1" smtClean="0"/>
-              <a:t>hadoop</a:t>
-            </a:r>
-            <a:r>
-              <a:rPr lang="en-US" sz="2400" dirty="0" smtClean="0"/>
-              <a:t> </a:t>
-            </a:r>
-            <a:r>
-              <a:rPr lang="en-US" sz="2400" dirty="0" err="1" smtClean="0"/>
-              <a:t>fs</a:t>
-            </a:r>
-            <a:r>
-              <a:rPr lang="en-US" sz="2400" dirty="0" smtClean="0"/>
-              <a:t> </a:t>
-            </a:r>
-            <a:r>
-              <a:rPr lang="en-US" sz="2400" dirty="0" err="1" smtClean="0"/>
-              <a:t>mkdir</a:t>
-            </a:r>
-            <a:r>
-              <a:rPr lang="en-US" sz="2400" dirty="0" smtClean="0"/>
-              <a:t> –p /user/</a:t>
-            </a:r>
-            <a:r>
-              <a:rPr lang="en-US" sz="2400" dirty="0" err="1" smtClean="0"/>
-              <a:t>hduser</a:t>
-            </a:r>
-            <a:r>
-              <a:rPr lang="en-US" sz="2400" dirty="0" smtClean="0"/>
-              <a:t>/</a:t>
-            </a:r>
-          </a:p>
-          <a:p>
-            <a:pPr lvl="1"/>
-            <a:r>
-              <a:rPr lang="en-US" sz="2400" dirty="0" err="1" smtClean="0"/>
-              <a:t>hadoop</a:t>
-            </a:r>
-            <a:r>
-              <a:rPr lang="en-US" sz="2400" dirty="0" smtClean="0"/>
-              <a:t> </a:t>
-            </a:r>
-            <a:r>
-              <a:rPr lang="en-US" sz="2400" dirty="0" err="1" smtClean="0"/>
-              <a:t>fs</a:t>
-            </a:r>
-            <a:r>
-              <a:rPr lang="en-US" sz="2400" dirty="0" smtClean="0"/>
-              <a:t> put </a:t>
-            </a:r>
-            <a:r>
-              <a:rPr lang="en-US" sz="2400" dirty="0" err="1" smtClean="0"/>
-              <a:t>localfile</a:t>
-            </a:r>
-            <a:r>
-              <a:rPr lang="en-US" sz="2400" dirty="0" smtClean="0"/>
-              <a:t> /user/</a:t>
-            </a:r>
-            <a:r>
-              <a:rPr lang="en-US" sz="2400" dirty="0" err="1" smtClean="0"/>
-              <a:t>hduser</a:t>
-            </a:r>
-            <a:r>
-              <a:rPr lang="en-US" sz="2400" dirty="0" smtClean="0"/>
-              <a:t>/</a:t>
-            </a:r>
-            <a:r>
-              <a:rPr lang="en-US" sz="2400" dirty="0" err="1" smtClean="0"/>
-              <a:t>remotefile</a:t>
-            </a:r>
-            <a:endParaRPr lang="en-US" sz="2400" dirty="0" smtClean="0"/>
-          </a:p>
-          <a:p>
-            <a:pPr lvl="1"/>
-            <a:r>
-              <a:rPr lang="en-US" sz="2400" dirty="0" err="1"/>
-              <a:t>h</a:t>
-            </a:r>
-            <a:r>
-              <a:rPr lang="en-US" sz="2400" dirty="0" err="1" smtClean="0"/>
-              <a:t>adoop</a:t>
-            </a:r>
-            <a:r>
-              <a:rPr lang="en-US" sz="2400" dirty="0" smtClean="0"/>
-              <a:t> </a:t>
-            </a:r>
-            <a:r>
-              <a:rPr lang="en-US" sz="2400" dirty="0" err="1" smtClean="0"/>
-              <a:t>fs</a:t>
-            </a:r>
-            <a:r>
-              <a:rPr lang="en-US" sz="2400" dirty="0" smtClean="0"/>
-              <a:t> get /user/</a:t>
-            </a:r>
-            <a:r>
-              <a:rPr lang="en-US" sz="2400" dirty="0" err="1" smtClean="0"/>
-              <a:t>hduser</a:t>
-            </a:r>
-            <a:r>
-              <a:rPr lang="en-US" sz="2400" dirty="0" smtClean="0"/>
-              <a:t>/</a:t>
-            </a:r>
-            <a:r>
-              <a:rPr lang="en-US" sz="2400" dirty="0" err="1" smtClean="0"/>
-              <a:t>remotefile</a:t>
-            </a:r>
-            <a:r>
-              <a:rPr lang="en-US" sz="2400" dirty="0" smtClean="0"/>
-              <a:t> </a:t>
-            </a:r>
-            <a:r>
-              <a:rPr lang="en-US" sz="2400" dirty="0" err="1" smtClean="0"/>
-              <a:t>localfile</a:t>
-            </a:r>
-            <a:endParaRPr lang="en-US" sz="2400" dirty="0"/>
-          </a:p>
-        </p:txBody>
-      </p:sp>
+              <a:rPr lang="en-US" sz="1600" dirty="0"/>
+              <a:t>Sanjay </a:t>
+            </a:r>
+            <a:r>
+              <a:rPr lang="en-US" sz="1600" dirty="0" err="1"/>
+              <a:t>Ghemawat</a:t>
+            </a:r>
+            <a:r>
+              <a:rPr lang="en-US" sz="1600" dirty="0"/>
+              <a:t>, Howard </a:t>
+            </a:r>
+            <a:r>
+              <a:rPr lang="en-US" sz="1600" dirty="0" err="1"/>
+              <a:t>Gobioff</a:t>
+            </a:r>
+            <a:r>
+              <a:rPr lang="en-US" sz="1600" dirty="0"/>
+              <a:t>, and Shun-</a:t>
+            </a:r>
+            <a:r>
+              <a:rPr lang="en-US" sz="1600" dirty="0" err="1"/>
+              <a:t>Tak</a:t>
+            </a:r>
+            <a:r>
+              <a:rPr lang="en-US" sz="1600" dirty="0"/>
+              <a:t> Leung. 2003. The Google file system. In Proceedings of the nineteenth ACM symposium on Operating systems principles (SOSP '03). ACM, New York, NY, USA, 29-43. </a:t>
+            </a:r>
+          </a:p>
+        </p:txBody>
+      </p:sp>
+      <p:pic>
+        <p:nvPicPr>
+          <p:cNvPr id="4" name="Picture 3"/>
+          <p:cNvPicPr>
+            <a:picLocks noChangeAspect="1"/>
+          </p:cNvPicPr>
+          <p:nvPr/>
+        </p:nvPicPr>
+        <p:blipFill>
+          <a:blip r:embed="rId2"/>
+          <a:stretch>
+            <a:fillRect/>
+          </a:stretch>
+        </p:blipFill>
+        <p:spPr>
+          <a:xfrm>
+            <a:off x="2056926" y="2936099"/>
+            <a:ext cx="4878295" cy="2964376"/>
+          </a:xfrm>
+          <a:prstGeom prst="rect">
+            <a:avLst/>
+          </a:prstGeom>
+        </p:spPr>
+      </p:pic>
     </p:spTree>
     <p:extLst>
       <p:ext uri="{BB962C8B-B14F-4D97-AF65-F5344CB8AC3E}">
-        <p14:creationId xmlns:p14="http://schemas.microsoft.com/office/powerpoint/2010/main" val="2975913495"/>
+        <p14:creationId xmlns:p14="http://schemas.microsoft.com/office/powerpoint/2010/main" val="2506054683"/>
       </p:ext>
     </p:extLst>
   </p:cSld>
@@ -5611,7 +5551,11 @@
           <a:p>
             <a:r>
               <a:rPr lang="en-US" dirty="0" smtClean="0"/>
-              <a:t>What is YARN?</a:t>
+              <a:t>HDFS </a:t>
+            </a:r>
+            <a:r>
+              <a:rPr lang="en-US" dirty="0" smtClean="0"/>
+              <a:t>overview</a:t>
             </a:r>
             <a:endParaRPr lang="en-US" dirty="0"/>
           </a:p>
@@ -5629,50 +5573,33 @@
         </p:nvSpPr>
         <p:spPr/>
         <p:txBody>
-          <a:bodyPr/>
-          <a:lstStyle/>
-          <a:p>
-            <a:r>
-              <a:rPr lang="en-US" b="1" dirty="0" smtClean="0"/>
-              <a:t>YARN is the system that runs your code on multiple nodes</a:t>
-            </a:r>
-          </a:p>
-          <a:p>
-            <a:r>
-              <a:rPr lang="en-US" dirty="0" err="1" smtClean="0"/>
-              <a:t>Hadoop</a:t>
-            </a:r>
-            <a:r>
-              <a:rPr lang="en-US" dirty="0" smtClean="0"/>
-              <a:t> 2.0 replacement for the cluster manager</a:t>
-            </a:r>
-          </a:p>
-          <a:p>
-            <a:pPr lvl="1"/>
-            <a:r>
-              <a:rPr lang="en-US" dirty="0" smtClean="0"/>
-              <a:t>Basically a model to distribute and manage workloads</a:t>
-            </a:r>
-          </a:p>
-          <a:p>
-            <a:pPr lvl="1"/>
-            <a:r>
-              <a:rPr lang="en-US" dirty="0" smtClean="0"/>
-              <a:t>Not just </a:t>
-            </a:r>
-            <a:r>
-              <a:rPr lang="en-US" dirty="0" err="1" smtClean="0"/>
-              <a:t>MapReduce</a:t>
-            </a:r>
-            <a:r>
-              <a:rPr lang="en-US" dirty="0" smtClean="0"/>
-              <a:t> but supports other workloads</a:t>
-            </a:r>
-          </a:p>
-          <a:p>
-            <a:pPr marL="457200" lvl="1" indent="0">
-              <a:buNone/>
-            </a:pPr>
+          <a:bodyPr>
+            <a:normAutofit lnSpcReduction="10000"/>
+          </a:bodyPr>
+          <a:lstStyle/>
+          <a:p>
+            <a:r>
+              <a:rPr lang="en-US" dirty="0" smtClean="0"/>
+              <a:t>Good for streaming access to large files, reliability, scale</a:t>
+            </a:r>
+          </a:p>
+          <a:p>
+            <a:r>
+              <a:rPr lang="en-US" dirty="0" smtClean="0"/>
+              <a:t>Not good for random access, small files</a:t>
+            </a:r>
+          </a:p>
+          <a:p>
+            <a:r>
+              <a:rPr lang="en-US" dirty="0" smtClean="0"/>
+              <a:t>Blocks of data 64Mb in size (configurable)</a:t>
+            </a:r>
+          </a:p>
+          <a:p>
+            <a:r>
+              <a:rPr lang="en-US" dirty="0" smtClean="0"/>
+              <a:t>Each block can be replicated across multiple data nodes for High Availability (HA)</a:t>
+            </a:r>
             <a:endParaRPr lang="en-US" dirty="0"/>
           </a:p>
         </p:txBody>
@@ -5680,7 +5607,7 @@
     </p:spTree>
     <p:extLst>
       <p:ext uri="{BB962C8B-B14F-4D97-AF65-F5344CB8AC3E}">
-        <p14:creationId xmlns:p14="http://schemas.microsoft.com/office/powerpoint/2010/main" val="1893785865"/>
+        <p14:creationId xmlns:p14="http://schemas.microsoft.com/office/powerpoint/2010/main" val="2815944417"/>
       </p:ext>
     </p:extLst>
   </p:cSld>
@@ -5724,40 +5651,224 @@
           <a:p>
             <a:r>
               <a:rPr lang="en-US" dirty="0" smtClean="0"/>
-              <a:t>YARN details</a:t>
+              <a:t>HDFS commands</a:t>
             </a:r>
             <a:endParaRPr lang="en-US" dirty="0"/>
           </a:p>
         </p:txBody>
       </p:sp>
-      <p:pic>
-        <p:nvPicPr>
-          <p:cNvPr id="4" name="Picture 3"/>
-          <p:cNvPicPr>
-            <a:picLocks noChangeAspect="1"/>
-          </p:cNvPicPr>
-          <p:nvPr/>
-        </p:nvPicPr>
-        <p:blipFill>
-          <a:blip r:embed="rId2"/>
-          <a:stretch>
-            <a:fillRect/>
-          </a:stretch>
-        </p:blipFill>
-        <p:spPr>
-          <a:xfrm>
-            <a:off x="855902" y="1122492"/>
-            <a:ext cx="7665798" cy="4744907"/>
-          </a:xfrm>
-          <a:prstGeom prst="rect">
-            <a:avLst/>
-          </a:prstGeom>
-        </p:spPr>
-      </p:pic>
+      <p:sp>
+        <p:nvSpPr>
+          <p:cNvPr id="3" name="Content Placeholder 2"/>
+          <p:cNvSpPr>
+            <a:spLocks noGrp="1"/>
+          </p:cNvSpPr>
+          <p:nvPr>
+            <p:ph idx="1"/>
+          </p:nvPr>
+        </p:nvSpPr>
+        <p:spPr/>
+        <p:txBody>
+          <a:bodyPr>
+            <a:normAutofit/>
+          </a:bodyPr>
+          <a:lstStyle/>
+          <a:p>
+            <a:r>
+              <a:rPr lang="en-US" sz="2800" dirty="0" smtClean="0"/>
+              <a:t>start-</a:t>
+            </a:r>
+            <a:r>
+              <a:rPr lang="en-US" sz="2800" dirty="0" err="1" smtClean="0"/>
+              <a:t>dfs.sh</a:t>
+            </a:r>
+            <a:endParaRPr lang="en-US" sz="2800" dirty="0" smtClean="0"/>
+          </a:p>
+          <a:p>
+            <a:r>
+              <a:rPr lang="en-US" sz="2800" dirty="0" smtClean="0"/>
+              <a:t>stop-</a:t>
+            </a:r>
+            <a:r>
+              <a:rPr lang="en-US" sz="2800" dirty="0" err="1" smtClean="0"/>
+              <a:t>dfs.sh</a:t>
+            </a:r>
+            <a:endParaRPr lang="en-US" sz="2800" dirty="0" smtClean="0"/>
+          </a:p>
+          <a:p>
+            <a:r>
+              <a:rPr lang="en-US" sz="2800" dirty="0" err="1" smtClean="0"/>
+              <a:t>hadoop</a:t>
+            </a:r>
+            <a:r>
+              <a:rPr lang="en-US" sz="2800" dirty="0" smtClean="0"/>
+              <a:t> </a:t>
+            </a:r>
+            <a:r>
+              <a:rPr lang="en-US" sz="2800" dirty="0" err="1" smtClean="0"/>
+              <a:t>fs</a:t>
+            </a:r>
+            <a:r>
+              <a:rPr lang="en-US" sz="2800" dirty="0" smtClean="0"/>
+              <a:t> &lt;command&gt;</a:t>
+            </a:r>
+          </a:p>
+          <a:p>
+            <a:pPr lvl="1"/>
+            <a:r>
+              <a:rPr lang="en-US" sz="2400" dirty="0" smtClean="0"/>
+              <a:t>e.g. </a:t>
+            </a:r>
+            <a:r>
+              <a:rPr lang="en-US" sz="2400" dirty="0" err="1" smtClean="0"/>
+              <a:t>hadoop</a:t>
+            </a:r>
+            <a:r>
+              <a:rPr lang="en-US" sz="2400" dirty="0" smtClean="0"/>
+              <a:t> </a:t>
+            </a:r>
+            <a:r>
+              <a:rPr lang="en-US" sz="2400" dirty="0" err="1" smtClean="0"/>
+              <a:t>fs</a:t>
+            </a:r>
+            <a:r>
+              <a:rPr lang="en-US" sz="2400" dirty="0" smtClean="0"/>
+              <a:t> cat /user/</a:t>
+            </a:r>
+            <a:r>
+              <a:rPr lang="en-US" sz="2400" dirty="0" err="1" smtClean="0"/>
+              <a:t>hduser</a:t>
+            </a:r>
+            <a:r>
+              <a:rPr lang="en-US" sz="2400" dirty="0" smtClean="0"/>
+              <a:t>/file</a:t>
+            </a:r>
+          </a:p>
+          <a:p>
+            <a:pPr lvl="1"/>
+            <a:r>
+              <a:rPr lang="en-US" sz="2400" dirty="0" err="1" smtClean="0"/>
+              <a:t>hadoop</a:t>
+            </a:r>
+            <a:r>
+              <a:rPr lang="en-US" sz="2400" dirty="0" smtClean="0"/>
+              <a:t> </a:t>
+            </a:r>
+            <a:r>
+              <a:rPr lang="en-US" sz="2400" dirty="0" err="1" smtClean="0"/>
+              <a:t>fs</a:t>
+            </a:r>
+            <a:r>
+              <a:rPr lang="en-US" sz="2400" dirty="0" smtClean="0"/>
+              <a:t> </a:t>
+            </a:r>
+            <a:r>
+              <a:rPr lang="en-US" sz="2400" dirty="0" err="1" smtClean="0"/>
+              <a:t>mkdir</a:t>
+            </a:r>
+            <a:r>
+              <a:rPr lang="en-US" sz="2400" dirty="0" smtClean="0"/>
+              <a:t> –p /user/</a:t>
+            </a:r>
+            <a:r>
+              <a:rPr lang="en-US" sz="2400" dirty="0" err="1" smtClean="0"/>
+              <a:t>hduser</a:t>
+            </a:r>
+            <a:r>
+              <a:rPr lang="en-US" sz="2400" dirty="0" smtClean="0"/>
+              <a:t>/</a:t>
+            </a:r>
+          </a:p>
+          <a:p>
+            <a:pPr lvl="1"/>
+            <a:r>
+              <a:rPr lang="en-US" sz="2400" dirty="0" err="1" smtClean="0"/>
+              <a:t>hadoop</a:t>
+            </a:r>
+            <a:r>
+              <a:rPr lang="en-US" sz="2400" dirty="0" smtClean="0"/>
+              <a:t> </a:t>
+            </a:r>
+            <a:r>
+              <a:rPr lang="en-US" sz="2400" dirty="0" err="1" smtClean="0"/>
+              <a:t>fs</a:t>
+            </a:r>
+            <a:r>
+              <a:rPr lang="en-US" sz="2400" dirty="0" smtClean="0"/>
+              <a:t> put </a:t>
+            </a:r>
+            <a:r>
+              <a:rPr lang="en-US" sz="2400" dirty="0" err="1" smtClean="0"/>
+              <a:t>localfile</a:t>
+            </a:r>
+            <a:r>
+              <a:rPr lang="en-US" sz="2400" dirty="0" smtClean="0"/>
+              <a:t> /user/</a:t>
+            </a:r>
+            <a:r>
+              <a:rPr lang="en-US" sz="2400" dirty="0" err="1" smtClean="0"/>
+              <a:t>hduser</a:t>
+            </a:r>
+            <a:r>
+              <a:rPr lang="en-US" sz="2400" dirty="0" smtClean="0"/>
+              <a:t>/</a:t>
+            </a:r>
+            <a:r>
+              <a:rPr lang="en-US" sz="2400" dirty="0" err="1" smtClean="0"/>
+              <a:t>remotefile</a:t>
+            </a:r>
+            <a:endParaRPr lang="en-US" sz="2400" dirty="0" smtClean="0"/>
+          </a:p>
+          <a:p>
+            <a:pPr lvl="1"/>
+            <a:r>
+              <a:rPr lang="en-US" sz="2400" dirty="0" err="1"/>
+              <a:t>h</a:t>
+            </a:r>
+            <a:r>
+              <a:rPr lang="en-US" sz="2400" dirty="0" err="1" smtClean="0"/>
+              <a:t>adoop</a:t>
+            </a:r>
+            <a:r>
+              <a:rPr lang="en-US" sz="2400" dirty="0" smtClean="0"/>
+              <a:t> </a:t>
+            </a:r>
+            <a:r>
+              <a:rPr lang="en-US" sz="2400" dirty="0" err="1" smtClean="0"/>
+              <a:t>fs</a:t>
+            </a:r>
+            <a:r>
+              <a:rPr lang="en-US" sz="2400" dirty="0" smtClean="0"/>
+              <a:t> get /user/</a:t>
+            </a:r>
+            <a:r>
+              <a:rPr lang="en-US" sz="2400" dirty="0" err="1" smtClean="0"/>
+              <a:t>hduser</a:t>
+            </a:r>
+            <a:r>
+              <a:rPr lang="en-US" sz="2400" dirty="0" smtClean="0"/>
+              <a:t>/</a:t>
+            </a:r>
+            <a:r>
+              <a:rPr lang="en-US" sz="2400" dirty="0" err="1" smtClean="0"/>
+              <a:t>remotefile</a:t>
+            </a:r>
+            <a:r>
+              <a:rPr lang="en-US" sz="2400" dirty="0" smtClean="0"/>
+              <a:t> </a:t>
+            </a:r>
+            <a:r>
+              <a:rPr lang="en-US" sz="2400" dirty="0" err="1" smtClean="0"/>
+              <a:t>localfile</a:t>
+            </a:r>
+            <a:endParaRPr lang="en-US" sz="2400" dirty="0"/>
+          </a:p>
+        </p:txBody>
+      </p:sp>
     </p:spTree>
     <p:extLst>
       <p:ext uri="{BB962C8B-B14F-4D97-AF65-F5344CB8AC3E}">
-        <p14:creationId xmlns:p14="http://schemas.microsoft.com/office/powerpoint/2010/main" val="3609517117"/>
+        <p14:creationId xmlns:p14="http://schemas.microsoft.com/office/powerpoint/2010/main" val="2975913495"/>
       </p:ext>
     </p:extLst>
   </p:cSld>
@@ -5801,95 +5912,68 @@
           <a:p>
             <a:r>
               <a:rPr lang="en-US" dirty="0" smtClean="0"/>
-              <a:t>Map Reduce in </a:t>
-            </a:r>
+              <a:t>What is YARN?</a:t>
+            </a:r>
+            <a:endParaRPr lang="en-US" dirty="0"/>
+          </a:p>
+        </p:txBody>
+      </p:sp>
+      <p:sp>
+        <p:nvSpPr>
+          <p:cNvPr id="3" name="Content Placeholder 2"/>
+          <p:cNvSpPr>
+            <a:spLocks noGrp="1"/>
+          </p:cNvSpPr>
+          <p:nvPr>
+            <p:ph idx="1"/>
+          </p:nvPr>
+        </p:nvSpPr>
+        <p:spPr/>
+        <p:txBody>
+          <a:bodyPr/>
+          <a:lstStyle/>
+          <a:p>
+            <a:r>
+              <a:rPr lang="en-US" b="1" dirty="0" smtClean="0"/>
+              <a:t>YARN is the system that runs your code on multiple nodes</a:t>
+            </a:r>
+          </a:p>
+          <a:p>
             <a:r>
               <a:rPr lang="en-US" dirty="0" err="1" smtClean="0"/>
               <a:t>Hadoop</a:t>
             </a:r>
-            <a:endParaRPr lang="en-US" dirty="0"/>
-          </a:p>
-        </p:txBody>
-      </p:sp>
-      <p:sp>
-        <p:nvSpPr>
-          <p:cNvPr id="3" name="Content Placeholder 2"/>
-          <p:cNvSpPr>
-            <a:spLocks noGrp="1"/>
-          </p:cNvSpPr>
-          <p:nvPr>
-            <p:ph idx="1"/>
-          </p:nvPr>
-        </p:nvSpPr>
-        <p:spPr/>
-        <p:txBody>
-          <a:bodyPr>
-            <a:normAutofit lnSpcReduction="10000"/>
-          </a:bodyPr>
-          <a:lstStyle/>
-          <a:p>
-            <a:r>
-              <a:rPr lang="en-US" dirty="0" smtClean="0"/>
-              <a:t>Map reduce in </a:t>
+            <a:r>
+              <a:rPr lang="en-US" dirty="0" smtClean="0"/>
+              <a:t> 2.0 replacement for the cluster manager</a:t>
+            </a:r>
+          </a:p>
+          <a:p>
+            <a:pPr lvl="1"/>
+            <a:r>
+              <a:rPr lang="en-US" dirty="0" smtClean="0"/>
+              <a:t>Basically a model to distribute and manage workloads</a:t>
+            </a:r>
+          </a:p>
+          <a:p>
+            <a:pPr lvl="1"/>
+            <a:r>
+              <a:rPr lang="en-US" dirty="0" smtClean="0"/>
+              <a:t>Not just </a:t>
             </a:r>
             <a:r>
               <a:rPr lang="en-US" dirty="0" err="1" smtClean="0"/>
-              <a:t>Hadoop</a:t>
-            </a:r>
-            <a:r>
-              <a:rPr lang="en-US" dirty="0" smtClean="0"/>
-              <a:t> actually consists of </a:t>
-            </a:r>
-            <a:r>
-              <a:rPr lang="en-US" i="1" dirty="0" smtClean="0"/>
-              <a:t>three</a:t>
-            </a:r>
-            <a:r>
-              <a:rPr lang="en-US" dirty="0" smtClean="0"/>
-              <a:t> steps!</a:t>
-            </a:r>
-          </a:p>
-          <a:p>
-            <a:pPr lvl="1"/>
-            <a:r>
-              <a:rPr lang="en-US" dirty="0" smtClean="0"/>
-              <a:t>Mapper</a:t>
-            </a:r>
-          </a:p>
-          <a:p>
-            <a:pPr lvl="2"/>
-            <a:r>
-              <a:rPr lang="en-US" dirty="0" smtClean="0"/>
-              <a:t>Works on a single file, line by line</a:t>
-            </a:r>
-          </a:p>
-          <a:p>
-            <a:pPr lvl="1"/>
-            <a:r>
-              <a:rPr lang="en-US" dirty="0" smtClean="0"/>
-              <a:t>Combiner</a:t>
-            </a:r>
-          </a:p>
-          <a:p>
-            <a:pPr lvl="2"/>
-            <a:r>
-              <a:rPr lang="en-US" dirty="0" smtClean="0"/>
-              <a:t>Like a reducer, but still on a single system taking the output of the mapper</a:t>
-            </a:r>
-          </a:p>
-          <a:p>
-            <a:pPr lvl="1"/>
-            <a:r>
-              <a:rPr lang="en-US" dirty="0" smtClean="0"/>
-              <a:t>Reducer</a:t>
-            </a:r>
-          </a:p>
-          <a:p>
-            <a:pPr lvl="2"/>
-            <a:r>
-              <a:rPr lang="en-US" dirty="0" smtClean="0"/>
-              <a:t>Takes the outputs of multiple mapper/combiners</a:t>
-            </a:r>
+              <a:t>MapReduce</a:t>
+            </a:r>
+            <a:r>
+              <a:rPr lang="en-US" dirty="0" smtClean="0"/>
+              <a:t> but supports other workloads</a:t>
+            </a:r>
+          </a:p>
+          <a:p>
+            <a:pPr marL="457200" lvl="1" indent="0">
+              <a:buNone/>
+            </a:pPr>
             <a:endParaRPr lang="en-US" dirty="0"/>
           </a:p>
         </p:txBody>
@@ -5897,7 +5981,7 @@
     </p:spTree>
     <p:extLst>
       <p:ext uri="{BB962C8B-B14F-4D97-AF65-F5344CB8AC3E}">
-        <p14:creationId xmlns:p14="http://schemas.microsoft.com/office/powerpoint/2010/main" val="3837245040"/>
+        <p14:creationId xmlns:p14="http://schemas.microsoft.com/office/powerpoint/2010/main" val="1893785865"/>
       </p:ext>
     </p:extLst>
   </p:cSld>
@@ -5941,57 +6025,44 @@
           <a:p>
             <a:r>
               <a:rPr lang="en-US" dirty="0" smtClean="0"/>
-              <a:t>The general flow	</a:t>
+              <a:t>YARN </a:t>
+            </a:r>
+            <a:r>
+              <a:rPr lang="en-US" dirty="0" smtClean="0"/>
+              <a:t>architecture</a:t>
             </a:r>
             <a:endParaRPr lang="en-US" dirty="0"/>
           </a:p>
         </p:txBody>
       </p:sp>
-      <p:sp>
-        <p:nvSpPr>
-          <p:cNvPr id="3" name="Content Placeholder 2"/>
-          <p:cNvSpPr>
-            <a:spLocks noGrp="1"/>
-          </p:cNvSpPr>
-          <p:nvPr>
-            <p:ph idx="1"/>
-          </p:nvPr>
-        </p:nvSpPr>
-        <p:spPr/>
-        <p:txBody>
-          <a:bodyPr/>
-          <a:lstStyle/>
-          <a:p>
-            <a:r>
-              <a:rPr lang="en-US" dirty="0" smtClean="0"/>
-              <a:t>On the whole, we expect to produce key-value &lt;K,V&gt; pairs from any mapper or reducer</a:t>
-            </a:r>
-          </a:p>
-          <a:p>
-            <a:pPr lvl="1"/>
-            <a:r>
-              <a:rPr lang="en-US" dirty="0" smtClean="0"/>
-              <a:t>In some cases we may produce &lt;K,V1,V2,..&gt; </a:t>
-            </a:r>
-          </a:p>
-          <a:p>
-            <a:r>
-              <a:rPr lang="en-US" dirty="0" smtClean="0"/>
-              <a:t>The results are stored to file and then read from file</a:t>
-            </a:r>
-          </a:p>
-          <a:p>
-            <a:pPr marL="0" indent="0">
-              <a:buNone/>
-            </a:pPr>
-            <a:endParaRPr lang="en-US" dirty="0" smtClean="0"/>
-          </a:p>
-        </p:txBody>
-      </p:sp>
+      <p:pic>
+        <p:nvPicPr>
+          <p:cNvPr id="4" name="Picture 3"/>
+          <p:cNvPicPr>
+            <a:picLocks noChangeAspect="1"/>
+          </p:cNvPicPr>
+          <p:nvPr/>
+        </p:nvPicPr>
+        <p:blipFill>
+          <a:blip r:embed="rId2"/>
+          <a:stretch>
+            <a:fillRect/>
+          </a:stretch>
+        </p:blipFill>
+        <p:spPr>
+          <a:xfrm>
+            <a:off x="457200" y="1122492"/>
+            <a:ext cx="7665798" cy="4744907"/>
+          </a:xfrm>
+          <a:prstGeom prst="rect">
+            <a:avLst/>
+          </a:prstGeom>
+        </p:spPr>
+      </p:pic>
     </p:spTree>
     <p:extLst>
       <p:ext uri="{BB962C8B-B14F-4D97-AF65-F5344CB8AC3E}">
-        <p14:creationId xmlns:p14="http://schemas.microsoft.com/office/powerpoint/2010/main" val="3663277687"/>
+        <p14:creationId xmlns:p14="http://schemas.microsoft.com/office/powerpoint/2010/main" val="3609517117"/>
       </p:ext>
     </p:extLst>
   </p:cSld>
@@ -6033,7 +6104,15 @@
           <a:bodyPr/>
           <a:lstStyle/>
           <a:p>
-            <a:endParaRPr lang="en-US"/>
+            <a:r>
+              <a:rPr lang="en-US" dirty="0" smtClean="0"/>
+              <a:t>Map Reduce in </a:t>
+            </a:r>
+            <a:r>
+              <a:rPr lang="en-US" dirty="0" err="1" smtClean="0"/>
+              <a:t>Hadoop</a:t>
+            </a:r>
+            <a:endParaRPr lang="en-US" dirty="0"/>
           </a:p>
         </p:txBody>
       </p:sp>
@@ -6049,17 +6128,78 @@
         </p:nvSpPr>
         <p:spPr/>
         <p:txBody>
-          <a:bodyPr/>
-          <a:lstStyle/>
-          <a:p>
-            <a:endParaRPr lang="en-US"/>
+          <a:bodyPr>
+            <a:normAutofit lnSpcReduction="10000"/>
+          </a:bodyPr>
+          <a:lstStyle/>
+          <a:p>
+            <a:r>
+              <a:rPr lang="en-US" dirty="0" smtClean="0"/>
+              <a:t>Map reduce in </a:t>
+            </a:r>
+            <a:r>
+              <a:rPr lang="en-US" dirty="0" err="1" smtClean="0"/>
+              <a:t>Hadoop</a:t>
+            </a:r>
+            <a:r>
+              <a:rPr lang="en-US" dirty="0" smtClean="0"/>
+              <a:t> actually consists of </a:t>
+            </a:r>
+            <a:r>
+              <a:rPr lang="en-US" dirty="0" smtClean="0"/>
+              <a:t>multiple steps</a:t>
+            </a:r>
+            <a:endParaRPr lang="en-US" dirty="0" smtClean="0"/>
+          </a:p>
+          <a:p>
+            <a:pPr lvl="1"/>
+            <a:r>
+              <a:rPr lang="en-US" dirty="0" smtClean="0"/>
+              <a:t>Mapper</a:t>
+            </a:r>
+          </a:p>
+          <a:p>
+            <a:pPr lvl="2"/>
+            <a:r>
+              <a:rPr lang="en-US" dirty="0" smtClean="0"/>
+              <a:t>Works on a single file, line by line</a:t>
+            </a:r>
+          </a:p>
+          <a:p>
+            <a:pPr lvl="1"/>
+            <a:r>
+              <a:rPr lang="en-US" dirty="0" smtClean="0"/>
+              <a:t>Combiner</a:t>
+            </a:r>
+          </a:p>
+          <a:p>
+            <a:pPr lvl="2"/>
+            <a:r>
+              <a:rPr lang="en-US" dirty="0" smtClean="0"/>
+              <a:t>Like a reducer, but still on a single system taking the output of the mapper</a:t>
+            </a:r>
+          </a:p>
+          <a:p>
+            <a:pPr lvl="1"/>
+            <a:r>
+              <a:rPr lang="en-US" dirty="0" smtClean="0"/>
+              <a:t>Reducer</a:t>
+            </a:r>
+          </a:p>
+          <a:p>
+            <a:pPr lvl="2"/>
+            <a:r>
+              <a:rPr lang="en-US" dirty="0" smtClean="0"/>
+              <a:t>Takes the outputs of multiple mapper/combiners</a:t>
+            </a:r>
+            <a:endParaRPr lang="en-US" dirty="0"/>
           </a:p>
         </p:txBody>
       </p:sp>
     </p:spTree>
     <p:extLst>
       <p:ext uri="{BB962C8B-B14F-4D97-AF65-F5344CB8AC3E}">
-        <p14:creationId xmlns:p14="http://schemas.microsoft.com/office/powerpoint/2010/main" val="2558676139"/>
+        <p14:creationId xmlns:p14="http://schemas.microsoft.com/office/powerpoint/2010/main" val="3837245040"/>
       </p:ext>
     </p:extLst>
   </p:cSld>
@@ -6178,7 +6318,7 @@
             <a:prstTxWarp prst="textNoShape">
               <a:avLst/>
             </a:prstTxWarp>
-            <a:normAutofit fontScale="92500" lnSpcReduction="10000"/>
+            <a:normAutofit fontScale="92500" lnSpcReduction="20000"/>
           </a:bodyPr>
           <a:lstStyle/>
           <a:p>
@@ -6198,7 +6338,14 @@
                 <a:ea typeface="ヒラギノ角ゴ ProN W3" charset="0"/>
                 <a:cs typeface="ヒラギノ角ゴ ProN W3" charset="0"/>
               </a:rPr>
-              <a:t>Functional programming for scale</a:t>
+              <a:t>Functional </a:t>
+            </a:r>
+            <a:r>
+              <a:rPr lang="en-US" dirty="0" smtClean="0">
+                <a:ea typeface="ヒラギノ角ゴ ProN W3" charset="0"/>
+                <a:cs typeface="ヒラギノ角ゴ ProN W3" charset="0"/>
+              </a:rPr>
+              <a:t>programming patterns applied for scalability</a:t>
             </a:r>
             <a:endParaRPr lang="en-US" dirty="0">
               <a:ea typeface="ヒラギノ角ゴ ProN W3" charset="0"/>
@@ -6265,10 +6412,6 @@
               </a:rPr>
               <a:t>Java</a:t>
             </a:r>
-            <a:endParaRPr lang="en-US" dirty="0" smtClean="0">
-              <a:ea typeface="ヒラギノ角ゴ ProN W3" charset="0"/>
-              <a:cs typeface="ヒラギノ角ゴ ProN W3" charset="0"/>
-            </a:endParaRPr>
           </a:p>
           <a:p>
             <a:pPr lvl="1"/>
@@ -6299,10 +6442,6 @@
               </a:rPr>
               <a:t>Pig and Hive</a:t>
             </a:r>
-            <a:endParaRPr lang="en-US" dirty="0" smtClean="0">
-              <a:ea typeface="ヒラギノ角ゴ ProN W3" charset="0"/>
-              <a:cs typeface="ヒラギノ角ゴ ProN W3" charset="0"/>
-            </a:endParaRPr>
           </a:p>
           <a:p>
             <a:r>
@@ -6312,10 +6451,6 @@
               </a:rPr>
               <a:t>Further reading</a:t>
             </a:r>
-            <a:endParaRPr lang="en-US" dirty="0" smtClean="0">
-              <a:ea typeface="ヒラギノ角ゴ ProN W3" charset="0"/>
-              <a:cs typeface="ヒラギノ角ゴ ProN W3" charset="0"/>
-            </a:endParaRPr>
           </a:p>
         </p:txBody>
       </p:sp>
@@ -6381,7 +6516,7 @@
           <a:p>
             <a:r>
               <a:rPr lang="en-US" dirty="0" smtClean="0"/>
-              <a:t>Map Reduce in Java</a:t>
+              <a:t>The general flow	</a:t>
             </a:r>
             <a:endParaRPr lang="en-US" dirty="0"/>
           </a:p>
@@ -6402,14 +6537,49 @@
           <a:bodyPr/>
           <a:lstStyle/>
           <a:p>
-            <a:endParaRPr lang="en-US"/>
+            <a:r>
+              <a:rPr lang="en-US" dirty="0" smtClean="0"/>
+              <a:t>On the whole, we expect to produce key-value &lt;K,V&gt; pairs from any mapper or reducer</a:t>
+            </a:r>
+          </a:p>
+          <a:p>
+            <a:pPr lvl="1"/>
+            <a:r>
+              <a:rPr lang="en-US" dirty="0" smtClean="0"/>
+              <a:t>In some cases we may produce &lt;K</a:t>
+            </a:r>
+            <a:r>
+              <a:rPr lang="en-US" dirty="0" smtClean="0"/>
+              <a:t>,&lt;V1</a:t>
+            </a:r>
+            <a:r>
+              <a:rPr lang="en-US" dirty="0" smtClean="0"/>
+              <a:t>,V2,..</a:t>
+            </a:r>
+            <a:r>
+              <a:rPr lang="en-US" dirty="0" smtClean="0"/>
+              <a:t>&gt;&gt; </a:t>
+            </a:r>
+            <a:endParaRPr lang="en-US" dirty="0" smtClean="0"/>
+          </a:p>
+          <a:p>
+            <a:r>
+              <a:rPr lang="en-US" dirty="0" smtClean="0"/>
+              <a:t>The results are stored to file and then read from file</a:t>
+            </a:r>
+          </a:p>
+          <a:p>
+            <a:pPr marL="0" indent="0">
+              <a:buNone/>
+            </a:pPr>
+            <a:endParaRPr lang="en-US" dirty="0" smtClean="0"/>
           </a:p>
         </p:txBody>
       </p:sp>
     </p:spTree>
     <p:extLst>
       <p:ext uri="{BB962C8B-B14F-4D97-AF65-F5344CB8AC3E}">
-        <p14:creationId xmlns:p14="http://schemas.microsoft.com/office/powerpoint/2010/main" val="3524617766"/>
+        <p14:creationId xmlns:p14="http://schemas.microsoft.com/office/powerpoint/2010/main" val="3663277687"/>
       </p:ext>
     </p:extLst>
   </p:cSld>
@@ -6453,11 +6623,7 @@
           <a:p>
             <a:r>
               <a:rPr lang="en-US" dirty="0" smtClean="0"/>
-              <a:t>Map Reduce in </a:t>
-            </a:r>
-            <a:r>
-              <a:rPr lang="en-US" dirty="0" err="1" smtClean="0"/>
-              <a:t>Scala</a:t>
+              <a:t>Mappers</a:t>
             </a:r>
             <a:endParaRPr lang="en-US" dirty="0"/>
           </a:p>
@@ -6478,14 +6644,30 @@
           <a:bodyPr/>
           <a:lstStyle/>
           <a:p>
-            <a:endParaRPr lang="en-US"/>
+            <a:r>
+              <a:rPr lang="en-US" dirty="0" smtClean="0"/>
+              <a:t>Take input files and produce &lt;K,V&gt; pairs</a:t>
+            </a:r>
+          </a:p>
+          <a:p>
+            <a:r>
+              <a:rPr lang="en-US" dirty="0" smtClean="0"/>
+              <a:t>Each mapper gets a complete file</a:t>
+            </a:r>
+          </a:p>
+          <a:p>
+            <a:r>
+              <a:rPr lang="en-US" dirty="0" smtClean="0"/>
+              <a:t>Each mapper runs on a single system</a:t>
+            </a:r>
+            <a:endParaRPr lang="en-US" dirty="0"/>
           </a:p>
         </p:txBody>
       </p:sp>
     </p:spTree>
     <p:extLst>
       <p:ext uri="{BB962C8B-B14F-4D97-AF65-F5344CB8AC3E}">
-        <p14:creationId xmlns:p14="http://schemas.microsoft.com/office/powerpoint/2010/main" val="1909949261"/>
+        <p14:creationId xmlns:p14="http://schemas.microsoft.com/office/powerpoint/2010/main" val="2558676139"/>
       </p:ext>
     </p:extLst>
   </p:cSld>
@@ -6529,7 +6711,7 @@
           <a:p>
             <a:r>
               <a:rPr lang="en-US" dirty="0" smtClean="0"/>
-              <a:t>Map Reduce in Python</a:t>
+              <a:t>Combiners</a:t>
             </a:r>
             <a:endParaRPr lang="en-US" dirty="0"/>
           </a:p>
@@ -6550,14 +6732,42 @@
           <a:bodyPr/>
           <a:lstStyle/>
           <a:p>
-            <a:endParaRPr lang="en-US"/>
+            <a:r>
+              <a:rPr lang="en-US" dirty="0" smtClean="0"/>
+              <a:t>The combiner function must take the &lt;K,V&gt; output of the mapper</a:t>
+            </a:r>
+          </a:p>
+          <a:p>
+            <a:r>
+              <a:rPr lang="en-US" dirty="0" smtClean="0"/>
+              <a:t>Produce the same format &lt;K,V&gt;</a:t>
+            </a:r>
+          </a:p>
+          <a:p>
+            <a:r>
+              <a:rPr lang="en-US" dirty="0" smtClean="0"/>
+              <a:t>Must be associative and commutative</a:t>
+            </a:r>
+          </a:p>
+          <a:p>
+            <a:r>
+              <a:rPr lang="en-US" i="1" dirty="0" smtClean="0"/>
+              <a:t>Runs on the same node as the mapper</a:t>
+            </a:r>
+          </a:p>
+          <a:p>
+            <a:r>
+              <a:rPr lang="en-US" dirty="0" smtClean="0"/>
+              <a:t>May actually be the reducer function if the reducer follows the rules above</a:t>
+            </a:r>
+            <a:endParaRPr lang="en-US" dirty="0"/>
           </a:p>
         </p:txBody>
       </p:sp>
     </p:spTree>
     <p:extLst>
       <p:ext uri="{BB962C8B-B14F-4D97-AF65-F5344CB8AC3E}">
-        <p14:creationId xmlns:p14="http://schemas.microsoft.com/office/powerpoint/2010/main" val="172982769"/>
+        <p14:creationId xmlns:p14="http://schemas.microsoft.com/office/powerpoint/2010/main" val="3000065012"/>
       </p:ext>
     </p:extLst>
   </p:cSld>
@@ -6601,7 +6811,7 @@
           <a:p>
             <a:r>
               <a:rPr lang="en-US" dirty="0" smtClean="0"/>
-              <a:t>Apache Pig</a:t>
+              <a:t>Reducers	</a:t>
             </a:r>
             <a:endParaRPr lang="en-US" dirty="0"/>
           </a:p>
@@ -6622,14 +6832,30 @@
           <a:bodyPr/>
           <a:lstStyle/>
           <a:p>
-            <a:endParaRPr lang="en-US"/>
+            <a:r>
+              <a:rPr lang="en-US" dirty="0" smtClean="0"/>
+              <a:t>The reducers get the &lt;K,V&gt; pairs output from the mappers/combiners</a:t>
+            </a:r>
+          </a:p>
+          <a:p>
+            <a:r>
+              <a:rPr lang="en-US" dirty="0" smtClean="0"/>
+              <a:t>The output is first sorted/partitioned</a:t>
+            </a:r>
+          </a:p>
+          <a:p>
+            <a:r>
+              <a:rPr lang="en-US" dirty="0" smtClean="0"/>
+              <a:t>The reducers produce the final expected output, usually in the form of &lt;K,V&gt; pairs</a:t>
+            </a:r>
+            <a:endParaRPr lang="en-US" dirty="0"/>
           </a:p>
         </p:txBody>
       </p:sp>
     </p:spTree>
     <p:extLst>
       <p:ext uri="{BB962C8B-B14F-4D97-AF65-F5344CB8AC3E}">
-        <p14:creationId xmlns:p14="http://schemas.microsoft.com/office/powerpoint/2010/main" val="3178541057"/>
+        <p14:creationId xmlns:p14="http://schemas.microsoft.com/office/powerpoint/2010/main" val="4032647134"/>
       </p:ext>
     </p:extLst>
   </p:cSld>
@@ -6668,12 +6894,25 @@
         </p:nvSpPr>
         <p:spPr/>
         <p:txBody>
-          <a:bodyPr/>
-          <a:lstStyle/>
-          <a:p>
-            <a:r>
-              <a:rPr lang="en-US" dirty="0" smtClean="0"/>
-              <a:t>Apache Hive</a:t>
+          <a:bodyPr>
+            <a:normAutofit fontScale="90000"/>
+          </a:bodyPr>
+          <a:lstStyle/>
+          <a:p>
+            <a:r>
+              <a:rPr lang="en-US" dirty="0" smtClean="0"/>
+              <a:t>Map Reduce in </a:t>
+            </a:r>
+            <a:r>
+              <a:rPr lang="en-US" dirty="0" smtClean="0"/>
+              <a:t>Python</a:t>
+            </a:r>
+            <a:br>
+              <a:rPr lang="en-US" dirty="0" smtClean="0"/>
+            </a:br>
+            <a:r>
+              <a:rPr lang="en-US" dirty="0" smtClean="0"/>
+              <a:t>A mapper</a:t>
             </a:r>
             <a:endParaRPr lang="en-US" dirty="0"/>
           </a:p>
@@ -6691,17 +6930,332 @@
         </p:nvSpPr>
         <p:spPr/>
         <p:txBody>
-          <a:bodyPr/>
-          <a:lstStyle/>
-          <a:p>
-            <a:endParaRPr lang="en-US"/>
+          <a:bodyPr>
+            <a:normAutofit fontScale="55000" lnSpcReduction="20000"/>
+          </a:bodyPr>
+          <a:lstStyle/>
+          <a:p>
+            <a:pPr marL="457200" lvl="1" indent="0">
+              <a:buNone/>
+            </a:pPr>
+            <a:r>
+              <a:rPr lang="en-US" dirty="0" smtClean="0">
+                <a:latin typeface="Lucida Console"/>
+                <a:cs typeface="Lucida Console"/>
+              </a:rPr>
+              <a:t>#</a:t>
+            </a:r>
+            <a:r>
+              <a:rPr lang="en-US" dirty="0">
+                <a:latin typeface="Lucida Console"/>
+                <a:cs typeface="Lucida Console"/>
+              </a:rPr>
+              <a:t>!/</a:t>
+            </a:r>
+            <a:r>
+              <a:rPr lang="en-US" dirty="0" err="1">
+                <a:latin typeface="Lucida Console"/>
+                <a:cs typeface="Lucida Console"/>
+              </a:rPr>
+              <a:t>usr</a:t>
+            </a:r>
+            <a:r>
+              <a:rPr lang="en-US" dirty="0">
+                <a:latin typeface="Lucida Console"/>
+                <a:cs typeface="Lucida Console"/>
+              </a:rPr>
+              <a:t>/bin/</a:t>
+            </a:r>
+            <a:r>
+              <a:rPr lang="en-US" dirty="0" err="1">
+                <a:latin typeface="Lucida Console"/>
+                <a:cs typeface="Lucida Console"/>
+              </a:rPr>
+              <a:t>env</a:t>
+            </a:r>
+            <a:r>
+              <a:rPr lang="en-US" dirty="0">
+                <a:latin typeface="Lucida Console"/>
+                <a:cs typeface="Lucida Console"/>
+              </a:rPr>
+              <a:t> python</a:t>
+            </a:r>
+          </a:p>
+          <a:p>
+            <a:pPr marL="457200" lvl="1" indent="0">
+              <a:buNone/>
+            </a:pPr>
+            <a:endParaRPr lang="en-US" dirty="0">
+              <a:latin typeface="Lucida Console"/>
+              <a:cs typeface="Lucida Console"/>
+            </a:endParaRPr>
+          </a:p>
+          <a:p>
+            <a:pPr marL="457200" lvl="1" indent="0">
+              <a:buNone/>
+            </a:pPr>
+            <a:r>
+              <a:rPr lang="en-US" dirty="0">
+                <a:latin typeface="Lucida Console"/>
+                <a:cs typeface="Lucida Console"/>
+              </a:rPr>
+              <a:t>import sys</a:t>
+            </a:r>
+          </a:p>
+          <a:p>
+            <a:pPr marL="457200" lvl="1" indent="0">
+              <a:buNone/>
+            </a:pPr>
+            <a:endParaRPr lang="en-US" dirty="0">
+              <a:latin typeface="Lucida Console"/>
+              <a:cs typeface="Lucida Console"/>
+            </a:endParaRPr>
+          </a:p>
+          <a:p>
+            <a:pPr marL="457200" lvl="1" indent="0">
+              <a:buNone/>
+            </a:pPr>
+            <a:r>
+              <a:rPr lang="en-US" dirty="0">
+                <a:latin typeface="Lucida Console"/>
+                <a:cs typeface="Lucida Console"/>
+              </a:rPr>
+              <a:t># input comes from STDIN (standard input)</a:t>
+            </a:r>
+          </a:p>
+          <a:p>
+            <a:pPr marL="457200" lvl="1" indent="0">
+              <a:buNone/>
+            </a:pPr>
+            <a:r>
+              <a:rPr lang="en-US" dirty="0">
+                <a:latin typeface="Lucida Console"/>
+                <a:cs typeface="Lucida Console"/>
+              </a:rPr>
+              <a:t>for line in </a:t>
+            </a:r>
+            <a:r>
+              <a:rPr lang="en-US" dirty="0" err="1">
+                <a:latin typeface="Lucida Console"/>
+                <a:cs typeface="Lucida Console"/>
+              </a:rPr>
+              <a:t>sys.stdin</a:t>
+            </a:r>
+            <a:r>
+              <a:rPr lang="en-US" dirty="0">
+                <a:latin typeface="Lucida Console"/>
+                <a:cs typeface="Lucida Console"/>
+              </a:rPr>
+              <a:t>:</a:t>
+            </a:r>
+          </a:p>
+          <a:p>
+            <a:pPr marL="457200" lvl="1" indent="0">
+              <a:buNone/>
+            </a:pPr>
+            <a:r>
+              <a:rPr lang="en-US" dirty="0">
+                <a:latin typeface="Lucida Console"/>
+                <a:cs typeface="Lucida Console"/>
+              </a:rPr>
+              <a:t>    # remove leading and trailing whitespace</a:t>
+            </a:r>
+          </a:p>
+          <a:p>
+            <a:pPr marL="457200" lvl="1" indent="0">
+              <a:buNone/>
+            </a:pPr>
+            <a:r>
+              <a:rPr lang="en-US" dirty="0">
+                <a:latin typeface="Lucida Console"/>
+                <a:cs typeface="Lucida Console"/>
+              </a:rPr>
+              <a:t>    line = </a:t>
+            </a:r>
+            <a:r>
+              <a:rPr lang="en-US" dirty="0" err="1">
+                <a:latin typeface="Lucida Console"/>
+                <a:cs typeface="Lucida Console"/>
+              </a:rPr>
+              <a:t>line.strip</a:t>
+            </a:r>
+            <a:r>
+              <a:rPr lang="en-US" dirty="0">
+                <a:latin typeface="Lucida Console"/>
+                <a:cs typeface="Lucida Console"/>
+              </a:rPr>
+              <a:t>()</a:t>
+            </a:r>
+          </a:p>
+          <a:p>
+            <a:pPr marL="457200" lvl="1" indent="0">
+              <a:buNone/>
+            </a:pPr>
+            <a:r>
+              <a:rPr lang="en-US" dirty="0">
+                <a:latin typeface="Lucida Console"/>
+                <a:cs typeface="Lucida Console"/>
+              </a:rPr>
+              <a:t>    # split the line into words</a:t>
+            </a:r>
+          </a:p>
+          <a:p>
+            <a:pPr marL="457200" lvl="1" indent="0">
+              <a:buNone/>
+            </a:pPr>
+            <a:r>
+              <a:rPr lang="en-US" dirty="0">
+                <a:latin typeface="Lucida Console"/>
+                <a:cs typeface="Lucida Console"/>
+              </a:rPr>
+              <a:t>    words = </a:t>
+            </a:r>
+            <a:r>
+              <a:rPr lang="en-US" dirty="0" err="1">
+                <a:latin typeface="Lucida Console"/>
+                <a:cs typeface="Lucida Console"/>
+              </a:rPr>
+              <a:t>line.split</a:t>
+            </a:r>
+            <a:r>
+              <a:rPr lang="en-US" dirty="0">
+                <a:latin typeface="Lucida Console"/>
+                <a:cs typeface="Lucida Console"/>
+              </a:rPr>
+              <a:t>()</a:t>
+            </a:r>
+          </a:p>
+          <a:p>
+            <a:pPr marL="457200" lvl="1" indent="0">
+              <a:buNone/>
+            </a:pPr>
+            <a:r>
+              <a:rPr lang="en-US" dirty="0">
+                <a:latin typeface="Lucida Console"/>
+                <a:cs typeface="Lucida Console"/>
+              </a:rPr>
+              <a:t>    # increase counters</a:t>
+            </a:r>
+          </a:p>
+          <a:p>
+            <a:pPr marL="457200" lvl="1" indent="0">
+              <a:buNone/>
+            </a:pPr>
+            <a:r>
+              <a:rPr lang="en-US" dirty="0">
+                <a:latin typeface="Lucida Console"/>
+                <a:cs typeface="Lucida Console"/>
+              </a:rPr>
+              <a:t>    for word in words:</a:t>
+            </a:r>
+          </a:p>
+          <a:p>
+            <a:pPr marL="457200" lvl="1" indent="0">
+              <a:buNone/>
+            </a:pPr>
+            <a:r>
+              <a:rPr lang="en-US" dirty="0">
+                <a:latin typeface="Lucida Console"/>
+                <a:cs typeface="Lucida Console"/>
+              </a:rPr>
+              <a:t>        # write the results to STDOUT (standard output);</a:t>
+            </a:r>
+          </a:p>
+          <a:p>
+            <a:pPr marL="457200" lvl="1" indent="0">
+              <a:buNone/>
+            </a:pPr>
+            <a:r>
+              <a:rPr lang="en-US" dirty="0">
+                <a:latin typeface="Lucida Console"/>
+                <a:cs typeface="Lucida Console"/>
+              </a:rPr>
+              <a:t>        # what we output here will be the input for the</a:t>
+            </a:r>
+          </a:p>
+          <a:p>
+            <a:pPr marL="457200" lvl="1" indent="0">
+              <a:buNone/>
+            </a:pPr>
+            <a:r>
+              <a:rPr lang="en-US" dirty="0">
+                <a:latin typeface="Lucida Console"/>
+                <a:cs typeface="Lucida Console"/>
+              </a:rPr>
+              <a:t>        # Reduce step, i.e. the input for </a:t>
+            </a:r>
+            <a:r>
+              <a:rPr lang="en-US" dirty="0" err="1">
+                <a:latin typeface="Lucida Console"/>
+                <a:cs typeface="Lucida Console"/>
+              </a:rPr>
+              <a:t>reducer.py</a:t>
+            </a:r>
+            <a:endParaRPr lang="en-US" dirty="0">
+              <a:latin typeface="Lucida Console"/>
+              <a:cs typeface="Lucida Console"/>
+            </a:endParaRPr>
+          </a:p>
+          <a:p>
+            <a:pPr marL="457200" lvl="1" indent="0">
+              <a:buNone/>
+            </a:pPr>
+            <a:r>
+              <a:rPr lang="en-US" dirty="0">
+                <a:latin typeface="Lucida Console"/>
+                <a:cs typeface="Lucida Console"/>
+              </a:rPr>
+              <a:t>        #</a:t>
+            </a:r>
+          </a:p>
+          <a:p>
+            <a:pPr marL="457200" lvl="1" indent="0">
+              <a:buNone/>
+            </a:pPr>
+            <a:r>
+              <a:rPr lang="en-US" dirty="0">
+                <a:latin typeface="Lucida Console"/>
+                <a:cs typeface="Lucida Console"/>
+              </a:rPr>
+              <a:t>        # tab-delimited; the trivial word count is 1</a:t>
+            </a:r>
+          </a:p>
+          <a:p>
+            <a:pPr marL="457200" lvl="1" indent="0">
+              <a:buNone/>
+            </a:pPr>
+            <a:r>
+              <a:rPr lang="en-US" dirty="0">
+                <a:latin typeface="Lucida Console"/>
+                <a:cs typeface="Lucida Console"/>
+              </a:rPr>
+              <a:t>        print '%s\</a:t>
+            </a:r>
+            <a:r>
+              <a:rPr lang="en-US" dirty="0" err="1">
+                <a:latin typeface="Lucida Console"/>
+                <a:cs typeface="Lucida Console"/>
+              </a:rPr>
+              <a:t>t%s</a:t>
+            </a:r>
+            <a:r>
+              <a:rPr lang="en-US" dirty="0">
+                <a:latin typeface="Lucida Console"/>
+                <a:cs typeface="Lucida Console"/>
+              </a:rPr>
+              <a:t>' % (word, 1)</a:t>
+            </a:r>
+            <a:endParaRPr lang="en-US" dirty="0">
+              <a:latin typeface="Lucida Console"/>
+              <a:cs typeface="Lucida Console"/>
+            </a:endParaRPr>
           </a:p>
         </p:txBody>
       </p:sp>
     </p:spTree>
     <p:extLst>
       <p:ext uri="{BB962C8B-B14F-4D97-AF65-F5344CB8AC3E}">
-        <p14:creationId xmlns:p14="http://schemas.microsoft.com/office/powerpoint/2010/main" val="1704453511"/>
+        <p14:creationId xmlns:p14="http://schemas.microsoft.com/office/powerpoint/2010/main" val="172982769"/>
       </p:ext>
     </p:extLst>
   </p:cSld>
@@ -6740,16 +7294,25 @@
         </p:nvSpPr>
         <p:spPr/>
         <p:txBody>
-          <a:bodyPr/>
-          <a:lstStyle/>
-          <a:p>
-            <a:r>
-              <a:rPr lang="en-US" dirty="0" smtClean="0"/>
-              <a:t>Apache </a:t>
-            </a:r>
-            <a:r>
-              <a:rPr lang="en-US" dirty="0" err="1" smtClean="0"/>
-              <a:t>HBase</a:t>
+          <a:bodyPr>
+            <a:normAutofit fontScale="90000"/>
+          </a:bodyPr>
+          <a:lstStyle/>
+          <a:p>
+            <a:r>
+              <a:rPr lang="en-US" dirty="0" smtClean="0"/>
+              <a:t>Map Reduce in </a:t>
+            </a:r>
+            <a:r>
+              <a:rPr lang="en-US" dirty="0" smtClean="0"/>
+              <a:t>Python</a:t>
+            </a:r>
+            <a:br>
+              <a:rPr lang="en-US" dirty="0" smtClean="0"/>
+            </a:br>
+            <a:r>
+              <a:rPr lang="en-US" dirty="0" smtClean="0"/>
+              <a:t>A reducer</a:t>
             </a:r>
             <a:endParaRPr lang="en-US" dirty="0"/>
           </a:p>
@@ -6765,19 +7328,750 @@
             <p:ph idx="1"/>
           </p:nvPr>
         </p:nvSpPr>
-        <p:spPr/>
-        <p:txBody>
-          <a:bodyPr/>
-          <a:lstStyle/>
-          <a:p>
-            <a:endParaRPr lang="en-US"/>
+        <p:spPr>
+          <a:xfrm>
+            <a:off x="375635" y="1443984"/>
+            <a:ext cx="8229600" cy="4525963"/>
+          </a:xfrm>
+        </p:spPr>
+        <p:txBody>
+          <a:bodyPr>
+            <a:noAutofit/>
+          </a:bodyPr>
+          <a:lstStyle/>
+          <a:p>
+            <a:pPr marL="457200" lvl="1" indent="0">
+              <a:buNone/>
+            </a:pPr>
+            <a:r>
+              <a:rPr lang="en-US" sz="800" dirty="0">
+                <a:latin typeface="Lucida Console"/>
+                <a:cs typeface="Lucida Console"/>
+              </a:rPr>
+              <a:t>#!/</a:t>
+            </a:r>
+            <a:r>
+              <a:rPr lang="en-US" sz="800" dirty="0" err="1">
+                <a:latin typeface="Lucida Console"/>
+                <a:cs typeface="Lucida Console"/>
+              </a:rPr>
+              <a:t>usr</a:t>
+            </a:r>
+            <a:r>
+              <a:rPr lang="en-US" sz="800" dirty="0">
+                <a:latin typeface="Lucida Console"/>
+                <a:cs typeface="Lucida Console"/>
+              </a:rPr>
+              <a:t>/bin/</a:t>
+            </a:r>
+            <a:r>
+              <a:rPr lang="en-US" sz="800" dirty="0" err="1">
+                <a:latin typeface="Lucida Console"/>
+                <a:cs typeface="Lucida Console"/>
+              </a:rPr>
+              <a:t>env</a:t>
+            </a:r>
+            <a:r>
+              <a:rPr lang="en-US" sz="800" dirty="0">
+                <a:latin typeface="Lucida Console"/>
+                <a:cs typeface="Lucida Console"/>
+              </a:rPr>
+              <a:t> python</a:t>
+            </a:r>
+          </a:p>
+          <a:p>
+            <a:pPr marL="457200" lvl="1" indent="0">
+              <a:buNone/>
+            </a:pPr>
+            <a:r>
+              <a:rPr lang="en-US" sz="800" dirty="0" smtClean="0">
+                <a:latin typeface="Lucida Console"/>
+                <a:cs typeface="Lucida Console"/>
+              </a:rPr>
+              <a:t>import </a:t>
+            </a:r>
+            <a:r>
+              <a:rPr lang="en-US" sz="800" dirty="0">
+                <a:latin typeface="Lucida Console"/>
+                <a:cs typeface="Lucida Console"/>
+              </a:rPr>
+              <a:t>sys</a:t>
+            </a:r>
+          </a:p>
+          <a:p>
+            <a:pPr marL="457200" lvl="1" indent="0">
+              <a:buNone/>
+            </a:pPr>
+            <a:endParaRPr lang="en-US" sz="800" dirty="0">
+              <a:latin typeface="Lucida Console"/>
+              <a:cs typeface="Lucida Console"/>
+            </a:endParaRPr>
+          </a:p>
+          <a:p>
+            <a:pPr marL="457200" lvl="1" indent="0">
+              <a:buNone/>
+            </a:pPr>
+            <a:r>
+              <a:rPr lang="en-US" sz="800" dirty="0" err="1">
+                <a:latin typeface="Lucida Console"/>
+                <a:cs typeface="Lucida Console"/>
+              </a:rPr>
+              <a:t>current_word</a:t>
+            </a:r>
+            <a:r>
+              <a:rPr lang="en-US" sz="800" dirty="0">
+                <a:latin typeface="Lucida Console"/>
+                <a:cs typeface="Lucida Console"/>
+              </a:rPr>
+              <a:t> = None</a:t>
+            </a:r>
+          </a:p>
+          <a:p>
+            <a:pPr marL="457200" lvl="1" indent="0">
+              <a:buNone/>
+            </a:pPr>
+            <a:r>
+              <a:rPr lang="en-US" sz="800" dirty="0" err="1">
+                <a:latin typeface="Lucida Console"/>
+                <a:cs typeface="Lucida Console"/>
+              </a:rPr>
+              <a:t>current_count</a:t>
+            </a:r>
+            <a:r>
+              <a:rPr lang="en-US" sz="800" dirty="0">
+                <a:latin typeface="Lucida Console"/>
+                <a:cs typeface="Lucida Console"/>
+              </a:rPr>
+              <a:t> = 0</a:t>
+            </a:r>
+          </a:p>
+          <a:p>
+            <a:pPr marL="457200" lvl="1" indent="0">
+              <a:buNone/>
+            </a:pPr>
+            <a:r>
+              <a:rPr lang="en-US" sz="800" dirty="0">
+                <a:latin typeface="Lucida Console"/>
+                <a:cs typeface="Lucida Console"/>
+              </a:rPr>
+              <a:t>word = None</a:t>
+            </a:r>
+          </a:p>
+          <a:p>
+            <a:pPr marL="457200" lvl="1" indent="0">
+              <a:buNone/>
+            </a:pPr>
+            <a:endParaRPr lang="en-US" sz="800" dirty="0">
+              <a:latin typeface="Lucida Console"/>
+              <a:cs typeface="Lucida Console"/>
+            </a:endParaRPr>
+          </a:p>
+          <a:p>
+            <a:pPr marL="457200" lvl="1" indent="0">
+              <a:buNone/>
+            </a:pPr>
+            <a:r>
+              <a:rPr lang="en-US" sz="800" dirty="0">
+                <a:latin typeface="Lucida Console"/>
+                <a:cs typeface="Lucida Console"/>
+              </a:rPr>
+              <a:t># input comes from STDIN</a:t>
+            </a:r>
+          </a:p>
+          <a:p>
+            <a:pPr marL="457200" lvl="1" indent="0">
+              <a:buNone/>
+            </a:pPr>
+            <a:r>
+              <a:rPr lang="en-US" sz="800" dirty="0">
+                <a:latin typeface="Lucida Console"/>
+                <a:cs typeface="Lucida Console"/>
+              </a:rPr>
+              <a:t>for line in </a:t>
+            </a:r>
+            <a:r>
+              <a:rPr lang="en-US" sz="800" dirty="0" err="1">
+                <a:latin typeface="Lucida Console"/>
+                <a:cs typeface="Lucida Console"/>
+              </a:rPr>
+              <a:t>sys.stdin</a:t>
+            </a:r>
+            <a:r>
+              <a:rPr lang="en-US" sz="800" dirty="0">
+                <a:latin typeface="Lucida Console"/>
+                <a:cs typeface="Lucida Console"/>
+              </a:rPr>
+              <a:t>:</a:t>
+            </a:r>
+          </a:p>
+          <a:p>
+            <a:pPr marL="457200" lvl="1" indent="0">
+              <a:buNone/>
+            </a:pPr>
+            <a:r>
+              <a:rPr lang="en-US" sz="800" dirty="0">
+                <a:latin typeface="Lucida Console"/>
+                <a:cs typeface="Lucida Console"/>
+              </a:rPr>
+              <a:t>    # remove leading and trailing whitespace</a:t>
+            </a:r>
+          </a:p>
+          <a:p>
+            <a:pPr marL="457200" lvl="1" indent="0">
+              <a:buNone/>
+            </a:pPr>
+            <a:r>
+              <a:rPr lang="en-US" sz="800" dirty="0">
+                <a:latin typeface="Lucida Console"/>
+                <a:cs typeface="Lucida Console"/>
+              </a:rPr>
+              <a:t>    line = </a:t>
+            </a:r>
+            <a:r>
+              <a:rPr lang="en-US" sz="800" dirty="0" err="1">
+                <a:latin typeface="Lucida Console"/>
+                <a:cs typeface="Lucida Console"/>
+              </a:rPr>
+              <a:t>line.strip</a:t>
+            </a:r>
+            <a:r>
+              <a:rPr lang="en-US" sz="800" dirty="0">
+                <a:latin typeface="Lucida Console"/>
+                <a:cs typeface="Lucida Console"/>
+              </a:rPr>
+              <a:t>(</a:t>
+            </a:r>
+            <a:r>
+              <a:rPr lang="en-US" sz="800" dirty="0" smtClean="0">
+                <a:latin typeface="Lucida Console"/>
+                <a:cs typeface="Lucida Console"/>
+              </a:rPr>
+              <a:t>)</a:t>
+            </a:r>
+            <a:endParaRPr lang="en-US" sz="800" dirty="0">
+              <a:latin typeface="Lucida Console"/>
+              <a:cs typeface="Lucida Console"/>
+            </a:endParaRPr>
+          </a:p>
+          <a:p>
+            <a:pPr marL="457200" lvl="1" indent="0">
+              <a:buNone/>
+            </a:pPr>
+            <a:r>
+              <a:rPr lang="en-US" sz="800" dirty="0">
+                <a:latin typeface="Lucida Console"/>
+                <a:cs typeface="Lucida Console"/>
+              </a:rPr>
+              <a:t>    # parse the input we got from </a:t>
+            </a:r>
+            <a:r>
+              <a:rPr lang="en-US" sz="800" dirty="0" err="1">
+                <a:latin typeface="Lucida Console"/>
+                <a:cs typeface="Lucida Console"/>
+              </a:rPr>
+              <a:t>mapper.py</a:t>
+            </a:r>
+            <a:endParaRPr lang="en-US" sz="800" dirty="0">
+              <a:latin typeface="Lucida Console"/>
+              <a:cs typeface="Lucida Console"/>
+            </a:endParaRPr>
+          </a:p>
+          <a:p>
+            <a:pPr marL="457200" lvl="1" indent="0">
+              <a:buNone/>
+            </a:pPr>
+            <a:r>
+              <a:rPr lang="en-US" sz="800" dirty="0">
+                <a:latin typeface="Lucida Console"/>
+                <a:cs typeface="Lucida Console"/>
+              </a:rPr>
+              <a:t>    word, count = </a:t>
+            </a:r>
+            <a:r>
+              <a:rPr lang="en-US" sz="800" dirty="0" err="1">
+                <a:latin typeface="Lucida Console"/>
+                <a:cs typeface="Lucida Console"/>
+              </a:rPr>
+              <a:t>line.split</a:t>
+            </a:r>
+            <a:r>
+              <a:rPr lang="en-US" sz="800" dirty="0">
+                <a:latin typeface="Lucida Console"/>
+                <a:cs typeface="Lucida Console"/>
+              </a:rPr>
+              <a:t>('\t', 1</a:t>
+            </a:r>
+            <a:r>
+              <a:rPr lang="en-US" sz="800" dirty="0" smtClean="0">
+                <a:latin typeface="Lucida Console"/>
+                <a:cs typeface="Lucida Console"/>
+              </a:rPr>
+              <a:t>)</a:t>
+            </a:r>
+            <a:endParaRPr lang="en-US" sz="800" dirty="0">
+              <a:latin typeface="Lucida Console"/>
+              <a:cs typeface="Lucida Console"/>
+            </a:endParaRPr>
+          </a:p>
+          <a:p>
+            <a:pPr marL="457200" lvl="1" indent="0">
+              <a:buNone/>
+            </a:pPr>
+            <a:r>
+              <a:rPr lang="en-US" sz="800" dirty="0">
+                <a:latin typeface="Lucida Console"/>
+                <a:cs typeface="Lucida Console"/>
+              </a:rPr>
+              <a:t>    # convert count (currently a string) to </a:t>
+            </a:r>
+            <a:r>
+              <a:rPr lang="en-US" sz="800" dirty="0" err="1">
+                <a:latin typeface="Lucida Console"/>
+                <a:cs typeface="Lucida Console"/>
+              </a:rPr>
+              <a:t>int</a:t>
+            </a:r>
+            <a:endParaRPr lang="en-US" sz="800" dirty="0">
+              <a:latin typeface="Lucida Console"/>
+              <a:cs typeface="Lucida Console"/>
+            </a:endParaRPr>
+          </a:p>
+          <a:p>
+            <a:pPr marL="457200" lvl="1" indent="0">
+              <a:buNone/>
+            </a:pPr>
+            <a:r>
+              <a:rPr lang="en-US" sz="800" dirty="0">
+                <a:latin typeface="Lucida Console"/>
+                <a:cs typeface="Lucida Console"/>
+              </a:rPr>
+              <a:t>    try:</a:t>
+            </a:r>
+          </a:p>
+          <a:p>
+            <a:pPr marL="457200" lvl="1" indent="0">
+              <a:buNone/>
+            </a:pPr>
+            <a:r>
+              <a:rPr lang="en-US" sz="800" dirty="0">
+                <a:latin typeface="Lucida Console"/>
+                <a:cs typeface="Lucida Console"/>
+              </a:rPr>
+              <a:t>        count = </a:t>
+            </a:r>
+            <a:r>
+              <a:rPr lang="en-US" sz="800" dirty="0" err="1">
+                <a:latin typeface="Lucida Console"/>
+                <a:cs typeface="Lucida Console"/>
+              </a:rPr>
+              <a:t>int</a:t>
+            </a:r>
+            <a:r>
+              <a:rPr lang="en-US" sz="800" dirty="0">
+                <a:latin typeface="Lucida Console"/>
+                <a:cs typeface="Lucida Console"/>
+              </a:rPr>
+              <a:t>(count)</a:t>
+            </a:r>
+          </a:p>
+          <a:p>
+            <a:pPr marL="457200" lvl="1" indent="0">
+              <a:buNone/>
+            </a:pPr>
+            <a:r>
+              <a:rPr lang="en-US" sz="800" dirty="0">
+                <a:latin typeface="Lucida Console"/>
+                <a:cs typeface="Lucida Console"/>
+              </a:rPr>
+              <a:t>    except </a:t>
+            </a:r>
+            <a:r>
+              <a:rPr lang="en-US" sz="800" dirty="0" err="1">
+                <a:latin typeface="Lucida Console"/>
+                <a:cs typeface="Lucida Console"/>
+              </a:rPr>
+              <a:t>ValueError</a:t>
+            </a:r>
+            <a:r>
+              <a:rPr lang="en-US" sz="800" dirty="0">
+                <a:latin typeface="Lucida Console"/>
+                <a:cs typeface="Lucida Console"/>
+              </a:rPr>
+              <a:t>:</a:t>
+            </a:r>
+          </a:p>
+          <a:p>
+            <a:pPr marL="457200" lvl="1" indent="0">
+              <a:buNone/>
+            </a:pPr>
+            <a:r>
+              <a:rPr lang="en-US" sz="800" dirty="0" smtClean="0">
+                <a:latin typeface="Lucida Console"/>
+                <a:cs typeface="Lucida Console"/>
+              </a:rPr>
+              <a:t>	continue</a:t>
+            </a:r>
+            <a:endParaRPr lang="en-US" sz="800" dirty="0">
+              <a:latin typeface="Lucida Console"/>
+              <a:cs typeface="Lucida Console"/>
+            </a:endParaRPr>
+          </a:p>
+          <a:p>
+            <a:pPr marL="457200" lvl="1" indent="0">
+              <a:buNone/>
+            </a:pPr>
+            <a:r>
+              <a:rPr lang="en-US" sz="800" dirty="0">
+                <a:latin typeface="Lucida Console"/>
+                <a:cs typeface="Lucida Console"/>
+              </a:rPr>
+              <a:t>    # this IF-switch only works because </a:t>
+            </a:r>
+            <a:r>
+              <a:rPr lang="en-US" sz="800" dirty="0" err="1">
+                <a:latin typeface="Lucida Console"/>
+                <a:cs typeface="Lucida Console"/>
+              </a:rPr>
+              <a:t>Hadoop</a:t>
+            </a:r>
+            <a:r>
+              <a:rPr lang="en-US" sz="800" dirty="0">
+                <a:latin typeface="Lucida Console"/>
+                <a:cs typeface="Lucida Console"/>
+              </a:rPr>
+              <a:t> sorts map </a:t>
+            </a:r>
+            <a:r>
+              <a:rPr lang="en-US" sz="800" dirty="0" smtClean="0">
+                <a:latin typeface="Lucida Console"/>
+                <a:cs typeface="Lucida Console"/>
+              </a:rPr>
+              <a:t>output by key</a:t>
+            </a:r>
+            <a:endParaRPr lang="en-US" sz="800" dirty="0">
+              <a:latin typeface="Lucida Console"/>
+              <a:cs typeface="Lucida Console"/>
+            </a:endParaRPr>
+          </a:p>
+          <a:p>
+            <a:pPr marL="457200" lvl="1" indent="0">
+              <a:buNone/>
+            </a:pPr>
+            <a:r>
+              <a:rPr lang="en-US" sz="800" dirty="0" smtClean="0">
+                <a:latin typeface="Lucida Console"/>
+                <a:cs typeface="Lucida Console"/>
+              </a:rPr>
+              <a:t>    if </a:t>
+            </a:r>
+            <a:r>
+              <a:rPr lang="en-US" sz="800" dirty="0" err="1">
+                <a:latin typeface="Lucida Console"/>
+                <a:cs typeface="Lucida Console"/>
+              </a:rPr>
+              <a:t>current_word</a:t>
+            </a:r>
+            <a:r>
+              <a:rPr lang="en-US" sz="800" dirty="0">
+                <a:latin typeface="Lucida Console"/>
+                <a:cs typeface="Lucida Console"/>
+              </a:rPr>
+              <a:t> == word:</a:t>
+            </a:r>
+          </a:p>
+          <a:p>
+            <a:pPr marL="457200" lvl="1" indent="0">
+              <a:buNone/>
+            </a:pPr>
+            <a:r>
+              <a:rPr lang="en-US" sz="800" dirty="0">
+                <a:latin typeface="Lucida Console"/>
+                <a:cs typeface="Lucida Console"/>
+              </a:rPr>
+              <a:t>        </a:t>
+            </a:r>
+            <a:r>
+              <a:rPr lang="en-US" sz="800" dirty="0" err="1">
+                <a:latin typeface="Lucida Console"/>
+                <a:cs typeface="Lucida Console"/>
+              </a:rPr>
+              <a:t>current_count</a:t>
+            </a:r>
+            <a:r>
+              <a:rPr lang="en-US" sz="800" dirty="0">
+                <a:latin typeface="Lucida Console"/>
+                <a:cs typeface="Lucida Console"/>
+              </a:rPr>
+              <a:t> += count</a:t>
+            </a:r>
+          </a:p>
+          <a:p>
+            <a:pPr marL="457200" lvl="1" indent="0">
+              <a:buNone/>
+            </a:pPr>
+            <a:r>
+              <a:rPr lang="en-US" sz="800" dirty="0">
+                <a:latin typeface="Lucida Console"/>
+                <a:cs typeface="Lucida Console"/>
+              </a:rPr>
+              <a:t>    else:</a:t>
+            </a:r>
+          </a:p>
+          <a:p>
+            <a:pPr marL="457200" lvl="1" indent="0">
+              <a:buNone/>
+            </a:pPr>
+            <a:r>
+              <a:rPr lang="en-US" sz="800" dirty="0">
+                <a:latin typeface="Lucida Console"/>
+                <a:cs typeface="Lucida Console"/>
+              </a:rPr>
+              <a:t>        if </a:t>
+            </a:r>
+            <a:r>
+              <a:rPr lang="en-US" sz="800" dirty="0" err="1">
+                <a:latin typeface="Lucida Console"/>
+                <a:cs typeface="Lucida Console"/>
+              </a:rPr>
+              <a:t>current_word</a:t>
+            </a:r>
+            <a:r>
+              <a:rPr lang="en-US" sz="800" dirty="0">
+                <a:latin typeface="Lucida Console"/>
+                <a:cs typeface="Lucida Console"/>
+              </a:rPr>
+              <a:t>:</a:t>
+            </a:r>
+          </a:p>
+          <a:p>
+            <a:pPr marL="457200" lvl="1" indent="0">
+              <a:buNone/>
+            </a:pPr>
+            <a:r>
+              <a:rPr lang="en-US" sz="800" dirty="0">
+                <a:latin typeface="Lucida Console"/>
+                <a:cs typeface="Lucida Console"/>
+              </a:rPr>
+              <a:t>            # write result to STDOUT</a:t>
+            </a:r>
+          </a:p>
+          <a:p>
+            <a:pPr marL="457200" lvl="1" indent="0">
+              <a:buNone/>
+            </a:pPr>
+            <a:r>
+              <a:rPr lang="en-US" sz="800" dirty="0">
+                <a:latin typeface="Lucida Console"/>
+                <a:cs typeface="Lucida Console"/>
+              </a:rPr>
+              <a:t>            print '%s\</a:t>
+            </a:r>
+            <a:r>
+              <a:rPr lang="en-US" sz="800" dirty="0" err="1">
+                <a:latin typeface="Lucida Console"/>
+                <a:cs typeface="Lucida Console"/>
+              </a:rPr>
+              <a:t>t%s</a:t>
+            </a:r>
+            <a:r>
+              <a:rPr lang="en-US" sz="800" dirty="0">
+                <a:latin typeface="Lucida Console"/>
+                <a:cs typeface="Lucida Console"/>
+              </a:rPr>
+              <a:t>' % (</a:t>
+            </a:r>
+            <a:r>
+              <a:rPr lang="en-US" sz="800" dirty="0" err="1">
+                <a:latin typeface="Lucida Console"/>
+                <a:cs typeface="Lucida Console"/>
+              </a:rPr>
+              <a:t>current_word</a:t>
+            </a:r>
+            <a:r>
+              <a:rPr lang="en-US" sz="800" dirty="0">
+                <a:latin typeface="Lucida Console"/>
+                <a:cs typeface="Lucida Console"/>
+              </a:rPr>
+              <a:t>, </a:t>
+            </a:r>
+            <a:r>
+              <a:rPr lang="en-US" sz="800" dirty="0" err="1">
+                <a:latin typeface="Lucida Console"/>
+                <a:cs typeface="Lucida Console"/>
+              </a:rPr>
+              <a:t>current_count</a:t>
+            </a:r>
+            <a:r>
+              <a:rPr lang="en-US" sz="800" dirty="0">
+                <a:latin typeface="Lucida Console"/>
+                <a:cs typeface="Lucida Console"/>
+              </a:rPr>
+              <a:t>)</a:t>
+            </a:r>
+          </a:p>
+          <a:p>
+            <a:pPr marL="457200" lvl="1" indent="0">
+              <a:buNone/>
+            </a:pPr>
+            <a:r>
+              <a:rPr lang="en-US" sz="800" dirty="0">
+                <a:latin typeface="Lucida Console"/>
+                <a:cs typeface="Lucida Console"/>
+              </a:rPr>
+              <a:t>        </a:t>
+            </a:r>
+            <a:r>
+              <a:rPr lang="en-US" sz="800" dirty="0" err="1">
+                <a:latin typeface="Lucida Console"/>
+                <a:cs typeface="Lucida Console"/>
+              </a:rPr>
+              <a:t>current_count</a:t>
+            </a:r>
+            <a:r>
+              <a:rPr lang="en-US" sz="800" dirty="0">
+                <a:latin typeface="Lucida Console"/>
+                <a:cs typeface="Lucida Console"/>
+              </a:rPr>
+              <a:t> = count</a:t>
+            </a:r>
+          </a:p>
+          <a:p>
+            <a:pPr marL="457200" lvl="1" indent="0">
+              <a:buNone/>
+            </a:pPr>
+            <a:r>
+              <a:rPr lang="en-US" sz="800" dirty="0">
+                <a:latin typeface="Lucida Console"/>
+                <a:cs typeface="Lucida Console"/>
+              </a:rPr>
+              <a:t>        </a:t>
+            </a:r>
+            <a:r>
+              <a:rPr lang="en-US" sz="800" dirty="0" err="1">
+                <a:latin typeface="Lucida Console"/>
+                <a:cs typeface="Lucida Console"/>
+              </a:rPr>
+              <a:t>current_word</a:t>
+            </a:r>
+            <a:r>
+              <a:rPr lang="en-US" sz="800" dirty="0">
+                <a:latin typeface="Lucida Console"/>
+                <a:cs typeface="Lucida Console"/>
+              </a:rPr>
+              <a:t> = word</a:t>
+            </a:r>
+          </a:p>
+          <a:p>
+            <a:pPr marL="457200" lvl="1" indent="0">
+              <a:buNone/>
+            </a:pPr>
+            <a:endParaRPr lang="en-US" sz="800" dirty="0">
+              <a:latin typeface="Lucida Console"/>
+              <a:cs typeface="Lucida Console"/>
+            </a:endParaRPr>
+          </a:p>
+          <a:p>
+            <a:pPr marL="457200" lvl="1" indent="0">
+              <a:buNone/>
+            </a:pPr>
+            <a:r>
+              <a:rPr lang="en-US" sz="800" dirty="0">
+                <a:latin typeface="Lucida Console"/>
+                <a:cs typeface="Lucida Console"/>
+              </a:rPr>
+              <a:t># do not forget to output the last word if needed!</a:t>
+            </a:r>
+          </a:p>
+          <a:p>
+            <a:pPr marL="457200" lvl="1" indent="0">
+              <a:buNone/>
+            </a:pPr>
+            <a:r>
+              <a:rPr lang="en-US" sz="800" dirty="0">
+                <a:latin typeface="Lucida Console"/>
+                <a:cs typeface="Lucida Console"/>
+              </a:rPr>
+              <a:t>if </a:t>
+            </a:r>
+            <a:r>
+              <a:rPr lang="en-US" sz="800" dirty="0" err="1">
+                <a:latin typeface="Lucida Console"/>
+                <a:cs typeface="Lucida Console"/>
+              </a:rPr>
+              <a:t>current_word</a:t>
+            </a:r>
+            <a:r>
+              <a:rPr lang="en-US" sz="800" dirty="0">
+                <a:latin typeface="Lucida Console"/>
+                <a:cs typeface="Lucida Console"/>
+              </a:rPr>
+              <a:t> == word:</a:t>
+            </a:r>
+          </a:p>
+          <a:p>
+            <a:pPr marL="457200" lvl="1" indent="0">
+              <a:buNone/>
+            </a:pPr>
+            <a:r>
+              <a:rPr lang="en-US" sz="800" dirty="0">
+                <a:latin typeface="Lucida Console"/>
+                <a:cs typeface="Lucida Console"/>
+              </a:rPr>
+              <a:t>    print '%s\</a:t>
+            </a:r>
+            <a:r>
+              <a:rPr lang="en-US" sz="800" dirty="0" err="1">
+                <a:latin typeface="Lucida Console"/>
+                <a:cs typeface="Lucida Console"/>
+              </a:rPr>
+              <a:t>t%s</a:t>
+            </a:r>
+            <a:r>
+              <a:rPr lang="en-US" sz="800" dirty="0">
+                <a:latin typeface="Lucida Console"/>
+                <a:cs typeface="Lucida Console"/>
+              </a:rPr>
+              <a:t>' % (</a:t>
+            </a:r>
+            <a:r>
+              <a:rPr lang="en-US" sz="800" dirty="0" err="1">
+                <a:latin typeface="Lucida Console"/>
+                <a:cs typeface="Lucida Console"/>
+              </a:rPr>
+              <a:t>current_word</a:t>
+            </a:r>
+            <a:r>
+              <a:rPr lang="en-US" sz="800" dirty="0">
+                <a:latin typeface="Lucida Console"/>
+                <a:cs typeface="Lucida Console"/>
+              </a:rPr>
+              <a:t>, </a:t>
+            </a:r>
+            <a:r>
+              <a:rPr lang="en-US" sz="800" dirty="0" err="1">
+                <a:latin typeface="Lucida Console"/>
+                <a:cs typeface="Lucida Console"/>
+              </a:rPr>
+              <a:t>current_count</a:t>
+            </a:r>
+            <a:r>
+              <a:rPr lang="en-US" sz="800" dirty="0">
+                <a:latin typeface="Lucida Console"/>
+                <a:cs typeface="Lucida Console"/>
+              </a:rPr>
+              <a:t>)</a:t>
+            </a:r>
+            <a:endParaRPr lang="en-US" sz="800" dirty="0">
+              <a:latin typeface="Lucida Console"/>
+              <a:cs typeface="Lucida Console"/>
+            </a:endParaRPr>
           </a:p>
         </p:txBody>
       </p:sp>
     </p:spTree>
     <p:extLst>
       <p:ext uri="{BB962C8B-B14F-4D97-AF65-F5344CB8AC3E}">
-        <p14:creationId xmlns:p14="http://schemas.microsoft.com/office/powerpoint/2010/main" val="3315073146"/>
+        <p14:creationId xmlns:p14="http://schemas.microsoft.com/office/powerpoint/2010/main" val="807094189"/>
       </p:ext>
     </p:extLst>
   </p:cSld>
@@ -6816,40 +8110,178 @@
         </p:nvSpPr>
         <p:spPr/>
         <p:txBody>
+          <a:bodyPr>
+            <a:normAutofit fontScale="90000"/>
+          </a:bodyPr>
+          <a:lstStyle/>
+          <a:p>
+            <a:r>
+              <a:rPr lang="en-US" dirty="0" smtClean="0"/>
+              <a:t>Executing this on a set of files</a:t>
+            </a:r>
+            <a:endParaRPr lang="en-US" dirty="0"/>
+          </a:p>
+        </p:txBody>
+      </p:sp>
+      <p:sp>
+        <p:nvSpPr>
+          <p:cNvPr id="3" name="Content Placeholder 2"/>
+          <p:cNvSpPr>
+            <a:spLocks noGrp="1"/>
+          </p:cNvSpPr>
+          <p:nvPr>
+            <p:ph idx="1"/>
+          </p:nvPr>
+        </p:nvSpPr>
+        <p:spPr/>
+        <p:txBody>
           <a:bodyPr/>
           <a:lstStyle/>
           <a:p>
-            <a:r>
-              <a:rPr lang="en-US" dirty="0" smtClean="0"/>
-              <a:t>Other related projects</a:t>
+            <a:pPr marL="0" indent="0">
+              <a:buNone/>
+            </a:pPr>
+            <a:r>
+              <a:rPr lang="en-US" dirty="0"/>
+              <a:t>y</a:t>
+            </a:r>
+            <a:r>
+              <a:rPr lang="en-US" dirty="0" smtClean="0"/>
+              <a:t>arn </a:t>
+            </a:r>
+            <a:br>
+              <a:rPr lang="en-US" dirty="0" smtClean="0"/>
+            </a:br>
+            <a:r>
+              <a:rPr lang="en-US" dirty="0" smtClean="0"/>
+              <a:t>jar </a:t>
+            </a:r>
+            <a:br>
+              <a:rPr lang="en-US" dirty="0" smtClean="0"/>
+            </a:br>
+            <a:r>
+              <a:rPr lang="en-US" dirty="0" smtClean="0"/>
+              <a:t>/</a:t>
+            </a:r>
+            <a:r>
+              <a:rPr lang="en-US" dirty="0" err="1"/>
+              <a:t>usr</a:t>
+            </a:r>
+            <a:r>
+              <a:rPr lang="en-US" dirty="0" smtClean="0"/>
+              <a:t>/</a:t>
+            </a:r>
+            <a:r>
+              <a:rPr lang="is-IS" dirty="0" smtClean="0"/>
+              <a:t>….</a:t>
+            </a:r>
+            <a:r>
+              <a:rPr lang="en-US" dirty="0" smtClean="0"/>
+              <a:t>/</a:t>
+            </a:r>
+            <a:r>
+              <a:rPr lang="en-US" dirty="0"/>
+              <a:t>lib/hadoop-streaming-2.7.1.jar </a:t>
+            </a:r>
+            <a:endParaRPr lang="en-US" dirty="0" smtClean="0"/>
+          </a:p>
+          <a:p>
+            <a:pPr marL="0" indent="0">
+              <a:buNone/>
+            </a:pPr>
+            <a:r>
+              <a:rPr lang="en-US" dirty="0" smtClean="0"/>
+              <a:t>-</a:t>
+            </a:r>
+            <a:r>
+              <a:rPr lang="en-US" dirty="0"/>
+              <a:t>input /user/</a:t>
+            </a:r>
+            <a:r>
+              <a:rPr lang="en-US" dirty="0" err="1"/>
+              <a:t>hduser</a:t>
+            </a:r>
+            <a:r>
+              <a:rPr lang="en-US" dirty="0" smtClean="0"/>
+              <a:t>/books </a:t>
+            </a:r>
+            <a:br>
+              <a:rPr lang="en-US" dirty="0" smtClean="0"/>
+            </a:br>
+            <a:r>
+              <a:rPr lang="en-US" dirty="0" smtClean="0"/>
+              <a:t>-</a:t>
+            </a:r>
+            <a:r>
+              <a:rPr lang="en-US" dirty="0"/>
+              <a:t>output /user/</a:t>
+            </a:r>
+            <a:r>
+              <a:rPr lang="en-US" dirty="0" err="1"/>
+              <a:t>hduser</a:t>
+            </a:r>
+            <a:r>
+              <a:rPr lang="en-US" dirty="0"/>
+              <a:t>/</a:t>
+            </a:r>
+            <a:r>
+              <a:rPr lang="en-US" dirty="0" smtClean="0"/>
+              <a:t>output </a:t>
+            </a:r>
+            <a:br>
+              <a:rPr lang="en-US" dirty="0" smtClean="0"/>
+            </a:br>
+            <a:r>
+              <a:rPr lang="en-US" dirty="0" smtClean="0"/>
+              <a:t>-</a:t>
+            </a:r>
+            <a:r>
+              <a:rPr lang="en-US" dirty="0"/>
+              <a:t>mapper .</a:t>
+            </a:r>
+            <a:r>
+              <a:rPr lang="en-US" dirty="0" smtClean="0"/>
+              <a:t>/</a:t>
+            </a:r>
+            <a:r>
+              <a:rPr lang="en-US" dirty="0" err="1" smtClean="0"/>
+              <a:t>mapper.py</a:t>
+            </a:r>
+            <a:r>
+              <a:rPr lang="en-US" dirty="0" smtClean="0"/>
+              <a:t> </a:t>
+            </a:r>
+            <a:br>
+              <a:rPr lang="en-US" dirty="0" smtClean="0"/>
+            </a:br>
+            <a:r>
+              <a:rPr lang="en-US" dirty="0" smtClean="0"/>
+              <a:t>-</a:t>
+            </a:r>
+            <a:r>
+              <a:rPr lang="en-US" dirty="0"/>
+              <a:t>reducer </a:t>
+            </a:r>
+            <a:r>
+              <a:rPr lang="en-US"/>
+              <a:t>.</a:t>
+            </a:r>
+            <a:r>
+              <a:rPr lang="en-US" smtClean="0"/>
+              <a:t>/reducer.py</a:t>
+            </a:r>
+            <a:r>
+              <a:rPr lang="en-US" dirty="0" smtClean="0"/>
+              <a:t> </a:t>
             </a:r>
             <a:endParaRPr lang="en-US" dirty="0"/>
-          </a:p>
-        </p:txBody>
-      </p:sp>
-      <p:sp>
-        <p:nvSpPr>
-          <p:cNvPr id="3" name="Content Placeholder 2"/>
-          <p:cNvSpPr>
-            <a:spLocks noGrp="1"/>
-          </p:cNvSpPr>
-          <p:nvPr>
-            <p:ph idx="1"/>
-          </p:nvPr>
-        </p:nvSpPr>
-        <p:spPr/>
-        <p:txBody>
-          <a:bodyPr/>
-          <a:lstStyle/>
-          <a:p>
-            <a:endParaRPr lang="en-US"/>
           </a:p>
         </p:txBody>
       </p:sp>
     </p:spTree>
     <p:extLst>
       <p:ext uri="{BB962C8B-B14F-4D97-AF65-F5344CB8AC3E}">
-        <p14:creationId xmlns:p14="http://schemas.microsoft.com/office/powerpoint/2010/main" val="3727096603"/>
+        <p14:creationId xmlns:p14="http://schemas.microsoft.com/office/powerpoint/2010/main" val="3540159546"/>
       </p:ext>
     </p:extLst>
   </p:cSld>
@@ -6893,7 +8325,7 @@
           <a:p>
             <a:r>
               <a:rPr lang="en-US" dirty="0" smtClean="0"/>
-              <a:t>Summary</a:t>
+              <a:t>Map Reduce in Java</a:t>
             </a:r>
             <a:endParaRPr lang="en-US" dirty="0"/>
           </a:p>
@@ -6921,7 +8353,7 @@
     </p:spTree>
     <p:extLst>
       <p:ext uri="{BB962C8B-B14F-4D97-AF65-F5344CB8AC3E}">
-        <p14:creationId xmlns:p14="http://schemas.microsoft.com/office/powerpoint/2010/main" val="805359489"/>
+        <p14:creationId xmlns:p14="http://schemas.microsoft.com/office/powerpoint/2010/main" val="3524617766"/>
       </p:ext>
     </p:extLst>
   </p:cSld>
@@ -6965,7 +8397,11 @@
           <a:p>
             <a:r>
               <a:rPr lang="en-US" dirty="0" smtClean="0"/>
-              <a:t>Resources</a:t>
+              <a:t>Map Reduce in </a:t>
+            </a:r>
+            <a:r>
+              <a:rPr lang="en-US" dirty="0" err="1" smtClean="0"/>
+              <a:t>Scala</a:t>
             </a:r>
             <a:endParaRPr lang="en-US" dirty="0"/>
           </a:p>
@@ -6993,7 +8429,7 @@
     </p:spTree>
     <p:extLst>
       <p:ext uri="{BB962C8B-B14F-4D97-AF65-F5344CB8AC3E}">
-        <p14:creationId xmlns:p14="http://schemas.microsoft.com/office/powerpoint/2010/main" val="4183310055"/>
+        <p14:creationId xmlns:p14="http://schemas.microsoft.com/office/powerpoint/2010/main" val="1909949261"/>
       </p:ext>
     </p:extLst>
   </p:cSld>
@@ -7037,7 +8473,7 @@
           <a:p>
             <a:r>
               <a:rPr lang="en-US" dirty="0" smtClean="0"/>
-              <a:t>Questions?</a:t>
+              <a:t>Apache Pig</a:t>
             </a:r>
             <a:endParaRPr lang="en-US" dirty="0"/>
           </a:p>
@@ -7065,7 +8501,7 @@
     </p:spTree>
     <p:extLst>
       <p:ext uri="{BB962C8B-B14F-4D97-AF65-F5344CB8AC3E}">
-        <p14:creationId xmlns:p14="http://schemas.microsoft.com/office/powerpoint/2010/main" val="973082986"/>
+        <p14:creationId xmlns:p14="http://schemas.microsoft.com/office/powerpoint/2010/main" val="3178541057"/>
       </p:ext>
     </p:extLst>
   </p:cSld>
@@ -7192,6 +8628,442 @@
 </p:sld>
 </file>
 
+<file path=ppt/slides/slide30.xml><?xml version="1.0" encoding="utf-8"?>
+<p:sld xmlns:a="http://schemas.openxmlformats.org/drawingml/2006/main" xmlns:r="http://schemas.openxmlformats.org/officeDocument/2006/relationships" xmlns:p="http://schemas.openxmlformats.org/presentationml/2006/main">
+  <p:cSld>
+    <p:spTree>
+      <p:nvGrpSpPr>
+        <p:cNvPr id="1" name=""/>
+        <p:cNvGrpSpPr/>
+        <p:nvPr/>
+      </p:nvGrpSpPr>
+      <p:grpSpPr>
+        <a:xfrm>
+          <a:off x="0" y="0"/>
+          <a:ext cx="0" cy="0"/>
+          <a:chOff x="0" y="0"/>
+          <a:chExt cx="0" cy="0"/>
+        </a:xfrm>
+      </p:grpSpPr>
+      <p:sp>
+        <p:nvSpPr>
+          <p:cNvPr id="2" name="Title 1"/>
+          <p:cNvSpPr>
+            <a:spLocks noGrp="1"/>
+          </p:cNvSpPr>
+          <p:nvPr>
+            <p:ph type="title"/>
+          </p:nvPr>
+        </p:nvSpPr>
+        <p:spPr/>
+        <p:txBody>
+          <a:bodyPr/>
+          <a:lstStyle/>
+          <a:p>
+            <a:r>
+              <a:rPr lang="en-US" dirty="0" smtClean="0"/>
+              <a:t>Apache Hive</a:t>
+            </a:r>
+            <a:endParaRPr lang="en-US" dirty="0"/>
+          </a:p>
+        </p:txBody>
+      </p:sp>
+      <p:sp>
+        <p:nvSpPr>
+          <p:cNvPr id="3" name="Content Placeholder 2"/>
+          <p:cNvSpPr>
+            <a:spLocks noGrp="1"/>
+          </p:cNvSpPr>
+          <p:nvPr>
+            <p:ph idx="1"/>
+          </p:nvPr>
+        </p:nvSpPr>
+        <p:spPr/>
+        <p:txBody>
+          <a:bodyPr/>
+          <a:lstStyle/>
+          <a:p>
+            <a:endParaRPr lang="en-US"/>
+          </a:p>
+        </p:txBody>
+      </p:sp>
+    </p:spTree>
+    <p:extLst>
+      <p:ext uri="{BB962C8B-B14F-4D97-AF65-F5344CB8AC3E}">
+        <p14:creationId xmlns:p14="http://schemas.microsoft.com/office/powerpoint/2010/main" val="1704453511"/>
+      </p:ext>
+    </p:extLst>
+  </p:cSld>
+  <p:clrMapOvr>
+    <a:masterClrMapping/>
+  </p:clrMapOvr>
+</p:sld>
+</file>
+
+<file path=ppt/slides/slide31.xml><?xml version="1.0" encoding="utf-8"?>
+<p:sld xmlns:a="http://schemas.openxmlformats.org/drawingml/2006/main" xmlns:r="http://schemas.openxmlformats.org/officeDocument/2006/relationships" xmlns:p="http://schemas.openxmlformats.org/presentationml/2006/main">
+  <p:cSld>
+    <p:spTree>
+      <p:nvGrpSpPr>
+        <p:cNvPr id="1" name=""/>
+        <p:cNvGrpSpPr/>
+        <p:nvPr/>
+      </p:nvGrpSpPr>
+      <p:grpSpPr>
+        <a:xfrm>
+          <a:off x="0" y="0"/>
+          <a:ext cx="0" cy="0"/>
+          <a:chOff x="0" y="0"/>
+          <a:chExt cx="0" cy="0"/>
+        </a:xfrm>
+      </p:grpSpPr>
+      <p:sp>
+        <p:nvSpPr>
+          <p:cNvPr id="2" name="Title 1"/>
+          <p:cNvSpPr>
+            <a:spLocks noGrp="1"/>
+          </p:cNvSpPr>
+          <p:nvPr>
+            <p:ph type="title"/>
+          </p:nvPr>
+        </p:nvSpPr>
+        <p:spPr/>
+        <p:txBody>
+          <a:bodyPr/>
+          <a:lstStyle/>
+          <a:p>
+            <a:r>
+              <a:rPr lang="en-US" dirty="0" smtClean="0"/>
+              <a:t>Apache </a:t>
+            </a:r>
+            <a:r>
+              <a:rPr lang="en-US" dirty="0" err="1" smtClean="0"/>
+              <a:t>HBase</a:t>
+            </a:r>
+            <a:endParaRPr lang="en-US" dirty="0"/>
+          </a:p>
+        </p:txBody>
+      </p:sp>
+      <p:sp>
+        <p:nvSpPr>
+          <p:cNvPr id="3" name="Content Placeholder 2"/>
+          <p:cNvSpPr>
+            <a:spLocks noGrp="1"/>
+          </p:cNvSpPr>
+          <p:nvPr>
+            <p:ph idx="1"/>
+          </p:nvPr>
+        </p:nvSpPr>
+        <p:spPr/>
+        <p:txBody>
+          <a:bodyPr/>
+          <a:lstStyle/>
+          <a:p>
+            <a:endParaRPr lang="en-US"/>
+          </a:p>
+        </p:txBody>
+      </p:sp>
+    </p:spTree>
+    <p:extLst>
+      <p:ext uri="{BB962C8B-B14F-4D97-AF65-F5344CB8AC3E}">
+        <p14:creationId xmlns:p14="http://schemas.microsoft.com/office/powerpoint/2010/main" val="3315073146"/>
+      </p:ext>
+    </p:extLst>
+  </p:cSld>
+  <p:clrMapOvr>
+    <a:masterClrMapping/>
+  </p:clrMapOvr>
+</p:sld>
+</file>
+
+<file path=ppt/slides/slide32.xml><?xml version="1.0" encoding="utf-8"?>
+<p:sld xmlns:a="http://schemas.openxmlformats.org/drawingml/2006/main" xmlns:r="http://schemas.openxmlformats.org/officeDocument/2006/relationships" xmlns:p="http://schemas.openxmlformats.org/presentationml/2006/main">
+  <p:cSld>
+    <p:spTree>
+      <p:nvGrpSpPr>
+        <p:cNvPr id="1" name=""/>
+        <p:cNvGrpSpPr/>
+        <p:nvPr/>
+      </p:nvGrpSpPr>
+      <p:grpSpPr>
+        <a:xfrm>
+          <a:off x="0" y="0"/>
+          <a:ext cx="0" cy="0"/>
+          <a:chOff x="0" y="0"/>
+          <a:chExt cx="0" cy="0"/>
+        </a:xfrm>
+      </p:grpSpPr>
+      <p:sp>
+        <p:nvSpPr>
+          <p:cNvPr id="2" name="Title 1"/>
+          <p:cNvSpPr>
+            <a:spLocks noGrp="1"/>
+          </p:cNvSpPr>
+          <p:nvPr>
+            <p:ph type="title"/>
+          </p:nvPr>
+        </p:nvSpPr>
+        <p:spPr/>
+        <p:txBody>
+          <a:bodyPr/>
+          <a:lstStyle/>
+          <a:p>
+            <a:r>
+              <a:rPr lang="en-US" dirty="0" smtClean="0"/>
+              <a:t>Other related projects</a:t>
+            </a:r>
+            <a:endParaRPr lang="en-US" dirty="0"/>
+          </a:p>
+        </p:txBody>
+      </p:sp>
+      <p:sp>
+        <p:nvSpPr>
+          <p:cNvPr id="3" name="Content Placeholder 2"/>
+          <p:cNvSpPr>
+            <a:spLocks noGrp="1"/>
+          </p:cNvSpPr>
+          <p:nvPr>
+            <p:ph idx="1"/>
+          </p:nvPr>
+        </p:nvSpPr>
+        <p:spPr/>
+        <p:txBody>
+          <a:bodyPr/>
+          <a:lstStyle/>
+          <a:p>
+            <a:endParaRPr lang="en-US"/>
+          </a:p>
+        </p:txBody>
+      </p:sp>
+    </p:spTree>
+    <p:extLst>
+      <p:ext uri="{BB962C8B-B14F-4D97-AF65-F5344CB8AC3E}">
+        <p14:creationId xmlns:p14="http://schemas.microsoft.com/office/powerpoint/2010/main" val="3727096603"/>
+      </p:ext>
+    </p:extLst>
+  </p:cSld>
+  <p:clrMapOvr>
+    <a:masterClrMapping/>
+  </p:clrMapOvr>
+</p:sld>
+</file>
+
+<file path=ppt/slides/slide33.xml><?xml version="1.0" encoding="utf-8"?>
+<p:sld xmlns:a="http://schemas.openxmlformats.org/drawingml/2006/main" xmlns:r="http://schemas.openxmlformats.org/officeDocument/2006/relationships" xmlns:p="http://schemas.openxmlformats.org/presentationml/2006/main">
+  <p:cSld>
+    <p:spTree>
+      <p:nvGrpSpPr>
+        <p:cNvPr id="1" name=""/>
+        <p:cNvGrpSpPr/>
+        <p:nvPr/>
+      </p:nvGrpSpPr>
+      <p:grpSpPr>
+        <a:xfrm>
+          <a:off x="0" y="0"/>
+          <a:ext cx="0" cy="0"/>
+          <a:chOff x="0" y="0"/>
+          <a:chExt cx="0" cy="0"/>
+        </a:xfrm>
+      </p:grpSpPr>
+      <p:sp>
+        <p:nvSpPr>
+          <p:cNvPr id="2" name="Title 1"/>
+          <p:cNvSpPr>
+            <a:spLocks noGrp="1"/>
+          </p:cNvSpPr>
+          <p:nvPr>
+            <p:ph type="title"/>
+          </p:nvPr>
+        </p:nvSpPr>
+        <p:spPr/>
+        <p:txBody>
+          <a:bodyPr/>
+          <a:lstStyle/>
+          <a:p>
+            <a:r>
+              <a:rPr lang="en-US" dirty="0" smtClean="0"/>
+              <a:t>Summary</a:t>
+            </a:r>
+            <a:endParaRPr lang="en-US" dirty="0"/>
+          </a:p>
+        </p:txBody>
+      </p:sp>
+      <p:sp>
+        <p:nvSpPr>
+          <p:cNvPr id="3" name="Content Placeholder 2"/>
+          <p:cNvSpPr>
+            <a:spLocks noGrp="1"/>
+          </p:cNvSpPr>
+          <p:nvPr>
+            <p:ph idx="1"/>
+          </p:nvPr>
+        </p:nvSpPr>
+        <p:spPr/>
+        <p:txBody>
+          <a:bodyPr/>
+          <a:lstStyle/>
+          <a:p>
+            <a:endParaRPr lang="en-US"/>
+          </a:p>
+        </p:txBody>
+      </p:sp>
+    </p:spTree>
+    <p:extLst>
+      <p:ext uri="{BB962C8B-B14F-4D97-AF65-F5344CB8AC3E}">
+        <p14:creationId xmlns:p14="http://schemas.microsoft.com/office/powerpoint/2010/main" val="805359489"/>
+      </p:ext>
+    </p:extLst>
+  </p:cSld>
+  <p:clrMapOvr>
+    <a:masterClrMapping/>
+  </p:clrMapOvr>
+</p:sld>
+</file>
+
+<file path=ppt/slides/slide34.xml><?xml version="1.0" encoding="utf-8"?>
+<p:sld xmlns:a="http://schemas.openxmlformats.org/drawingml/2006/main" xmlns:r="http://schemas.openxmlformats.org/officeDocument/2006/relationships" xmlns:p="http://schemas.openxmlformats.org/presentationml/2006/main">
+  <p:cSld>
+    <p:spTree>
+      <p:nvGrpSpPr>
+        <p:cNvPr id="1" name=""/>
+        <p:cNvGrpSpPr/>
+        <p:nvPr/>
+      </p:nvGrpSpPr>
+      <p:grpSpPr>
+        <a:xfrm>
+          <a:off x="0" y="0"/>
+          <a:ext cx="0" cy="0"/>
+          <a:chOff x="0" y="0"/>
+          <a:chExt cx="0" cy="0"/>
+        </a:xfrm>
+      </p:grpSpPr>
+      <p:sp>
+        <p:nvSpPr>
+          <p:cNvPr id="2" name="Title 1"/>
+          <p:cNvSpPr>
+            <a:spLocks noGrp="1"/>
+          </p:cNvSpPr>
+          <p:nvPr>
+            <p:ph type="title"/>
+          </p:nvPr>
+        </p:nvSpPr>
+        <p:spPr/>
+        <p:txBody>
+          <a:bodyPr/>
+          <a:lstStyle/>
+          <a:p>
+            <a:r>
+              <a:rPr lang="en-US" dirty="0" smtClean="0"/>
+              <a:t>Resources</a:t>
+            </a:r>
+            <a:endParaRPr lang="en-US" dirty="0"/>
+          </a:p>
+        </p:txBody>
+      </p:sp>
+      <p:sp>
+        <p:nvSpPr>
+          <p:cNvPr id="3" name="Content Placeholder 2"/>
+          <p:cNvSpPr>
+            <a:spLocks noGrp="1"/>
+          </p:cNvSpPr>
+          <p:nvPr>
+            <p:ph idx="1"/>
+          </p:nvPr>
+        </p:nvSpPr>
+        <p:spPr/>
+        <p:txBody>
+          <a:bodyPr/>
+          <a:lstStyle/>
+          <a:p>
+            <a:endParaRPr lang="en-US"/>
+          </a:p>
+        </p:txBody>
+      </p:sp>
+    </p:spTree>
+    <p:extLst>
+      <p:ext uri="{BB962C8B-B14F-4D97-AF65-F5344CB8AC3E}">
+        <p14:creationId xmlns:p14="http://schemas.microsoft.com/office/powerpoint/2010/main" val="4183310055"/>
+      </p:ext>
+    </p:extLst>
+  </p:cSld>
+  <p:clrMapOvr>
+    <a:masterClrMapping/>
+  </p:clrMapOvr>
+</p:sld>
+</file>
+
+<file path=ppt/slides/slide35.xml><?xml version="1.0" encoding="utf-8"?>
+<p:sld xmlns:a="http://schemas.openxmlformats.org/drawingml/2006/main" xmlns:r="http://schemas.openxmlformats.org/officeDocument/2006/relationships" xmlns:p="http://schemas.openxmlformats.org/presentationml/2006/main">
+  <p:cSld>
+    <p:spTree>
+      <p:nvGrpSpPr>
+        <p:cNvPr id="1" name=""/>
+        <p:cNvGrpSpPr/>
+        <p:nvPr/>
+      </p:nvGrpSpPr>
+      <p:grpSpPr>
+        <a:xfrm>
+          <a:off x="0" y="0"/>
+          <a:ext cx="0" cy="0"/>
+          <a:chOff x="0" y="0"/>
+          <a:chExt cx="0" cy="0"/>
+        </a:xfrm>
+      </p:grpSpPr>
+      <p:sp>
+        <p:nvSpPr>
+          <p:cNvPr id="2" name="Title 1"/>
+          <p:cNvSpPr>
+            <a:spLocks noGrp="1"/>
+          </p:cNvSpPr>
+          <p:nvPr>
+            <p:ph type="title"/>
+          </p:nvPr>
+        </p:nvSpPr>
+        <p:spPr/>
+        <p:txBody>
+          <a:bodyPr/>
+          <a:lstStyle/>
+          <a:p>
+            <a:r>
+              <a:rPr lang="en-US" dirty="0" smtClean="0"/>
+              <a:t>Questions?</a:t>
+            </a:r>
+            <a:endParaRPr lang="en-US" dirty="0"/>
+          </a:p>
+        </p:txBody>
+      </p:sp>
+      <p:sp>
+        <p:nvSpPr>
+          <p:cNvPr id="3" name="Content Placeholder 2"/>
+          <p:cNvSpPr>
+            <a:spLocks noGrp="1"/>
+          </p:cNvSpPr>
+          <p:nvPr>
+            <p:ph idx="1"/>
+          </p:nvPr>
+        </p:nvSpPr>
+        <p:spPr/>
+        <p:txBody>
+          <a:bodyPr/>
+          <a:lstStyle/>
+          <a:p>
+            <a:endParaRPr lang="en-US"/>
+          </a:p>
+        </p:txBody>
+      </p:sp>
+    </p:spTree>
+    <p:extLst>
+      <p:ext uri="{BB962C8B-B14F-4D97-AF65-F5344CB8AC3E}">
+        <p14:creationId xmlns:p14="http://schemas.microsoft.com/office/powerpoint/2010/main" val="973082986"/>
+      </p:ext>
+    </p:extLst>
+  </p:cSld>
+  <p:clrMapOvr>
+    <a:masterClrMapping/>
+  </p:clrMapOvr>
+</p:sld>
+</file>
+
 <file path=ppt/slides/slide4.xml><?xml version="1.0" encoding="utf-8"?>
 <p:sld xmlns:a="http://schemas.openxmlformats.org/drawingml/2006/main" xmlns:r="http://schemas.openxmlformats.org/officeDocument/2006/relationships" xmlns:p="http://schemas.openxmlformats.org/presentationml/2006/main">
   <p:cSld>
@@ -7221,652 +9093,141 @@
         </p:nvSpPr>
         <p:spPr/>
         <p:txBody>
+          <a:bodyPr/>
+          <a:lstStyle/>
+          <a:p>
+            <a:r>
+              <a:rPr lang="en-US" dirty="0" smtClean="0"/>
+              <a:t>Map Reduce origins</a:t>
+            </a:r>
+            <a:endParaRPr lang="en-US" dirty="0"/>
+          </a:p>
+        </p:txBody>
+      </p:sp>
+      <p:sp>
+        <p:nvSpPr>
+          <p:cNvPr id="3" name="Content Placeholder 2"/>
+          <p:cNvSpPr>
+            <a:spLocks noGrp="1"/>
+          </p:cNvSpPr>
+          <p:nvPr>
+            <p:ph idx="1"/>
+          </p:nvPr>
+        </p:nvSpPr>
+        <p:spPr/>
+        <p:txBody>
           <a:bodyPr>
-            <a:normAutofit fontScale="90000"/>
+            <a:noAutofit/>
           </a:bodyPr>
           <a:lstStyle/>
           <a:p>
             <a:r>
-              <a:rPr lang="en-US" dirty="0" smtClean="0"/>
-              <a:t>Map Reduce example #1</a:t>
-            </a:r>
-            <a:br>
-              <a:rPr lang="en-US" dirty="0" smtClean="0"/>
-            </a:br>
-            <a:r>
-              <a:rPr lang="en-US" dirty="0" smtClean="0"/>
-              <a:t>Java</a:t>
-            </a:r>
-            <a:endParaRPr lang="en-US" dirty="0"/>
-          </a:p>
-        </p:txBody>
-      </p:sp>
-      <p:sp>
-        <p:nvSpPr>
-          <p:cNvPr id="3" name="Content Placeholder 2"/>
-          <p:cNvSpPr>
-            <a:spLocks noGrp="1"/>
-          </p:cNvSpPr>
-          <p:nvPr>
-            <p:ph idx="1"/>
-          </p:nvPr>
-        </p:nvSpPr>
-        <p:spPr/>
-        <p:txBody>
-          <a:bodyPr>
-            <a:normAutofit fontScale="92500" lnSpcReduction="10000"/>
-          </a:bodyPr>
-          <a:lstStyle/>
-          <a:p>
-            <a:pPr marL="0" indent="0">
-              <a:buNone/>
-            </a:pPr>
-            <a:r>
-              <a:rPr lang="pt-BR" sz="2400" dirty="0">
-                <a:latin typeface="Lucida Console"/>
-                <a:cs typeface="Lucida Console"/>
-              </a:rPr>
-              <a:t>// some </a:t>
-            </a:r>
-            <a:r>
-              <a:rPr lang="pt-BR" sz="2400" dirty="0" smtClean="0">
-                <a:latin typeface="Lucida Console"/>
-                <a:cs typeface="Lucida Console"/>
-              </a:rPr>
-              <a:t>input</a:t>
-            </a:r>
-          </a:p>
-          <a:p>
-            <a:pPr marL="0" indent="0">
-              <a:buNone/>
-            </a:pPr>
-            <a:r>
-              <a:rPr lang="pt-BR" sz="2400" dirty="0" err="1" smtClean="0">
-                <a:latin typeface="Lucida Console"/>
-                <a:cs typeface="Lucida Console"/>
-              </a:rPr>
-              <a:t>Integer</a:t>
-            </a:r>
-            <a:r>
-              <a:rPr lang="pt-BR" sz="2400" dirty="0" smtClean="0">
-                <a:latin typeface="Lucida Console"/>
-                <a:cs typeface="Lucida Console"/>
-              </a:rPr>
+              <a:rPr lang="en-US" sz="2000" dirty="0" smtClean="0"/>
+              <a:t>Google Paper in the Communications of the ACM:</a:t>
+            </a:r>
+          </a:p>
+          <a:p>
+            <a:pPr lvl="1"/>
+            <a:r>
+              <a:rPr lang="en-US" sz="2000" dirty="0"/>
+              <a:t>Jeffrey Dean and Sanjay </a:t>
+            </a:r>
+            <a:r>
+              <a:rPr lang="en-US" sz="2000" dirty="0" err="1"/>
+              <a:t>Ghemawat</a:t>
+            </a:r>
+            <a:r>
+              <a:rPr lang="en-US" sz="2000" dirty="0"/>
+              <a:t>. 2008. </a:t>
+            </a:r>
+            <a:r>
+              <a:rPr lang="en-US" sz="2000" dirty="0" err="1"/>
+              <a:t>MapReduce</a:t>
+            </a:r>
+            <a:r>
+              <a:rPr lang="en-US" sz="2000" dirty="0"/>
+              <a:t>: simplified data processing on large clusters. </a:t>
+            </a:r>
+            <a:r>
+              <a:rPr lang="en-US" sz="2000" dirty="0" err="1"/>
+              <a:t>Commun</a:t>
+            </a:r>
+            <a:r>
+              <a:rPr lang="en-US" sz="2000" dirty="0"/>
+              <a:t>. ACM 51, 1 (January 2008), 107-113. </a:t>
+            </a:r>
+            <a:endParaRPr lang="en-US" sz="2000" dirty="0" smtClean="0"/>
+          </a:p>
+          <a:p>
+            <a:r>
+              <a:rPr lang="en-US" sz="2000" dirty="0" err="1"/>
+              <a:t>MapReduce</a:t>
+            </a:r>
+            <a:r>
+              <a:rPr lang="en-US" sz="2000" dirty="0"/>
+              <a:t> is a programming model and an associated implementation for processing and generating large data sets. </a:t>
+            </a:r>
+            <a:endParaRPr lang="en-US" sz="2000" dirty="0" smtClean="0"/>
+          </a:p>
+          <a:p>
+            <a:r>
+              <a:rPr lang="en-US" sz="2000" dirty="0" smtClean="0"/>
+              <a:t>Users </a:t>
+            </a:r>
+            <a:r>
+              <a:rPr lang="en-US" sz="2000" dirty="0"/>
+              <a:t>specify a </a:t>
+            </a:r>
+            <a:r>
+              <a:rPr lang="en-US" sz="2000" b="1" dirty="0" smtClean="0"/>
+              <a:t>map</a:t>
+            </a:r>
+            <a:r>
+              <a:rPr lang="en-US" sz="2000" dirty="0" smtClean="0"/>
               <a:t> </a:t>
             </a:r>
             <a:r>
-              <a:rPr lang="pt-BR" sz="2400" dirty="0" err="1">
-                <a:latin typeface="Lucida Console"/>
-                <a:cs typeface="Lucida Console"/>
-              </a:rPr>
-              <a:t>array</a:t>
-            </a:r>
-            <a:r>
-              <a:rPr lang="pt-BR" sz="2400" dirty="0">
-                <a:latin typeface="Lucida Console"/>
-                <a:cs typeface="Lucida Console"/>
-              </a:rPr>
-              <a:t>[] = {1,2,3,4,5}</a:t>
-            </a:r>
-            <a:r>
-              <a:rPr lang="pt-BR" sz="2400" dirty="0" smtClean="0">
-                <a:latin typeface="Lucida Console"/>
-                <a:cs typeface="Lucida Console"/>
-              </a:rPr>
-              <a:t>;</a:t>
-            </a:r>
-          </a:p>
-          <a:p>
-            <a:pPr marL="0" indent="0">
-              <a:buNone/>
-            </a:pPr>
-            <a:r>
-              <a:rPr lang="pt-BR" sz="2400" dirty="0" smtClean="0">
-                <a:latin typeface="Lucida Console"/>
-                <a:cs typeface="Lucida Console"/>
-              </a:rPr>
-              <a:t>// </a:t>
-            </a:r>
-            <a:r>
-              <a:rPr lang="pt-BR" sz="2400" dirty="0" err="1" smtClean="0">
-                <a:latin typeface="Lucida Console"/>
-                <a:cs typeface="Lucida Console"/>
-              </a:rPr>
-              <a:t>make</a:t>
-            </a:r>
-            <a:r>
-              <a:rPr lang="pt-BR" sz="2400" dirty="0" smtClean="0">
-                <a:latin typeface="Lucida Console"/>
-                <a:cs typeface="Lucida Console"/>
-              </a:rPr>
-              <a:t> a </a:t>
-            </a:r>
-            <a:r>
-              <a:rPr lang="pt-BR" sz="2400" dirty="0" err="1" smtClean="0">
-                <a:latin typeface="Lucida Console"/>
-                <a:cs typeface="Lucida Console"/>
-              </a:rPr>
-              <a:t>Stream</a:t>
-            </a:r>
-            <a:r>
-              <a:rPr lang="pt-BR" sz="2400" dirty="0" smtClean="0">
-                <a:latin typeface="Lucida Console"/>
-                <a:cs typeface="Lucida Console"/>
-              </a:rPr>
+              <a:rPr lang="en-US" sz="2000" dirty="0"/>
+              <a:t>function that processes a key/value pair to generate a set of intermediate key/value pairs, and a </a:t>
+            </a:r>
+            <a:r>
+              <a:rPr lang="en-US" sz="2000" b="1" dirty="0" smtClean="0"/>
+              <a:t>reduce</a:t>
+            </a:r>
+            <a:r>
+              <a:rPr lang="en-US" sz="2000" dirty="0" smtClean="0"/>
               <a:t> </a:t>
             </a:r>
             <a:r>
-              <a:rPr lang="pt-BR" sz="2400" dirty="0" err="1" smtClean="0">
-                <a:latin typeface="Lucida Console"/>
-                <a:cs typeface="Lucida Console"/>
-              </a:rPr>
-              <a:t>of</a:t>
-            </a:r>
-            <a:r>
-              <a:rPr lang="pt-BR" sz="2400" dirty="0" smtClean="0">
-                <a:latin typeface="Lucida Console"/>
-                <a:cs typeface="Lucida Console"/>
-              </a:rPr>
-              <a:t> it</a:t>
-            </a:r>
-            <a:endParaRPr lang="pt-BR" sz="2400" dirty="0">
-              <a:latin typeface="Lucida Console"/>
-              <a:cs typeface="Lucida Console"/>
-            </a:endParaRPr>
-          </a:p>
-          <a:p>
-            <a:pPr marL="0" indent="0">
-              <a:buNone/>
-            </a:pPr>
-            <a:r>
-              <a:rPr lang="pt-BR" sz="2400" dirty="0" err="1" smtClean="0">
-                <a:latin typeface="Lucida Console"/>
-                <a:cs typeface="Lucida Console"/>
-              </a:rPr>
-              <a:t>Stream</a:t>
-            </a:r>
-            <a:r>
-              <a:rPr lang="pt-BR" sz="2400" dirty="0">
-                <a:latin typeface="Lucida Console"/>
-                <a:cs typeface="Lucida Console"/>
-              </a:rPr>
-              <a:t>&lt;</a:t>
-            </a:r>
-            <a:r>
-              <a:rPr lang="pt-BR" sz="2400" dirty="0" err="1">
-                <a:latin typeface="Lucida Console"/>
-                <a:cs typeface="Lucida Console"/>
-              </a:rPr>
-              <a:t>Integer</a:t>
-            </a:r>
-            <a:r>
-              <a:rPr lang="pt-BR" sz="2400" dirty="0">
-                <a:latin typeface="Lucida Console"/>
-                <a:cs typeface="Lucida Console"/>
-              </a:rPr>
-              <a:t>&gt; </a:t>
-            </a:r>
-            <a:r>
-              <a:rPr lang="pt-BR" sz="2400" dirty="0" err="1">
-                <a:latin typeface="Lucida Console"/>
-                <a:cs typeface="Lucida Console"/>
-              </a:rPr>
-              <a:t>stream</a:t>
-            </a:r>
-            <a:r>
-              <a:rPr lang="pt-BR" sz="2400" dirty="0">
-                <a:latin typeface="Lucida Console"/>
-                <a:cs typeface="Lucida Console"/>
-              </a:rPr>
-              <a:t> = </a:t>
-            </a:r>
-            <a:r>
-              <a:rPr lang="pt-BR" sz="2400" dirty="0" smtClean="0">
-                <a:latin typeface="Lucida Console"/>
-                <a:cs typeface="Lucida Console"/>
-              </a:rPr>
-              <a:t>  </a:t>
-            </a:r>
-            <a:br>
-              <a:rPr lang="pt-BR" sz="2400" dirty="0" smtClean="0">
-                <a:latin typeface="Lucida Console"/>
-                <a:cs typeface="Lucida Console"/>
-              </a:rPr>
-            </a:br>
-            <a:r>
-              <a:rPr lang="pt-BR" sz="2400" dirty="0" smtClean="0">
-                <a:latin typeface="Lucida Console"/>
-                <a:cs typeface="Lucida Console"/>
-              </a:rPr>
-              <a:t>	</a:t>
-            </a:r>
-            <a:r>
-              <a:rPr lang="pt-BR" sz="2400" dirty="0" err="1" smtClean="0">
-                <a:latin typeface="Lucida Console"/>
-                <a:cs typeface="Lucida Console"/>
-              </a:rPr>
-              <a:t>Arrays.</a:t>
-            </a:r>
-            <a:r>
-              <a:rPr lang="pt-BR" sz="2400" i="1" dirty="0" err="1" smtClean="0">
-                <a:latin typeface="Lucida Console"/>
-                <a:cs typeface="Lucida Console"/>
-              </a:rPr>
-              <a:t>stream</a:t>
-            </a:r>
-            <a:r>
-              <a:rPr lang="pt-BR" sz="2400" i="1" dirty="0">
-                <a:latin typeface="Lucida Console"/>
-                <a:cs typeface="Lucida Console"/>
-              </a:rPr>
-              <a:t>(</a:t>
-            </a:r>
-            <a:r>
-              <a:rPr lang="pt-BR" sz="2400" i="1" dirty="0" err="1">
-                <a:latin typeface="Lucida Console"/>
-                <a:cs typeface="Lucida Console"/>
-              </a:rPr>
-              <a:t>array</a:t>
-            </a:r>
-            <a:r>
-              <a:rPr lang="pt-BR" sz="2400" i="1" dirty="0">
-                <a:latin typeface="Lucida Console"/>
-                <a:cs typeface="Lucida Console"/>
-              </a:rPr>
-              <a:t>); </a:t>
-            </a:r>
-            <a:endParaRPr lang="pt-BR" sz="2400" i="1" dirty="0" smtClean="0">
-              <a:latin typeface="Lucida Console"/>
-              <a:cs typeface="Lucida Console"/>
-            </a:endParaRPr>
-          </a:p>
-          <a:p>
-            <a:pPr marL="0" indent="0">
-              <a:buNone/>
-            </a:pPr>
-            <a:r>
-              <a:rPr lang="pt-BR" sz="2400" i="1" dirty="0" smtClean="0">
-                <a:latin typeface="Lucida Console"/>
-                <a:cs typeface="Lucida Console"/>
-              </a:rPr>
-              <a:t>// </a:t>
-            </a:r>
-            <a:r>
-              <a:rPr lang="pt-BR" sz="2400" i="1" dirty="0" err="1" smtClean="0">
-                <a:latin typeface="Lucida Console"/>
-                <a:cs typeface="Lucida Console"/>
-              </a:rPr>
-              <a:t>map</a:t>
-            </a:r>
-            <a:r>
-              <a:rPr lang="pt-BR" sz="2400" i="1" dirty="0" smtClean="0">
-                <a:latin typeface="Lucida Console"/>
-                <a:cs typeface="Lucida Console"/>
-              </a:rPr>
-              <a:t> </a:t>
-            </a:r>
-            <a:r>
-              <a:rPr lang="pt-BR" sz="2400" i="1" dirty="0" err="1" smtClean="0">
-                <a:latin typeface="Lucida Console"/>
-                <a:cs typeface="Lucida Console"/>
-              </a:rPr>
-              <a:t>then</a:t>
-            </a:r>
-            <a:r>
-              <a:rPr lang="pt-BR" sz="2400" i="1" dirty="0" smtClean="0">
-                <a:latin typeface="Lucida Console"/>
-                <a:cs typeface="Lucida Console"/>
-              </a:rPr>
-              <a:t> </a:t>
-            </a:r>
-            <a:r>
-              <a:rPr lang="pt-BR" sz="2400" i="1" dirty="0" err="1" smtClean="0">
-                <a:latin typeface="Lucida Console"/>
-                <a:cs typeface="Lucida Console"/>
-              </a:rPr>
-              <a:t>reduce</a:t>
-            </a:r>
-            <a:endParaRPr lang="pt-BR" sz="2400" i="1" dirty="0">
-              <a:latin typeface="Lucida Console"/>
-              <a:cs typeface="Lucida Console"/>
-            </a:endParaRPr>
-          </a:p>
-          <a:p>
-            <a:pPr marL="0" indent="0">
-              <a:buNone/>
-            </a:pPr>
-            <a:r>
-              <a:rPr lang="pt-BR" sz="2400" dirty="0" err="1" smtClean="0">
-                <a:latin typeface="Lucida Console"/>
-                <a:cs typeface="Lucida Console"/>
-              </a:rPr>
-              <a:t>Integer</a:t>
-            </a:r>
-            <a:r>
-              <a:rPr lang="pt-BR" sz="2400" dirty="0" smtClean="0">
-                <a:latin typeface="Lucida Console"/>
-                <a:cs typeface="Lucida Console"/>
-              </a:rPr>
-              <a:t> </a:t>
-            </a:r>
-            <a:r>
-              <a:rPr lang="pt-BR" sz="2400" dirty="0" err="1">
-                <a:latin typeface="Lucida Console"/>
-                <a:cs typeface="Lucida Console"/>
-              </a:rPr>
-              <a:t>map_reduced</a:t>
-            </a:r>
-            <a:r>
-              <a:rPr lang="pt-BR" sz="2400" dirty="0">
-                <a:latin typeface="Lucida Console"/>
-                <a:cs typeface="Lucida Console"/>
-              </a:rPr>
-              <a:t> = </a:t>
-            </a:r>
-            <a:r>
-              <a:rPr lang="pt-BR" sz="2400" dirty="0" smtClean="0">
-                <a:latin typeface="Lucida Console"/>
-                <a:cs typeface="Lucida Console"/>
-              </a:rPr>
-              <a:t/>
-            </a:r>
-            <a:br>
-              <a:rPr lang="pt-BR" sz="2400" dirty="0" smtClean="0">
-                <a:latin typeface="Lucida Console"/>
-                <a:cs typeface="Lucida Console"/>
-              </a:rPr>
-            </a:br>
-            <a:r>
-              <a:rPr lang="pt-BR" sz="2400" dirty="0" smtClean="0">
-                <a:latin typeface="Lucida Console"/>
-                <a:cs typeface="Lucida Console"/>
-              </a:rPr>
-              <a:t>	</a:t>
-            </a:r>
-            <a:r>
-              <a:rPr lang="pt-BR" sz="2400" dirty="0" err="1" smtClean="0">
-                <a:latin typeface="Lucida Console"/>
-                <a:cs typeface="Lucida Console"/>
-              </a:rPr>
-              <a:t>stream</a:t>
-            </a:r>
-            <a:r>
-              <a:rPr lang="pt-BR" sz="2400" dirty="0" smtClean="0">
-                <a:latin typeface="Lucida Console"/>
-                <a:cs typeface="Lucida Console"/>
-              </a:rPr>
-              <a:t/>
-            </a:r>
-            <a:br>
-              <a:rPr lang="pt-BR" sz="2400" dirty="0" smtClean="0">
-                <a:latin typeface="Lucida Console"/>
-                <a:cs typeface="Lucida Console"/>
-              </a:rPr>
-            </a:br>
-            <a:r>
-              <a:rPr lang="pt-BR" sz="2400" dirty="0" smtClean="0">
-                <a:solidFill>
-                  <a:srgbClr val="FF0000"/>
-                </a:solidFill>
-                <a:latin typeface="Lucida Console"/>
-                <a:cs typeface="Lucida Console"/>
-              </a:rPr>
-              <a:t>		.</a:t>
-            </a:r>
-            <a:r>
-              <a:rPr lang="pt-BR" sz="2400" dirty="0" err="1" smtClean="0">
-                <a:solidFill>
-                  <a:srgbClr val="FF0000"/>
-                </a:solidFill>
-                <a:latin typeface="Lucida Console"/>
-                <a:cs typeface="Lucida Console"/>
-              </a:rPr>
-              <a:t>map</a:t>
-            </a:r>
-            <a:r>
-              <a:rPr lang="pt-BR" sz="2400" dirty="0">
-                <a:solidFill>
-                  <a:srgbClr val="FF0000"/>
-                </a:solidFill>
-                <a:latin typeface="Lucida Console"/>
-                <a:cs typeface="Lucida Console"/>
-              </a:rPr>
-              <a:t>(</a:t>
-            </a:r>
-            <a:r>
-              <a:rPr lang="pt-BR" sz="2400" dirty="0" err="1">
-                <a:solidFill>
-                  <a:srgbClr val="FF0000"/>
-                </a:solidFill>
-                <a:latin typeface="Lucida Console"/>
-                <a:cs typeface="Lucida Console"/>
-              </a:rPr>
-              <a:t>x</a:t>
-            </a:r>
-            <a:r>
-              <a:rPr lang="pt-BR" sz="2400" dirty="0">
-                <a:solidFill>
-                  <a:srgbClr val="FF0000"/>
-                </a:solidFill>
-                <a:latin typeface="Lucida Console"/>
-                <a:cs typeface="Lucida Console"/>
-              </a:rPr>
-              <a:t> -&gt; </a:t>
-            </a:r>
-            <a:r>
-              <a:rPr lang="pt-BR" sz="2400" dirty="0" err="1">
-                <a:solidFill>
-                  <a:srgbClr val="FF0000"/>
-                </a:solidFill>
-                <a:latin typeface="Lucida Console"/>
-                <a:cs typeface="Lucida Console"/>
-              </a:rPr>
-              <a:t>x</a:t>
-            </a:r>
-            <a:r>
-              <a:rPr lang="pt-BR" sz="2400" dirty="0">
-                <a:solidFill>
-                  <a:srgbClr val="FF0000"/>
-                </a:solidFill>
-                <a:latin typeface="Lucida Console"/>
-                <a:cs typeface="Lucida Console"/>
-              </a:rPr>
-              <a:t>*</a:t>
-            </a:r>
-            <a:r>
-              <a:rPr lang="pt-BR" sz="2400" dirty="0" err="1">
-                <a:solidFill>
-                  <a:srgbClr val="FF0000"/>
-                </a:solidFill>
-                <a:latin typeface="Lucida Console"/>
-                <a:cs typeface="Lucida Console"/>
-              </a:rPr>
-              <a:t>x</a:t>
-            </a:r>
-            <a:r>
-              <a:rPr lang="pt-BR" sz="2400" dirty="0" smtClean="0">
-                <a:solidFill>
-                  <a:srgbClr val="FF0000"/>
-                </a:solidFill>
-                <a:latin typeface="Lucida Console"/>
-                <a:cs typeface="Lucida Console"/>
-              </a:rPr>
-              <a:t>)</a:t>
-            </a:r>
-            <a:br>
-              <a:rPr lang="pt-BR" sz="2400" dirty="0" smtClean="0">
-                <a:solidFill>
-                  <a:srgbClr val="FF0000"/>
-                </a:solidFill>
-                <a:latin typeface="Lucida Console"/>
-                <a:cs typeface="Lucida Console"/>
-              </a:rPr>
-            </a:br>
-            <a:r>
-              <a:rPr lang="pt-BR" sz="2400" b="1" dirty="0" smtClean="0">
-                <a:solidFill>
-                  <a:srgbClr val="FF0000"/>
-                </a:solidFill>
-                <a:latin typeface="Lucida Console"/>
-                <a:cs typeface="Lucida Console"/>
-              </a:rPr>
-              <a:t>		.</a:t>
-            </a:r>
-            <a:r>
-              <a:rPr lang="pt-BR" sz="2400" b="1" dirty="0" err="1">
-                <a:solidFill>
-                  <a:srgbClr val="FF0000"/>
-                </a:solidFill>
-                <a:latin typeface="Lucida Console"/>
-                <a:cs typeface="Lucida Console"/>
-              </a:rPr>
-              <a:t>reduce</a:t>
-            </a:r>
-            <a:r>
-              <a:rPr lang="pt-BR" sz="2400" b="1" dirty="0">
-                <a:solidFill>
-                  <a:srgbClr val="FF0000"/>
-                </a:solidFill>
-                <a:latin typeface="Lucida Console"/>
-                <a:cs typeface="Lucida Console"/>
-              </a:rPr>
-              <a:t>(0, (a, </a:t>
-            </a:r>
-            <a:r>
-              <a:rPr lang="pt-BR" sz="2400" b="1" dirty="0" err="1">
-                <a:solidFill>
-                  <a:srgbClr val="FF0000"/>
-                </a:solidFill>
-                <a:latin typeface="Lucida Console"/>
-                <a:cs typeface="Lucida Console"/>
-              </a:rPr>
-              <a:t>b</a:t>
-            </a:r>
-            <a:r>
-              <a:rPr lang="pt-BR" sz="2400" b="1" dirty="0">
-                <a:solidFill>
-                  <a:srgbClr val="FF0000"/>
-                </a:solidFill>
-                <a:latin typeface="Lucida Console"/>
-                <a:cs typeface="Lucida Console"/>
-              </a:rPr>
-              <a:t>)-&gt;</a:t>
-            </a:r>
-            <a:r>
-              <a:rPr lang="pt-BR" sz="2400" b="1" dirty="0" err="1">
-                <a:solidFill>
-                  <a:srgbClr val="FF0000"/>
-                </a:solidFill>
-                <a:latin typeface="Lucida Console"/>
-                <a:cs typeface="Lucida Console"/>
-              </a:rPr>
-              <a:t>a+b</a:t>
-            </a:r>
-            <a:r>
-              <a:rPr lang="pt-BR" sz="2400" b="1" dirty="0">
-                <a:solidFill>
-                  <a:srgbClr val="FF0000"/>
-                </a:solidFill>
-                <a:latin typeface="Lucida Console"/>
-                <a:cs typeface="Lucida Console"/>
-              </a:rPr>
-              <a:t>);</a:t>
-            </a:r>
-          </a:p>
-          <a:p>
-            <a:pPr marL="0" indent="0">
-              <a:buNone/>
-            </a:pPr>
-            <a:r>
-              <a:rPr lang="pt-BR" sz="2400" dirty="0" smtClean="0">
-                <a:latin typeface="Lucida Console"/>
-                <a:cs typeface="Lucida Console"/>
-              </a:rPr>
-              <a:t>// </a:t>
-            </a:r>
-            <a:r>
-              <a:rPr lang="pt-BR" sz="2400" dirty="0" err="1" smtClean="0">
-                <a:latin typeface="Lucida Console"/>
-                <a:cs typeface="Lucida Console"/>
-              </a:rPr>
-              <a:t>should</a:t>
-            </a:r>
-            <a:r>
-              <a:rPr lang="pt-BR" sz="2400" dirty="0" smtClean="0">
-                <a:latin typeface="Lucida Console"/>
-                <a:cs typeface="Lucida Console"/>
-              </a:rPr>
-              <a:t> </a:t>
-            </a:r>
-            <a:r>
-              <a:rPr lang="pt-BR" sz="2400" dirty="0" err="1" smtClean="0">
-                <a:latin typeface="Lucida Console"/>
-                <a:cs typeface="Lucida Console"/>
-              </a:rPr>
-              <a:t>print</a:t>
-            </a:r>
-            <a:r>
-              <a:rPr lang="pt-BR" sz="2400" dirty="0" smtClean="0">
-                <a:latin typeface="Lucida Console"/>
-                <a:cs typeface="Lucida Console"/>
-              </a:rPr>
-              <a:t> 55</a:t>
-            </a:r>
-            <a:endParaRPr lang="pt-BR" sz="2400" dirty="0">
-              <a:latin typeface="Lucida Console"/>
-              <a:cs typeface="Lucida Console"/>
-            </a:endParaRPr>
-          </a:p>
-          <a:p>
-            <a:pPr marL="0" indent="0">
-              <a:buNone/>
-            </a:pPr>
-            <a:r>
-              <a:rPr lang="pt-BR" sz="2400" dirty="0" err="1" smtClean="0">
-                <a:latin typeface="Lucida Console"/>
-                <a:cs typeface="Lucida Console"/>
-              </a:rPr>
-              <a:t>System.</a:t>
-            </a:r>
-            <a:r>
-              <a:rPr lang="pt-BR" sz="2400" b="1" i="1" dirty="0" err="1" smtClean="0">
-                <a:latin typeface="Lucida Console"/>
-                <a:cs typeface="Lucida Console"/>
-              </a:rPr>
-              <a:t>out.println</a:t>
-            </a:r>
-            <a:r>
-              <a:rPr lang="pt-BR" sz="2400" b="1" i="1" dirty="0">
-                <a:latin typeface="Lucida Console"/>
-                <a:cs typeface="Lucida Console"/>
-              </a:rPr>
-              <a:t>(</a:t>
-            </a:r>
-            <a:r>
-              <a:rPr lang="pt-BR" sz="2400" b="1" i="1" dirty="0" err="1">
-                <a:latin typeface="Lucida Console"/>
-                <a:cs typeface="Lucida Console"/>
-              </a:rPr>
-              <a:t>map_reduced</a:t>
-            </a:r>
-            <a:r>
-              <a:rPr lang="pt-BR" sz="2400" b="1" i="1" dirty="0">
-                <a:latin typeface="Lucida Console"/>
-                <a:cs typeface="Lucida Console"/>
-              </a:rPr>
-              <a:t>);</a:t>
-            </a:r>
-            <a:endParaRPr lang="en-US" sz="2400" dirty="0">
-              <a:latin typeface="Lucida Console"/>
-              <a:cs typeface="Lucida Console"/>
-            </a:endParaRPr>
+              <a:rPr lang="en-US" sz="2000" dirty="0"/>
+              <a:t>function that merges all intermediate values associated with the same intermediate key. </a:t>
+            </a:r>
+            <a:endParaRPr lang="en-US" sz="2000" dirty="0" smtClean="0"/>
+          </a:p>
+          <a:p>
+            <a:r>
+              <a:rPr lang="en-US" sz="2000" dirty="0" smtClean="0"/>
+              <a:t>Many </a:t>
+            </a:r>
+            <a:r>
+              <a:rPr lang="en-US" sz="2000" dirty="0"/>
+              <a:t>real world tasks are expressible in this model, as shown in the paper.</a:t>
+            </a:r>
+          </a:p>
+          <a:p>
+            <a:pPr lvl="1"/>
+            <a:endParaRPr lang="en-US" sz="2000" dirty="0"/>
+          </a:p>
+          <a:p>
+            <a:pPr lvl="1"/>
+            <a:endParaRPr lang="en-US" sz="2000" dirty="0"/>
           </a:p>
         </p:txBody>
       </p:sp>
     </p:spTree>
     <p:extLst>
       <p:ext uri="{BB962C8B-B14F-4D97-AF65-F5344CB8AC3E}">
-        <p14:creationId xmlns:p14="http://schemas.microsoft.com/office/powerpoint/2010/main" val="391730550"/>
+        <p14:creationId xmlns:p14="http://schemas.microsoft.com/office/powerpoint/2010/main" val="2226995248"/>
       </p:ext>
     </p:extLst>
   </p:cSld>
@@ -7905,12 +9266,21 @@
         </p:nvSpPr>
         <p:spPr/>
         <p:txBody>
-          <a:bodyPr/>
-          <a:lstStyle/>
-          <a:p>
-            <a:r>
-              <a:rPr lang="en-US" dirty="0" smtClean="0"/>
-              <a:t>Notice how	</a:t>
+          <a:bodyPr>
+            <a:normAutofit fontScale="90000"/>
+          </a:bodyPr>
+          <a:lstStyle/>
+          <a:p>
+            <a:r>
+              <a:rPr lang="en-US" dirty="0" smtClean="0"/>
+              <a:t>Map Reduce example #1</a:t>
+            </a:r>
+            <a:br>
+              <a:rPr lang="en-US" dirty="0" smtClean="0"/>
+            </a:br>
+            <a:r>
+              <a:rPr lang="en-US" dirty="0" smtClean="0"/>
+              <a:t>Java</a:t>
             </a:r>
             <a:endParaRPr lang="en-US" dirty="0"/>
           </a:p>
@@ -7928,31 +9298,620 @@
         </p:nvSpPr>
         <p:spPr/>
         <p:txBody>
-          <a:bodyPr/>
-          <a:lstStyle/>
-          <a:p>
-            <a:r>
-              <a:rPr lang="en-US" dirty="0" smtClean="0"/>
-              <a:t>We could have squared each number in the stream </a:t>
-            </a:r>
-            <a:r>
-              <a:rPr lang="en-US" b="1" i="1" dirty="0" smtClean="0"/>
-              <a:t>at the same time</a:t>
-            </a:r>
-          </a:p>
-          <a:p>
-            <a:r>
-              <a:rPr lang="en-US" dirty="0" smtClean="0"/>
-              <a:t>Adding them up needed all the results available</a:t>
-            </a:r>
-            <a:endParaRPr lang="en-US" dirty="0"/>
+          <a:bodyPr>
+            <a:normAutofit fontScale="92500" lnSpcReduction="10000"/>
+          </a:bodyPr>
+          <a:lstStyle/>
+          <a:p>
+            <a:pPr marL="0" indent="0">
+              <a:buNone/>
+            </a:pPr>
+            <a:r>
+              <a:rPr lang="pt-BR" sz="2400" dirty="0">
+                <a:latin typeface="Lucida Console"/>
+                <a:cs typeface="Lucida Console"/>
+              </a:rPr>
+              <a:t>// some </a:t>
+            </a:r>
+            <a:r>
+              <a:rPr lang="pt-BR" sz="2400" dirty="0" smtClean="0">
+                <a:latin typeface="Lucida Console"/>
+                <a:cs typeface="Lucida Console"/>
+              </a:rPr>
+              <a:t>input</a:t>
+            </a:r>
+          </a:p>
+          <a:p>
+            <a:pPr marL="0" indent="0">
+              <a:buNone/>
+            </a:pPr>
+            <a:r>
+              <a:rPr lang="pt-BR" sz="2400" dirty="0" err="1" smtClean="0">
+                <a:latin typeface="Lucida Console"/>
+                <a:cs typeface="Lucida Console"/>
+              </a:rPr>
+              <a:t>Integer</a:t>
+            </a:r>
+            <a:r>
+              <a:rPr lang="pt-BR" sz="2400" dirty="0" smtClean="0">
+                <a:latin typeface="Lucida Console"/>
+                <a:cs typeface="Lucida Console"/>
+              </a:rPr>
+              <a:t> </a:t>
+            </a:r>
+            <a:r>
+              <a:rPr lang="pt-BR" sz="2400" dirty="0" err="1">
+                <a:latin typeface="Lucida Console"/>
+                <a:cs typeface="Lucida Console"/>
+              </a:rPr>
+              <a:t>array</a:t>
+            </a:r>
+            <a:r>
+              <a:rPr lang="pt-BR" sz="2400" dirty="0">
+                <a:latin typeface="Lucida Console"/>
+                <a:cs typeface="Lucida Console"/>
+              </a:rPr>
+              <a:t>[] = {1,2,3,4,5}</a:t>
+            </a:r>
+            <a:r>
+              <a:rPr lang="pt-BR" sz="2400" dirty="0" smtClean="0">
+                <a:latin typeface="Lucida Console"/>
+                <a:cs typeface="Lucida Console"/>
+              </a:rPr>
+              <a:t>;</a:t>
+            </a:r>
+          </a:p>
+          <a:p>
+            <a:pPr marL="0" indent="0">
+              <a:buNone/>
+            </a:pPr>
+            <a:r>
+              <a:rPr lang="pt-BR" sz="2400" dirty="0" smtClean="0">
+                <a:latin typeface="Lucida Console"/>
+                <a:cs typeface="Lucida Console"/>
+              </a:rPr>
+              <a:t>// </a:t>
+            </a:r>
+            <a:r>
+              <a:rPr lang="pt-BR" sz="2400" dirty="0" err="1" smtClean="0">
+                <a:latin typeface="Lucida Console"/>
+                <a:cs typeface="Lucida Console"/>
+              </a:rPr>
+              <a:t>make</a:t>
+            </a:r>
+            <a:r>
+              <a:rPr lang="pt-BR" sz="2400" dirty="0" smtClean="0">
+                <a:latin typeface="Lucida Console"/>
+                <a:cs typeface="Lucida Console"/>
+              </a:rPr>
+              <a:t> a </a:t>
+            </a:r>
+            <a:r>
+              <a:rPr lang="pt-BR" sz="2400" dirty="0" err="1" smtClean="0">
+                <a:latin typeface="Lucida Console"/>
+                <a:cs typeface="Lucida Console"/>
+              </a:rPr>
+              <a:t>Stream</a:t>
+            </a:r>
+            <a:r>
+              <a:rPr lang="pt-BR" sz="2400" dirty="0" smtClean="0">
+                <a:latin typeface="Lucida Console"/>
+                <a:cs typeface="Lucida Console"/>
+              </a:rPr>
+              <a:t> </a:t>
+            </a:r>
+            <a:r>
+              <a:rPr lang="pt-BR" sz="2400" dirty="0" err="1" smtClean="0">
+                <a:latin typeface="Lucida Console"/>
+                <a:cs typeface="Lucida Console"/>
+              </a:rPr>
+              <a:t>of</a:t>
+            </a:r>
+            <a:r>
+              <a:rPr lang="pt-BR" sz="2400" dirty="0" smtClean="0">
+                <a:latin typeface="Lucida Console"/>
+                <a:cs typeface="Lucida Console"/>
+              </a:rPr>
+              <a:t> it</a:t>
+            </a:r>
+            <a:endParaRPr lang="pt-BR" sz="2400" dirty="0">
+              <a:latin typeface="Lucida Console"/>
+              <a:cs typeface="Lucida Console"/>
+            </a:endParaRPr>
+          </a:p>
+          <a:p>
+            <a:pPr marL="0" indent="0">
+              <a:buNone/>
+            </a:pPr>
+            <a:r>
+              <a:rPr lang="pt-BR" sz="2400" dirty="0" err="1" smtClean="0">
+                <a:latin typeface="Lucida Console"/>
+                <a:cs typeface="Lucida Console"/>
+              </a:rPr>
+              <a:t>Stream</a:t>
+            </a:r>
+            <a:r>
+              <a:rPr lang="pt-BR" sz="2400" dirty="0">
+                <a:latin typeface="Lucida Console"/>
+                <a:cs typeface="Lucida Console"/>
+              </a:rPr>
+              <a:t>&lt;</a:t>
+            </a:r>
+            <a:r>
+              <a:rPr lang="pt-BR" sz="2400" dirty="0" err="1">
+                <a:latin typeface="Lucida Console"/>
+                <a:cs typeface="Lucida Console"/>
+              </a:rPr>
+              <a:t>Integer</a:t>
+            </a:r>
+            <a:r>
+              <a:rPr lang="pt-BR" sz="2400" dirty="0">
+                <a:latin typeface="Lucida Console"/>
+                <a:cs typeface="Lucida Console"/>
+              </a:rPr>
+              <a:t>&gt; </a:t>
+            </a:r>
+            <a:r>
+              <a:rPr lang="pt-BR" sz="2400" dirty="0" err="1">
+                <a:latin typeface="Lucida Console"/>
+                <a:cs typeface="Lucida Console"/>
+              </a:rPr>
+              <a:t>stream</a:t>
+            </a:r>
+            <a:r>
+              <a:rPr lang="pt-BR" sz="2400" dirty="0">
+                <a:latin typeface="Lucida Console"/>
+                <a:cs typeface="Lucida Console"/>
+              </a:rPr>
+              <a:t> = </a:t>
+            </a:r>
+            <a:r>
+              <a:rPr lang="pt-BR" sz="2400" dirty="0" smtClean="0">
+                <a:latin typeface="Lucida Console"/>
+                <a:cs typeface="Lucida Console"/>
+              </a:rPr>
+              <a:t>  </a:t>
+            </a:r>
+            <a:br>
+              <a:rPr lang="pt-BR" sz="2400" dirty="0" smtClean="0">
+                <a:latin typeface="Lucida Console"/>
+                <a:cs typeface="Lucida Console"/>
+              </a:rPr>
+            </a:br>
+            <a:r>
+              <a:rPr lang="pt-BR" sz="2400" dirty="0" smtClean="0">
+                <a:latin typeface="Lucida Console"/>
+                <a:cs typeface="Lucida Console"/>
+              </a:rPr>
+              <a:t>	</a:t>
+            </a:r>
+            <a:r>
+              <a:rPr lang="pt-BR" sz="2400" dirty="0" err="1" smtClean="0">
+                <a:latin typeface="Lucida Console"/>
+                <a:cs typeface="Lucida Console"/>
+              </a:rPr>
+              <a:t>Arrays.</a:t>
+            </a:r>
+            <a:r>
+              <a:rPr lang="pt-BR" sz="2400" i="1" dirty="0" err="1" smtClean="0">
+                <a:latin typeface="Lucida Console"/>
+                <a:cs typeface="Lucida Console"/>
+              </a:rPr>
+              <a:t>stream</a:t>
+            </a:r>
+            <a:r>
+              <a:rPr lang="pt-BR" sz="2400" i="1" dirty="0">
+                <a:latin typeface="Lucida Console"/>
+                <a:cs typeface="Lucida Console"/>
+              </a:rPr>
+              <a:t>(</a:t>
+            </a:r>
+            <a:r>
+              <a:rPr lang="pt-BR" sz="2400" i="1" dirty="0" err="1">
+                <a:latin typeface="Lucida Console"/>
+                <a:cs typeface="Lucida Console"/>
+              </a:rPr>
+              <a:t>array</a:t>
+            </a:r>
+            <a:r>
+              <a:rPr lang="pt-BR" sz="2400" i="1" dirty="0">
+                <a:latin typeface="Lucida Console"/>
+                <a:cs typeface="Lucida Console"/>
+              </a:rPr>
+              <a:t>); </a:t>
+            </a:r>
+            <a:endParaRPr lang="pt-BR" sz="2400" i="1" dirty="0" smtClean="0">
+              <a:latin typeface="Lucida Console"/>
+              <a:cs typeface="Lucida Console"/>
+            </a:endParaRPr>
+          </a:p>
+          <a:p>
+            <a:pPr marL="0" indent="0">
+              <a:buNone/>
+            </a:pPr>
+            <a:r>
+              <a:rPr lang="pt-BR" sz="2400" i="1" dirty="0" smtClean="0">
+                <a:latin typeface="Lucida Console"/>
+                <a:cs typeface="Lucida Console"/>
+              </a:rPr>
+              <a:t>// </a:t>
+            </a:r>
+            <a:r>
+              <a:rPr lang="pt-BR" sz="2400" i="1" dirty="0" err="1" smtClean="0">
+                <a:latin typeface="Lucida Console"/>
+                <a:cs typeface="Lucida Console"/>
+              </a:rPr>
+              <a:t>map</a:t>
+            </a:r>
+            <a:r>
+              <a:rPr lang="pt-BR" sz="2400" i="1" dirty="0" smtClean="0">
+                <a:latin typeface="Lucida Console"/>
+                <a:cs typeface="Lucida Console"/>
+              </a:rPr>
+              <a:t> </a:t>
+            </a:r>
+            <a:r>
+              <a:rPr lang="pt-BR" sz="2400" i="1" dirty="0" err="1" smtClean="0">
+                <a:latin typeface="Lucida Console"/>
+                <a:cs typeface="Lucida Console"/>
+              </a:rPr>
+              <a:t>then</a:t>
+            </a:r>
+            <a:r>
+              <a:rPr lang="pt-BR" sz="2400" i="1" dirty="0" smtClean="0">
+                <a:latin typeface="Lucida Console"/>
+                <a:cs typeface="Lucida Console"/>
+              </a:rPr>
+              <a:t> </a:t>
+            </a:r>
+            <a:r>
+              <a:rPr lang="pt-BR" sz="2400" i="1" dirty="0" err="1" smtClean="0">
+                <a:latin typeface="Lucida Console"/>
+                <a:cs typeface="Lucida Console"/>
+              </a:rPr>
+              <a:t>reduce</a:t>
+            </a:r>
+            <a:endParaRPr lang="pt-BR" sz="2400" i="1" dirty="0">
+              <a:latin typeface="Lucida Console"/>
+              <a:cs typeface="Lucida Console"/>
+            </a:endParaRPr>
+          </a:p>
+          <a:p>
+            <a:pPr marL="0" indent="0">
+              <a:buNone/>
+            </a:pPr>
+            <a:r>
+              <a:rPr lang="pt-BR" sz="2400" dirty="0" err="1" smtClean="0">
+                <a:latin typeface="Lucida Console"/>
+                <a:cs typeface="Lucida Console"/>
+              </a:rPr>
+              <a:t>Integer</a:t>
+            </a:r>
+            <a:r>
+              <a:rPr lang="pt-BR" sz="2400" dirty="0" smtClean="0">
+                <a:latin typeface="Lucida Console"/>
+                <a:cs typeface="Lucida Console"/>
+              </a:rPr>
+              <a:t> </a:t>
+            </a:r>
+            <a:r>
+              <a:rPr lang="pt-BR" sz="2400" dirty="0" err="1">
+                <a:latin typeface="Lucida Console"/>
+                <a:cs typeface="Lucida Console"/>
+              </a:rPr>
+              <a:t>map_reduced</a:t>
+            </a:r>
+            <a:r>
+              <a:rPr lang="pt-BR" sz="2400" dirty="0">
+                <a:latin typeface="Lucida Console"/>
+                <a:cs typeface="Lucida Console"/>
+              </a:rPr>
+              <a:t> = </a:t>
+            </a:r>
+            <a:r>
+              <a:rPr lang="pt-BR" sz="2400" dirty="0" smtClean="0">
+                <a:latin typeface="Lucida Console"/>
+                <a:cs typeface="Lucida Console"/>
+              </a:rPr>
+              <a:t/>
+            </a:r>
+            <a:br>
+              <a:rPr lang="pt-BR" sz="2400" dirty="0" smtClean="0">
+                <a:latin typeface="Lucida Console"/>
+                <a:cs typeface="Lucida Console"/>
+              </a:rPr>
+            </a:br>
+            <a:r>
+              <a:rPr lang="pt-BR" sz="2400" dirty="0" smtClean="0">
+                <a:latin typeface="Lucida Console"/>
+                <a:cs typeface="Lucida Console"/>
+              </a:rPr>
+              <a:t>	</a:t>
+            </a:r>
+            <a:r>
+              <a:rPr lang="pt-BR" sz="2400" dirty="0" err="1" smtClean="0">
+                <a:latin typeface="Lucida Console"/>
+                <a:cs typeface="Lucida Console"/>
+              </a:rPr>
+              <a:t>stream</a:t>
+            </a:r>
+            <a:r>
+              <a:rPr lang="pt-BR" sz="2400" dirty="0" smtClean="0">
+                <a:latin typeface="Lucida Console"/>
+                <a:cs typeface="Lucida Console"/>
+              </a:rPr>
+              <a:t/>
+            </a:r>
+            <a:br>
+              <a:rPr lang="pt-BR" sz="2400" dirty="0" smtClean="0">
+                <a:latin typeface="Lucida Console"/>
+                <a:cs typeface="Lucida Console"/>
+              </a:rPr>
+            </a:br>
+            <a:r>
+              <a:rPr lang="pt-BR" sz="2400" dirty="0" smtClean="0">
+                <a:solidFill>
+                  <a:srgbClr val="FF0000"/>
+                </a:solidFill>
+                <a:latin typeface="Lucida Console"/>
+                <a:cs typeface="Lucida Console"/>
+              </a:rPr>
+              <a:t>		.</a:t>
+            </a:r>
+            <a:r>
+              <a:rPr lang="pt-BR" sz="2400" dirty="0" err="1" smtClean="0">
+                <a:solidFill>
+                  <a:srgbClr val="FF0000"/>
+                </a:solidFill>
+                <a:latin typeface="Lucida Console"/>
+                <a:cs typeface="Lucida Console"/>
+              </a:rPr>
+              <a:t>map</a:t>
+            </a:r>
+            <a:r>
+              <a:rPr lang="pt-BR" sz="2400" dirty="0">
+                <a:solidFill>
+                  <a:srgbClr val="FF0000"/>
+                </a:solidFill>
+                <a:latin typeface="Lucida Console"/>
+                <a:cs typeface="Lucida Console"/>
+              </a:rPr>
+              <a:t>(</a:t>
+            </a:r>
+            <a:r>
+              <a:rPr lang="pt-BR" sz="2400" dirty="0" err="1">
+                <a:solidFill>
+                  <a:srgbClr val="FF0000"/>
+                </a:solidFill>
+                <a:latin typeface="Lucida Console"/>
+                <a:cs typeface="Lucida Console"/>
+              </a:rPr>
+              <a:t>x</a:t>
+            </a:r>
+            <a:r>
+              <a:rPr lang="pt-BR" sz="2400" dirty="0">
+                <a:solidFill>
+                  <a:srgbClr val="FF0000"/>
+                </a:solidFill>
+                <a:latin typeface="Lucida Console"/>
+                <a:cs typeface="Lucida Console"/>
+              </a:rPr>
+              <a:t> -&gt; </a:t>
+            </a:r>
+            <a:r>
+              <a:rPr lang="pt-BR" sz="2400" dirty="0" err="1">
+                <a:solidFill>
+                  <a:srgbClr val="FF0000"/>
+                </a:solidFill>
+                <a:latin typeface="Lucida Console"/>
+                <a:cs typeface="Lucida Console"/>
+              </a:rPr>
+              <a:t>x</a:t>
+            </a:r>
+            <a:r>
+              <a:rPr lang="pt-BR" sz="2400" dirty="0">
+                <a:solidFill>
+                  <a:srgbClr val="FF0000"/>
+                </a:solidFill>
+                <a:latin typeface="Lucida Console"/>
+                <a:cs typeface="Lucida Console"/>
+              </a:rPr>
+              <a:t>*</a:t>
+            </a:r>
+            <a:r>
+              <a:rPr lang="pt-BR" sz="2400" dirty="0" err="1">
+                <a:solidFill>
+                  <a:srgbClr val="FF0000"/>
+                </a:solidFill>
+                <a:latin typeface="Lucida Console"/>
+                <a:cs typeface="Lucida Console"/>
+              </a:rPr>
+              <a:t>x</a:t>
+            </a:r>
+            <a:r>
+              <a:rPr lang="pt-BR" sz="2400" dirty="0" smtClean="0">
+                <a:solidFill>
+                  <a:srgbClr val="FF0000"/>
+                </a:solidFill>
+                <a:latin typeface="Lucida Console"/>
+                <a:cs typeface="Lucida Console"/>
+              </a:rPr>
+              <a:t>)</a:t>
+            </a:r>
+            <a:br>
+              <a:rPr lang="pt-BR" sz="2400" dirty="0" smtClean="0">
+                <a:solidFill>
+                  <a:srgbClr val="FF0000"/>
+                </a:solidFill>
+                <a:latin typeface="Lucida Console"/>
+                <a:cs typeface="Lucida Console"/>
+              </a:rPr>
+            </a:br>
+            <a:r>
+              <a:rPr lang="pt-BR" sz="2400" b="1" dirty="0" smtClean="0">
+                <a:solidFill>
+                  <a:srgbClr val="FF0000"/>
+                </a:solidFill>
+                <a:latin typeface="Lucida Console"/>
+                <a:cs typeface="Lucida Console"/>
+              </a:rPr>
+              <a:t>		.</a:t>
+            </a:r>
+            <a:r>
+              <a:rPr lang="pt-BR" sz="2400" b="1" dirty="0" err="1">
+                <a:solidFill>
+                  <a:srgbClr val="FF0000"/>
+                </a:solidFill>
+                <a:latin typeface="Lucida Console"/>
+                <a:cs typeface="Lucida Console"/>
+              </a:rPr>
+              <a:t>reduce</a:t>
+            </a:r>
+            <a:r>
+              <a:rPr lang="pt-BR" sz="2400" b="1" dirty="0">
+                <a:solidFill>
+                  <a:srgbClr val="FF0000"/>
+                </a:solidFill>
+                <a:latin typeface="Lucida Console"/>
+                <a:cs typeface="Lucida Console"/>
+              </a:rPr>
+              <a:t>(0, (a, </a:t>
+            </a:r>
+            <a:r>
+              <a:rPr lang="pt-BR" sz="2400" b="1" dirty="0" err="1">
+                <a:solidFill>
+                  <a:srgbClr val="FF0000"/>
+                </a:solidFill>
+                <a:latin typeface="Lucida Console"/>
+                <a:cs typeface="Lucida Console"/>
+              </a:rPr>
+              <a:t>b</a:t>
+            </a:r>
+            <a:r>
+              <a:rPr lang="pt-BR" sz="2400" b="1" dirty="0">
+                <a:solidFill>
+                  <a:srgbClr val="FF0000"/>
+                </a:solidFill>
+                <a:latin typeface="Lucida Console"/>
+                <a:cs typeface="Lucida Console"/>
+              </a:rPr>
+              <a:t>)-&gt;</a:t>
+            </a:r>
+            <a:r>
+              <a:rPr lang="pt-BR" sz="2400" b="1" dirty="0" err="1">
+                <a:solidFill>
+                  <a:srgbClr val="FF0000"/>
+                </a:solidFill>
+                <a:latin typeface="Lucida Console"/>
+                <a:cs typeface="Lucida Console"/>
+              </a:rPr>
+              <a:t>a+b</a:t>
+            </a:r>
+            <a:r>
+              <a:rPr lang="pt-BR" sz="2400" b="1" dirty="0">
+                <a:solidFill>
+                  <a:srgbClr val="FF0000"/>
+                </a:solidFill>
+                <a:latin typeface="Lucida Console"/>
+                <a:cs typeface="Lucida Console"/>
+              </a:rPr>
+              <a:t>);</a:t>
+            </a:r>
+          </a:p>
+          <a:p>
+            <a:pPr marL="0" indent="0">
+              <a:buNone/>
+            </a:pPr>
+            <a:r>
+              <a:rPr lang="pt-BR" sz="2400" dirty="0" smtClean="0">
+                <a:latin typeface="Lucida Console"/>
+                <a:cs typeface="Lucida Console"/>
+              </a:rPr>
+              <a:t>// </a:t>
+            </a:r>
+            <a:r>
+              <a:rPr lang="pt-BR" sz="2400" dirty="0" err="1" smtClean="0">
+                <a:latin typeface="Lucida Console"/>
+                <a:cs typeface="Lucida Console"/>
+              </a:rPr>
+              <a:t>should</a:t>
+            </a:r>
+            <a:r>
+              <a:rPr lang="pt-BR" sz="2400" dirty="0" smtClean="0">
+                <a:latin typeface="Lucida Console"/>
+                <a:cs typeface="Lucida Console"/>
+              </a:rPr>
+              <a:t> </a:t>
+            </a:r>
+            <a:r>
+              <a:rPr lang="pt-BR" sz="2400" dirty="0" err="1" smtClean="0">
+                <a:latin typeface="Lucida Console"/>
+                <a:cs typeface="Lucida Console"/>
+              </a:rPr>
+              <a:t>print</a:t>
+            </a:r>
+            <a:r>
+              <a:rPr lang="pt-BR" sz="2400" dirty="0" smtClean="0">
+                <a:latin typeface="Lucida Console"/>
+                <a:cs typeface="Lucida Console"/>
+              </a:rPr>
+              <a:t> 55</a:t>
+            </a:r>
+            <a:endParaRPr lang="pt-BR" sz="2400" dirty="0">
+              <a:latin typeface="Lucida Console"/>
+              <a:cs typeface="Lucida Console"/>
+            </a:endParaRPr>
+          </a:p>
+          <a:p>
+            <a:pPr marL="0" indent="0">
+              <a:buNone/>
+            </a:pPr>
+            <a:r>
+              <a:rPr lang="pt-BR" sz="2400" dirty="0" err="1" smtClean="0">
+                <a:latin typeface="Lucida Console"/>
+                <a:cs typeface="Lucida Console"/>
+              </a:rPr>
+              <a:t>System.</a:t>
+            </a:r>
+            <a:r>
+              <a:rPr lang="pt-BR" sz="2400" b="1" i="1" dirty="0" err="1" smtClean="0">
+                <a:latin typeface="Lucida Console"/>
+                <a:cs typeface="Lucida Console"/>
+              </a:rPr>
+              <a:t>out.println</a:t>
+            </a:r>
+            <a:r>
+              <a:rPr lang="pt-BR" sz="2400" b="1" i="1" dirty="0">
+                <a:latin typeface="Lucida Console"/>
+                <a:cs typeface="Lucida Console"/>
+              </a:rPr>
+              <a:t>(</a:t>
+            </a:r>
+            <a:r>
+              <a:rPr lang="pt-BR" sz="2400" b="1" i="1" dirty="0" err="1">
+                <a:latin typeface="Lucida Console"/>
+                <a:cs typeface="Lucida Console"/>
+              </a:rPr>
+              <a:t>map_reduced</a:t>
+            </a:r>
+            <a:r>
+              <a:rPr lang="pt-BR" sz="2400" b="1" i="1" dirty="0">
+                <a:latin typeface="Lucida Console"/>
+                <a:cs typeface="Lucida Console"/>
+              </a:rPr>
+              <a:t>);</a:t>
+            </a:r>
+            <a:endParaRPr lang="en-US" sz="2400" dirty="0">
+              <a:latin typeface="Lucida Console"/>
+              <a:cs typeface="Lucida Console"/>
+            </a:endParaRPr>
           </a:p>
         </p:txBody>
       </p:sp>
     </p:spTree>
     <p:extLst>
       <p:ext uri="{BB962C8B-B14F-4D97-AF65-F5344CB8AC3E}">
-        <p14:creationId xmlns:p14="http://schemas.microsoft.com/office/powerpoint/2010/main" val="3942600109"/>
+        <p14:creationId xmlns:p14="http://schemas.microsoft.com/office/powerpoint/2010/main" val="391730550"/>
       </p:ext>
     </p:extLst>
   </p:cSld>
@@ -7991,21 +9950,12 @@
         </p:nvSpPr>
         <p:spPr/>
         <p:txBody>
-          <a:bodyPr>
-            <a:normAutofit fontScale="90000"/>
-          </a:bodyPr>
-          <a:lstStyle/>
-          <a:p>
-            <a:r>
-              <a:rPr lang="en-US" dirty="0" smtClean="0"/>
-              <a:t>Map Reduce example #2</a:t>
-            </a:r>
-            <a:br>
-              <a:rPr lang="en-US" dirty="0" smtClean="0"/>
-            </a:br>
-            <a:r>
-              <a:rPr lang="en-US" dirty="0" smtClean="0"/>
-              <a:t>in words</a:t>
+          <a:bodyPr/>
+          <a:lstStyle/>
+          <a:p>
+            <a:r>
+              <a:rPr lang="en-US" dirty="0" smtClean="0"/>
+              <a:t>Notice how	</a:t>
             </a:r>
             <a:endParaRPr lang="en-US" dirty="0"/>
           </a:p>
@@ -8028,80 +9978,26 @@
           <a:p>
             <a:r>
               <a:rPr lang="en-US" dirty="0" smtClean="0"/>
-              <a:t>Do a word count on 1000 books:</a:t>
-            </a:r>
-          </a:p>
-          <a:p>
+              <a:t>We could have squared each number in the stream </a:t>
+            </a:r>
+            <a:r>
+              <a:rPr lang="en-US" b="1" i="1" dirty="0" smtClean="0"/>
+              <a:t>at the same time</a:t>
+            </a:r>
+          </a:p>
+          <a:p>
+            <a:r>
+              <a:rPr lang="en-US" dirty="0" smtClean="0"/>
+              <a:t>Adding them up needed all the results available</a:t>
+            </a:r>
             <a:endParaRPr lang="en-US" dirty="0"/>
-          </a:p>
-          <a:p>
-            <a:pPr lvl="1"/>
-            <a:r>
-              <a:rPr lang="en-US" dirty="0" smtClean="0"/>
-              <a:t>First count each book</a:t>
-            </a:r>
-            <a:r>
-              <a:rPr lang="en-US" dirty="0"/>
-              <a:t> </a:t>
-            </a:r>
-            <a:r>
-              <a:rPr lang="en-US" dirty="0" smtClean="0"/>
-              <a:t>(</a:t>
-            </a:r>
-            <a:r>
-              <a:rPr lang="en-US" b="1" dirty="0" smtClean="0"/>
-              <a:t>map</a:t>
-            </a:r>
-            <a:r>
-              <a:rPr lang="en-US" dirty="0" smtClean="0"/>
-              <a:t> </a:t>
-            </a:r>
-            <a:r>
-              <a:rPr lang="en-US" dirty="0" err="1" smtClean="0"/>
-              <a:t>wc</a:t>
-            </a:r>
-            <a:r>
-              <a:rPr lang="en-US" dirty="0" smtClean="0"/>
-              <a:t> onto book)</a:t>
-            </a:r>
-          </a:p>
-          <a:p>
-            <a:pPr lvl="1"/>
-            <a:endParaRPr lang="en-US" dirty="0"/>
-          </a:p>
-          <a:p>
-            <a:pPr lvl="1"/>
-            <a:r>
-              <a:rPr lang="en-US" dirty="0" smtClean="0"/>
-              <a:t>Then </a:t>
-            </a:r>
-            <a:r>
-              <a:rPr lang="en-US" b="1" dirty="0" smtClean="0"/>
-              <a:t>reduce</a:t>
-            </a:r>
-            <a:r>
-              <a:rPr lang="en-US" dirty="0" smtClean="0"/>
-              <a:t> the outputs to a global </a:t>
-            </a:r>
-            <a:r>
-              <a:rPr lang="en-US" dirty="0" err="1" smtClean="0"/>
-              <a:t>wordcount</a:t>
-            </a:r>
-            <a:r>
-              <a:rPr lang="en-US" dirty="0" smtClean="0"/>
-              <a:t> across all books</a:t>
-            </a:r>
-          </a:p>
-          <a:p>
-            <a:pPr lvl="2"/>
-            <a:endParaRPr lang="en-US" dirty="0" smtClean="0"/>
           </a:p>
         </p:txBody>
       </p:sp>
     </p:spTree>
     <p:extLst>
       <p:ext uri="{BB962C8B-B14F-4D97-AF65-F5344CB8AC3E}">
-        <p14:creationId xmlns:p14="http://schemas.microsoft.com/office/powerpoint/2010/main" val="3597497257"/>
+        <p14:creationId xmlns:p14="http://schemas.microsoft.com/office/powerpoint/2010/main" val="3942600109"/>
       </p:ext>
     </p:extLst>
   </p:cSld>
@@ -8147,7 +10043,14 @@
           <a:p>
             <a:r>
               <a:rPr lang="en-US" dirty="0" smtClean="0"/>
-              <a:t>Making word count more efficient</a:t>
+              <a:t>Map Reduce example #2</a:t>
+            </a:r>
+            <a:br>
+              <a:rPr lang="en-US" dirty="0" smtClean="0"/>
+            </a:br>
+            <a:r>
+              <a:rPr lang="en-US" dirty="0" smtClean="0"/>
+              <a:t>in words</a:t>
             </a:r>
             <a:endParaRPr lang="en-US" dirty="0"/>
           </a:p>
@@ -8170,18 +10073,191 @@
           <a:p>
             <a:r>
               <a:rPr lang="en-US" dirty="0" smtClean="0"/>
-              <a:t>If we sort the results of the map phase and “shuffle them”</a:t>
-            </a:r>
-          </a:p>
-          <a:p>
+              <a:t>Do a word count on 1000 books:</a:t>
+            </a:r>
+          </a:p>
+          <a:p>
+            <a:endParaRPr lang="en-US" dirty="0"/>
+          </a:p>
+          <a:p>
+            <a:pPr lvl="1"/>
+            <a:r>
+              <a:rPr lang="en-US" dirty="0" smtClean="0"/>
+              <a:t>First count each book</a:t>
+            </a:r>
             <a:r>
               <a:rPr lang="en-US" dirty="0"/>
-              <a:t>W</a:t>
-            </a:r>
-            <a:r>
-              <a:rPr lang="en-US" dirty="0" smtClean="0"/>
-              <a:t>e can then partition the reducer phase</a:t>
-            </a:r>
+              <a:t> </a:t>
+            </a:r>
+            <a:r>
+              <a:rPr lang="en-US" dirty="0" smtClean="0"/>
+              <a:t>(</a:t>
+            </a:r>
+            <a:r>
+              <a:rPr lang="en-US" b="1" dirty="0" smtClean="0"/>
+              <a:t>map</a:t>
+            </a:r>
+            <a:r>
+              <a:rPr lang="en-US" dirty="0" smtClean="0"/>
+              <a:t> </a:t>
+            </a:r>
+            <a:r>
+              <a:rPr lang="en-US" dirty="0" err="1" smtClean="0"/>
+              <a:t>wc</a:t>
+            </a:r>
+            <a:r>
+              <a:rPr lang="en-US" dirty="0" smtClean="0"/>
+              <a:t> onto book)</a:t>
+            </a:r>
+          </a:p>
+          <a:p>
+            <a:pPr lvl="1"/>
+            <a:endParaRPr lang="en-US" dirty="0"/>
+          </a:p>
+          <a:p>
+            <a:pPr lvl="1"/>
+            <a:r>
+              <a:rPr lang="en-US" dirty="0" smtClean="0"/>
+              <a:t>Then </a:t>
+            </a:r>
+            <a:r>
+              <a:rPr lang="en-US" b="1" dirty="0" smtClean="0"/>
+              <a:t>reduce</a:t>
+            </a:r>
+            <a:r>
+              <a:rPr lang="en-US" dirty="0" smtClean="0"/>
+              <a:t> the outputs to a global </a:t>
+            </a:r>
+            <a:r>
+              <a:rPr lang="en-US" dirty="0" err="1" smtClean="0"/>
+              <a:t>wordcount</a:t>
+            </a:r>
+            <a:r>
+              <a:rPr lang="en-US" dirty="0" smtClean="0"/>
+              <a:t> across all books</a:t>
+            </a:r>
+          </a:p>
+          <a:p>
+            <a:pPr lvl="2"/>
+            <a:endParaRPr lang="en-US" dirty="0" smtClean="0"/>
+          </a:p>
+        </p:txBody>
+      </p:sp>
+    </p:spTree>
+    <p:extLst>
+      <p:ext uri="{BB962C8B-B14F-4D97-AF65-F5344CB8AC3E}">
+        <p14:creationId xmlns:p14="http://schemas.microsoft.com/office/powerpoint/2010/main" val="3597497257"/>
+      </p:ext>
+    </p:extLst>
+  </p:cSld>
+  <p:clrMapOvr>
+    <a:masterClrMapping/>
+  </p:clrMapOvr>
+</p:sld>
+</file>
+
+<file path=ppt/slides/slide8.xml><?xml version="1.0" encoding="utf-8"?>
+<p:sld xmlns:a="http://schemas.openxmlformats.org/drawingml/2006/main" xmlns:r="http://schemas.openxmlformats.org/officeDocument/2006/relationships" xmlns:p="http://schemas.openxmlformats.org/presentationml/2006/main">
+  <p:cSld>
+    <p:spTree>
+      <p:nvGrpSpPr>
+        <p:cNvPr id="1" name=""/>
+        <p:cNvGrpSpPr/>
+        <p:nvPr/>
+      </p:nvGrpSpPr>
+      <p:grpSpPr>
+        <a:xfrm>
+          <a:off x="0" y="0"/>
+          <a:ext cx="0" cy="0"/>
+          <a:chOff x="0" y="0"/>
+          <a:chExt cx="0" cy="0"/>
+        </a:xfrm>
+      </p:grpSpPr>
+      <p:sp>
+        <p:nvSpPr>
+          <p:cNvPr id="2" name="Title 1"/>
+          <p:cNvSpPr>
+            <a:spLocks noGrp="1"/>
+          </p:cNvSpPr>
+          <p:nvPr>
+            <p:ph type="title"/>
+          </p:nvPr>
+        </p:nvSpPr>
+        <p:spPr/>
+        <p:txBody>
+          <a:bodyPr>
+            <a:normAutofit/>
+          </a:bodyPr>
+          <a:lstStyle/>
+          <a:p>
+            <a:r>
+              <a:rPr lang="en-US" dirty="0" smtClean="0"/>
+              <a:t>Efficiency</a:t>
+            </a:r>
+            <a:endParaRPr lang="en-US" dirty="0"/>
+          </a:p>
+        </p:txBody>
+      </p:sp>
+      <p:sp>
+        <p:nvSpPr>
+          <p:cNvPr id="3" name="Content Placeholder 2"/>
+          <p:cNvSpPr>
+            <a:spLocks noGrp="1"/>
+          </p:cNvSpPr>
+          <p:nvPr>
+            <p:ph idx="1"/>
+          </p:nvPr>
+        </p:nvSpPr>
+        <p:spPr/>
+        <p:txBody>
+          <a:bodyPr>
+            <a:normAutofit lnSpcReduction="10000"/>
+          </a:bodyPr>
+          <a:lstStyle/>
+          <a:p>
+            <a:r>
+              <a:rPr lang="en-US" dirty="0" smtClean="0"/>
+              <a:t>Reduce phase:</a:t>
+            </a:r>
+          </a:p>
+          <a:p>
+            <a:pPr lvl="1"/>
+            <a:r>
+              <a:rPr lang="en-US" dirty="0" smtClean="0"/>
+              <a:t>We can theoretically process each word in parallel</a:t>
+            </a:r>
+          </a:p>
+          <a:p>
+            <a:pPr lvl="1"/>
+            <a:endParaRPr lang="en-US" dirty="0" smtClean="0"/>
+          </a:p>
+          <a:p>
+            <a:r>
+              <a:rPr lang="en-US" dirty="0" smtClean="0"/>
+              <a:t>How?</a:t>
+            </a:r>
+          </a:p>
+          <a:p>
+            <a:pPr lvl="1"/>
+            <a:r>
+              <a:rPr lang="en-US" dirty="0" smtClean="0"/>
+              <a:t>Shuffle / Sort the results from the map phase by key (word)</a:t>
+            </a:r>
+          </a:p>
+          <a:p>
+            <a:pPr lvl="1"/>
+            <a:r>
+              <a:rPr lang="en-US" dirty="0" smtClean="0"/>
+              <a:t>Partition by keys</a:t>
+            </a:r>
+          </a:p>
+          <a:p>
+            <a:pPr lvl="1"/>
+            <a:r>
+              <a:rPr lang="en-US" dirty="0" smtClean="0"/>
+              <a:t>Parallelize the reduce phase</a:t>
+            </a:r>
+            <a:endParaRPr lang="en-US" dirty="0" smtClean="0"/>
           </a:p>
           <a:p>
             <a:pPr marL="0" indent="0">
@@ -8204,7 +10280,7 @@
 </p:sld>
 </file>
 
-<file path=ppt/slides/slide8.xml><?xml version="1.0" encoding="utf-8"?>
+<file path=ppt/slides/slide9.xml><?xml version="1.0" encoding="utf-8"?>
 <p:sld xmlns:a="http://schemas.openxmlformats.org/drawingml/2006/main" xmlns:r="http://schemas.openxmlformats.org/officeDocument/2006/relationships" xmlns:p="http://schemas.openxmlformats.org/presentationml/2006/main">
   <p:cSld>
     <p:spTree>
@@ -8272,162 +10348,6 @@
     <p:extLst>
       <p:ext uri="{BB962C8B-B14F-4D97-AF65-F5344CB8AC3E}">
         <p14:creationId xmlns:p14="http://schemas.microsoft.com/office/powerpoint/2010/main" val="636405798"/>
-      </p:ext>
-    </p:extLst>
-  </p:cSld>
-  <p:clrMapOvr>
-    <a:masterClrMapping/>
-  </p:clrMapOvr>
-</p:sld>
-</file>
-
-<file path=ppt/slides/slide9.xml><?xml version="1.0" encoding="utf-8"?>
-<p:sld xmlns:a="http://schemas.openxmlformats.org/drawingml/2006/main" xmlns:r="http://schemas.openxmlformats.org/officeDocument/2006/relationships" xmlns:p="http://schemas.openxmlformats.org/presentationml/2006/main">
-  <p:cSld>
-    <p:spTree>
-      <p:nvGrpSpPr>
-        <p:cNvPr id="1" name=""/>
-        <p:cNvGrpSpPr/>
-        <p:nvPr/>
-      </p:nvGrpSpPr>
-      <p:grpSpPr>
-        <a:xfrm>
-          <a:off x="0" y="0"/>
-          <a:ext cx="0" cy="0"/>
-          <a:chOff x="0" y="0"/>
-          <a:chExt cx="0" cy="0"/>
-        </a:xfrm>
-      </p:grpSpPr>
-      <p:sp>
-        <p:nvSpPr>
-          <p:cNvPr id="2" name="Title 1"/>
-          <p:cNvSpPr>
-            <a:spLocks noGrp="1"/>
-          </p:cNvSpPr>
-          <p:nvPr>
-            <p:ph type="title"/>
-          </p:nvPr>
-        </p:nvSpPr>
-        <p:spPr/>
-        <p:txBody>
-          <a:bodyPr/>
-          <a:lstStyle/>
-          <a:p>
-            <a:r>
-              <a:rPr lang="en-US" dirty="0" smtClean="0"/>
-              <a:t>Map Reduce in Real Life</a:t>
-            </a:r>
-            <a:endParaRPr lang="en-US" dirty="0"/>
-          </a:p>
-        </p:txBody>
-      </p:sp>
-      <p:sp>
-        <p:nvSpPr>
-          <p:cNvPr id="3" name="Content Placeholder 2"/>
-          <p:cNvSpPr>
-            <a:spLocks noGrp="1"/>
-          </p:cNvSpPr>
-          <p:nvPr>
-            <p:ph idx="1"/>
-          </p:nvPr>
-        </p:nvSpPr>
-        <p:spPr/>
-        <p:txBody>
-          <a:bodyPr>
-            <a:normAutofit lnSpcReduction="10000"/>
-          </a:bodyPr>
-          <a:lstStyle/>
-          <a:p>
-            <a:r>
-              <a:rPr lang="en-US" dirty="0" err="1" smtClean="0"/>
-              <a:t>Analysing</a:t>
-            </a:r>
-            <a:r>
-              <a:rPr lang="en-US" dirty="0" smtClean="0"/>
-              <a:t> web logs</a:t>
-            </a:r>
-          </a:p>
-          <a:p>
-            <a:pPr lvl="1"/>
-            <a:r>
-              <a:rPr lang="en-US" dirty="0" err="1" smtClean="0"/>
-              <a:t>Summarise</a:t>
-            </a:r>
-            <a:r>
-              <a:rPr lang="en-US" dirty="0" smtClean="0"/>
-              <a:t> by user / cookie</a:t>
-            </a:r>
-          </a:p>
-          <a:p>
-            <a:pPr lvl="1"/>
-            <a:r>
-              <a:rPr lang="en-US" dirty="0" smtClean="0"/>
-              <a:t>Then aggregate to identify who did what</a:t>
-            </a:r>
-          </a:p>
-          <a:p>
-            <a:r>
-              <a:rPr lang="en-US" dirty="0" err="1" smtClean="0"/>
-              <a:t>Analysing</a:t>
-            </a:r>
-            <a:r>
-              <a:rPr lang="en-US" dirty="0" smtClean="0"/>
-              <a:t> twitter data</a:t>
-            </a:r>
-          </a:p>
-          <a:p>
-            <a:pPr lvl="1"/>
-            <a:r>
-              <a:rPr lang="en-US" dirty="0" smtClean="0"/>
-              <a:t>Who </a:t>
-            </a:r>
-            <a:r>
-              <a:rPr lang="en-US" dirty="0" err="1" smtClean="0"/>
-              <a:t>retweeted</a:t>
-            </a:r>
-            <a:endParaRPr lang="en-US" dirty="0" smtClean="0"/>
-          </a:p>
-          <a:p>
-            <a:pPr lvl="1"/>
-            <a:r>
-              <a:rPr lang="en-US" dirty="0" smtClean="0"/>
-              <a:t>Who was </a:t>
-            </a:r>
-            <a:r>
-              <a:rPr lang="en-US" dirty="0" err="1" smtClean="0"/>
-              <a:t>retweeted</a:t>
-            </a:r>
-            <a:r>
-              <a:rPr lang="en-US" dirty="0" smtClean="0"/>
-              <a:t> the most</a:t>
-            </a:r>
-          </a:p>
-          <a:p>
-            <a:r>
-              <a:rPr lang="en-US" dirty="0" smtClean="0"/>
-              <a:t>Almost all big data problems can be re-factored into Map Reduce</a:t>
-            </a:r>
-          </a:p>
-          <a:p>
-            <a:pPr lvl="1"/>
-            <a:r>
-              <a:rPr lang="en-US" i="1" dirty="0" smtClean="0"/>
-              <a:t>Some more efficiently than others!</a:t>
-            </a:r>
-          </a:p>
-          <a:p>
-            <a:endParaRPr lang="en-US" dirty="0" smtClean="0"/>
-          </a:p>
-          <a:p>
-            <a:pPr lvl="1"/>
-            <a:endParaRPr lang="en-US" dirty="0"/>
-          </a:p>
-        </p:txBody>
-      </p:sp>
-    </p:spTree>
-    <p:extLst>
-      <p:ext uri="{BB962C8B-B14F-4D97-AF65-F5344CB8AC3E}">
-        <p14:creationId xmlns:p14="http://schemas.microsoft.com/office/powerpoint/2010/main" val="2467033703"/>
       </p:ext>
     </p:extLst>
   </p:cSld>

--- a/pres-source/05-hadoop.pptx
+++ b/pres-source/05-hadoop.pptx
@@ -5,7 +5,7 @@
     <p:sldMasterId id="2147483648" r:id="rId1"/>
   </p:sldMasterIdLst>
   <p:notesMasterIdLst>
-    <p:notesMasterId r:id="rId37"/>
+    <p:notesMasterId r:id="rId34"/>
   </p:notesMasterIdLst>
   <p:sldIdLst>
     <p:sldId id="256" r:id="rId2"/>
@@ -34,15 +34,12 @@
     <p:sldId id="272" r:id="rId25"/>
     <p:sldId id="289" r:id="rId26"/>
     <p:sldId id="290" r:id="rId27"/>
-    <p:sldId id="271" r:id="rId28"/>
-    <p:sldId id="273" r:id="rId29"/>
-    <p:sldId id="274" r:id="rId30"/>
-    <p:sldId id="275" r:id="rId31"/>
-    <p:sldId id="284" r:id="rId32"/>
-    <p:sldId id="279" r:id="rId33"/>
-    <p:sldId id="276" r:id="rId34"/>
-    <p:sldId id="277" r:id="rId35"/>
-    <p:sldId id="278" r:id="rId36"/>
+    <p:sldId id="291" r:id="rId28"/>
+    <p:sldId id="271" r:id="rId29"/>
+    <p:sldId id="292" r:id="rId30"/>
+    <p:sldId id="276" r:id="rId31"/>
+    <p:sldId id="277" r:id="rId32"/>
+    <p:sldId id="278" r:id="rId33"/>
   </p:sldIdLst>
   <p:sldSz cx="9144000" cy="6858000" type="screen4x3"/>
   <p:notesSz cx="6858000" cy="9144000"/>
@@ -8260,15 +8257,15 @@
             </a:r>
             <a:r>
               <a:rPr lang="en-US" dirty="0"/>
-              <a:t>reducer </a:t>
-            </a:r>
-            <a:r>
-              <a:rPr lang="en-US"/>
-              <a:t>.</a:t>
-            </a:r>
-            <a:r>
-              <a:rPr lang="en-US" smtClean="0"/>
-              <a:t>/reducer.py</a:t>
+              <a:t>reducer .</a:t>
+            </a:r>
+            <a:r>
+              <a:rPr lang="en-US" dirty="0" smtClean="0"/>
+              <a:t>/</a:t>
+            </a:r>
+            <a:r>
+              <a:rPr lang="en-US" dirty="0" err="1" smtClean="0"/>
+              <a:t>reducer.py</a:t>
             </a:r>
             <a:r>
               <a:rPr lang="en-US" dirty="0" smtClean="0"/>
@@ -8325,7 +8322,7 @@
           <a:p>
             <a:r>
               <a:rPr lang="en-US" dirty="0" smtClean="0"/>
-              <a:t>Map Reduce in Java</a:t>
+              <a:t>Efficiency</a:t>
             </a:r>
             <a:endParaRPr lang="en-US" dirty="0"/>
           </a:p>
@@ -8346,14 +8343,25 @@
           <a:bodyPr/>
           <a:lstStyle/>
           <a:p>
-            <a:endParaRPr lang="en-US"/>
+            <a:r>
+              <a:rPr lang="en-US" dirty="0" smtClean="0"/>
+              <a:t>Please note this is not the most efficient way of coding Python</a:t>
+            </a:r>
+          </a:p>
+          <a:p>
+            <a:pPr lvl="1"/>
+            <a:r>
+              <a:rPr lang="en-US" dirty="0" smtClean="0"/>
+              <a:t>But the simplest and easiest to explain</a:t>
+            </a:r>
+            <a:endParaRPr lang="en-US" dirty="0"/>
           </a:p>
         </p:txBody>
       </p:sp>
     </p:spTree>
     <p:extLst>
       <p:ext uri="{BB962C8B-B14F-4D97-AF65-F5344CB8AC3E}">
-        <p14:creationId xmlns:p14="http://schemas.microsoft.com/office/powerpoint/2010/main" val="3524617766"/>
+        <p14:creationId xmlns:p14="http://schemas.microsoft.com/office/powerpoint/2010/main" val="1142095931"/>
       </p:ext>
     </p:extLst>
   </p:cSld>
@@ -8397,11 +8405,7 @@
           <a:p>
             <a:r>
               <a:rPr lang="en-US" dirty="0" smtClean="0"/>
-              <a:t>Map Reduce in </a:t>
-            </a:r>
-            <a:r>
-              <a:rPr lang="en-US" dirty="0" err="1" smtClean="0"/>
-              <a:t>Scala</a:t>
+              <a:t>Map Reduce in Java</a:t>
             </a:r>
             <a:endParaRPr lang="en-US" dirty="0"/>
           </a:p>
@@ -8419,17 +8423,507 @@
         </p:nvSpPr>
         <p:spPr/>
         <p:txBody>
-          <a:bodyPr/>
-          <a:lstStyle/>
-          <a:p>
-            <a:endParaRPr lang="en-US"/>
+          <a:bodyPr>
+            <a:normAutofit fontScale="55000" lnSpcReduction="20000"/>
+          </a:bodyPr>
+          <a:lstStyle/>
+          <a:p>
+            <a:pPr marL="0" indent="0">
+              <a:buNone/>
+            </a:pPr>
+            <a:r>
+              <a:rPr lang="en-US" dirty="0">
+                <a:latin typeface="Lucida Console"/>
+                <a:cs typeface="Lucida Console"/>
+              </a:rPr>
+              <a:t> public static void main(String[] </a:t>
+            </a:r>
+            <a:r>
+              <a:rPr lang="en-US" dirty="0" err="1">
+                <a:latin typeface="Lucida Console"/>
+                <a:cs typeface="Lucida Console"/>
+              </a:rPr>
+              <a:t>args</a:t>
+            </a:r>
+            <a:r>
+              <a:rPr lang="en-US" dirty="0">
+                <a:latin typeface="Lucida Console"/>
+                <a:cs typeface="Lucida Console"/>
+              </a:rPr>
+              <a:t>) throws Exception {</a:t>
+            </a:r>
+          </a:p>
+          <a:p>
+            <a:pPr marL="0" indent="0">
+              <a:buNone/>
+            </a:pPr>
+            <a:r>
+              <a:rPr lang="en-US" dirty="0">
+                <a:latin typeface="Lucida Console"/>
+                <a:cs typeface="Lucida Console"/>
+              </a:rPr>
+              <a:t>    Configuration </a:t>
+            </a:r>
+            <a:r>
+              <a:rPr lang="en-US" dirty="0" err="1">
+                <a:latin typeface="Lucida Console"/>
+                <a:cs typeface="Lucida Console"/>
+              </a:rPr>
+              <a:t>conf</a:t>
+            </a:r>
+            <a:r>
+              <a:rPr lang="en-US" dirty="0">
+                <a:latin typeface="Lucida Console"/>
+                <a:cs typeface="Lucida Console"/>
+              </a:rPr>
+              <a:t> = new Configuration();</a:t>
+            </a:r>
+          </a:p>
+          <a:p>
+            <a:pPr marL="0" indent="0">
+              <a:buNone/>
+            </a:pPr>
+            <a:r>
+              <a:rPr lang="en-US" dirty="0">
+                <a:latin typeface="Lucida Console"/>
+                <a:cs typeface="Lucida Console"/>
+              </a:rPr>
+              <a:t>    Job job = </a:t>
+            </a:r>
+            <a:r>
+              <a:rPr lang="en-US" dirty="0" err="1">
+                <a:latin typeface="Lucida Console"/>
+                <a:cs typeface="Lucida Console"/>
+              </a:rPr>
+              <a:t>Job.getInstance</a:t>
+            </a:r>
+            <a:r>
+              <a:rPr lang="en-US" dirty="0">
+                <a:latin typeface="Lucida Console"/>
+                <a:cs typeface="Lucida Console"/>
+              </a:rPr>
+              <a:t>(</a:t>
+            </a:r>
+            <a:r>
+              <a:rPr lang="en-US" dirty="0" err="1">
+                <a:latin typeface="Lucida Console"/>
+                <a:cs typeface="Lucida Console"/>
+              </a:rPr>
+              <a:t>conf</a:t>
+            </a:r>
+            <a:r>
+              <a:rPr lang="en-US" dirty="0">
+                <a:latin typeface="Lucida Console"/>
+                <a:cs typeface="Lucida Console"/>
+              </a:rPr>
+              <a:t>, "word count");</a:t>
+            </a:r>
+          </a:p>
+          <a:p>
+            <a:pPr marL="0" indent="0">
+              <a:buNone/>
+            </a:pPr>
+            <a:r>
+              <a:rPr lang="en-US" dirty="0">
+                <a:latin typeface="Lucida Console"/>
+                <a:cs typeface="Lucida Console"/>
+              </a:rPr>
+              <a:t>    </a:t>
+            </a:r>
+            <a:r>
+              <a:rPr lang="en-US" dirty="0" err="1">
+                <a:latin typeface="Lucida Console"/>
+                <a:cs typeface="Lucida Console"/>
+              </a:rPr>
+              <a:t>job.setJarByClass</a:t>
+            </a:r>
+            <a:r>
+              <a:rPr lang="en-US" dirty="0">
+                <a:latin typeface="Lucida Console"/>
+                <a:cs typeface="Lucida Console"/>
+              </a:rPr>
+              <a:t>(</a:t>
+            </a:r>
+            <a:r>
+              <a:rPr lang="en-US" dirty="0" err="1">
+                <a:latin typeface="Lucida Console"/>
+                <a:cs typeface="Lucida Console"/>
+              </a:rPr>
+              <a:t>WordCount.class</a:t>
+            </a:r>
+            <a:r>
+              <a:rPr lang="en-US" dirty="0">
+                <a:latin typeface="Lucida Console"/>
+                <a:cs typeface="Lucida Console"/>
+              </a:rPr>
+              <a:t>);</a:t>
+            </a:r>
+          </a:p>
+          <a:p>
+            <a:pPr marL="0" indent="0">
+              <a:buNone/>
+            </a:pPr>
+            <a:r>
+              <a:rPr lang="en-US" dirty="0">
+                <a:latin typeface="Lucida Console"/>
+                <a:cs typeface="Lucida Console"/>
+              </a:rPr>
+              <a:t>    </a:t>
+            </a:r>
+            <a:r>
+              <a:rPr lang="en-US" dirty="0" err="1">
+                <a:latin typeface="Lucida Console"/>
+                <a:cs typeface="Lucida Console"/>
+              </a:rPr>
+              <a:t>job.setMapperClass</a:t>
+            </a:r>
+            <a:r>
+              <a:rPr lang="en-US" dirty="0">
+                <a:latin typeface="Lucida Console"/>
+                <a:cs typeface="Lucida Console"/>
+              </a:rPr>
+              <a:t>(</a:t>
+            </a:r>
+            <a:r>
+              <a:rPr lang="en-US" dirty="0" err="1">
+                <a:latin typeface="Lucida Console"/>
+                <a:cs typeface="Lucida Console"/>
+              </a:rPr>
+              <a:t>TokenizerMapper.class</a:t>
+            </a:r>
+            <a:r>
+              <a:rPr lang="en-US" dirty="0">
+                <a:latin typeface="Lucida Console"/>
+                <a:cs typeface="Lucida Console"/>
+              </a:rPr>
+              <a:t>);</a:t>
+            </a:r>
+          </a:p>
+          <a:p>
+            <a:pPr marL="0" indent="0">
+              <a:buNone/>
+            </a:pPr>
+            <a:r>
+              <a:rPr lang="en-US" dirty="0">
+                <a:latin typeface="Lucida Console"/>
+                <a:cs typeface="Lucida Console"/>
+              </a:rPr>
+              <a:t>    </a:t>
+            </a:r>
+            <a:r>
+              <a:rPr lang="en-US" dirty="0" err="1">
+                <a:latin typeface="Lucida Console"/>
+                <a:cs typeface="Lucida Console"/>
+              </a:rPr>
+              <a:t>job.setCombinerClass</a:t>
+            </a:r>
+            <a:r>
+              <a:rPr lang="en-US" dirty="0">
+                <a:latin typeface="Lucida Console"/>
+                <a:cs typeface="Lucida Console"/>
+              </a:rPr>
+              <a:t>(</a:t>
+            </a:r>
+            <a:r>
+              <a:rPr lang="en-US" dirty="0" err="1">
+                <a:latin typeface="Lucida Console"/>
+                <a:cs typeface="Lucida Console"/>
+              </a:rPr>
+              <a:t>IntSumReducer.class</a:t>
+            </a:r>
+            <a:r>
+              <a:rPr lang="en-US" dirty="0">
+                <a:latin typeface="Lucida Console"/>
+                <a:cs typeface="Lucida Console"/>
+              </a:rPr>
+              <a:t>);</a:t>
+            </a:r>
+          </a:p>
+          <a:p>
+            <a:pPr marL="0" indent="0">
+              <a:buNone/>
+            </a:pPr>
+            <a:r>
+              <a:rPr lang="en-US" dirty="0">
+                <a:latin typeface="Lucida Console"/>
+                <a:cs typeface="Lucida Console"/>
+              </a:rPr>
+              <a:t>    </a:t>
+            </a:r>
+            <a:r>
+              <a:rPr lang="en-US" dirty="0" err="1">
+                <a:latin typeface="Lucida Console"/>
+                <a:cs typeface="Lucida Console"/>
+              </a:rPr>
+              <a:t>job.setReducerClass</a:t>
+            </a:r>
+            <a:r>
+              <a:rPr lang="en-US" dirty="0">
+                <a:latin typeface="Lucida Console"/>
+                <a:cs typeface="Lucida Console"/>
+              </a:rPr>
+              <a:t>(</a:t>
+            </a:r>
+            <a:r>
+              <a:rPr lang="en-US" dirty="0" err="1">
+                <a:latin typeface="Lucida Console"/>
+                <a:cs typeface="Lucida Console"/>
+              </a:rPr>
+              <a:t>IntSumReducer.class</a:t>
+            </a:r>
+            <a:r>
+              <a:rPr lang="en-US" dirty="0">
+                <a:latin typeface="Lucida Console"/>
+                <a:cs typeface="Lucida Console"/>
+              </a:rPr>
+              <a:t>);</a:t>
+            </a:r>
+          </a:p>
+          <a:p>
+            <a:pPr marL="0" indent="0">
+              <a:buNone/>
+            </a:pPr>
+            <a:r>
+              <a:rPr lang="en-US" dirty="0">
+                <a:latin typeface="Lucida Console"/>
+                <a:cs typeface="Lucida Console"/>
+              </a:rPr>
+              <a:t>    </a:t>
+            </a:r>
+            <a:r>
+              <a:rPr lang="en-US" dirty="0" err="1">
+                <a:latin typeface="Lucida Console"/>
+                <a:cs typeface="Lucida Console"/>
+              </a:rPr>
+              <a:t>job.setOutputKeyClass</a:t>
+            </a:r>
+            <a:r>
+              <a:rPr lang="en-US" dirty="0">
+                <a:latin typeface="Lucida Console"/>
+                <a:cs typeface="Lucida Console"/>
+              </a:rPr>
+              <a:t>(</a:t>
+            </a:r>
+            <a:r>
+              <a:rPr lang="en-US" dirty="0" err="1">
+                <a:latin typeface="Lucida Console"/>
+                <a:cs typeface="Lucida Console"/>
+              </a:rPr>
+              <a:t>Text.class</a:t>
+            </a:r>
+            <a:r>
+              <a:rPr lang="en-US" dirty="0">
+                <a:latin typeface="Lucida Console"/>
+                <a:cs typeface="Lucida Console"/>
+              </a:rPr>
+              <a:t>);</a:t>
+            </a:r>
+          </a:p>
+          <a:p>
+            <a:pPr marL="0" indent="0">
+              <a:buNone/>
+            </a:pPr>
+            <a:r>
+              <a:rPr lang="en-US" dirty="0">
+                <a:latin typeface="Lucida Console"/>
+                <a:cs typeface="Lucida Console"/>
+              </a:rPr>
+              <a:t>    </a:t>
+            </a:r>
+            <a:r>
+              <a:rPr lang="en-US" dirty="0" err="1">
+                <a:latin typeface="Lucida Console"/>
+                <a:cs typeface="Lucida Console"/>
+              </a:rPr>
+              <a:t>job.setOutputValueClass</a:t>
+            </a:r>
+            <a:r>
+              <a:rPr lang="en-US" dirty="0">
+                <a:latin typeface="Lucida Console"/>
+                <a:cs typeface="Lucida Console"/>
+              </a:rPr>
+              <a:t>(</a:t>
+            </a:r>
+            <a:r>
+              <a:rPr lang="en-US" dirty="0" err="1">
+                <a:latin typeface="Lucida Console"/>
+                <a:cs typeface="Lucida Console"/>
+              </a:rPr>
+              <a:t>IntWritable.class</a:t>
+            </a:r>
+            <a:r>
+              <a:rPr lang="en-US" dirty="0">
+                <a:latin typeface="Lucida Console"/>
+                <a:cs typeface="Lucida Console"/>
+              </a:rPr>
+              <a:t>);</a:t>
+            </a:r>
+          </a:p>
+          <a:p>
+            <a:pPr marL="0" indent="0">
+              <a:buNone/>
+            </a:pPr>
+            <a:r>
+              <a:rPr lang="en-US" dirty="0">
+                <a:latin typeface="Lucida Console"/>
+                <a:cs typeface="Lucida Console"/>
+              </a:rPr>
+              <a:t>    </a:t>
+            </a:r>
+            <a:r>
+              <a:rPr lang="en-US" dirty="0" err="1">
+                <a:latin typeface="Lucida Console"/>
+                <a:cs typeface="Lucida Console"/>
+              </a:rPr>
+              <a:t>FileInputFormat.addInputPath</a:t>
+            </a:r>
+            <a:r>
+              <a:rPr lang="en-US" dirty="0">
+                <a:latin typeface="Lucida Console"/>
+                <a:cs typeface="Lucida Console"/>
+              </a:rPr>
+              <a:t>(job, new Path(</a:t>
+            </a:r>
+            <a:r>
+              <a:rPr lang="en-US" dirty="0" err="1">
+                <a:latin typeface="Lucida Console"/>
+                <a:cs typeface="Lucida Console"/>
+              </a:rPr>
+              <a:t>args</a:t>
+            </a:r>
+            <a:r>
+              <a:rPr lang="en-US" dirty="0">
+                <a:latin typeface="Lucida Console"/>
+                <a:cs typeface="Lucida Console"/>
+              </a:rPr>
+              <a:t>[0]));</a:t>
+            </a:r>
+          </a:p>
+          <a:p>
+            <a:pPr marL="0" indent="0">
+              <a:buNone/>
+            </a:pPr>
+            <a:r>
+              <a:rPr lang="en-US" dirty="0">
+                <a:latin typeface="Lucida Console"/>
+                <a:cs typeface="Lucida Console"/>
+              </a:rPr>
+              <a:t>    </a:t>
+            </a:r>
+            <a:r>
+              <a:rPr lang="en-US" dirty="0" err="1">
+                <a:latin typeface="Lucida Console"/>
+                <a:cs typeface="Lucida Console"/>
+              </a:rPr>
+              <a:t>FileOutputFormat.setOutputPath</a:t>
+            </a:r>
+            <a:r>
+              <a:rPr lang="en-US" dirty="0">
+                <a:latin typeface="Lucida Console"/>
+                <a:cs typeface="Lucida Console"/>
+              </a:rPr>
+              <a:t>(job, </a:t>
+            </a:r>
+            <a:r>
+              <a:rPr lang="en-US" sz="2900" dirty="0">
+                <a:latin typeface="Lucida Console"/>
+                <a:cs typeface="Lucida Console"/>
+              </a:rPr>
+              <a:t>new Path(</a:t>
+            </a:r>
+            <a:r>
+              <a:rPr lang="en-US" sz="2900" dirty="0" err="1">
+                <a:latin typeface="Lucida Console"/>
+                <a:cs typeface="Lucida Console"/>
+              </a:rPr>
+              <a:t>args</a:t>
+            </a:r>
+            <a:r>
+              <a:rPr lang="en-US" sz="2900" dirty="0">
+                <a:latin typeface="Lucida Console"/>
+                <a:cs typeface="Lucida Console"/>
+              </a:rPr>
+              <a:t>[1]));</a:t>
+            </a:r>
+            <a:endParaRPr lang="en-US" dirty="0">
+              <a:latin typeface="Lucida Console"/>
+              <a:cs typeface="Lucida Console"/>
+            </a:endParaRPr>
+          </a:p>
+          <a:p>
+            <a:pPr marL="0" indent="0">
+              <a:buNone/>
+            </a:pPr>
+            <a:r>
+              <a:rPr lang="en-US" dirty="0">
+                <a:latin typeface="Lucida Console"/>
+                <a:cs typeface="Lucida Console"/>
+              </a:rPr>
+              <a:t>    </a:t>
+            </a:r>
+            <a:r>
+              <a:rPr lang="en-US" dirty="0" err="1">
+                <a:latin typeface="Lucida Console"/>
+                <a:cs typeface="Lucida Console"/>
+              </a:rPr>
+              <a:t>System.exit</a:t>
+            </a:r>
+            <a:r>
+              <a:rPr lang="en-US" dirty="0">
+                <a:latin typeface="Lucida Console"/>
+                <a:cs typeface="Lucida Console"/>
+              </a:rPr>
+              <a:t>(</a:t>
+            </a:r>
+            <a:r>
+              <a:rPr lang="en-US" dirty="0" err="1">
+                <a:latin typeface="Lucida Console"/>
+                <a:cs typeface="Lucida Console"/>
+              </a:rPr>
+              <a:t>job.waitForCompletion</a:t>
+            </a:r>
+            <a:r>
+              <a:rPr lang="en-US" dirty="0">
+                <a:latin typeface="Lucida Console"/>
+                <a:cs typeface="Lucida Console"/>
+              </a:rPr>
+              <a:t>(true) ? 0 : 1);</a:t>
+            </a:r>
+          </a:p>
+          <a:p>
+            <a:pPr marL="0" indent="0">
+              <a:buNone/>
+            </a:pPr>
+            <a:r>
+              <a:rPr lang="en-US" dirty="0">
+                <a:latin typeface="Lucida Console"/>
+                <a:cs typeface="Lucida Console"/>
+              </a:rPr>
+              <a:t>  }</a:t>
+            </a:r>
+          </a:p>
+          <a:p>
+            <a:pPr marL="0" indent="0">
+              <a:buNone/>
+            </a:pPr>
+            <a:r>
+              <a:rPr lang="en-US" dirty="0">
+                <a:latin typeface="Lucida Console"/>
+                <a:cs typeface="Lucida Console"/>
+              </a:rPr>
+              <a:t>}</a:t>
+            </a:r>
+            <a:endParaRPr lang="en-US" dirty="0">
+              <a:latin typeface="Lucida Console"/>
+              <a:cs typeface="Lucida Console"/>
+            </a:endParaRPr>
           </a:p>
         </p:txBody>
       </p:sp>
     </p:spTree>
     <p:extLst>
       <p:ext uri="{BB962C8B-B14F-4D97-AF65-F5344CB8AC3E}">
-        <p14:creationId xmlns:p14="http://schemas.microsoft.com/office/powerpoint/2010/main" val="1909949261"/>
+        <p14:creationId xmlns:p14="http://schemas.microsoft.com/office/powerpoint/2010/main" val="3524617766"/>
       </p:ext>
     </p:extLst>
   </p:cSld>
@@ -8473,7 +8967,11 @@
           <a:p>
             <a:r>
               <a:rPr lang="en-US" dirty="0" smtClean="0"/>
-              <a:t>Apache Pig</a:t>
+              <a:t>Map Reduce in Java </a:t>
+            </a:r>
+            <a:r>
+              <a:rPr lang="en-US" dirty="0" err="1" smtClean="0"/>
+              <a:t>cont</a:t>
             </a:r>
             <a:endParaRPr lang="en-US" dirty="0"/>
           </a:p>
@@ -8494,14 +8992,117 @@
           <a:bodyPr/>
           <a:lstStyle/>
           <a:p>
-            <a:endParaRPr lang="en-US"/>
+            <a:pPr marL="0" indent="0">
+              <a:buNone/>
+            </a:pPr>
+            <a:r>
+              <a:rPr lang="en-US" dirty="0"/>
+              <a:t>$ </a:t>
+            </a:r>
+            <a:r>
+              <a:rPr lang="en-US" dirty="0" smtClean="0"/>
+              <a:t>yarn jar </a:t>
+            </a:r>
+            <a:r>
+              <a:rPr lang="en-US" dirty="0" err="1"/>
+              <a:t>wc.jar</a:t>
+            </a:r>
+            <a:r>
+              <a:rPr lang="en-US" dirty="0"/>
+              <a:t> </a:t>
+            </a:r>
+            <a:endParaRPr lang="en-US" dirty="0" smtClean="0"/>
+          </a:p>
+          <a:p>
+            <a:pPr marL="0" indent="0">
+              <a:buNone/>
+            </a:pPr>
+            <a:r>
+              <a:rPr lang="en-US" dirty="0"/>
+              <a:t>	</a:t>
+            </a:r>
+            <a:r>
+              <a:rPr lang="en-US" dirty="0" err="1" smtClean="0"/>
+              <a:t>WordCount</a:t>
+            </a:r>
+            <a:r>
+              <a:rPr lang="en-US" dirty="0" smtClean="0"/>
+              <a:t> </a:t>
+            </a:r>
+          </a:p>
+          <a:p>
+            <a:pPr marL="0" indent="0">
+              <a:buNone/>
+            </a:pPr>
+            <a:r>
+              <a:rPr lang="en-US" dirty="0"/>
+              <a:t>	</a:t>
+            </a:r>
+            <a:r>
+              <a:rPr lang="en-US" dirty="0" smtClean="0"/>
+              <a:t>/</a:t>
+            </a:r>
+            <a:r>
+              <a:rPr lang="en-US" dirty="0"/>
+              <a:t>user/</a:t>
+            </a:r>
+            <a:r>
+              <a:rPr lang="en-US" dirty="0" err="1"/>
+              <a:t>joe</a:t>
+            </a:r>
+            <a:r>
+              <a:rPr lang="en-US" dirty="0"/>
+              <a:t>/</a:t>
+            </a:r>
+            <a:r>
+              <a:rPr lang="en-US" dirty="0" err="1"/>
+              <a:t>wordcount</a:t>
+            </a:r>
+            <a:r>
+              <a:rPr lang="en-US" dirty="0"/>
+              <a:t>/input </a:t>
+            </a:r>
+            <a:endParaRPr lang="en-US" dirty="0" smtClean="0"/>
+          </a:p>
+          <a:p>
+            <a:pPr marL="0" indent="0">
+              <a:buNone/>
+            </a:pPr>
+            <a:r>
+              <a:rPr lang="en-US" dirty="0"/>
+              <a:t>	</a:t>
+            </a:r>
+            <a:r>
+              <a:rPr lang="en-US" dirty="0" smtClean="0"/>
+              <a:t>/</a:t>
+            </a:r>
+            <a:r>
+              <a:rPr lang="en-US" dirty="0"/>
+              <a:t>user/</a:t>
+            </a:r>
+            <a:r>
+              <a:rPr lang="en-US" dirty="0" err="1"/>
+              <a:t>joe</a:t>
+            </a:r>
+            <a:r>
+              <a:rPr lang="en-US" dirty="0"/>
+              <a:t>/</a:t>
+            </a:r>
+            <a:r>
+              <a:rPr lang="en-US" dirty="0" err="1"/>
+              <a:t>wordcount</a:t>
+            </a:r>
+            <a:r>
+              <a:rPr lang="en-US" dirty="0"/>
+              <a:t>/output</a:t>
+            </a:r>
           </a:p>
         </p:txBody>
       </p:sp>
     </p:spTree>
     <p:extLst>
       <p:ext uri="{BB962C8B-B14F-4D97-AF65-F5344CB8AC3E}">
-        <p14:creationId xmlns:p14="http://schemas.microsoft.com/office/powerpoint/2010/main" val="3178541057"/>
+        <p14:creationId xmlns:p14="http://schemas.microsoft.com/office/powerpoint/2010/main" val="2269781301"/>
       </p:ext>
     </p:extLst>
   </p:cSld>
@@ -8662,7 +9263,7 @@
           <a:p>
             <a:r>
               <a:rPr lang="en-US" dirty="0" smtClean="0"/>
-              <a:t>Apache Hive</a:t>
+              <a:t>Summary</a:t>
             </a:r>
             <a:endParaRPr lang="en-US" dirty="0"/>
           </a:p>
@@ -8690,7 +9291,7 @@
     </p:spTree>
     <p:extLst>
       <p:ext uri="{BB962C8B-B14F-4D97-AF65-F5344CB8AC3E}">
-        <p14:creationId xmlns:p14="http://schemas.microsoft.com/office/powerpoint/2010/main" val="1704453511"/>
+        <p14:creationId xmlns:p14="http://schemas.microsoft.com/office/powerpoint/2010/main" val="805359489"/>
       </p:ext>
     </p:extLst>
   </p:cSld>
@@ -8734,226 +9335,6 @@
           <a:p>
             <a:r>
               <a:rPr lang="en-US" dirty="0" smtClean="0"/>
-              <a:t>Apache </a:t>
-            </a:r>
-            <a:r>
-              <a:rPr lang="en-US" dirty="0" err="1" smtClean="0"/>
-              <a:t>HBase</a:t>
-            </a:r>
-            <a:endParaRPr lang="en-US" dirty="0"/>
-          </a:p>
-        </p:txBody>
-      </p:sp>
-      <p:sp>
-        <p:nvSpPr>
-          <p:cNvPr id="3" name="Content Placeholder 2"/>
-          <p:cNvSpPr>
-            <a:spLocks noGrp="1"/>
-          </p:cNvSpPr>
-          <p:nvPr>
-            <p:ph idx="1"/>
-          </p:nvPr>
-        </p:nvSpPr>
-        <p:spPr/>
-        <p:txBody>
-          <a:bodyPr/>
-          <a:lstStyle/>
-          <a:p>
-            <a:endParaRPr lang="en-US"/>
-          </a:p>
-        </p:txBody>
-      </p:sp>
-    </p:spTree>
-    <p:extLst>
-      <p:ext uri="{BB962C8B-B14F-4D97-AF65-F5344CB8AC3E}">
-        <p14:creationId xmlns:p14="http://schemas.microsoft.com/office/powerpoint/2010/main" val="3315073146"/>
-      </p:ext>
-    </p:extLst>
-  </p:cSld>
-  <p:clrMapOvr>
-    <a:masterClrMapping/>
-  </p:clrMapOvr>
-</p:sld>
-</file>
-
-<file path=ppt/slides/slide32.xml><?xml version="1.0" encoding="utf-8"?>
-<p:sld xmlns:a="http://schemas.openxmlformats.org/drawingml/2006/main" xmlns:r="http://schemas.openxmlformats.org/officeDocument/2006/relationships" xmlns:p="http://schemas.openxmlformats.org/presentationml/2006/main">
-  <p:cSld>
-    <p:spTree>
-      <p:nvGrpSpPr>
-        <p:cNvPr id="1" name=""/>
-        <p:cNvGrpSpPr/>
-        <p:nvPr/>
-      </p:nvGrpSpPr>
-      <p:grpSpPr>
-        <a:xfrm>
-          <a:off x="0" y="0"/>
-          <a:ext cx="0" cy="0"/>
-          <a:chOff x="0" y="0"/>
-          <a:chExt cx="0" cy="0"/>
-        </a:xfrm>
-      </p:grpSpPr>
-      <p:sp>
-        <p:nvSpPr>
-          <p:cNvPr id="2" name="Title 1"/>
-          <p:cNvSpPr>
-            <a:spLocks noGrp="1"/>
-          </p:cNvSpPr>
-          <p:nvPr>
-            <p:ph type="title"/>
-          </p:nvPr>
-        </p:nvSpPr>
-        <p:spPr/>
-        <p:txBody>
-          <a:bodyPr/>
-          <a:lstStyle/>
-          <a:p>
-            <a:r>
-              <a:rPr lang="en-US" dirty="0" smtClean="0"/>
-              <a:t>Other related projects</a:t>
-            </a:r>
-            <a:endParaRPr lang="en-US" dirty="0"/>
-          </a:p>
-        </p:txBody>
-      </p:sp>
-      <p:sp>
-        <p:nvSpPr>
-          <p:cNvPr id="3" name="Content Placeholder 2"/>
-          <p:cNvSpPr>
-            <a:spLocks noGrp="1"/>
-          </p:cNvSpPr>
-          <p:nvPr>
-            <p:ph idx="1"/>
-          </p:nvPr>
-        </p:nvSpPr>
-        <p:spPr/>
-        <p:txBody>
-          <a:bodyPr/>
-          <a:lstStyle/>
-          <a:p>
-            <a:endParaRPr lang="en-US"/>
-          </a:p>
-        </p:txBody>
-      </p:sp>
-    </p:spTree>
-    <p:extLst>
-      <p:ext uri="{BB962C8B-B14F-4D97-AF65-F5344CB8AC3E}">
-        <p14:creationId xmlns:p14="http://schemas.microsoft.com/office/powerpoint/2010/main" val="3727096603"/>
-      </p:ext>
-    </p:extLst>
-  </p:cSld>
-  <p:clrMapOvr>
-    <a:masterClrMapping/>
-  </p:clrMapOvr>
-</p:sld>
-</file>
-
-<file path=ppt/slides/slide33.xml><?xml version="1.0" encoding="utf-8"?>
-<p:sld xmlns:a="http://schemas.openxmlformats.org/drawingml/2006/main" xmlns:r="http://schemas.openxmlformats.org/officeDocument/2006/relationships" xmlns:p="http://schemas.openxmlformats.org/presentationml/2006/main">
-  <p:cSld>
-    <p:spTree>
-      <p:nvGrpSpPr>
-        <p:cNvPr id="1" name=""/>
-        <p:cNvGrpSpPr/>
-        <p:nvPr/>
-      </p:nvGrpSpPr>
-      <p:grpSpPr>
-        <a:xfrm>
-          <a:off x="0" y="0"/>
-          <a:ext cx="0" cy="0"/>
-          <a:chOff x="0" y="0"/>
-          <a:chExt cx="0" cy="0"/>
-        </a:xfrm>
-      </p:grpSpPr>
-      <p:sp>
-        <p:nvSpPr>
-          <p:cNvPr id="2" name="Title 1"/>
-          <p:cNvSpPr>
-            <a:spLocks noGrp="1"/>
-          </p:cNvSpPr>
-          <p:nvPr>
-            <p:ph type="title"/>
-          </p:nvPr>
-        </p:nvSpPr>
-        <p:spPr/>
-        <p:txBody>
-          <a:bodyPr/>
-          <a:lstStyle/>
-          <a:p>
-            <a:r>
-              <a:rPr lang="en-US" dirty="0" smtClean="0"/>
-              <a:t>Summary</a:t>
-            </a:r>
-            <a:endParaRPr lang="en-US" dirty="0"/>
-          </a:p>
-        </p:txBody>
-      </p:sp>
-      <p:sp>
-        <p:nvSpPr>
-          <p:cNvPr id="3" name="Content Placeholder 2"/>
-          <p:cNvSpPr>
-            <a:spLocks noGrp="1"/>
-          </p:cNvSpPr>
-          <p:nvPr>
-            <p:ph idx="1"/>
-          </p:nvPr>
-        </p:nvSpPr>
-        <p:spPr/>
-        <p:txBody>
-          <a:bodyPr/>
-          <a:lstStyle/>
-          <a:p>
-            <a:endParaRPr lang="en-US"/>
-          </a:p>
-        </p:txBody>
-      </p:sp>
-    </p:spTree>
-    <p:extLst>
-      <p:ext uri="{BB962C8B-B14F-4D97-AF65-F5344CB8AC3E}">
-        <p14:creationId xmlns:p14="http://schemas.microsoft.com/office/powerpoint/2010/main" val="805359489"/>
-      </p:ext>
-    </p:extLst>
-  </p:cSld>
-  <p:clrMapOvr>
-    <a:masterClrMapping/>
-  </p:clrMapOvr>
-</p:sld>
-</file>
-
-<file path=ppt/slides/slide34.xml><?xml version="1.0" encoding="utf-8"?>
-<p:sld xmlns:a="http://schemas.openxmlformats.org/drawingml/2006/main" xmlns:r="http://schemas.openxmlformats.org/officeDocument/2006/relationships" xmlns:p="http://schemas.openxmlformats.org/presentationml/2006/main">
-  <p:cSld>
-    <p:spTree>
-      <p:nvGrpSpPr>
-        <p:cNvPr id="1" name=""/>
-        <p:cNvGrpSpPr/>
-        <p:nvPr/>
-      </p:nvGrpSpPr>
-      <p:grpSpPr>
-        <a:xfrm>
-          <a:off x="0" y="0"/>
-          <a:ext cx="0" cy="0"/>
-          <a:chOff x="0" y="0"/>
-          <a:chExt cx="0" cy="0"/>
-        </a:xfrm>
-      </p:grpSpPr>
-      <p:sp>
-        <p:nvSpPr>
-          <p:cNvPr id="2" name="Title 1"/>
-          <p:cNvSpPr>
-            <a:spLocks noGrp="1"/>
-          </p:cNvSpPr>
-          <p:nvPr>
-            <p:ph type="title"/>
-          </p:nvPr>
-        </p:nvSpPr>
-        <p:spPr/>
-        <p:txBody>
-          <a:bodyPr/>
-          <a:lstStyle/>
-          <a:p>
-            <a:r>
-              <a:rPr lang="en-US" dirty="0" smtClean="0"/>
               <a:t>Resources</a:t>
             </a:r>
             <a:endParaRPr lang="en-US" dirty="0"/>
@@ -8992,7 +9373,7 @@
 </p:sld>
 </file>
 
-<file path=ppt/slides/slide35.xml><?xml version="1.0" encoding="utf-8"?>
+<file path=ppt/slides/slide32.xml><?xml version="1.0" encoding="utf-8"?>
 <p:sld xmlns:a="http://schemas.openxmlformats.org/drawingml/2006/main" xmlns:r="http://schemas.openxmlformats.org/officeDocument/2006/relationships" xmlns:p="http://schemas.openxmlformats.org/presentationml/2006/main">
   <p:cSld>
     <p:spTree>
